--- a/churn/회원탈퇴예측프로젝트.pptx
+++ b/churn/회원탈퇴예측프로젝트.pptx
@@ -30,7 +30,16 @@
     <p:sldId id="282" r:id="rId24"/>
     <p:sldId id="283" r:id="rId25"/>
     <p:sldId id="284" r:id="rId26"/>
-    <p:sldId id="265" r:id="rId27"/>
+    <p:sldId id="285" r:id="rId27"/>
+    <p:sldId id="265" r:id="rId28"/>
+    <p:sldId id="286" r:id="rId29"/>
+    <p:sldId id="287" r:id="rId30"/>
+    <p:sldId id="288" r:id="rId31"/>
+    <p:sldId id="290" r:id="rId32"/>
+    <p:sldId id="289" r:id="rId33"/>
+    <p:sldId id="291" r:id="rId34"/>
+    <p:sldId id="292" r:id="rId35"/>
+    <p:sldId id="293" r:id="rId36"/>
   </p:sldIdLst>
   <p:sldSz cx="12192000" cy="6858000"/>
   <p:notesSz cx="6858000" cy="9144000"/>
@@ -129,6 +138,11 @@
       </a:defRPr>
     </a:lvl9pPr>
   </p:defaultTextStyle>
+  <p:extLst>
+    <p:ext uri="{EFAFB233-063F-42B5-8137-9DF3F51BA10A}">
+      <p15:sldGuideLst xmlns:p15="http://schemas.microsoft.com/office/powerpoint/2012/main"/>
+    </p:ext>
+  </p:extLst>
 </p:presentation>
 </file>
 
@@ -263,7 +277,7 @@
           <a:p>
             <a:fld id="{E392EA38-E544-43FD-8860-D139666306A2}" type="datetimeFigureOut">
               <a:rPr lang="ko-KR" altLang="en-US" smtClean="0"/>
-              <a:t>2024-08-28</a:t>
+              <a:t>2024-08-29</a:t>
             </a:fld>
             <a:endParaRPr lang="ko-KR" altLang="en-US"/>
           </a:p>
@@ -433,7 +447,7 @@
           <a:p>
             <a:fld id="{E392EA38-E544-43FD-8860-D139666306A2}" type="datetimeFigureOut">
               <a:rPr lang="ko-KR" altLang="en-US" smtClean="0"/>
-              <a:t>2024-08-28</a:t>
+              <a:t>2024-08-29</a:t>
             </a:fld>
             <a:endParaRPr lang="ko-KR" altLang="en-US"/>
           </a:p>
@@ -613,7 +627,7 @@
           <a:p>
             <a:fld id="{E392EA38-E544-43FD-8860-D139666306A2}" type="datetimeFigureOut">
               <a:rPr lang="ko-KR" altLang="en-US" smtClean="0"/>
-              <a:t>2024-08-28</a:t>
+              <a:t>2024-08-29</a:t>
             </a:fld>
             <a:endParaRPr lang="ko-KR" altLang="en-US"/>
           </a:p>
@@ -783,7 +797,7 @@
           <a:p>
             <a:fld id="{E392EA38-E544-43FD-8860-D139666306A2}" type="datetimeFigureOut">
               <a:rPr lang="ko-KR" altLang="en-US" smtClean="0"/>
-              <a:t>2024-08-28</a:t>
+              <a:t>2024-08-29</a:t>
             </a:fld>
             <a:endParaRPr lang="ko-KR" altLang="en-US"/>
           </a:p>
@@ -1029,7 +1043,7 @@
           <a:p>
             <a:fld id="{E392EA38-E544-43FD-8860-D139666306A2}" type="datetimeFigureOut">
               <a:rPr lang="ko-KR" altLang="en-US" smtClean="0"/>
-              <a:t>2024-08-28</a:t>
+              <a:t>2024-08-29</a:t>
             </a:fld>
             <a:endParaRPr lang="ko-KR" altLang="en-US"/>
           </a:p>
@@ -1261,7 +1275,7 @@
           <a:p>
             <a:fld id="{E392EA38-E544-43FD-8860-D139666306A2}" type="datetimeFigureOut">
               <a:rPr lang="ko-KR" altLang="en-US" smtClean="0"/>
-              <a:t>2024-08-28</a:t>
+              <a:t>2024-08-29</a:t>
             </a:fld>
             <a:endParaRPr lang="ko-KR" altLang="en-US"/>
           </a:p>
@@ -1628,7 +1642,7 @@
           <a:p>
             <a:fld id="{E392EA38-E544-43FD-8860-D139666306A2}" type="datetimeFigureOut">
               <a:rPr lang="ko-KR" altLang="en-US" smtClean="0"/>
-              <a:t>2024-08-28</a:t>
+              <a:t>2024-08-29</a:t>
             </a:fld>
             <a:endParaRPr lang="ko-KR" altLang="en-US"/>
           </a:p>
@@ -1755,7 +1769,7 @@
           <a:p>
             <a:fld id="{E392EA38-E544-43FD-8860-D139666306A2}" type="datetimeFigureOut">
               <a:rPr lang="ko-KR" altLang="en-US" smtClean="0"/>
-              <a:t>2024-08-28</a:t>
+              <a:t>2024-08-29</a:t>
             </a:fld>
             <a:endParaRPr lang="ko-KR" altLang="en-US"/>
           </a:p>
@@ -1850,7 +1864,7 @@
           <a:p>
             <a:fld id="{E392EA38-E544-43FD-8860-D139666306A2}" type="datetimeFigureOut">
               <a:rPr lang="ko-KR" altLang="en-US" smtClean="0"/>
-              <a:t>2024-08-28</a:t>
+              <a:t>2024-08-29</a:t>
             </a:fld>
             <a:endParaRPr lang="ko-KR" altLang="en-US"/>
           </a:p>
@@ -2127,7 +2141,7 @@
           <a:p>
             <a:fld id="{E392EA38-E544-43FD-8860-D139666306A2}" type="datetimeFigureOut">
               <a:rPr lang="ko-KR" altLang="en-US" smtClean="0"/>
-              <a:t>2024-08-28</a:t>
+              <a:t>2024-08-29</a:t>
             </a:fld>
             <a:endParaRPr lang="ko-KR" altLang="en-US"/>
           </a:p>
@@ -2380,7 +2394,7 @@
           <a:p>
             <a:fld id="{E392EA38-E544-43FD-8860-D139666306A2}" type="datetimeFigureOut">
               <a:rPr lang="ko-KR" altLang="en-US" smtClean="0"/>
-              <a:t>2024-08-28</a:t>
+              <a:t>2024-08-29</a:t>
             </a:fld>
             <a:endParaRPr lang="ko-KR" altLang="en-US"/>
           </a:p>
@@ -2593,7 +2607,7 @@
           <a:p>
             <a:fld id="{E392EA38-E544-43FD-8860-D139666306A2}" type="datetimeFigureOut">
               <a:rPr lang="ko-KR" altLang="en-US" smtClean="0"/>
-              <a:t>2024-08-28</a:t>
+              <a:t>2024-08-29</a:t>
             </a:fld>
             <a:endParaRPr lang="ko-KR" altLang="en-US"/>
           </a:p>
@@ -5859,6 +5873,58 @@
           </a:prstGeom>
         </p:spPr>
       </p:pic>
+      <p:sp>
+        <p:nvSpPr>
+          <p:cNvPr id="5" name="액자 4"/>
+          <p:cNvSpPr/>
+          <p:nvPr/>
+        </p:nvSpPr>
+        <p:spPr>
+          <a:xfrm>
+            <a:off x="1906292" y="1767963"/>
+            <a:ext cx="3421734" cy="4493352"/>
+          </a:xfrm>
+          <a:prstGeom prst="frame">
+            <a:avLst>
+              <a:gd name="adj1" fmla="val 4775"/>
+            </a:avLst>
+          </a:prstGeom>
+          <a:solidFill>
+            <a:srgbClr val="FF0000"/>
+          </a:solidFill>
+          <a:ln>
+            <a:noFill/>
+          </a:ln>
+        </p:spPr>
+        <p:style>
+          <a:lnRef idx="2">
+            <a:schemeClr val="accent1">
+              <a:shade val="50000"/>
+            </a:schemeClr>
+          </a:lnRef>
+          <a:fillRef idx="1">
+            <a:schemeClr val="accent1"/>
+          </a:fillRef>
+          <a:effectRef idx="0">
+            <a:schemeClr val="accent1"/>
+          </a:effectRef>
+          <a:fontRef idx="minor">
+            <a:schemeClr val="lt1"/>
+          </a:fontRef>
+        </p:style>
+        <p:txBody>
+          <a:bodyPr rtlCol="0" anchor="ctr"/>
+          <a:lstStyle/>
+          <a:p>
+            <a:pPr algn="ctr"/>
+            <a:endParaRPr lang="ko-KR" altLang="en-US">
+              <a:solidFill>
+                <a:schemeClr val="tx1"/>
+              </a:solidFill>
+            </a:endParaRPr>
+          </a:p>
+        </p:txBody>
+      </p:sp>
     </p:spTree>
     <p:extLst>
       <p:ext uri="{BB962C8B-B14F-4D97-AF65-F5344CB8AC3E}">
@@ -6273,6 +6339,119 @@
           <a:p>
             <a:r>
               <a:rPr lang="ko-KR" altLang="en-US" dirty="0" smtClean="0"/>
+              <a:t>선형 회귀 예측</a:t>
+            </a:r>
+            <a:endParaRPr lang="ko-KR" altLang="en-US" dirty="0"/>
+          </a:p>
+        </p:txBody>
+      </p:sp>
+      <p:pic>
+        <p:nvPicPr>
+          <p:cNvPr id="3" name="그림 2"/>
+          <p:cNvPicPr>
+            <a:picLocks noChangeAspect="1"/>
+          </p:cNvPicPr>
+          <p:nvPr/>
+        </p:nvPicPr>
+        <p:blipFill>
+          <a:blip r:embed="rId2">
+            <a:extLst>
+              <a:ext uri="{28A0092B-C50C-407E-A947-70E740481C1C}">
+                <a14:useLocalDpi xmlns:a14="http://schemas.microsoft.com/office/drawing/2010/main" val="0"/>
+              </a:ext>
+            </a:extLst>
+          </a:blip>
+          <a:stretch>
+            <a:fillRect/>
+          </a:stretch>
+        </p:blipFill>
+        <p:spPr>
+          <a:xfrm>
+            <a:off x="3333227" y="2474294"/>
+            <a:ext cx="5525546" cy="1063604"/>
+          </a:xfrm>
+          <a:prstGeom prst="rect">
+            <a:avLst/>
+          </a:prstGeom>
+        </p:spPr>
+      </p:pic>
+      <p:pic>
+        <p:nvPicPr>
+          <p:cNvPr id="4" name="그림 3"/>
+          <p:cNvPicPr>
+            <a:picLocks noChangeAspect="1"/>
+          </p:cNvPicPr>
+          <p:nvPr/>
+        </p:nvPicPr>
+        <p:blipFill>
+          <a:blip r:embed="rId3">
+            <a:extLst>
+              <a:ext uri="{28A0092B-C50C-407E-A947-70E740481C1C}">
+                <a14:useLocalDpi xmlns:a14="http://schemas.microsoft.com/office/drawing/2010/main" val="0"/>
+              </a:ext>
+            </a:extLst>
+          </a:blip>
+          <a:stretch>
+            <a:fillRect/>
+          </a:stretch>
+        </p:blipFill>
+        <p:spPr>
+          <a:xfrm>
+            <a:off x="2350356" y="3881116"/>
+            <a:ext cx="7491289" cy="742938"/>
+          </a:xfrm>
+          <a:prstGeom prst="rect">
+            <a:avLst/>
+          </a:prstGeom>
+        </p:spPr>
+      </p:pic>
+    </p:spTree>
+    <p:extLst>
+      <p:ext uri="{BB962C8B-B14F-4D97-AF65-F5344CB8AC3E}">
+        <p14:creationId xmlns:p14="http://schemas.microsoft.com/office/powerpoint/2010/main" val="3065594731"/>
+      </p:ext>
+    </p:extLst>
+  </p:cSld>
+  <p:clrMapOvr>
+    <a:masterClrMapping/>
+  </p:clrMapOvr>
+</p:sld>
+</file>
+
+<file path=ppt/slides/slide27.xml><?xml version="1.0" encoding="utf-8"?>
+<p:sld xmlns:a="http://schemas.openxmlformats.org/drawingml/2006/main" xmlns:r="http://schemas.openxmlformats.org/officeDocument/2006/relationships" xmlns:p="http://schemas.openxmlformats.org/presentationml/2006/main">
+  <p:cSld>
+    <p:spTree>
+      <p:nvGrpSpPr>
+        <p:cNvPr id="1" name=""/>
+        <p:cNvGrpSpPr/>
+        <p:nvPr/>
+      </p:nvGrpSpPr>
+      <p:grpSpPr>
+        <a:xfrm>
+          <a:off x="0" y="0"/>
+          <a:ext cx="0" cy="0"/>
+          <a:chOff x="0" y="0"/>
+          <a:chExt cx="0" cy="0"/>
+        </a:xfrm>
+      </p:grpSpPr>
+      <p:sp>
+        <p:nvSpPr>
+          <p:cNvPr id="2" name="제목 1"/>
+          <p:cNvSpPr>
+            <a:spLocks noGrp="1"/>
+          </p:cNvSpPr>
+          <p:nvPr>
+            <p:ph type="title"/>
+          </p:nvPr>
+        </p:nvSpPr>
+        <p:spPr/>
+        <p:txBody>
+          <a:bodyPr/>
+          <a:lstStyle/>
+          <a:p>
+            <a:r>
+              <a:rPr lang="ko-KR" altLang="en-US" dirty="0" smtClean="0"/>
               <a:t>고객의 소리</a:t>
             </a:r>
             <a:endParaRPr lang="ko-KR" altLang="en-US" dirty="0"/>
@@ -6588,6 +6767,332 @@
 </p:sld>
 </file>
 
+<file path=ppt/slides/slide28.xml><?xml version="1.0" encoding="utf-8"?>
+<p:sld xmlns:a="http://schemas.openxmlformats.org/drawingml/2006/main" xmlns:r="http://schemas.openxmlformats.org/officeDocument/2006/relationships" xmlns:p="http://schemas.openxmlformats.org/presentationml/2006/main">
+  <p:cSld>
+    <p:spTree>
+      <p:nvGrpSpPr>
+        <p:cNvPr id="1" name=""/>
+        <p:cNvGrpSpPr/>
+        <p:nvPr/>
+      </p:nvGrpSpPr>
+      <p:grpSpPr>
+        <a:xfrm>
+          <a:off x="0" y="0"/>
+          <a:ext cx="0" cy="0"/>
+          <a:chOff x="0" y="0"/>
+          <a:chExt cx="0" cy="0"/>
+        </a:xfrm>
+      </p:grpSpPr>
+      <p:sp>
+        <p:nvSpPr>
+          <p:cNvPr id="2" name="제목 1"/>
+          <p:cNvSpPr>
+            <a:spLocks noGrp="1"/>
+          </p:cNvSpPr>
+          <p:nvPr>
+            <p:ph type="title"/>
+          </p:nvPr>
+        </p:nvSpPr>
+        <p:spPr/>
+        <p:txBody>
+          <a:bodyPr/>
+          <a:lstStyle/>
+          <a:p>
+            <a:r>
+              <a:rPr lang="ko-KR" altLang="en-US" dirty="0" smtClean="0"/>
+              <a:t>탈퇴 회원 데이터 가공</a:t>
+            </a:r>
+            <a:endParaRPr lang="ko-KR" altLang="en-US" dirty="0"/>
+          </a:p>
+        </p:txBody>
+      </p:sp>
+      <p:pic>
+        <p:nvPicPr>
+          <p:cNvPr id="7" name="그림 6"/>
+          <p:cNvPicPr>
+            <a:picLocks noChangeAspect="1"/>
+          </p:cNvPicPr>
+          <p:nvPr/>
+        </p:nvPicPr>
+        <p:blipFill rotWithShape="1">
+          <a:blip r:embed="rId2">
+            <a:extLst>
+              <a:ext uri="{28A0092B-C50C-407E-A947-70E740481C1C}">
+                <a14:useLocalDpi xmlns:a14="http://schemas.microsoft.com/office/drawing/2010/main" val="0"/>
+              </a:ext>
+            </a:extLst>
+          </a:blip>
+          <a:srcRect r="51860"/>
+          <a:stretch/>
+        </p:blipFill>
+        <p:spPr>
+          <a:xfrm>
+            <a:off x="2500394" y="1325654"/>
+            <a:ext cx="7191213" cy="2430272"/>
+          </a:xfrm>
+          <a:prstGeom prst="rect">
+            <a:avLst/>
+          </a:prstGeom>
+        </p:spPr>
+      </p:pic>
+      <p:pic>
+        <p:nvPicPr>
+          <p:cNvPr id="8" name="그림 7"/>
+          <p:cNvPicPr>
+            <a:picLocks noChangeAspect="1"/>
+          </p:cNvPicPr>
+          <p:nvPr/>
+        </p:nvPicPr>
+        <p:blipFill rotWithShape="1">
+          <a:blip r:embed="rId2">
+            <a:extLst>
+              <a:ext uri="{28A0092B-C50C-407E-A947-70E740481C1C}">
+                <a14:useLocalDpi xmlns:a14="http://schemas.microsoft.com/office/drawing/2010/main" val="0"/>
+              </a:ext>
+            </a:extLst>
+          </a:blip>
+          <a:srcRect l="49607"/>
+          <a:stretch/>
+        </p:blipFill>
+        <p:spPr>
+          <a:xfrm>
+            <a:off x="2128350" y="3947040"/>
+            <a:ext cx="7935299" cy="2561893"/>
+          </a:xfrm>
+          <a:prstGeom prst="rect">
+            <a:avLst/>
+          </a:prstGeom>
+        </p:spPr>
+      </p:pic>
+      <p:sp>
+        <p:nvSpPr>
+          <p:cNvPr id="9" name="액자 8"/>
+          <p:cNvSpPr/>
+          <p:nvPr/>
+        </p:nvSpPr>
+        <p:spPr>
+          <a:xfrm>
+            <a:off x="9049674" y="3916044"/>
+            <a:ext cx="1086219" cy="2655238"/>
+          </a:xfrm>
+          <a:prstGeom prst="frame">
+            <a:avLst>
+              <a:gd name="adj1" fmla="val 8328"/>
+            </a:avLst>
+          </a:prstGeom>
+          <a:solidFill>
+            <a:srgbClr val="FF0000"/>
+          </a:solidFill>
+          <a:ln>
+            <a:noFill/>
+          </a:ln>
+        </p:spPr>
+        <p:style>
+          <a:lnRef idx="2">
+            <a:schemeClr val="accent1">
+              <a:shade val="50000"/>
+            </a:schemeClr>
+          </a:lnRef>
+          <a:fillRef idx="1">
+            <a:schemeClr val="accent1"/>
+          </a:fillRef>
+          <a:effectRef idx="0">
+            <a:schemeClr val="accent1"/>
+          </a:effectRef>
+          <a:fontRef idx="minor">
+            <a:schemeClr val="lt1"/>
+          </a:fontRef>
+        </p:style>
+        <p:txBody>
+          <a:bodyPr rtlCol="0" anchor="ctr"/>
+          <a:lstStyle/>
+          <a:p>
+            <a:pPr algn="ctr"/>
+            <a:endParaRPr lang="ko-KR" altLang="en-US">
+              <a:solidFill>
+                <a:schemeClr val="tx1"/>
+              </a:solidFill>
+            </a:endParaRPr>
+          </a:p>
+        </p:txBody>
+      </p:sp>
+    </p:spTree>
+    <p:extLst>
+      <p:ext uri="{BB962C8B-B14F-4D97-AF65-F5344CB8AC3E}">
+        <p14:creationId xmlns:p14="http://schemas.microsoft.com/office/powerpoint/2010/main" val="1703267211"/>
+      </p:ext>
+    </p:extLst>
+  </p:cSld>
+  <p:clrMapOvr>
+    <a:masterClrMapping/>
+  </p:clrMapOvr>
+</p:sld>
+</file>
+
+<file path=ppt/slides/slide29.xml><?xml version="1.0" encoding="utf-8"?>
+<p:sld xmlns:a="http://schemas.openxmlformats.org/drawingml/2006/main" xmlns:r="http://schemas.openxmlformats.org/officeDocument/2006/relationships" xmlns:p="http://schemas.openxmlformats.org/presentationml/2006/main">
+  <p:cSld>
+    <p:spTree>
+      <p:nvGrpSpPr>
+        <p:cNvPr id="1" name=""/>
+        <p:cNvGrpSpPr/>
+        <p:nvPr/>
+      </p:nvGrpSpPr>
+      <p:grpSpPr>
+        <a:xfrm>
+          <a:off x="0" y="0"/>
+          <a:ext cx="0" cy="0"/>
+          <a:chOff x="0" y="0"/>
+          <a:chExt cx="0" cy="0"/>
+        </a:xfrm>
+      </p:grpSpPr>
+      <p:sp>
+        <p:nvSpPr>
+          <p:cNvPr id="2" name="제목 1"/>
+          <p:cNvSpPr>
+            <a:spLocks noGrp="1"/>
+          </p:cNvSpPr>
+          <p:nvPr>
+            <p:ph type="title"/>
+          </p:nvPr>
+        </p:nvSpPr>
+        <p:spPr/>
+        <p:txBody>
+          <a:bodyPr/>
+          <a:lstStyle/>
+          <a:p>
+            <a:r>
+              <a:rPr lang="ko-KR" altLang="en-US" dirty="0" smtClean="0"/>
+              <a:t>지속 회원 데이터 가공</a:t>
+            </a:r>
+            <a:endParaRPr lang="ko-KR" altLang="en-US" dirty="0"/>
+          </a:p>
+        </p:txBody>
+      </p:sp>
+      <p:pic>
+        <p:nvPicPr>
+          <p:cNvPr id="3" name="그림 2"/>
+          <p:cNvPicPr>
+            <a:picLocks noChangeAspect="1"/>
+          </p:cNvPicPr>
+          <p:nvPr/>
+        </p:nvPicPr>
+        <p:blipFill rotWithShape="1">
+          <a:blip r:embed="rId2">
+            <a:extLst>
+              <a:ext uri="{28A0092B-C50C-407E-A947-70E740481C1C}">
+                <a14:useLocalDpi xmlns:a14="http://schemas.microsoft.com/office/drawing/2010/main" val="0"/>
+              </a:ext>
+            </a:extLst>
+          </a:blip>
+          <a:srcRect r="52848"/>
+          <a:stretch/>
+        </p:blipFill>
+        <p:spPr>
+          <a:xfrm>
+            <a:off x="1572950" y="1496135"/>
+            <a:ext cx="9046101" cy="2099472"/>
+          </a:xfrm>
+          <a:prstGeom prst="rect">
+            <a:avLst/>
+          </a:prstGeom>
+        </p:spPr>
+      </p:pic>
+      <p:pic>
+        <p:nvPicPr>
+          <p:cNvPr id="4" name="그림 3"/>
+          <p:cNvPicPr>
+            <a:picLocks noChangeAspect="1"/>
+          </p:cNvPicPr>
+          <p:nvPr/>
+        </p:nvPicPr>
+        <p:blipFill rotWithShape="1">
+          <a:blip r:embed="rId2">
+            <a:extLst>
+              <a:ext uri="{28A0092B-C50C-407E-A947-70E740481C1C}">
+                <a14:useLocalDpi xmlns:a14="http://schemas.microsoft.com/office/drawing/2010/main" val="0"/>
+              </a:ext>
+            </a:extLst>
+          </a:blip>
+          <a:srcRect l="48819"/>
+          <a:stretch/>
+        </p:blipFill>
+        <p:spPr>
+          <a:xfrm>
+            <a:off x="927316" y="3816015"/>
+            <a:ext cx="10337369" cy="2210309"/>
+          </a:xfrm>
+          <a:prstGeom prst="rect">
+            <a:avLst/>
+          </a:prstGeom>
+        </p:spPr>
+      </p:pic>
+      <p:sp>
+        <p:nvSpPr>
+          <p:cNvPr id="5" name="액자 4"/>
+          <p:cNvSpPr/>
+          <p:nvPr/>
+        </p:nvSpPr>
+        <p:spPr>
+          <a:xfrm>
+            <a:off x="10193964" y="3754023"/>
+            <a:ext cx="1086219" cy="2367808"/>
+          </a:xfrm>
+          <a:prstGeom prst="frame">
+            <a:avLst>
+              <a:gd name="adj1" fmla="val 8328"/>
+            </a:avLst>
+          </a:prstGeom>
+          <a:solidFill>
+            <a:srgbClr val="FF0000"/>
+          </a:solidFill>
+          <a:ln>
+            <a:noFill/>
+          </a:ln>
+        </p:spPr>
+        <p:style>
+          <a:lnRef idx="2">
+            <a:schemeClr val="accent1">
+              <a:shade val="50000"/>
+            </a:schemeClr>
+          </a:lnRef>
+          <a:fillRef idx="1">
+            <a:schemeClr val="accent1"/>
+          </a:fillRef>
+          <a:effectRef idx="0">
+            <a:schemeClr val="accent1"/>
+          </a:effectRef>
+          <a:fontRef idx="minor">
+            <a:schemeClr val="lt1"/>
+          </a:fontRef>
+        </p:style>
+        <p:txBody>
+          <a:bodyPr rtlCol="0" anchor="ctr"/>
+          <a:lstStyle/>
+          <a:p>
+            <a:pPr algn="ctr"/>
+            <a:endParaRPr lang="ko-KR" altLang="en-US">
+              <a:solidFill>
+                <a:schemeClr val="tx1"/>
+              </a:solidFill>
+            </a:endParaRPr>
+          </a:p>
+        </p:txBody>
+      </p:sp>
+    </p:spTree>
+    <p:extLst>
+      <p:ext uri="{BB962C8B-B14F-4D97-AF65-F5344CB8AC3E}">
+        <p14:creationId xmlns:p14="http://schemas.microsoft.com/office/powerpoint/2010/main" val="1245621416"/>
+      </p:ext>
+    </p:extLst>
+  </p:cSld>
+  <p:clrMapOvr>
+    <a:masterClrMapping/>
+  </p:clrMapOvr>
+</p:sld>
+</file>
+
 <file path=ppt/slides/slide3.xml><?xml version="1.0" encoding="utf-8"?>
 <p:sld xmlns:a="http://schemas.openxmlformats.org/drawingml/2006/main" xmlns:r="http://schemas.openxmlformats.org/officeDocument/2006/relationships" xmlns:p="http://schemas.openxmlformats.org/presentationml/2006/main">
   <p:cSld>
@@ -6666,6 +7171,1025 @@
     <p:extLst>
       <p:ext uri="{BB962C8B-B14F-4D97-AF65-F5344CB8AC3E}">
         <p14:creationId xmlns:p14="http://schemas.microsoft.com/office/powerpoint/2010/main" val="140978937"/>
+      </p:ext>
+    </p:extLst>
+  </p:cSld>
+  <p:clrMapOvr>
+    <a:masterClrMapping/>
+  </p:clrMapOvr>
+</p:sld>
+</file>
+
+<file path=ppt/slides/slide30.xml><?xml version="1.0" encoding="utf-8"?>
+<p:sld xmlns:a="http://schemas.openxmlformats.org/drawingml/2006/main" xmlns:r="http://schemas.openxmlformats.org/officeDocument/2006/relationships" xmlns:p="http://schemas.openxmlformats.org/presentationml/2006/main">
+  <p:cSld>
+    <p:spTree>
+      <p:nvGrpSpPr>
+        <p:cNvPr id="1" name=""/>
+        <p:cNvGrpSpPr/>
+        <p:nvPr/>
+      </p:nvGrpSpPr>
+      <p:grpSpPr>
+        <a:xfrm>
+          <a:off x="0" y="0"/>
+          <a:ext cx="0" cy="0"/>
+          <a:chOff x="0" y="0"/>
+          <a:chExt cx="0" cy="0"/>
+        </a:xfrm>
+      </p:grpSpPr>
+      <p:sp>
+        <p:nvSpPr>
+          <p:cNvPr id="2" name="제목 1"/>
+          <p:cNvSpPr>
+            <a:spLocks noGrp="1"/>
+          </p:cNvSpPr>
+          <p:nvPr>
+            <p:ph type="title"/>
+          </p:nvPr>
+        </p:nvSpPr>
+        <p:spPr/>
+        <p:txBody>
+          <a:bodyPr/>
+          <a:lstStyle/>
+          <a:p>
+            <a:r>
+              <a:rPr lang="ko-KR" altLang="en-US" dirty="0" smtClean="0"/>
+              <a:t>예측을 위한 데이터 가공</a:t>
+            </a:r>
+            <a:endParaRPr lang="ko-KR" altLang="en-US" dirty="0"/>
+          </a:p>
+        </p:txBody>
+      </p:sp>
+      <p:pic>
+        <p:nvPicPr>
+          <p:cNvPr id="3" name="그림 2"/>
+          <p:cNvPicPr>
+            <a:picLocks noChangeAspect="1"/>
+          </p:cNvPicPr>
+          <p:nvPr/>
+        </p:nvPicPr>
+        <p:blipFill>
+          <a:blip r:embed="rId2">
+            <a:extLst>
+              <a:ext uri="{28A0092B-C50C-407E-A947-70E740481C1C}">
+                <a14:useLocalDpi xmlns:a14="http://schemas.microsoft.com/office/drawing/2010/main" val="0"/>
+              </a:ext>
+            </a:extLst>
+          </a:blip>
+          <a:stretch>
+            <a:fillRect/>
+          </a:stretch>
+        </p:blipFill>
+        <p:spPr>
+          <a:xfrm>
+            <a:off x="1115260" y="2051091"/>
+            <a:ext cx="9961480" cy="2810912"/>
+          </a:xfrm>
+          <a:prstGeom prst="rect">
+            <a:avLst/>
+          </a:prstGeom>
+        </p:spPr>
+      </p:pic>
+    </p:spTree>
+    <p:extLst>
+      <p:ext uri="{BB962C8B-B14F-4D97-AF65-F5344CB8AC3E}">
+        <p14:creationId xmlns:p14="http://schemas.microsoft.com/office/powerpoint/2010/main" val="3604912911"/>
+      </p:ext>
+    </p:extLst>
+  </p:cSld>
+  <p:clrMapOvr>
+    <a:masterClrMapping/>
+  </p:clrMapOvr>
+</p:sld>
+</file>
+
+<file path=ppt/slides/slide31.xml><?xml version="1.0" encoding="utf-8"?>
+<p:sld xmlns:a="http://schemas.openxmlformats.org/drawingml/2006/main" xmlns:r="http://schemas.openxmlformats.org/officeDocument/2006/relationships" xmlns:p="http://schemas.openxmlformats.org/presentationml/2006/main">
+  <p:cSld>
+    <p:spTree>
+      <p:nvGrpSpPr>
+        <p:cNvPr id="1" name=""/>
+        <p:cNvGrpSpPr/>
+        <p:nvPr/>
+      </p:nvGrpSpPr>
+      <p:grpSpPr>
+        <a:xfrm>
+          <a:off x="0" y="0"/>
+          <a:ext cx="0" cy="0"/>
+          <a:chOff x="0" y="0"/>
+          <a:chExt cx="0" cy="0"/>
+        </a:xfrm>
+      </p:grpSpPr>
+      <p:sp>
+        <p:nvSpPr>
+          <p:cNvPr id="2" name="제목 1"/>
+          <p:cNvSpPr>
+            <a:spLocks noGrp="1"/>
+          </p:cNvSpPr>
+          <p:nvPr>
+            <p:ph type="title"/>
+          </p:nvPr>
+        </p:nvSpPr>
+        <p:spPr/>
+        <p:txBody>
+          <a:bodyPr/>
+          <a:lstStyle/>
+          <a:p>
+            <a:r>
+              <a:rPr lang="ko-KR" altLang="en-US" dirty="0" smtClean="0"/>
+              <a:t>예측을 위한 데이터 가공</a:t>
+            </a:r>
+            <a:endParaRPr lang="ko-KR" altLang="en-US" dirty="0"/>
+          </a:p>
+        </p:txBody>
+      </p:sp>
+      <p:pic>
+        <p:nvPicPr>
+          <p:cNvPr id="4" name="그림 3"/>
+          <p:cNvPicPr>
+            <a:picLocks noChangeAspect="1"/>
+          </p:cNvPicPr>
+          <p:nvPr/>
+        </p:nvPicPr>
+        <p:blipFill rotWithShape="1">
+          <a:blip r:embed="rId2">
+            <a:extLst>
+              <a:ext uri="{28A0092B-C50C-407E-A947-70E740481C1C}">
+                <a14:useLocalDpi xmlns:a14="http://schemas.microsoft.com/office/drawing/2010/main" val="0"/>
+              </a:ext>
+            </a:extLst>
+          </a:blip>
+          <a:srcRect l="21597"/>
+          <a:stretch/>
+        </p:blipFill>
+        <p:spPr>
+          <a:xfrm>
+            <a:off x="232040" y="1684849"/>
+            <a:ext cx="11727921" cy="1693781"/>
+          </a:xfrm>
+          <a:prstGeom prst="rect">
+            <a:avLst/>
+          </a:prstGeom>
+        </p:spPr>
+      </p:pic>
+      <p:pic>
+        <p:nvPicPr>
+          <p:cNvPr id="5" name="그림 4"/>
+          <p:cNvPicPr>
+            <a:picLocks noChangeAspect="1"/>
+          </p:cNvPicPr>
+          <p:nvPr/>
+        </p:nvPicPr>
+        <p:blipFill>
+          <a:blip r:embed="rId3">
+            <a:extLst>
+              <a:ext uri="{28A0092B-C50C-407E-A947-70E740481C1C}">
+                <a14:useLocalDpi xmlns:a14="http://schemas.microsoft.com/office/drawing/2010/main" val="0"/>
+              </a:ext>
+            </a:extLst>
+          </a:blip>
+          <a:stretch>
+            <a:fillRect/>
+          </a:stretch>
+        </p:blipFill>
+        <p:spPr>
+          <a:xfrm>
+            <a:off x="471740" y="4780710"/>
+            <a:ext cx="11248520" cy="1742028"/>
+          </a:xfrm>
+          <a:prstGeom prst="rect">
+            <a:avLst/>
+          </a:prstGeom>
+        </p:spPr>
+      </p:pic>
+      <p:sp>
+        <p:nvSpPr>
+          <p:cNvPr id="6" name="오른쪽 화살표 5"/>
+          <p:cNvSpPr/>
+          <p:nvPr/>
+        </p:nvSpPr>
+        <p:spPr>
+          <a:xfrm rot="5400000">
+            <a:off x="5403714" y="3782423"/>
+            <a:ext cx="1186774" cy="598292"/>
+          </a:xfrm>
+          <a:prstGeom prst="rightArrow">
+            <a:avLst/>
+          </a:prstGeom>
+          <a:solidFill>
+            <a:srgbClr val="FF0000"/>
+          </a:solidFill>
+          <a:ln>
+            <a:noFill/>
+          </a:ln>
+        </p:spPr>
+        <p:style>
+          <a:lnRef idx="2">
+            <a:schemeClr val="accent1">
+              <a:shade val="50000"/>
+            </a:schemeClr>
+          </a:lnRef>
+          <a:fillRef idx="1">
+            <a:schemeClr val="accent1"/>
+          </a:fillRef>
+          <a:effectRef idx="0">
+            <a:schemeClr val="accent1"/>
+          </a:effectRef>
+          <a:fontRef idx="minor">
+            <a:schemeClr val="lt1"/>
+          </a:fontRef>
+        </p:style>
+        <p:txBody>
+          <a:bodyPr rtlCol="0" anchor="ctr"/>
+          <a:lstStyle/>
+          <a:p>
+            <a:pPr algn="ctr"/>
+            <a:endParaRPr lang="ko-KR" altLang="en-US"/>
+          </a:p>
+        </p:txBody>
+      </p:sp>
+    </p:spTree>
+    <p:extLst>
+      <p:ext uri="{BB962C8B-B14F-4D97-AF65-F5344CB8AC3E}">
+        <p14:creationId xmlns:p14="http://schemas.microsoft.com/office/powerpoint/2010/main" val="1543836277"/>
+      </p:ext>
+    </p:extLst>
+  </p:cSld>
+  <p:clrMapOvr>
+    <a:masterClrMapping/>
+  </p:clrMapOvr>
+</p:sld>
+</file>
+
+<file path=ppt/slides/slide32.xml><?xml version="1.0" encoding="utf-8"?>
+<p:sld xmlns:a="http://schemas.openxmlformats.org/drawingml/2006/main" xmlns:r="http://schemas.openxmlformats.org/officeDocument/2006/relationships" xmlns:p="http://schemas.openxmlformats.org/presentationml/2006/main">
+  <p:cSld>
+    <p:spTree>
+      <p:nvGrpSpPr>
+        <p:cNvPr id="1" name=""/>
+        <p:cNvGrpSpPr/>
+        <p:nvPr/>
+      </p:nvGrpSpPr>
+      <p:grpSpPr>
+        <a:xfrm>
+          <a:off x="0" y="0"/>
+          <a:ext cx="0" cy="0"/>
+          <a:chOff x="0" y="0"/>
+          <a:chExt cx="0" cy="0"/>
+        </a:xfrm>
+      </p:grpSpPr>
+      <p:sp>
+        <p:nvSpPr>
+          <p:cNvPr id="2" name="제목 1"/>
+          <p:cNvSpPr>
+            <a:spLocks noGrp="1"/>
+          </p:cNvSpPr>
+          <p:nvPr>
+            <p:ph type="title"/>
+          </p:nvPr>
+        </p:nvSpPr>
+        <p:spPr/>
+        <p:txBody>
+          <a:bodyPr/>
+          <a:lstStyle/>
+          <a:p>
+            <a:r>
+              <a:rPr lang="ko-KR" altLang="en-US" dirty="0" smtClean="0"/>
+              <a:t>의사결정나무 모델</a:t>
+            </a:r>
+            <a:endParaRPr lang="ko-KR" altLang="en-US" dirty="0"/>
+          </a:p>
+        </p:txBody>
+      </p:sp>
+      <p:pic>
+        <p:nvPicPr>
+          <p:cNvPr id="4" name="그림 3"/>
+          <p:cNvPicPr>
+            <a:picLocks noChangeAspect="1"/>
+          </p:cNvPicPr>
+          <p:nvPr/>
+        </p:nvPicPr>
+        <p:blipFill>
+          <a:blip r:embed="rId2">
+            <a:extLst>
+              <a:ext uri="{28A0092B-C50C-407E-A947-70E740481C1C}">
+                <a14:useLocalDpi xmlns:a14="http://schemas.microsoft.com/office/drawing/2010/main" val="0"/>
+              </a:ext>
+            </a:extLst>
+          </a:blip>
+          <a:stretch>
+            <a:fillRect/>
+          </a:stretch>
+        </p:blipFill>
+        <p:spPr>
+          <a:xfrm>
+            <a:off x="2070069" y="1817969"/>
+            <a:ext cx="8051863" cy="3054155"/>
+          </a:xfrm>
+          <a:prstGeom prst="rect">
+            <a:avLst/>
+          </a:prstGeom>
+        </p:spPr>
+      </p:pic>
+      <p:pic>
+        <p:nvPicPr>
+          <p:cNvPr id="5" name="그림 4"/>
+          <p:cNvPicPr>
+            <a:picLocks noChangeAspect="1"/>
+          </p:cNvPicPr>
+          <p:nvPr/>
+        </p:nvPicPr>
+        <p:blipFill>
+          <a:blip r:embed="rId3">
+            <a:extLst>
+              <a:ext uri="{28A0092B-C50C-407E-A947-70E740481C1C}">
+                <a14:useLocalDpi xmlns:a14="http://schemas.microsoft.com/office/drawing/2010/main" val="0"/>
+              </a:ext>
+            </a:extLst>
+          </a:blip>
+          <a:stretch>
+            <a:fillRect/>
+          </a:stretch>
+        </p:blipFill>
+        <p:spPr>
+          <a:xfrm>
+            <a:off x="3711672" y="5169517"/>
+            <a:ext cx="4768655" cy="748025"/>
+          </a:xfrm>
+          <a:prstGeom prst="rect">
+            <a:avLst/>
+          </a:prstGeom>
+        </p:spPr>
+      </p:pic>
+    </p:spTree>
+    <p:extLst>
+      <p:ext uri="{BB962C8B-B14F-4D97-AF65-F5344CB8AC3E}">
+        <p14:creationId xmlns:p14="http://schemas.microsoft.com/office/powerpoint/2010/main" val="2764440804"/>
+      </p:ext>
+    </p:extLst>
+  </p:cSld>
+  <p:clrMapOvr>
+    <a:masterClrMapping/>
+  </p:clrMapOvr>
+</p:sld>
+</file>
+
+<file path=ppt/slides/slide33.xml><?xml version="1.0" encoding="utf-8"?>
+<p:sld xmlns:a="http://schemas.openxmlformats.org/drawingml/2006/main" xmlns:r="http://schemas.openxmlformats.org/officeDocument/2006/relationships" xmlns:p="http://schemas.openxmlformats.org/presentationml/2006/main">
+  <p:cSld>
+    <p:spTree>
+      <p:nvGrpSpPr>
+        <p:cNvPr id="1" name=""/>
+        <p:cNvGrpSpPr/>
+        <p:nvPr/>
+      </p:nvGrpSpPr>
+      <p:grpSpPr>
+        <a:xfrm>
+          <a:off x="0" y="0"/>
+          <a:ext cx="0" cy="0"/>
+          <a:chOff x="0" y="0"/>
+          <a:chExt cx="0" cy="0"/>
+        </a:xfrm>
+      </p:grpSpPr>
+      <p:sp>
+        <p:nvSpPr>
+          <p:cNvPr id="2" name="제목 1"/>
+          <p:cNvSpPr>
+            <a:spLocks noGrp="1"/>
+          </p:cNvSpPr>
+          <p:nvPr>
+            <p:ph type="title"/>
+          </p:nvPr>
+        </p:nvSpPr>
+        <p:spPr/>
+        <p:txBody>
+          <a:bodyPr/>
+          <a:lstStyle/>
+          <a:p>
+            <a:r>
+              <a:rPr lang="ko-KR" altLang="en-US" dirty="0" smtClean="0"/>
+              <a:t>모델 </a:t>
+            </a:r>
+            <a:r>
+              <a:rPr lang="ko-KR" altLang="en-US" dirty="0" err="1" smtClean="0"/>
+              <a:t>과적합</a:t>
+            </a:r>
+            <a:r>
+              <a:rPr lang="ko-KR" altLang="en-US" dirty="0" smtClean="0"/>
+              <a:t> 확인</a:t>
+            </a:r>
+            <a:endParaRPr lang="ko-KR" altLang="en-US" dirty="0"/>
+          </a:p>
+        </p:txBody>
+      </p:sp>
+      <p:pic>
+        <p:nvPicPr>
+          <p:cNvPr id="4" name="그림 3"/>
+          <p:cNvPicPr>
+            <a:picLocks noChangeAspect="1"/>
+          </p:cNvPicPr>
+          <p:nvPr/>
+        </p:nvPicPr>
+        <p:blipFill>
+          <a:blip r:embed="rId2">
+            <a:extLst>
+              <a:ext uri="{28A0092B-C50C-407E-A947-70E740481C1C}">
+                <a14:useLocalDpi xmlns:a14="http://schemas.microsoft.com/office/drawing/2010/main" val="0"/>
+              </a:ext>
+            </a:extLst>
+          </a:blip>
+          <a:stretch>
+            <a:fillRect/>
+          </a:stretch>
+        </p:blipFill>
+        <p:spPr>
+          <a:xfrm>
+            <a:off x="3241764" y="1496135"/>
+            <a:ext cx="5708472" cy="2301802"/>
+          </a:xfrm>
+          <a:prstGeom prst="rect">
+            <a:avLst/>
+          </a:prstGeom>
+        </p:spPr>
+      </p:pic>
+      <p:pic>
+        <p:nvPicPr>
+          <p:cNvPr id="5" name="그림 4"/>
+          <p:cNvPicPr>
+            <a:picLocks noChangeAspect="1"/>
+          </p:cNvPicPr>
+          <p:nvPr/>
+        </p:nvPicPr>
+        <p:blipFill>
+          <a:blip r:embed="rId3">
+            <a:extLst>
+              <a:ext uri="{28A0092B-C50C-407E-A947-70E740481C1C}">
+                <a14:useLocalDpi xmlns:a14="http://schemas.microsoft.com/office/drawing/2010/main" val="0"/>
+              </a:ext>
+            </a:extLst>
+          </a:blip>
+          <a:stretch>
+            <a:fillRect/>
+          </a:stretch>
+        </p:blipFill>
+        <p:spPr>
+          <a:xfrm>
+            <a:off x="2776327" y="3859929"/>
+            <a:ext cx="6639346" cy="2674366"/>
+          </a:xfrm>
+          <a:prstGeom prst="rect">
+            <a:avLst/>
+          </a:prstGeom>
+        </p:spPr>
+      </p:pic>
+      <p:sp>
+        <p:nvSpPr>
+          <p:cNvPr id="6" name="액자 5"/>
+          <p:cNvSpPr/>
+          <p:nvPr/>
+        </p:nvSpPr>
+        <p:spPr>
+          <a:xfrm>
+            <a:off x="7864017" y="4308529"/>
+            <a:ext cx="1551656" cy="526942"/>
+          </a:xfrm>
+          <a:prstGeom prst="frame">
+            <a:avLst>
+              <a:gd name="adj1" fmla="val 15677"/>
+            </a:avLst>
+          </a:prstGeom>
+          <a:solidFill>
+            <a:srgbClr val="FF0000"/>
+          </a:solidFill>
+          <a:ln>
+            <a:noFill/>
+          </a:ln>
+        </p:spPr>
+        <p:style>
+          <a:lnRef idx="2">
+            <a:schemeClr val="accent1">
+              <a:shade val="50000"/>
+            </a:schemeClr>
+          </a:lnRef>
+          <a:fillRef idx="1">
+            <a:schemeClr val="accent1"/>
+          </a:fillRef>
+          <a:effectRef idx="0">
+            <a:schemeClr val="accent1"/>
+          </a:effectRef>
+          <a:fontRef idx="minor">
+            <a:schemeClr val="lt1"/>
+          </a:fontRef>
+        </p:style>
+        <p:txBody>
+          <a:bodyPr rtlCol="0" anchor="ctr"/>
+          <a:lstStyle/>
+          <a:p>
+            <a:pPr algn="ctr"/>
+            <a:endParaRPr lang="ko-KR" altLang="en-US">
+              <a:solidFill>
+                <a:schemeClr val="tx1"/>
+              </a:solidFill>
+            </a:endParaRPr>
+          </a:p>
+        </p:txBody>
+      </p:sp>
+    </p:spTree>
+    <p:extLst>
+      <p:ext uri="{BB962C8B-B14F-4D97-AF65-F5344CB8AC3E}">
+        <p14:creationId xmlns:p14="http://schemas.microsoft.com/office/powerpoint/2010/main" val="3892667992"/>
+      </p:ext>
+    </p:extLst>
+  </p:cSld>
+  <p:clrMapOvr>
+    <a:masterClrMapping/>
+  </p:clrMapOvr>
+</p:sld>
+</file>
+
+<file path=ppt/slides/slide34.xml><?xml version="1.0" encoding="utf-8"?>
+<p:sld xmlns:a="http://schemas.openxmlformats.org/drawingml/2006/main" xmlns:r="http://schemas.openxmlformats.org/officeDocument/2006/relationships" xmlns:p="http://schemas.openxmlformats.org/presentationml/2006/main">
+  <p:cSld>
+    <p:spTree>
+      <p:nvGrpSpPr>
+        <p:cNvPr id="1" name=""/>
+        <p:cNvGrpSpPr/>
+        <p:nvPr/>
+      </p:nvGrpSpPr>
+      <p:grpSpPr>
+        <a:xfrm>
+          <a:off x="0" y="0"/>
+          <a:ext cx="0" cy="0"/>
+          <a:chOff x="0" y="0"/>
+          <a:chExt cx="0" cy="0"/>
+        </a:xfrm>
+      </p:grpSpPr>
+      <p:sp>
+        <p:nvSpPr>
+          <p:cNvPr id="2" name="제목 1"/>
+          <p:cNvSpPr>
+            <a:spLocks noGrp="1"/>
+          </p:cNvSpPr>
+          <p:nvPr>
+            <p:ph type="title"/>
+          </p:nvPr>
+        </p:nvSpPr>
+        <p:spPr/>
+        <p:txBody>
+          <a:bodyPr/>
+          <a:lstStyle/>
+          <a:p>
+            <a:r>
+              <a:rPr lang="ko-KR" altLang="en-US" dirty="0" smtClean="0"/>
+              <a:t>모델에 기여하고 있는 변수 확인</a:t>
+            </a:r>
+            <a:r>
+              <a:rPr lang="en-US" altLang="ko-KR" dirty="0" smtClean="0"/>
+              <a:t>(</a:t>
+            </a:r>
+            <a:r>
+              <a:rPr lang="ko-KR" altLang="en-US" dirty="0" smtClean="0"/>
+              <a:t>기울기</a:t>
+            </a:r>
+            <a:r>
+              <a:rPr lang="en-US" altLang="ko-KR" dirty="0" smtClean="0"/>
+              <a:t>)</a:t>
+            </a:r>
+            <a:endParaRPr lang="ko-KR" altLang="en-US" dirty="0"/>
+          </a:p>
+        </p:txBody>
+      </p:sp>
+      <p:pic>
+        <p:nvPicPr>
+          <p:cNvPr id="3" name="그림 2"/>
+          <p:cNvPicPr>
+            <a:picLocks noChangeAspect="1"/>
+          </p:cNvPicPr>
+          <p:nvPr/>
+        </p:nvPicPr>
+        <p:blipFill>
+          <a:blip r:embed="rId2">
+            <a:extLst>
+              <a:ext uri="{28A0092B-C50C-407E-A947-70E740481C1C}">
+                <a14:useLocalDpi xmlns:a14="http://schemas.microsoft.com/office/drawing/2010/main" val="0"/>
+              </a:ext>
+            </a:extLst>
+          </a:blip>
+          <a:stretch>
+            <a:fillRect/>
+          </a:stretch>
+        </p:blipFill>
+        <p:spPr>
+          <a:xfrm>
+            <a:off x="3175140" y="1898454"/>
+            <a:ext cx="5841721" cy="4234829"/>
+          </a:xfrm>
+          <a:prstGeom prst="rect">
+            <a:avLst/>
+          </a:prstGeom>
+        </p:spPr>
+      </p:pic>
+      <p:sp>
+        <p:nvSpPr>
+          <p:cNvPr id="4" name="액자 3"/>
+          <p:cNvSpPr/>
+          <p:nvPr/>
+        </p:nvSpPr>
+        <p:spPr>
+          <a:xfrm>
+            <a:off x="6422675" y="2371242"/>
+            <a:ext cx="2594186" cy="526942"/>
+          </a:xfrm>
+          <a:prstGeom prst="frame">
+            <a:avLst>
+              <a:gd name="adj1" fmla="val 15677"/>
+            </a:avLst>
+          </a:prstGeom>
+          <a:solidFill>
+            <a:srgbClr val="FF0000"/>
+          </a:solidFill>
+          <a:ln>
+            <a:noFill/>
+          </a:ln>
+        </p:spPr>
+        <p:style>
+          <a:lnRef idx="2">
+            <a:schemeClr val="accent1">
+              <a:shade val="50000"/>
+            </a:schemeClr>
+          </a:lnRef>
+          <a:fillRef idx="1">
+            <a:schemeClr val="accent1"/>
+          </a:fillRef>
+          <a:effectRef idx="0">
+            <a:schemeClr val="accent1"/>
+          </a:effectRef>
+          <a:fontRef idx="minor">
+            <a:schemeClr val="lt1"/>
+          </a:fontRef>
+        </p:style>
+        <p:txBody>
+          <a:bodyPr rtlCol="0" anchor="ctr"/>
+          <a:lstStyle/>
+          <a:p>
+            <a:pPr algn="ctr"/>
+            <a:endParaRPr lang="ko-KR" altLang="en-US">
+              <a:solidFill>
+                <a:schemeClr val="tx1"/>
+              </a:solidFill>
+            </a:endParaRPr>
+          </a:p>
+        </p:txBody>
+      </p:sp>
+      <p:sp>
+        <p:nvSpPr>
+          <p:cNvPr id="5" name="액자 4"/>
+          <p:cNvSpPr/>
+          <p:nvPr/>
+        </p:nvSpPr>
+        <p:spPr>
+          <a:xfrm>
+            <a:off x="6422675" y="3269507"/>
+            <a:ext cx="2594186" cy="526942"/>
+          </a:xfrm>
+          <a:prstGeom prst="frame">
+            <a:avLst>
+              <a:gd name="adj1" fmla="val 15677"/>
+            </a:avLst>
+          </a:prstGeom>
+          <a:solidFill>
+            <a:srgbClr val="FF0000"/>
+          </a:solidFill>
+          <a:ln>
+            <a:noFill/>
+          </a:ln>
+        </p:spPr>
+        <p:style>
+          <a:lnRef idx="2">
+            <a:schemeClr val="accent1">
+              <a:shade val="50000"/>
+            </a:schemeClr>
+          </a:lnRef>
+          <a:fillRef idx="1">
+            <a:schemeClr val="accent1"/>
+          </a:fillRef>
+          <a:effectRef idx="0">
+            <a:schemeClr val="accent1"/>
+          </a:effectRef>
+          <a:fontRef idx="minor">
+            <a:schemeClr val="lt1"/>
+          </a:fontRef>
+        </p:style>
+        <p:txBody>
+          <a:bodyPr rtlCol="0" anchor="ctr"/>
+          <a:lstStyle/>
+          <a:p>
+            <a:pPr algn="ctr"/>
+            <a:endParaRPr lang="ko-KR" altLang="en-US">
+              <a:solidFill>
+                <a:schemeClr val="tx1"/>
+              </a:solidFill>
+            </a:endParaRPr>
+          </a:p>
+        </p:txBody>
+      </p:sp>
+    </p:spTree>
+    <p:extLst>
+      <p:ext uri="{BB962C8B-B14F-4D97-AF65-F5344CB8AC3E}">
+        <p14:creationId xmlns:p14="http://schemas.microsoft.com/office/powerpoint/2010/main" val="1315671141"/>
+      </p:ext>
+    </p:extLst>
+  </p:cSld>
+  <p:clrMapOvr>
+    <a:masterClrMapping/>
+  </p:clrMapOvr>
+</p:sld>
+</file>
+
+<file path=ppt/slides/slide35.xml><?xml version="1.0" encoding="utf-8"?>
+<p:sld xmlns:a="http://schemas.openxmlformats.org/drawingml/2006/main" xmlns:r="http://schemas.openxmlformats.org/officeDocument/2006/relationships" xmlns:p="http://schemas.openxmlformats.org/presentationml/2006/main">
+  <p:cSld>
+    <p:spTree>
+      <p:nvGrpSpPr>
+        <p:cNvPr id="1" name=""/>
+        <p:cNvGrpSpPr/>
+        <p:nvPr/>
+      </p:nvGrpSpPr>
+      <p:grpSpPr>
+        <a:xfrm>
+          <a:off x="0" y="0"/>
+          <a:ext cx="0" cy="0"/>
+          <a:chOff x="0" y="0"/>
+          <a:chExt cx="0" cy="0"/>
+        </a:xfrm>
+      </p:grpSpPr>
+      <p:sp>
+        <p:nvSpPr>
+          <p:cNvPr id="2" name="제목 1"/>
+          <p:cNvSpPr>
+            <a:spLocks noGrp="1"/>
+          </p:cNvSpPr>
+          <p:nvPr>
+            <p:ph type="title"/>
+          </p:nvPr>
+        </p:nvSpPr>
+        <p:spPr/>
+        <p:txBody>
+          <a:bodyPr/>
+          <a:lstStyle/>
+          <a:p>
+            <a:r>
+              <a:rPr lang="ko-KR" altLang="en-US" dirty="0" smtClean="0"/>
+              <a:t>회원 탈퇴 예측</a:t>
+            </a:r>
+            <a:endParaRPr lang="ko-KR" altLang="en-US" dirty="0"/>
+          </a:p>
+        </p:txBody>
+      </p:sp>
+      <p:pic>
+        <p:nvPicPr>
+          <p:cNvPr id="3" name="그림 2"/>
+          <p:cNvPicPr>
+            <a:picLocks noChangeAspect="1"/>
+          </p:cNvPicPr>
+          <p:nvPr/>
+        </p:nvPicPr>
+        <p:blipFill>
+          <a:blip r:embed="rId2">
+            <a:extLst>
+              <a:ext uri="{28A0092B-C50C-407E-A947-70E740481C1C}">
+                <a14:useLocalDpi xmlns:a14="http://schemas.microsoft.com/office/drawing/2010/main" val="0"/>
+              </a:ext>
+            </a:extLst>
+          </a:blip>
+          <a:stretch>
+            <a:fillRect/>
+          </a:stretch>
+        </p:blipFill>
+        <p:spPr>
+          <a:xfrm>
+            <a:off x="720450" y="4343903"/>
+            <a:ext cx="3959894" cy="1707821"/>
+          </a:xfrm>
+          <a:prstGeom prst="rect">
+            <a:avLst/>
+          </a:prstGeom>
+        </p:spPr>
+      </p:pic>
+      <p:pic>
+        <p:nvPicPr>
+          <p:cNvPr id="4" name="그림 3"/>
+          <p:cNvPicPr>
+            <a:picLocks noChangeAspect="1"/>
+          </p:cNvPicPr>
+          <p:nvPr/>
+        </p:nvPicPr>
+        <p:blipFill>
+          <a:blip r:embed="rId3">
+            <a:extLst>
+              <a:ext uri="{28A0092B-C50C-407E-A947-70E740481C1C}">
+                <a14:useLocalDpi xmlns:a14="http://schemas.microsoft.com/office/drawing/2010/main" val="0"/>
+              </a:ext>
+            </a:extLst>
+          </a:blip>
+          <a:stretch>
+            <a:fillRect/>
+          </a:stretch>
+        </p:blipFill>
+        <p:spPr>
+          <a:xfrm>
+            <a:off x="5908483" y="2697203"/>
+            <a:ext cx="5853252" cy="2560798"/>
+          </a:xfrm>
+          <a:prstGeom prst="rect">
+            <a:avLst/>
+          </a:prstGeom>
+        </p:spPr>
+      </p:pic>
+      <p:pic>
+        <p:nvPicPr>
+          <p:cNvPr id="5" name="그림 4"/>
+          <p:cNvPicPr>
+            <a:picLocks noChangeAspect="1"/>
+          </p:cNvPicPr>
+          <p:nvPr/>
+        </p:nvPicPr>
+        <p:blipFill>
+          <a:blip r:embed="rId4">
+            <a:extLst>
+              <a:ext uri="{28A0092B-C50C-407E-A947-70E740481C1C}">
+                <a14:useLocalDpi xmlns:a14="http://schemas.microsoft.com/office/drawing/2010/main" val="0"/>
+              </a:ext>
+            </a:extLst>
+          </a:blip>
+          <a:stretch>
+            <a:fillRect/>
+          </a:stretch>
+        </p:blipFill>
+        <p:spPr>
+          <a:xfrm>
+            <a:off x="720450" y="1683596"/>
+            <a:ext cx="3959894" cy="2472846"/>
+          </a:xfrm>
+          <a:prstGeom prst="rect">
+            <a:avLst/>
+          </a:prstGeom>
+        </p:spPr>
+      </p:pic>
+      <p:sp>
+        <p:nvSpPr>
+          <p:cNvPr id="6" name="오른쪽 화살표 5"/>
+          <p:cNvSpPr/>
+          <p:nvPr/>
+        </p:nvSpPr>
+        <p:spPr>
+          <a:xfrm>
+            <a:off x="4811329" y="3678456"/>
+            <a:ext cx="966169" cy="598292"/>
+          </a:xfrm>
+          <a:prstGeom prst="rightArrow">
+            <a:avLst/>
+          </a:prstGeom>
+          <a:solidFill>
+            <a:srgbClr val="FF0000"/>
+          </a:solidFill>
+          <a:ln>
+            <a:noFill/>
+          </a:ln>
+        </p:spPr>
+        <p:style>
+          <a:lnRef idx="2">
+            <a:schemeClr val="accent1">
+              <a:shade val="50000"/>
+            </a:schemeClr>
+          </a:lnRef>
+          <a:fillRef idx="1">
+            <a:schemeClr val="accent1"/>
+          </a:fillRef>
+          <a:effectRef idx="0">
+            <a:schemeClr val="accent1"/>
+          </a:effectRef>
+          <a:fontRef idx="minor">
+            <a:schemeClr val="lt1"/>
+          </a:fontRef>
+        </p:style>
+        <p:txBody>
+          <a:bodyPr rtlCol="0" anchor="ctr"/>
+          <a:lstStyle/>
+          <a:p>
+            <a:pPr algn="ctr"/>
+            <a:endParaRPr lang="ko-KR" altLang="en-US"/>
+          </a:p>
+        </p:txBody>
+      </p:sp>
+      <p:sp>
+        <p:nvSpPr>
+          <p:cNvPr id="7" name="액자 6"/>
+          <p:cNvSpPr/>
+          <p:nvPr/>
+        </p:nvSpPr>
+        <p:spPr>
+          <a:xfrm>
+            <a:off x="720450" y="2060353"/>
+            <a:ext cx="1821272" cy="419376"/>
+          </a:xfrm>
+          <a:prstGeom prst="frame">
+            <a:avLst>
+              <a:gd name="adj1" fmla="val 15677"/>
+            </a:avLst>
+          </a:prstGeom>
+          <a:solidFill>
+            <a:srgbClr val="FF0000"/>
+          </a:solidFill>
+          <a:ln>
+            <a:noFill/>
+          </a:ln>
+        </p:spPr>
+        <p:style>
+          <a:lnRef idx="2">
+            <a:schemeClr val="accent1">
+              <a:shade val="50000"/>
+            </a:schemeClr>
+          </a:lnRef>
+          <a:fillRef idx="1">
+            <a:schemeClr val="accent1"/>
+          </a:fillRef>
+          <a:effectRef idx="0">
+            <a:schemeClr val="accent1"/>
+          </a:effectRef>
+          <a:fontRef idx="minor">
+            <a:schemeClr val="lt1"/>
+          </a:fontRef>
+        </p:style>
+        <p:txBody>
+          <a:bodyPr rtlCol="0" anchor="ctr"/>
+          <a:lstStyle/>
+          <a:p>
+            <a:pPr algn="ctr"/>
+            <a:endParaRPr lang="ko-KR" altLang="en-US">
+              <a:solidFill>
+                <a:schemeClr val="tx1"/>
+              </a:solidFill>
+            </a:endParaRPr>
+          </a:p>
+        </p:txBody>
+      </p:sp>
+      <p:sp>
+        <p:nvSpPr>
+          <p:cNvPr id="8" name="액자 7"/>
+          <p:cNvSpPr/>
+          <p:nvPr/>
+        </p:nvSpPr>
+        <p:spPr>
+          <a:xfrm>
+            <a:off x="720450" y="2697203"/>
+            <a:ext cx="1821272" cy="419376"/>
+          </a:xfrm>
+          <a:prstGeom prst="frame">
+            <a:avLst>
+              <a:gd name="adj1" fmla="val 15677"/>
+            </a:avLst>
+          </a:prstGeom>
+          <a:solidFill>
+            <a:srgbClr val="FF0000"/>
+          </a:solidFill>
+          <a:ln>
+            <a:noFill/>
+          </a:ln>
+        </p:spPr>
+        <p:style>
+          <a:lnRef idx="2">
+            <a:schemeClr val="accent1">
+              <a:shade val="50000"/>
+            </a:schemeClr>
+          </a:lnRef>
+          <a:fillRef idx="1">
+            <a:schemeClr val="accent1"/>
+          </a:fillRef>
+          <a:effectRef idx="0">
+            <a:schemeClr val="accent1"/>
+          </a:effectRef>
+          <a:fontRef idx="minor">
+            <a:schemeClr val="lt1"/>
+          </a:fontRef>
+        </p:style>
+        <p:txBody>
+          <a:bodyPr rtlCol="0" anchor="ctr"/>
+          <a:lstStyle/>
+          <a:p>
+            <a:pPr algn="ctr"/>
+            <a:endParaRPr lang="ko-KR" altLang="en-US">
+              <a:solidFill>
+                <a:schemeClr val="tx1"/>
+              </a:solidFill>
+            </a:endParaRPr>
+          </a:p>
+        </p:txBody>
+      </p:sp>
+    </p:spTree>
+    <p:extLst>
+      <p:ext uri="{BB962C8B-B14F-4D97-AF65-F5344CB8AC3E}">
+        <p14:creationId xmlns:p14="http://schemas.microsoft.com/office/powerpoint/2010/main" val="4006437289"/>
       </p:ext>
     </p:extLst>
   </p:cSld>

--- a/churn/회원탈퇴예측프로젝트.pptx
+++ b/churn/회원탈퇴예측프로젝트.pptx
@@ -40,6 +40,7 @@
     <p:sldId id="291" r:id="rId34"/>
     <p:sldId id="292" r:id="rId35"/>
     <p:sldId id="293" r:id="rId36"/>
+    <p:sldId id="294" r:id="rId37"/>
   </p:sldIdLst>
   <p:sldSz cx="12192000" cy="6858000"/>
   <p:notesSz cx="6858000" cy="9144000"/>
@@ -277,7 +278,7 @@
           <a:p>
             <a:fld id="{E392EA38-E544-43FD-8860-D139666306A2}" type="datetimeFigureOut">
               <a:rPr lang="ko-KR" altLang="en-US" smtClean="0"/>
-              <a:t>2024-08-29</a:t>
+              <a:t>2024-08-30</a:t>
             </a:fld>
             <a:endParaRPr lang="ko-KR" altLang="en-US"/>
           </a:p>
@@ -447,7 +448,7 @@
           <a:p>
             <a:fld id="{E392EA38-E544-43FD-8860-D139666306A2}" type="datetimeFigureOut">
               <a:rPr lang="ko-KR" altLang="en-US" smtClean="0"/>
-              <a:t>2024-08-29</a:t>
+              <a:t>2024-08-30</a:t>
             </a:fld>
             <a:endParaRPr lang="ko-KR" altLang="en-US"/>
           </a:p>
@@ -627,7 +628,7 @@
           <a:p>
             <a:fld id="{E392EA38-E544-43FD-8860-D139666306A2}" type="datetimeFigureOut">
               <a:rPr lang="ko-KR" altLang="en-US" smtClean="0"/>
-              <a:t>2024-08-29</a:t>
+              <a:t>2024-08-30</a:t>
             </a:fld>
             <a:endParaRPr lang="ko-KR" altLang="en-US"/>
           </a:p>
@@ -797,7 +798,7 @@
           <a:p>
             <a:fld id="{E392EA38-E544-43FD-8860-D139666306A2}" type="datetimeFigureOut">
               <a:rPr lang="ko-KR" altLang="en-US" smtClean="0"/>
-              <a:t>2024-08-29</a:t>
+              <a:t>2024-08-30</a:t>
             </a:fld>
             <a:endParaRPr lang="ko-KR" altLang="en-US"/>
           </a:p>
@@ -1043,7 +1044,7 @@
           <a:p>
             <a:fld id="{E392EA38-E544-43FD-8860-D139666306A2}" type="datetimeFigureOut">
               <a:rPr lang="ko-KR" altLang="en-US" smtClean="0"/>
-              <a:t>2024-08-29</a:t>
+              <a:t>2024-08-30</a:t>
             </a:fld>
             <a:endParaRPr lang="ko-KR" altLang="en-US"/>
           </a:p>
@@ -1275,7 +1276,7 @@
           <a:p>
             <a:fld id="{E392EA38-E544-43FD-8860-D139666306A2}" type="datetimeFigureOut">
               <a:rPr lang="ko-KR" altLang="en-US" smtClean="0"/>
-              <a:t>2024-08-29</a:t>
+              <a:t>2024-08-30</a:t>
             </a:fld>
             <a:endParaRPr lang="ko-KR" altLang="en-US"/>
           </a:p>
@@ -1642,7 +1643,7 @@
           <a:p>
             <a:fld id="{E392EA38-E544-43FD-8860-D139666306A2}" type="datetimeFigureOut">
               <a:rPr lang="ko-KR" altLang="en-US" smtClean="0"/>
-              <a:t>2024-08-29</a:t>
+              <a:t>2024-08-30</a:t>
             </a:fld>
             <a:endParaRPr lang="ko-KR" altLang="en-US"/>
           </a:p>
@@ -1769,7 +1770,7 @@
           <a:p>
             <a:fld id="{E392EA38-E544-43FD-8860-D139666306A2}" type="datetimeFigureOut">
               <a:rPr lang="ko-KR" altLang="en-US" smtClean="0"/>
-              <a:t>2024-08-29</a:t>
+              <a:t>2024-08-30</a:t>
             </a:fld>
             <a:endParaRPr lang="ko-KR" altLang="en-US"/>
           </a:p>
@@ -1864,7 +1865,7 @@
           <a:p>
             <a:fld id="{E392EA38-E544-43FD-8860-D139666306A2}" type="datetimeFigureOut">
               <a:rPr lang="ko-KR" altLang="en-US" smtClean="0"/>
-              <a:t>2024-08-29</a:t>
+              <a:t>2024-08-30</a:t>
             </a:fld>
             <a:endParaRPr lang="ko-KR" altLang="en-US"/>
           </a:p>
@@ -2141,7 +2142,7 @@
           <a:p>
             <a:fld id="{E392EA38-E544-43FD-8860-D139666306A2}" type="datetimeFigureOut">
               <a:rPr lang="ko-KR" altLang="en-US" smtClean="0"/>
-              <a:t>2024-08-29</a:t>
+              <a:t>2024-08-30</a:t>
             </a:fld>
             <a:endParaRPr lang="ko-KR" altLang="en-US"/>
           </a:p>
@@ -2394,7 +2395,7 @@
           <a:p>
             <a:fld id="{E392EA38-E544-43FD-8860-D139666306A2}" type="datetimeFigureOut">
               <a:rPr lang="ko-KR" altLang="en-US" smtClean="0"/>
-              <a:t>2024-08-29</a:t>
+              <a:t>2024-08-30</a:t>
             </a:fld>
             <a:endParaRPr lang="ko-KR" altLang="en-US"/>
           </a:p>
@@ -2607,7 +2608,7 @@
           <a:p>
             <a:fld id="{E392EA38-E544-43FD-8860-D139666306A2}" type="datetimeFigureOut">
               <a:rPr lang="ko-KR" altLang="en-US" smtClean="0"/>
-              <a:t>2024-08-29</a:t>
+              <a:t>2024-08-30</a:t>
             </a:fld>
             <a:endParaRPr lang="ko-KR" altLang="en-US"/>
           </a:p>
@@ -8199,6 +8200,212 @@
 </p:sld>
 </file>
 
+<file path=ppt/slides/slide36.xml><?xml version="1.0" encoding="utf-8"?>
+<p:sld xmlns:a="http://schemas.openxmlformats.org/drawingml/2006/main" xmlns:r="http://schemas.openxmlformats.org/officeDocument/2006/relationships" xmlns:p="http://schemas.openxmlformats.org/presentationml/2006/main">
+  <p:cSld>
+    <p:spTree>
+      <p:nvGrpSpPr>
+        <p:cNvPr id="1" name=""/>
+        <p:cNvGrpSpPr/>
+        <p:nvPr/>
+      </p:nvGrpSpPr>
+      <p:grpSpPr>
+        <a:xfrm>
+          <a:off x="0" y="0"/>
+          <a:ext cx="0" cy="0"/>
+          <a:chOff x="0" y="0"/>
+          <a:chExt cx="0" cy="0"/>
+        </a:xfrm>
+      </p:grpSpPr>
+      <p:sp>
+        <p:nvSpPr>
+          <p:cNvPr id="2" name="제목 1"/>
+          <p:cNvSpPr>
+            <a:spLocks noGrp="1"/>
+          </p:cNvSpPr>
+          <p:nvPr>
+            <p:ph type="title"/>
+          </p:nvPr>
+        </p:nvSpPr>
+        <p:spPr/>
+        <p:txBody>
+          <a:bodyPr/>
+          <a:lstStyle/>
+          <a:p>
+            <a:r>
+              <a:rPr lang="ko-KR" altLang="en-US" dirty="0" smtClean="0"/>
+              <a:t>모델 평가</a:t>
+            </a:r>
+            <a:endParaRPr lang="ko-KR" altLang="en-US" dirty="0"/>
+          </a:p>
+        </p:txBody>
+      </p:sp>
+      <p:pic>
+        <p:nvPicPr>
+          <p:cNvPr id="3" name="그림 2"/>
+          <p:cNvPicPr>
+            <a:picLocks noChangeAspect="1"/>
+          </p:cNvPicPr>
+          <p:nvPr/>
+        </p:nvPicPr>
+        <p:blipFill>
+          <a:blip r:embed="rId2">
+            <a:extLst>
+              <a:ext uri="{28A0092B-C50C-407E-A947-70E740481C1C}">
+                <a14:useLocalDpi xmlns:a14="http://schemas.microsoft.com/office/drawing/2010/main" val="0"/>
+              </a:ext>
+            </a:extLst>
+          </a:blip>
+          <a:stretch>
+            <a:fillRect/>
+          </a:stretch>
+        </p:blipFill>
+        <p:spPr>
+          <a:xfrm>
+            <a:off x="1302725" y="1674170"/>
+            <a:ext cx="5439037" cy="4646944"/>
+          </a:xfrm>
+          <a:prstGeom prst="rect">
+            <a:avLst/>
+          </a:prstGeom>
+        </p:spPr>
+      </p:pic>
+      <p:sp>
+        <p:nvSpPr>
+          <p:cNvPr id="4" name="TextBox 3"/>
+          <p:cNvSpPr txBox="1"/>
+          <p:nvPr/>
+        </p:nvSpPr>
+        <p:spPr>
+          <a:xfrm>
+            <a:off x="7144719" y="2014780"/>
+            <a:ext cx="4556501" cy="923330"/>
+          </a:xfrm>
+          <a:prstGeom prst="rect">
+            <a:avLst/>
+          </a:prstGeom>
+          <a:noFill/>
+        </p:spPr>
+        <p:txBody>
+          <a:bodyPr wrap="square" rtlCol="0">
+            <a:spAutoFit/>
+          </a:bodyPr>
+          <a:lstStyle/>
+          <a:p>
+            <a:r>
+              <a:rPr lang="en-US" altLang="ko-KR" dirty="0"/>
+              <a:t>a</a:t>
+            </a:r>
+            <a:r>
+              <a:rPr lang="en-US" altLang="ko-KR" dirty="0" smtClean="0"/>
+              <a:t>ccuracy = </a:t>
+            </a:r>
+          </a:p>
+          <a:p>
+            <a:r>
+              <a:rPr lang="en-US" altLang="ko-KR" dirty="0" smtClean="0"/>
+              <a:t>(</a:t>
+            </a:r>
+            <a:r>
+              <a:rPr lang="en-US" altLang="ko-KR" dirty="0"/>
+              <a:t>238</a:t>
+            </a:r>
+            <a:r>
+              <a:rPr lang="ko-KR" altLang="en-US" dirty="0"/>
+              <a:t> </a:t>
+            </a:r>
+            <a:r>
+              <a:rPr lang="en-US" altLang="ko-KR" dirty="0"/>
+              <a:t>+</a:t>
+            </a:r>
+            <a:r>
+              <a:rPr lang="ko-KR" altLang="en-US" dirty="0"/>
+              <a:t> </a:t>
+            </a:r>
+            <a:r>
+              <a:rPr lang="en-US" altLang="ko-KR" dirty="0"/>
+              <a:t>238) /</a:t>
+            </a:r>
+            <a:r>
+              <a:rPr lang="ko-KR" altLang="en-US" dirty="0"/>
+              <a:t> </a:t>
+            </a:r>
+            <a:r>
+              <a:rPr lang="en-US" altLang="ko-KR" dirty="0"/>
+              <a:t>(238</a:t>
+            </a:r>
+            <a:r>
+              <a:rPr lang="ko-KR" altLang="en-US" dirty="0"/>
+              <a:t> </a:t>
+            </a:r>
+            <a:r>
+              <a:rPr lang="en-US" altLang="ko-KR" dirty="0"/>
+              <a:t>+</a:t>
+            </a:r>
+            <a:r>
+              <a:rPr lang="ko-KR" altLang="en-US" dirty="0"/>
+              <a:t> </a:t>
+            </a:r>
+            <a:r>
+              <a:rPr lang="en-US" altLang="ko-KR" dirty="0"/>
+              <a:t>238</a:t>
+            </a:r>
+            <a:r>
+              <a:rPr lang="ko-KR" altLang="en-US" dirty="0"/>
+              <a:t> </a:t>
+            </a:r>
+            <a:r>
+              <a:rPr lang="en-US" altLang="ko-KR" dirty="0"/>
+              <a:t>+</a:t>
+            </a:r>
+            <a:r>
+              <a:rPr lang="ko-KR" altLang="en-US" dirty="0"/>
+              <a:t> </a:t>
+            </a:r>
+            <a:r>
+              <a:rPr lang="en-US" altLang="ko-KR" dirty="0"/>
+              <a:t>33</a:t>
+            </a:r>
+            <a:r>
+              <a:rPr lang="ko-KR" altLang="en-US" dirty="0"/>
+              <a:t> </a:t>
+            </a:r>
+            <a:r>
+              <a:rPr lang="en-US" altLang="ko-KR" dirty="0"/>
+              <a:t>+</a:t>
+            </a:r>
+            <a:r>
+              <a:rPr lang="ko-KR" altLang="en-US" dirty="0"/>
+              <a:t> </a:t>
+            </a:r>
+            <a:r>
+              <a:rPr lang="en-US" altLang="ko-KR" dirty="0"/>
+              <a:t>17</a:t>
+            </a:r>
+            <a:r>
+              <a:rPr lang="en-US" altLang="ko-KR" dirty="0" smtClean="0"/>
+              <a:t>) = </a:t>
+            </a:r>
+            <a:r>
+              <a:rPr lang="en-US" altLang="ko-KR" dirty="0"/>
+              <a:t>0.9049429657794676</a:t>
+            </a:r>
+          </a:p>
+        </p:txBody>
+      </p:sp>
+    </p:spTree>
+    <p:extLst>
+      <p:ext uri="{BB962C8B-B14F-4D97-AF65-F5344CB8AC3E}">
+        <p14:creationId xmlns:p14="http://schemas.microsoft.com/office/powerpoint/2010/main" val="2226115319"/>
+      </p:ext>
+    </p:extLst>
+  </p:cSld>
+  <p:clrMapOvr>
+    <a:masterClrMapping/>
+  </p:clrMapOvr>
+</p:sld>
+</file>
+
 <file path=ppt/slides/slide4.xml><?xml version="1.0" encoding="utf-8"?>
 <p:sld xmlns:a="http://schemas.openxmlformats.org/drawingml/2006/main" xmlns:r="http://schemas.openxmlformats.org/officeDocument/2006/relationships" xmlns:p="http://schemas.openxmlformats.org/presentationml/2006/main">
   <p:cSld>

--- a/churn/회원탈퇴예측프로젝트.pptx
+++ b/churn/회원탈퇴예측프로젝트.pptx
@@ -8,39 +8,41 @@
     <p:sldId id="258" r:id="rId2"/>
     <p:sldId id="261" r:id="rId3"/>
     <p:sldId id="266" r:id="rId4"/>
-    <p:sldId id="267" r:id="rId5"/>
-    <p:sldId id="268" r:id="rId6"/>
-    <p:sldId id="269" r:id="rId7"/>
-    <p:sldId id="270" r:id="rId8"/>
-    <p:sldId id="271" r:id="rId9"/>
-    <p:sldId id="272" r:id="rId10"/>
-    <p:sldId id="273" r:id="rId11"/>
-    <p:sldId id="274" r:id="rId12"/>
-    <p:sldId id="275" r:id="rId13"/>
-    <p:sldId id="260" r:id="rId14"/>
-    <p:sldId id="262" r:id="rId15"/>
-    <p:sldId id="263" r:id="rId16"/>
-    <p:sldId id="264" r:id="rId17"/>
-    <p:sldId id="276" r:id="rId18"/>
-    <p:sldId id="277" r:id="rId19"/>
-    <p:sldId id="278" r:id="rId20"/>
-    <p:sldId id="279" r:id="rId21"/>
-    <p:sldId id="280" r:id="rId22"/>
-    <p:sldId id="281" r:id="rId23"/>
-    <p:sldId id="282" r:id="rId24"/>
-    <p:sldId id="283" r:id="rId25"/>
-    <p:sldId id="284" r:id="rId26"/>
-    <p:sldId id="285" r:id="rId27"/>
-    <p:sldId id="265" r:id="rId28"/>
-    <p:sldId id="286" r:id="rId29"/>
-    <p:sldId id="287" r:id="rId30"/>
-    <p:sldId id="288" r:id="rId31"/>
-    <p:sldId id="290" r:id="rId32"/>
-    <p:sldId id="289" r:id="rId33"/>
-    <p:sldId id="291" r:id="rId34"/>
-    <p:sldId id="292" r:id="rId35"/>
-    <p:sldId id="293" r:id="rId36"/>
-    <p:sldId id="294" r:id="rId37"/>
+    <p:sldId id="268" r:id="rId5"/>
+    <p:sldId id="269" r:id="rId6"/>
+    <p:sldId id="267" r:id="rId7"/>
+    <p:sldId id="295" r:id="rId8"/>
+    <p:sldId id="296" r:id="rId9"/>
+    <p:sldId id="270" r:id="rId10"/>
+    <p:sldId id="271" r:id="rId11"/>
+    <p:sldId id="272" r:id="rId12"/>
+    <p:sldId id="273" r:id="rId13"/>
+    <p:sldId id="274" r:id="rId14"/>
+    <p:sldId id="275" r:id="rId15"/>
+    <p:sldId id="260" r:id="rId16"/>
+    <p:sldId id="262" r:id="rId17"/>
+    <p:sldId id="263" r:id="rId18"/>
+    <p:sldId id="264" r:id="rId19"/>
+    <p:sldId id="276" r:id="rId20"/>
+    <p:sldId id="277" r:id="rId21"/>
+    <p:sldId id="278" r:id="rId22"/>
+    <p:sldId id="279" r:id="rId23"/>
+    <p:sldId id="280" r:id="rId24"/>
+    <p:sldId id="281" r:id="rId25"/>
+    <p:sldId id="282" r:id="rId26"/>
+    <p:sldId id="283" r:id="rId27"/>
+    <p:sldId id="284" r:id="rId28"/>
+    <p:sldId id="285" r:id="rId29"/>
+    <p:sldId id="265" r:id="rId30"/>
+    <p:sldId id="286" r:id="rId31"/>
+    <p:sldId id="287" r:id="rId32"/>
+    <p:sldId id="288" r:id="rId33"/>
+    <p:sldId id="290" r:id="rId34"/>
+    <p:sldId id="289" r:id="rId35"/>
+    <p:sldId id="291" r:id="rId36"/>
+    <p:sldId id="292" r:id="rId37"/>
+    <p:sldId id="293" r:id="rId38"/>
+    <p:sldId id="294" r:id="rId39"/>
   </p:sldIdLst>
   <p:sldSz cx="12192000" cy="6858000"/>
   <p:notesSz cx="6858000" cy="9144000"/>
@@ -278,7 +280,7 @@
           <a:p>
             <a:fld id="{E392EA38-E544-43FD-8860-D139666306A2}" type="datetimeFigureOut">
               <a:rPr lang="ko-KR" altLang="en-US" smtClean="0"/>
-              <a:t>2024-08-30</a:t>
+              <a:t>2024-09-09</a:t>
             </a:fld>
             <a:endParaRPr lang="ko-KR" altLang="en-US"/>
           </a:p>
@@ -448,7 +450,7 @@
           <a:p>
             <a:fld id="{E392EA38-E544-43FD-8860-D139666306A2}" type="datetimeFigureOut">
               <a:rPr lang="ko-KR" altLang="en-US" smtClean="0"/>
-              <a:t>2024-08-30</a:t>
+              <a:t>2024-09-09</a:t>
             </a:fld>
             <a:endParaRPr lang="ko-KR" altLang="en-US"/>
           </a:p>
@@ -628,7 +630,7 @@
           <a:p>
             <a:fld id="{E392EA38-E544-43FD-8860-D139666306A2}" type="datetimeFigureOut">
               <a:rPr lang="ko-KR" altLang="en-US" smtClean="0"/>
-              <a:t>2024-08-30</a:t>
+              <a:t>2024-09-09</a:t>
             </a:fld>
             <a:endParaRPr lang="ko-KR" altLang="en-US"/>
           </a:p>
@@ -798,7 +800,7 @@
           <a:p>
             <a:fld id="{E392EA38-E544-43FD-8860-D139666306A2}" type="datetimeFigureOut">
               <a:rPr lang="ko-KR" altLang="en-US" smtClean="0"/>
-              <a:t>2024-08-30</a:t>
+              <a:t>2024-09-09</a:t>
             </a:fld>
             <a:endParaRPr lang="ko-KR" altLang="en-US"/>
           </a:p>
@@ -1044,7 +1046,7 @@
           <a:p>
             <a:fld id="{E392EA38-E544-43FD-8860-D139666306A2}" type="datetimeFigureOut">
               <a:rPr lang="ko-KR" altLang="en-US" smtClean="0"/>
-              <a:t>2024-08-30</a:t>
+              <a:t>2024-09-09</a:t>
             </a:fld>
             <a:endParaRPr lang="ko-KR" altLang="en-US"/>
           </a:p>
@@ -1276,7 +1278,7 @@
           <a:p>
             <a:fld id="{E392EA38-E544-43FD-8860-D139666306A2}" type="datetimeFigureOut">
               <a:rPr lang="ko-KR" altLang="en-US" smtClean="0"/>
-              <a:t>2024-08-30</a:t>
+              <a:t>2024-09-09</a:t>
             </a:fld>
             <a:endParaRPr lang="ko-KR" altLang="en-US"/>
           </a:p>
@@ -1643,7 +1645,7 @@
           <a:p>
             <a:fld id="{E392EA38-E544-43FD-8860-D139666306A2}" type="datetimeFigureOut">
               <a:rPr lang="ko-KR" altLang="en-US" smtClean="0"/>
-              <a:t>2024-08-30</a:t>
+              <a:t>2024-09-09</a:t>
             </a:fld>
             <a:endParaRPr lang="ko-KR" altLang="en-US"/>
           </a:p>
@@ -1770,7 +1772,7 @@
           <a:p>
             <a:fld id="{E392EA38-E544-43FD-8860-D139666306A2}" type="datetimeFigureOut">
               <a:rPr lang="ko-KR" altLang="en-US" smtClean="0"/>
-              <a:t>2024-08-30</a:t>
+              <a:t>2024-09-09</a:t>
             </a:fld>
             <a:endParaRPr lang="ko-KR" altLang="en-US"/>
           </a:p>
@@ -1865,7 +1867,7 @@
           <a:p>
             <a:fld id="{E392EA38-E544-43FD-8860-D139666306A2}" type="datetimeFigureOut">
               <a:rPr lang="ko-KR" altLang="en-US" smtClean="0"/>
-              <a:t>2024-08-30</a:t>
+              <a:t>2024-09-09</a:t>
             </a:fld>
             <a:endParaRPr lang="ko-KR" altLang="en-US"/>
           </a:p>
@@ -2142,7 +2144,7 @@
           <a:p>
             <a:fld id="{E392EA38-E544-43FD-8860-D139666306A2}" type="datetimeFigureOut">
               <a:rPr lang="ko-KR" altLang="en-US" smtClean="0"/>
-              <a:t>2024-08-30</a:t>
+              <a:t>2024-09-09</a:t>
             </a:fld>
             <a:endParaRPr lang="ko-KR" altLang="en-US"/>
           </a:p>
@@ -2395,7 +2397,7 @@
           <a:p>
             <a:fld id="{E392EA38-E544-43FD-8860-D139666306A2}" type="datetimeFigureOut">
               <a:rPr lang="ko-KR" altLang="en-US" smtClean="0"/>
-              <a:t>2024-08-30</a:t>
+              <a:t>2024-09-09</a:t>
             </a:fld>
             <a:endParaRPr lang="ko-KR" altLang="en-US"/>
           </a:p>
@@ -2608,7 +2610,7 @@
           <a:p>
             <a:fld id="{E392EA38-E544-43FD-8860-D139666306A2}" type="datetimeFigureOut">
               <a:rPr lang="ko-KR" altLang="en-US" smtClean="0"/>
-              <a:t>2024-08-30</a:t>
+              <a:t>2024-09-09</a:t>
             </a:fld>
             <a:endParaRPr lang="ko-KR" altLang="en-US"/>
           </a:p>
@@ -3372,15 +3374,7 @@
           <a:p>
             <a:r>
               <a:rPr lang="ko-KR" altLang="en-US" dirty="0" smtClean="0"/>
-              <a:t>최근 </a:t>
-            </a:r>
-            <a:r>
-              <a:rPr lang="en-US" altLang="ko-KR" dirty="0" smtClean="0"/>
-              <a:t>1</a:t>
-            </a:r>
-            <a:r>
-              <a:rPr lang="ko-KR" altLang="en-US" dirty="0" smtClean="0"/>
-              <a:t>년 간 통계</a:t>
+              <a:t>데이터 결합</a:t>
             </a:r>
             <a:endParaRPr lang="ko-KR" altLang="en-US" dirty="0"/>
           </a:p>
@@ -3394,37 +3388,8 @@
           </p:cNvPicPr>
           <p:nvPr/>
         </p:nvPicPr>
-        <p:blipFill rotWithShape="1">
+        <p:blipFill>
           <a:blip r:embed="rId2">
-            <a:extLst>
-              <a:ext uri="{28A0092B-C50C-407E-A947-70E740481C1C}">
-                <a14:useLocalDpi xmlns:a14="http://schemas.microsoft.com/office/drawing/2010/main" val="0"/>
-              </a:ext>
-            </a:extLst>
-          </a:blip>
-          <a:srcRect l="73902" r="534" b="67938"/>
-          <a:stretch/>
-        </p:blipFill>
-        <p:spPr>
-          <a:xfrm>
-            <a:off x="6271098" y="3282345"/>
-            <a:ext cx="5431277" cy="960316"/>
-          </a:xfrm>
-          <a:prstGeom prst="rect">
-            <a:avLst/>
-          </a:prstGeom>
-        </p:spPr>
-      </p:pic>
-      <p:pic>
-        <p:nvPicPr>
-          <p:cNvPr id="4" name="그림 3"/>
-          <p:cNvPicPr>
-            <a:picLocks noChangeAspect="1"/>
-          </p:cNvPicPr>
-          <p:nvPr/>
-        </p:nvPicPr>
-        <p:blipFill>
-          <a:blip r:embed="rId3">
             <a:extLst>
               <a:ext uri="{28A0092B-C50C-407E-A947-70E740481C1C}">
                 <a14:useLocalDpi xmlns:a14="http://schemas.microsoft.com/office/drawing/2010/main" val="0"/>
@@ -3437,8 +3402,8 @@
         </p:blipFill>
         <p:spPr>
           <a:xfrm>
-            <a:off x="818462" y="1462439"/>
-            <a:ext cx="3891347" cy="5169318"/>
+            <a:off x="310865" y="3081828"/>
+            <a:ext cx="11570270" cy="2113567"/>
           </a:xfrm>
           <a:prstGeom prst="rect">
             <a:avLst/>
@@ -3447,17 +3412,19 @@
       </p:pic>
       <p:sp>
         <p:nvSpPr>
-          <p:cNvPr id="5" name="오른쪽 화살표 4"/>
+          <p:cNvPr id="4" name="액자 3"/>
           <p:cNvSpPr/>
           <p:nvPr/>
         </p:nvSpPr>
         <p:spPr>
           <a:xfrm>
-            <a:off x="4897066" y="3463357"/>
-            <a:ext cx="1186774" cy="598292"/>
-          </a:xfrm>
-          <a:prstGeom prst="rightArrow">
-            <a:avLst/>
+            <a:off x="9610927" y="2955151"/>
+            <a:ext cx="2422188" cy="2366919"/>
+          </a:xfrm>
+          <a:prstGeom prst="frame">
+            <a:avLst>
+              <a:gd name="adj1" fmla="val 6310"/>
+            </a:avLst>
           </a:prstGeom>
           <a:solidFill>
             <a:srgbClr val="FF0000"/>
@@ -3487,14 +3454,70 @@
           <a:lstStyle/>
           <a:p>
             <a:pPr algn="ctr"/>
-            <a:endParaRPr lang="ko-KR" altLang="en-US"/>
+            <a:endParaRPr lang="ko-KR" altLang="en-US">
+              <a:solidFill>
+                <a:schemeClr val="tx1"/>
+              </a:solidFill>
+            </a:endParaRPr>
+          </a:p>
+        </p:txBody>
+      </p:sp>
+      <p:sp>
+        <p:nvSpPr>
+          <p:cNvPr id="5" name="액자 4"/>
+          <p:cNvSpPr/>
+          <p:nvPr/>
+        </p:nvSpPr>
+        <p:spPr>
+          <a:xfrm>
+            <a:off x="6434022" y="2997377"/>
+            <a:ext cx="1318922" cy="2282468"/>
+          </a:xfrm>
+          <a:prstGeom prst="frame">
+            <a:avLst>
+              <a:gd name="adj1" fmla="val 7683"/>
+            </a:avLst>
+          </a:prstGeom>
+          <a:solidFill>
+            <a:srgbClr val="FF0000"/>
+          </a:solidFill>
+          <a:ln>
+            <a:noFill/>
+          </a:ln>
+        </p:spPr>
+        <p:style>
+          <a:lnRef idx="2">
+            <a:schemeClr val="accent1">
+              <a:shade val="50000"/>
+            </a:schemeClr>
+          </a:lnRef>
+          <a:fillRef idx="1">
+            <a:schemeClr val="accent1"/>
+          </a:fillRef>
+          <a:effectRef idx="0">
+            <a:schemeClr val="accent1"/>
+          </a:effectRef>
+          <a:fontRef idx="minor">
+            <a:schemeClr val="lt1"/>
+          </a:fontRef>
+        </p:style>
+        <p:txBody>
+          <a:bodyPr rtlCol="0" anchor="ctr"/>
+          <a:lstStyle/>
+          <a:p>
+            <a:pPr algn="ctr"/>
+            <a:endParaRPr lang="ko-KR" altLang="en-US">
+              <a:solidFill>
+                <a:schemeClr val="tx1"/>
+              </a:solidFill>
+            </a:endParaRPr>
           </a:p>
         </p:txBody>
       </p:sp>
     </p:spTree>
     <p:extLst>
       <p:ext uri="{BB962C8B-B14F-4D97-AF65-F5344CB8AC3E}">
-        <p14:creationId xmlns:p14="http://schemas.microsoft.com/office/powerpoint/2010/main" val="154683522"/>
+        <p14:creationId xmlns:p14="http://schemas.microsoft.com/office/powerpoint/2010/main" val="2656117148"/>
       </p:ext>
     </p:extLst>
   </p:cSld>
@@ -3537,42 +3560,21 @@
           <a:lstStyle/>
           <a:p>
             <a:r>
+              <a:rPr lang="en-US" altLang="ko-KR" dirty="0" err="1" smtClean="0"/>
+              <a:t>logData</a:t>
+            </a:r>
+            <a:r>
+              <a:rPr lang="en-US" altLang="ko-KR" dirty="0" smtClean="0"/>
+              <a:t> </a:t>
+            </a:r>
+            <a:r>
               <a:rPr lang="ko-KR" altLang="en-US" dirty="0" smtClean="0"/>
-              <a:t>멤버십 기간 계산</a:t>
+              <a:t>가공</a:t>
             </a:r>
             <a:endParaRPr lang="ko-KR" altLang="en-US" dirty="0"/>
           </a:p>
         </p:txBody>
       </p:sp>
-      <p:pic>
-        <p:nvPicPr>
-          <p:cNvPr id="3" name="그림 2"/>
-          <p:cNvPicPr>
-            <a:picLocks noChangeAspect="1"/>
-          </p:cNvPicPr>
-          <p:nvPr/>
-        </p:nvPicPr>
-        <p:blipFill rotWithShape="1">
-          <a:blip r:embed="rId2">
-            <a:extLst>
-              <a:ext uri="{28A0092B-C50C-407E-A947-70E740481C1C}">
-                <a14:useLocalDpi xmlns:a14="http://schemas.microsoft.com/office/drawing/2010/main" val="0"/>
-              </a:ext>
-            </a:extLst>
-          </a:blip>
-          <a:srcRect l="19903" r="68516"/>
-          <a:stretch/>
-        </p:blipFill>
-        <p:spPr>
-          <a:xfrm>
-            <a:off x="2383277" y="2441369"/>
-            <a:ext cx="2889114" cy="3006622"/>
-          </a:xfrm>
-          <a:prstGeom prst="rect">
-            <a:avLst/>
-          </a:prstGeom>
-        </p:spPr>
-      </p:pic>
       <p:pic>
         <p:nvPicPr>
           <p:cNvPr id="4" name="그림 3"/>
@@ -3581,7 +3583,7 @@
           </p:cNvPicPr>
           <p:nvPr/>
         </p:nvPicPr>
-        <p:blipFill rotWithShape="1">
+        <p:blipFill>
           <a:blip r:embed="rId2">
             <a:extLst>
               <a:ext uri="{28A0092B-C50C-407E-A947-70E740481C1C}">
@@ -3589,33 +3591,64 @@
               </a:ext>
             </a:extLst>
           </a:blip>
-          <a:srcRect l="83398"/>
-          <a:stretch/>
+          <a:stretch>
+            <a:fillRect/>
+          </a:stretch>
         </p:blipFill>
         <p:spPr>
           <a:xfrm>
-            <a:off x="6721812" y="2441369"/>
-            <a:ext cx="4134256" cy="3001257"/>
+            <a:off x="1148036" y="2410035"/>
+            <a:ext cx="4487350" cy="3205250"/>
           </a:xfrm>
           <a:prstGeom prst="rect">
             <a:avLst/>
           </a:prstGeom>
         </p:spPr>
       </p:pic>
-      <p:sp>
-        <p:nvSpPr>
-          <p:cNvPr id="5" name="액자 4"/>
+      <p:pic>
+        <p:nvPicPr>
+          <p:cNvPr id="5" name="그림 4"/>
+          <p:cNvPicPr>
+            <a:picLocks noChangeAspect="1"/>
+          </p:cNvPicPr>
+          <p:nvPr/>
+        </p:nvPicPr>
+        <p:blipFill>
+          <a:blip r:embed="rId3">
+            <a:extLst>
+              <a:ext uri="{28A0092B-C50C-407E-A947-70E740481C1C}">
+                <a14:useLocalDpi xmlns:a14="http://schemas.microsoft.com/office/drawing/2010/main" val="0"/>
+              </a:ext>
+            </a:extLst>
+          </a:blip>
+          <a:stretch>
+            <a:fillRect/>
+          </a:stretch>
+        </p:blipFill>
+        <p:spPr>
+          <a:xfrm>
+            <a:off x="7170624" y="1329464"/>
+            <a:ext cx="3891347" cy="5169318"/>
+          </a:xfrm>
+          <a:prstGeom prst="rect">
+            <a:avLst/>
+          </a:prstGeom>
+        </p:spPr>
+      </p:pic>
+      <p:sp>
+        <p:nvSpPr>
+          <p:cNvPr id="6" name="액자 5"/>
           <p:cNvSpPr/>
           <p:nvPr/>
         </p:nvSpPr>
         <p:spPr>
           <a:xfrm>
-            <a:off x="8161505" y="2332069"/>
-            <a:ext cx="2694563" cy="3219855"/>
+            <a:off x="3039068" y="2987649"/>
+            <a:ext cx="1591297" cy="562946"/>
           </a:xfrm>
           <a:prstGeom prst="frame">
             <a:avLst>
-              <a:gd name="adj1" fmla="val 4662"/>
+              <a:gd name="adj1" fmla="val 7683"/>
             </a:avLst>
           </a:prstGeom>
           <a:solidFill>
@@ -3656,17 +3689,22 @@
       </p:sp>
       <p:sp>
         <p:nvSpPr>
-          <p:cNvPr id="6" name="오른쪽 화살표 5"/>
+          <p:cNvPr id="7" name="굽은 화살표 6"/>
           <p:cNvSpPr/>
           <p:nvPr/>
         </p:nvSpPr>
         <p:spPr>
           <a:xfrm>
-            <a:off x="5403714" y="3642850"/>
-            <a:ext cx="1186774" cy="598292"/>
-          </a:xfrm>
-          <a:prstGeom prst="rightArrow">
-            <a:avLst/>
+            <a:off x="4336744" y="1329464"/>
+            <a:ext cx="2706082" cy="1658185"/>
+          </a:xfrm>
+          <a:prstGeom prst="bentArrow">
+            <a:avLst>
+              <a:gd name="adj1" fmla="val 9025"/>
+              <a:gd name="adj2" fmla="val 21187"/>
+              <a:gd name="adj3" fmla="val 25000"/>
+              <a:gd name="adj4" fmla="val 43750"/>
+            </a:avLst>
           </a:prstGeom>
           <a:solidFill>
             <a:srgbClr val="FF0000"/>
@@ -3696,14 +3734,18 @@
           <a:lstStyle/>
           <a:p>
             <a:pPr algn="ctr"/>
-            <a:endParaRPr lang="ko-KR" altLang="en-US"/>
+            <a:endParaRPr lang="ko-KR" altLang="en-US">
+              <a:solidFill>
+                <a:schemeClr val="tx1"/>
+              </a:solidFill>
+            </a:endParaRPr>
           </a:p>
         </p:txBody>
       </p:sp>
     </p:spTree>
     <p:extLst>
       <p:ext uri="{BB962C8B-B14F-4D97-AF65-F5344CB8AC3E}">
-        <p14:creationId xmlns:p14="http://schemas.microsoft.com/office/powerpoint/2010/main" val="345172820"/>
+        <p14:creationId xmlns:p14="http://schemas.microsoft.com/office/powerpoint/2010/main" val="1441892065"/>
       </p:ext>
     </p:extLst>
   </p:cSld>
@@ -3747,6 +3789,381 @@
           <a:p>
             <a:r>
               <a:rPr lang="ko-KR" altLang="en-US" dirty="0" smtClean="0"/>
+              <a:t>최근 </a:t>
+            </a:r>
+            <a:r>
+              <a:rPr lang="en-US" altLang="ko-KR" dirty="0" smtClean="0"/>
+              <a:t>1</a:t>
+            </a:r>
+            <a:r>
+              <a:rPr lang="ko-KR" altLang="en-US" dirty="0" smtClean="0"/>
+              <a:t>년 간 통계</a:t>
+            </a:r>
+            <a:endParaRPr lang="ko-KR" altLang="en-US" dirty="0"/>
+          </a:p>
+        </p:txBody>
+      </p:sp>
+      <p:pic>
+        <p:nvPicPr>
+          <p:cNvPr id="3" name="그림 2"/>
+          <p:cNvPicPr>
+            <a:picLocks noChangeAspect="1"/>
+          </p:cNvPicPr>
+          <p:nvPr/>
+        </p:nvPicPr>
+        <p:blipFill rotWithShape="1">
+          <a:blip r:embed="rId2">
+            <a:extLst>
+              <a:ext uri="{28A0092B-C50C-407E-A947-70E740481C1C}">
+                <a14:useLocalDpi xmlns:a14="http://schemas.microsoft.com/office/drawing/2010/main" val="0"/>
+              </a:ext>
+            </a:extLst>
+          </a:blip>
+          <a:srcRect l="73902" r="534" b="67938"/>
+          <a:stretch/>
+        </p:blipFill>
+        <p:spPr>
+          <a:xfrm>
+            <a:off x="6271098" y="3282345"/>
+            <a:ext cx="5431277" cy="960316"/>
+          </a:xfrm>
+          <a:prstGeom prst="rect">
+            <a:avLst/>
+          </a:prstGeom>
+        </p:spPr>
+      </p:pic>
+      <p:pic>
+        <p:nvPicPr>
+          <p:cNvPr id="4" name="그림 3"/>
+          <p:cNvPicPr>
+            <a:picLocks noChangeAspect="1"/>
+          </p:cNvPicPr>
+          <p:nvPr/>
+        </p:nvPicPr>
+        <p:blipFill>
+          <a:blip r:embed="rId3">
+            <a:extLst>
+              <a:ext uri="{28A0092B-C50C-407E-A947-70E740481C1C}">
+                <a14:useLocalDpi xmlns:a14="http://schemas.microsoft.com/office/drawing/2010/main" val="0"/>
+              </a:ext>
+            </a:extLst>
+          </a:blip>
+          <a:stretch>
+            <a:fillRect/>
+          </a:stretch>
+        </p:blipFill>
+        <p:spPr>
+          <a:xfrm>
+            <a:off x="818462" y="1462439"/>
+            <a:ext cx="3891347" cy="5169318"/>
+          </a:xfrm>
+          <a:prstGeom prst="rect">
+            <a:avLst/>
+          </a:prstGeom>
+        </p:spPr>
+      </p:pic>
+      <p:sp>
+        <p:nvSpPr>
+          <p:cNvPr id="5" name="오른쪽 화살표 4"/>
+          <p:cNvSpPr/>
+          <p:nvPr/>
+        </p:nvSpPr>
+        <p:spPr>
+          <a:xfrm>
+            <a:off x="4897066" y="3463357"/>
+            <a:ext cx="1186774" cy="598292"/>
+          </a:xfrm>
+          <a:prstGeom prst="rightArrow">
+            <a:avLst/>
+          </a:prstGeom>
+          <a:solidFill>
+            <a:srgbClr val="FF0000"/>
+          </a:solidFill>
+          <a:ln>
+            <a:noFill/>
+          </a:ln>
+        </p:spPr>
+        <p:style>
+          <a:lnRef idx="2">
+            <a:schemeClr val="accent1">
+              <a:shade val="50000"/>
+            </a:schemeClr>
+          </a:lnRef>
+          <a:fillRef idx="1">
+            <a:schemeClr val="accent1"/>
+          </a:fillRef>
+          <a:effectRef idx="0">
+            <a:schemeClr val="accent1"/>
+          </a:effectRef>
+          <a:fontRef idx="minor">
+            <a:schemeClr val="lt1"/>
+          </a:fontRef>
+        </p:style>
+        <p:txBody>
+          <a:bodyPr rtlCol="0" anchor="ctr"/>
+          <a:lstStyle/>
+          <a:p>
+            <a:pPr algn="ctr"/>
+            <a:endParaRPr lang="ko-KR" altLang="en-US"/>
+          </a:p>
+        </p:txBody>
+      </p:sp>
+    </p:spTree>
+    <p:extLst>
+      <p:ext uri="{BB962C8B-B14F-4D97-AF65-F5344CB8AC3E}">
+        <p14:creationId xmlns:p14="http://schemas.microsoft.com/office/powerpoint/2010/main" val="154683522"/>
+      </p:ext>
+    </p:extLst>
+  </p:cSld>
+  <p:clrMapOvr>
+    <a:masterClrMapping/>
+  </p:clrMapOvr>
+</p:sld>
+</file>
+
+<file path=ppt/slides/slide13.xml><?xml version="1.0" encoding="utf-8"?>
+<p:sld xmlns:a="http://schemas.openxmlformats.org/drawingml/2006/main" xmlns:r="http://schemas.openxmlformats.org/officeDocument/2006/relationships" xmlns:p="http://schemas.openxmlformats.org/presentationml/2006/main">
+  <p:cSld>
+    <p:spTree>
+      <p:nvGrpSpPr>
+        <p:cNvPr id="1" name=""/>
+        <p:cNvGrpSpPr/>
+        <p:nvPr/>
+      </p:nvGrpSpPr>
+      <p:grpSpPr>
+        <a:xfrm>
+          <a:off x="0" y="0"/>
+          <a:ext cx="0" cy="0"/>
+          <a:chOff x="0" y="0"/>
+          <a:chExt cx="0" cy="0"/>
+        </a:xfrm>
+      </p:grpSpPr>
+      <p:sp>
+        <p:nvSpPr>
+          <p:cNvPr id="2" name="제목 1"/>
+          <p:cNvSpPr>
+            <a:spLocks noGrp="1"/>
+          </p:cNvSpPr>
+          <p:nvPr>
+            <p:ph type="title"/>
+          </p:nvPr>
+        </p:nvSpPr>
+        <p:spPr/>
+        <p:txBody>
+          <a:bodyPr/>
+          <a:lstStyle/>
+          <a:p>
+            <a:r>
+              <a:rPr lang="ko-KR" altLang="en-US" dirty="0" smtClean="0"/>
+              <a:t>멤버십 기간 계산</a:t>
+            </a:r>
+            <a:endParaRPr lang="ko-KR" altLang="en-US" dirty="0"/>
+          </a:p>
+        </p:txBody>
+      </p:sp>
+      <p:pic>
+        <p:nvPicPr>
+          <p:cNvPr id="3" name="그림 2"/>
+          <p:cNvPicPr>
+            <a:picLocks noChangeAspect="1"/>
+          </p:cNvPicPr>
+          <p:nvPr/>
+        </p:nvPicPr>
+        <p:blipFill rotWithShape="1">
+          <a:blip r:embed="rId2">
+            <a:extLst>
+              <a:ext uri="{28A0092B-C50C-407E-A947-70E740481C1C}">
+                <a14:useLocalDpi xmlns:a14="http://schemas.microsoft.com/office/drawing/2010/main" val="0"/>
+              </a:ext>
+            </a:extLst>
+          </a:blip>
+          <a:srcRect l="19903" r="68516"/>
+          <a:stretch/>
+        </p:blipFill>
+        <p:spPr>
+          <a:xfrm>
+            <a:off x="2383277" y="2441369"/>
+            <a:ext cx="2889114" cy="3006622"/>
+          </a:xfrm>
+          <a:prstGeom prst="rect">
+            <a:avLst/>
+          </a:prstGeom>
+        </p:spPr>
+      </p:pic>
+      <p:pic>
+        <p:nvPicPr>
+          <p:cNvPr id="4" name="그림 3"/>
+          <p:cNvPicPr>
+            <a:picLocks noChangeAspect="1"/>
+          </p:cNvPicPr>
+          <p:nvPr/>
+        </p:nvPicPr>
+        <p:blipFill rotWithShape="1">
+          <a:blip r:embed="rId2">
+            <a:extLst>
+              <a:ext uri="{28A0092B-C50C-407E-A947-70E740481C1C}">
+                <a14:useLocalDpi xmlns:a14="http://schemas.microsoft.com/office/drawing/2010/main" val="0"/>
+              </a:ext>
+            </a:extLst>
+          </a:blip>
+          <a:srcRect l="83398"/>
+          <a:stretch/>
+        </p:blipFill>
+        <p:spPr>
+          <a:xfrm>
+            <a:off x="6721812" y="2441369"/>
+            <a:ext cx="4134256" cy="3001257"/>
+          </a:xfrm>
+          <a:prstGeom prst="rect">
+            <a:avLst/>
+          </a:prstGeom>
+        </p:spPr>
+      </p:pic>
+      <p:sp>
+        <p:nvSpPr>
+          <p:cNvPr id="5" name="액자 4"/>
+          <p:cNvSpPr/>
+          <p:nvPr/>
+        </p:nvSpPr>
+        <p:spPr>
+          <a:xfrm>
+            <a:off x="8161505" y="2332069"/>
+            <a:ext cx="2694563" cy="3219855"/>
+          </a:xfrm>
+          <a:prstGeom prst="frame">
+            <a:avLst>
+              <a:gd name="adj1" fmla="val 4662"/>
+            </a:avLst>
+          </a:prstGeom>
+          <a:solidFill>
+            <a:srgbClr val="FF0000"/>
+          </a:solidFill>
+          <a:ln>
+            <a:noFill/>
+          </a:ln>
+        </p:spPr>
+        <p:style>
+          <a:lnRef idx="2">
+            <a:schemeClr val="accent1">
+              <a:shade val="50000"/>
+            </a:schemeClr>
+          </a:lnRef>
+          <a:fillRef idx="1">
+            <a:schemeClr val="accent1"/>
+          </a:fillRef>
+          <a:effectRef idx="0">
+            <a:schemeClr val="accent1"/>
+          </a:effectRef>
+          <a:fontRef idx="minor">
+            <a:schemeClr val="lt1"/>
+          </a:fontRef>
+        </p:style>
+        <p:txBody>
+          <a:bodyPr rtlCol="0" anchor="ctr"/>
+          <a:lstStyle/>
+          <a:p>
+            <a:pPr algn="ctr"/>
+            <a:endParaRPr lang="ko-KR" altLang="en-US">
+              <a:solidFill>
+                <a:schemeClr val="tx1"/>
+              </a:solidFill>
+            </a:endParaRPr>
+          </a:p>
+        </p:txBody>
+      </p:sp>
+      <p:sp>
+        <p:nvSpPr>
+          <p:cNvPr id="6" name="오른쪽 화살표 5"/>
+          <p:cNvSpPr/>
+          <p:nvPr/>
+        </p:nvSpPr>
+        <p:spPr>
+          <a:xfrm>
+            <a:off x="5403714" y="3642850"/>
+            <a:ext cx="1186774" cy="598292"/>
+          </a:xfrm>
+          <a:prstGeom prst="rightArrow">
+            <a:avLst/>
+          </a:prstGeom>
+          <a:solidFill>
+            <a:srgbClr val="FF0000"/>
+          </a:solidFill>
+          <a:ln>
+            <a:noFill/>
+          </a:ln>
+        </p:spPr>
+        <p:style>
+          <a:lnRef idx="2">
+            <a:schemeClr val="accent1">
+              <a:shade val="50000"/>
+            </a:schemeClr>
+          </a:lnRef>
+          <a:fillRef idx="1">
+            <a:schemeClr val="accent1"/>
+          </a:fillRef>
+          <a:effectRef idx="0">
+            <a:schemeClr val="accent1"/>
+          </a:effectRef>
+          <a:fontRef idx="minor">
+            <a:schemeClr val="lt1"/>
+          </a:fontRef>
+        </p:style>
+        <p:txBody>
+          <a:bodyPr rtlCol="0" anchor="ctr"/>
+          <a:lstStyle/>
+          <a:p>
+            <a:pPr algn="ctr"/>
+            <a:endParaRPr lang="ko-KR" altLang="en-US"/>
+          </a:p>
+        </p:txBody>
+      </p:sp>
+    </p:spTree>
+    <p:extLst>
+      <p:ext uri="{BB962C8B-B14F-4D97-AF65-F5344CB8AC3E}">
+        <p14:creationId xmlns:p14="http://schemas.microsoft.com/office/powerpoint/2010/main" val="345172820"/>
+      </p:ext>
+    </p:extLst>
+  </p:cSld>
+  <p:clrMapOvr>
+    <a:masterClrMapping/>
+  </p:clrMapOvr>
+</p:sld>
+</file>
+
+<file path=ppt/slides/slide14.xml><?xml version="1.0" encoding="utf-8"?>
+<p:sld xmlns:a="http://schemas.openxmlformats.org/drawingml/2006/main" xmlns:r="http://schemas.openxmlformats.org/officeDocument/2006/relationships" xmlns:p="http://schemas.openxmlformats.org/presentationml/2006/main">
+  <p:cSld>
+    <p:spTree>
+      <p:nvGrpSpPr>
+        <p:cNvPr id="1" name=""/>
+        <p:cNvGrpSpPr/>
+        <p:nvPr/>
+      </p:nvGrpSpPr>
+      <p:grpSpPr>
+        <a:xfrm>
+          <a:off x="0" y="0"/>
+          <a:ext cx="0" cy="0"/>
+          <a:chOff x="0" y="0"/>
+          <a:chExt cx="0" cy="0"/>
+        </a:xfrm>
+      </p:grpSpPr>
+      <p:sp>
+        <p:nvSpPr>
+          <p:cNvPr id="2" name="제목 1"/>
+          <p:cNvSpPr>
+            <a:spLocks noGrp="1"/>
+          </p:cNvSpPr>
+          <p:nvPr>
+            <p:ph type="title"/>
+          </p:nvPr>
+        </p:nvSpPr>
+        <p:spPr/>
+        <p:txBody>
+          <a:bodyPr/>
+          <a:lstStyle/>
+          <a:p>
+            <a:r>
+              <a:rPr lang="ko-KR" altLang="en-US" dirty="0" smtClean="0"/>
               <a:t>데이터 가공 후</a:t>
             </a:r>
             <a:endParaRPr lang="ko-KR" altLang="en-US" dirty="0"/>
@@ -3872,7 +4289,7 @@
 </p:sld>
 </file>
 
-<file path=ppt/slides/slide13.xml><?xml version="1.0" encoding="utf-8"?>
+<file path=ppt/slides/slide15.xml><?xml version="1.0" encoding="utf-8"?>
 <p:sld xmlns:a="http://schemas.openxmlformats.org/drawingml/2006/main" xmlns:r="http://schemas.openxmlformats.org/officeDocument/2006/relationships" xmlns:p="http://schemas.openxmlformats.org/presentationml/2006/main">
   <p:cSld>
     <p:spTree>
@@ -4120,7 +4537,7 @@
 </p:sld>
 </file>
 
-<file path=ppt/slides/slide14.xml><?xml version="1.0" encoding="utf-8"?>
+<file path=ppt/slides/slide16.xml><?xml version="1.0" encoding="utf-8"?>
 <p:sld xmlns:a="http://schemas.openxmlformats.org/drawingml/2006/main" xmlns:r="http://schemas.openxmlformats.org/officeDocument/2006/relationships" xmlns:p="http://schemas.openxmlformats.org/presentationml/2006/main">
   <p:cSld>
     <p:spTree>
@@ -4314,7 +4731,7 @@
 </p:sld>
 </file>
 
-<file path=ppt/slides/slide15.xml><?xml version="1.0" encoding="utf-8"?>
+<file path=ppt/slides/slide17.xml><?xml version="1.0" encoding="utf-8"?>
 <p:sld xmlns:a="http://schemas.openxmlformats.org/drawingml/2006/main" xmlns:r="http://schemas.openxmlformats.org/officeDocument/2006/relationships" xmlns:p="http://schemas.openxmlformats.org/presentationml/2006/main">
   <p:cSld>
     <p:spTree>
@@ -4508,7 +4925,7 @@
 </p:sld>
 </file>
 
-<file path=ppt/slides/slide16.xml><?xml version="1.0" encoding="utf-8"?>
+<file path=ppt/slides/slide18.xml><?xml version="1.0" encoding="utf-8"?>
 <p:sld xmlns:a="http://schemas.openxmlformats.org/drawingml/2006/main" xmlns:r="http://schemas.openxmlformats.org/officeDocument/2006/relationships" xmlns:p="http://schemas.openxmlformats.org/presentationml/2006/main">
   <p:cSld>
     <p:spTree>
@@ -4793,7 +5210,7 @@
 </p:sld>
 </file>
 
-<file path=ppt/slides/slide17.xml><?xml version="1.0" encoding="utf-8"?>
+<file path=ppt/slides/slide19.xml><?xml version="1.0" encoding="utf-8"?>
 <p:sld xmlns:a="http://schemas.openxmlformats.org/drawingml/2006/main" xmlns:r="http://schemas.openxmlformats.org/officeDocument/2006/relationships" xmlns:p="http://schemas.openxmlformats.org/presentationml/2006/main">
   <p:cSld>
     <p:spTree>
@@ -4867,172 +5284,6 @@
     <p:extLst>
       <p:ext uri="{BB962C8B-B14F-4D97-AF65-F5344CB8AC3E}">
         <p14:creationId xmlns:p14="http://schemas.microsoft.com/office/powerpoint/2010/main" val="615235089"/>
-      </p:ext>
-    </p:extLst>
-  </p:cSld>
-  <p:clrMapOvr>
-    <a:masterClrMapping/>
-  </p:clrMapOvr>
-</p:sld>
-</file>
-
-<file path=ppt/slides/slide18.xml><?xml version="1.0" encoding="utf-8"?>
-<p:sld xmlns:a="http://schemas.openxmlformats.org/drawingml/2006/main" xmlns:r="http://schemas.openxmlformats.org/officeDocument/2006/relationships" xmlns:p="http://schemas.openxmlformats.org/presentationml/2006/main">
-  <p:cSld>
-    <p:spTree>
-      <p:nvGrpSpPr>
-        <p:cNvPr id="1" name=""/>
-        <p:cNvGrpSpPr/>
-        <p:nvPr/>
-      </p:nvGrpSpPr>
-      <p:grpSpPr>
-        <a:xfrm>
-          <a:off x="0" y="0"/>
-          <a:ext cx="0" cy="0"/>
-          <a:chOff x="0" y="0"/>
-          <a:chExt cx="0" cy="0"/>
-        </a:xfrm>
-      </p:grpSpPr>
-      <p:sp>
-        <p:nvSpPr>
-          <p:cNvPr id="2" name="제목 1"/>
-          <p:cNvSpPr>
-            <a:spLocks noGrp="1"/>
-          </p:cNvSpPr>
-          <p:nvPr>
-            <p:ph type="title"/>
-          </p:nvPr>
-        </p:nvSpPr>
-        <p:spPr/>
-        <p:txBody>
-          <a:bodyPr/>
-          <a:lstStyle/>
-          <a:p>
-            <a:r>
-              <a:rPr lang="ko-KR" altLang="en-US" dirty="0" err="1" smtClean="0"/>
-              <a:t>클러스터링</a:t>
-            </a:r>
-            <a:endParaRPr lang="ko-KR" altLang="en-US" dirty="0"/>
-          </a:p>
-        </p:txBody>
-      </p:sp>
-      <p:pic>
-        <p:nvPicPr>
-          <p:cNvPr id="4" name="그림 3"/>
-          <p:cNvPicPr>
-            <a:picLocks noChangeAspect="1"/>
-          </p:cNvPicPr>
-          <p:nvPr/>
-        </p:nvPicPr>
-        <p:blipFill>
-          <a:blip r:embed="rId2">
-            <a:extLst>
-              <a:ext uri="{28A0092B-C50C-407E-A947-70E740481C1C}">
-                <a14:useLocalDpi xmlns:a14="http://schemas.microsoft.com/office/drawing/2010/main" val="0"/>
-              </a:ext>
-            </a:extLst>
-          </a:blip>
-          <a:stretch>
-            <a:fillRect/>
-          </a:stretch>
-        </p:blipFill>
-        <p:spPr>
-          <a:xfrm>
-            <a:off x="1707416" y="2665081"/>
-            <a:ext cx="8777169" cy="2134175"/>
-          </a:xfrm>
-          <a:prstGeom prst="rect">
-            <a:avLst/>
-          </a:prstGeom>
-        </p:spPr>
-      </p:pic>
-    </p:spTree>
-    <p:extLst>
-      <p:ext uri="{BB962C8B-B14F-4D97-AF65-F5344CB8AC3E}">
-        <p14:creationId xmlns:p14="http://schemas.microsoft.com/office/powerpoint/2010/main" val="1625896028"/>
-      </p:ext>
-    </p:extLst>
-  </p:cSld>
-  <p:clrMapOvr>
-    <a:masterClrMapping/>
-  </p:clrMapOvr>
-</p:sld>
-</file>
-
-<file path=ppt/slides/slide19.xml><?xml version="1.0" encoding="utf-8"?>
-<p:sld xmlns:a="http://schemas.openxmlformats.org/drawingml/2006/main" xmlns:r="http://schemas.openxmlformats.org/officeDocument/2006/relationships" xmlns:p="http://schemas.openxmlformats.org/presentationml/2006/main">
-  <p:cSld>
-    <p:spTree>
-      <p:nvGrpSpPr>
-        <p:cNvPr id="1" name=""/>
-        <p:cNvGrpSpPr/>
-        <p:nvPr/>
-      </p:nvGrpSpPr>
-      <p:grpSpPr>
-        <a:xfrm>
-          <a:off x="0" y="0"/>
-          <a:ext cx="0" cy="0"/>
-          <a:chOff x="0" y="0"/>
-          <a:chExt cx="0" cy="0"/>
-        </a:xfrm>
-      </p:grpSpPr>
-      <p:sp>
-        <p:nvSpPr>
-          <p:cNvPr id="2" name="제목 1"/>
-          <p:cNvSpPr>
-            <a:spLocks noGrp="1"/>
-          </p:cNvSpPr>
-          <p:nvPr>
-            <p:ph type="title"/>
-          </p:nvPr>
-        </p:nvSpPr>
-        <p:spPr/>
-        <p:txBody>
-          <a:bodyPr/>
-          <a:lstStyle/>
-          <a:p>
-            <a:r>
-              <a:rPr lang="ko-KR" altLang="en-US" dirty="0" err="1" smtClean="0"/>
-              <a:t>클러스터링</a:t>
-            </a:r>
-            <a:endParaRPr lang="ko-KR" altLang="en-US" dirty="0"/>
-          </a:p>
-        </p:txBody>
-      </p:sp>
-      <p:pic>
-        <p:nvPicPr>
-          <p:cNvPr id="3" name="그림 2"/>
-          <p:cNvPicPr>
-            <a:picLocks noChangeAspect="1"/>
-          </p:cNvPicPr>
-          <p:nvPr/>
-        </p:nvPicPr>
-        <p:blipFill>
-          <a:blip r:embed="rId2">
-            <a:extLst>
-              <a:ext uri="{28A0092B-C50C-407E-A947-70E740481C1C}">
-                <a14:useLocalDpi xmlns:a14="http://schemas.microsoft.com/office/drawing/2010/main" val="0"/>
-              </a:ext>
-            </a:extLst>
-          </a:blip>
-          <a:stretch>
-            <a:fillRect/>
-          </a:stretch>
-        </p:blipFill>
-        <p:spPr>
-          <a:xfrm>
-            <a:off x="2151129" y="2463820"/>
-            <a:ext cx="7889742" cy="2943679"/>
-          </a:xfrm>
-          <a:prstGeom prst="rect">
-            <a:avLst/>
-          </a:prstGeom>
-        </p:spPr>
-      </p:pic>
-    </p:spTree>
-    <p:extLst>
-      <p:ext uri="{BB962C8B-B14F-4D97-AF65-F5344CB8AC3E}">
-        <p14:creationId xmlns:p14="http://schemas.microsoft.com/office/powerpoint/2010/main" val="3679216405"/>
       </p:ext>
     </p:extLst>
   </p:cSld>
@@ -5240,17 +5491,13 @@
               <a:rPr lang="ko-KR" altLang="en-US" dirty="0" err="1" smtClean="0"/>
               <a:t>클러스터링</a:t>
             </a:r>
-            <a:r>
-              <a:rPr lang="ko-KR" altLang="en-US" dirty="0" smtClean="0"/>
-              <a:t> 결과 분석</a:t>
-            </a:r>
             <a:endParaRPr lang="ko-KR" altLang="en-US" dirty="0"/>
           </a:p>
         </p:txBody>
       </p:sp>
       <p:pic>
         <p:nvPicPr>
-          <p:cNvPr id="3" name="그림 2"/>
+          <p:cNvPr id="4" name="그림 3"/>
           <p:cNvPicPr>
             <a:picLocks noChangeAspect="1"/>
           </p:cNvPicPr>
@@ -5270,8 +5517,8 @@
         </p:blipFill>
         <p:spPr>
           <a:xfrm>
-            <a:off x="1819583" y="2614700"/>
-            <a:ext cx="8552835" cy="3325034"/>
+            <a:off x="1707416" y="2665081"/>
+            <a:ext cx="8777169" cy="2134175"/>
           </a:xfrm>
           <a:prstGeom prst="rect">
             <a:avLst/>
@@ -5281,7 +5528,7 @@
     </p:spTree>
     <p:extLst>
       <p:ext uri="{BB962C8B-B14F-4D97-AF65-F5344CB8AC3E}">
-        <p14:creationId xmlns:p14="http://schemas.microsoft.com/office/powerpoint/2010/main" val="1942975012"/>
+        <p14:creationId xmlns:p14="http://schemas.microsoft.com/office/powerpoint/2010/main" val="1625896028"/>
       </p:ext>
     </p:extLst>
   </p:cSld>
@@ -5324,8 +5571,8 @@
           <a:lstStyle/>
           <a:p>
             <a:r>
-              <a:rPr lang="ko-KR" altLang="en-US" dirty="0" smtClean="0"/>
-              <a:t>주성분 분석</a:t>
+              <a:rPr lang="ko-KR" altLang="en-US" dirty="0" err="1" smtClean="0"/>
+              <a:t>클러스터링</a:t>
             </a:r>
             <a:endParaRPr lang="ko-KR" altLang="en-US" dirty="0"/>
           </a:p>
@@ -5353,8 +5600,8 @@
         </p:blipFill>
         <p:spPr>
           <a:xfrm>
-            <a:off x="4276478" y="1369675"/>
-            <a:ext cx="3639045" cy="4883276"/>
+            <a:off x="2151129" y="2463820"/>
+            <a:ext cx="7889742" cy="2943679"/>
           </a:xfrm>
           <a:prstGeom prst="rect">
             <a:avLst/>
@@ -5364,7 +5611,7 @@
     </p:spTree>
     <p:extLst>
       <p:ext uri="{BB962C8B-B14F-4D97-AF65-F5344CB8AC3E}">
-        <p14:creationId xmlns:p14="http://schemas.microsoft.com/office/powerpoint/2010/main" val="3462678233"/>
+        <p14:creationId xmlns:p14="http://schemas.microsoft.com/office/powerpoint/2010/main" val="3679216405"/>
       </p:ext>
     </p:extLst>
   </p:cSld>
@@ -5407,8 +5654,12 @@
           <a:lstStyle/>
           <a:p>
             <a:r>
+              <a:rPr lang="ko-KR" altLang="en-US" dirty="0" err="1" smtClean="0"/>
+              <a:t>클러스터링</a:t>
+            </a:r>
+            <a:r>
               <a:rPr lang="ko-KR" altLang="en-US" dirty="0" smtClean="0"/>
-              <a:t>클러스터 시각화</a:t>
+              <a:t> 결과 분석</a:t>
             </a:r>
             <a:endParaRPr lang="ko-KR" altLang="en-US" dirty="0"/>
           </a:p>
@@ -5422,142 +5673,32 @@
           </p:cNvPicPr>
           <p:nvPr/>
         </p:nvPicPr>
-        <p:blipFill rotWithShape="1">
-          <a:blip r:embed="rId2"/>
-          <a:srcRect l="752" t="1231" r="1550" b="1713"/>
-          <a:stretch/>
+        <p:blipFill>
+          <a:blip r:embed="rId2">
+            <a:extLst>
+              <a:ext uri="{28A0092B-C50C-407E-A947-70E740481C1C}">
+                <a14:useLocalDpi xmlns:a14="http://schemas.microsoft.com/office/drawing/2010/main" val="0"/>
+              </a:ext>
+            </a:extLst>
+          </a:blip>
+          <a:stretch>
+            <a:fillRect/>
+          </a:stretch>
         </p:blipFill>
         <p:spPr>
           <a:xfrm>
-            <a:off x="3513307" y="1867710"/>
-            <a:ext cx="5165387" cy="3920248"/>
+            <a:off x="1819583" y="2614700"/>
+            <a:ext cx="8552835" cy="3325034"/>
           </a:xfrm>
           <a:prstGeom prst="rect">
             <a:avLst/>
           </a:prstGeom>
         </p:spPr>
       </p:pic>
-      <p:sp>
-        <p:nvSpPr>
-          <p:cNvPr id="4" name="TextBox 3"/>
-          <p:cNvSpPr txBox="1"/>
-          <p:nvPr/>
-        </p:nvSpPr>
-        <p:spPr>
-          <a:xfrm>
-            <a:off x="9001327" y="1273289"/>
-            <a:ext cx="3190673" cy="2554545"/>
-          </a:xfrm>
-          <a:prstGeom prst="rect">
-            <a:avLst/>
-          </a:prstGeom>
-          <a:noFill/>
-        </p:spPr>
-        <p:txBody>
-          <a:bodyPr wrap="square" rtlCol="0">
-            <a:spAutoFit/>
-          </a:bodyPr>
-          <a:lstStyle/>
-          <a:p>
-            <a:r>
-              <a:rPr lang="ko-KR" altLang="en-US" sz="3200" dirty="0" smtClean="0">
-                <a:solidFill>
-                  <a:srgbClr val="FF0000"/>
-                </a:solidFill>
-              </a:rPr>
-              <a:t>빨강</a:t>
-            </a:r>
-            <a:r>
-              <a:rPr lang="ko-KR" altLang="en-US" sz="3200" dirty="0" smtClean="0"/>
-              <a:t> </a:t>
-            </a:r>
-            <a:r>
-              <a:rPr lang="en-US" altLang="ko-KR" sz="3200" dirty="0" smtClean="0"/>
-              <a:t>: 2</a:t>
-            </a:r>
-            <a:r>
-              <a:rPr lang="ko-KR" altLang="en-US" sz="3200" dirty="0" smtClean="0"/>
-              <a:t>집단</a:t>
-            </a:r>
-            <a:endParaRPr lang="en-US" altLang="ko-KR" sz="3200" dirty="0" smtClean="0"/>
-          </a:p>
-          <a:p>
-            <a:r>
-              <a:rPr lang="ko-KR" altLang="en-US" sz="3200" dirty="0" smtClean="0">
-                <a:solidFill>
-                  <a:srgbClr val="FFA500"/>
-                </a:solidFill>
-              </a:rPr>
-              <a:t>주황</a:t>
-            </a:r>
-            <a:r>
-              <a:rPr lang="ko-KR" altLang="en-US" sz="3200" dirty="0" smtClean="0"/>
-              <a:t> </a:t>
-            </a:r>
-            <a:r>
-              <a:rPr lang="en-US" altLang="ko-KR" sz="3200" dirty="0" smtClean="0"/>
-              <a:t>: 1</a:t>
-            </a:r>
-            <a:r>
-              <a:rPr lang="ko-KR" altLang="en-US" sz="3200" dirty="0" smtClean="0"/>
-              <a:t>집단</a:t>
-            </a:r>
-          </a:p>
-          <a:p>
-            <a:r>
-              <a:rPr lang="ko-KR" altLang="en-US" sz="3200" dirty="0" smtClean="0">
-                <a:solidFill>
-                  <a:srgbClr val="008000"/>
-                </a:solidFill>
-              </a:rPr>
-              <a:t>초록</a:t>
-            </a:r>
-            <a:r>
-              <a:rPr lang="ko-KR" altLang="en-US" sz="3200" dirty="0" smtClean="0"/>
-              <a:t> </a:t>
-            </a:r>
-            <a:r>
-              <a:rPr lang="en-US" altLang="ko-KR" sz="3200" dirty="0" smtClean="0"/>
-              <a:t>: 0</a:t>
-            </a:r>
-            <a:r>
-              <a:rPr lang="ko-KR" altLang="en-US" sz="3200" dirty="0" smtClean="0"/>
-              <a:t>집단</a:t>
-            </a:r>
-            <a:endParaRPr lang="en-US" altLang="ko-KR" sz="3200" dirty="0" smtClean="0"/>
-          </a:p>
-          <a:p>
-            <a:r>
-              <a:rPr lang="ko-KR" altLang="en-US" sz="3200" dirty="0" smtClean="0">
-                <a:solidFill>
-                  <a:srgbClr val="0000FF"/>
-                </a:solidFill>
-              </a:rPr>
-              <a:t>파랑</a:t>
-            </a:r>
-            <a:r>
-              <a:rPr lang="ko-KR" altLang="en-US" sz="3200" dirty="0" smtClean="0"/>
-              <a:t> </a:t>
-            </a:r>
-            <a:r>
-              <a:rPr lang="en-US" altLang="ko-KR" sz="3200" dirty="0" smtClean="0"/>
-              <a:t>: 3</a:t>
-            </a:r>
-            <a:r>
-              <a:rPr lang="ko-KR" altLang="en-US" sz="3200" dirty="0" smtClean="0"/>
-              <a:t>집단</a:t>
-            </a:r>
-            <a:endParaRPr lang="en-US" altLang="ko-KR" sz="3200" dirty="0" smtClean="0"/>
-          </a:p>
-          <a:p>
-            <a:endParaRPr lang="en-US" altLang="ko-KR" sz="3200" dirty="0" smtClean="0"/>
-          </a:p>
-        </p:txBody>
-      </p:sp>
     </p:spTree>
     <p:extLst>
       <p:ext uri="{BB962C8B-B14F-4D97-AF65-F5344CB8AC3E}">
-        <p14:creationId xmlns:p14="http://schemas.microsoft.com/office/powerpoint/2010/main" val="2415794974"/>
+        <p14:creationId xmlns:p14="http://schemas.microsoft.com/office/powerpoint/2010/main" val="1942975012"/>
       </p:ext>
     </p:extLst>
   </p:cSld>
@@ -5601,252 +5742,15 @@
           <a:p>
             <a:r>
               <a:rPr lang="ko-KR" altLang="en-US" dirty="0" smtClean="0"/>
-              <a:t>분석 결과에 대한 의견</a:t>
+              <a:t>주성분 분석</a:t>
             </a:r>
             <a:endParaRPr lang="ko-KR" altLang="en-US" dirty="0"/>
-          </a:p>
-        </p:txBody>
-      </p:sp>
-      <p:sp>
-        <p:nvSpPr>
-          <p:cNvPr id="3" name="TextBox 2"/>
-          <p:cNvSpPr txBox="1"/>
-          <p:nvPr/>
-        </p:nvSpPr>
-        <p:spPr>
-          <a:xfrm>
-            <a:off x="5435030" y="2161419"/>
-            <a:ext cx="9640110" cy="3693319"/>
-          </a:xfrm>
-          <a:prstGeom prst="rect">
-            <a:avLst/>
-          </a:prstGeom>
-          <a:noFill/>
-        </p:spPr>
-        <p:txBody>
-          <a:bodyPr wrap="square" rtlCol="0">
-            <a:spAutoFit/>
-          </a:bodyPr>
-          <a:lstStyle/>
-          <a:p>
-            <a:r>
-              <a:rPr lang="en-US" altLang="ko-KR" dirty="0" smtClean="0"/>
-              <a:t>0 </a:t>
-            </a:r>
-            <a:r>
-              <a:rPr lang="ko-KR" altLang="en-US" dirty="0"/>
-              <a:t>집단 </a:t>
-            </a:r>
-            <a:r>
-              <a:rPr lang="en-US" altLang="ko-KR" dirty="0"/>
-              <a:t>: </a:t>
-            </a:r>
-            <a:r>
-              <a:rPr lang="ko-KR" altLang="en-US" dirty="0"/>
-              <a:t>계속 이용하는 회원과 탈퇴하는 회원들로 갈리는 </a:t>
-            </a:r>
-            <a:r>
-              <a:rPr lang="ko-KR" altLang="en-US" dirty="0" smtClean="0"/>
-              <a:t>모습</a:t>
-            </a:r>
-            <a:endParaRPr lang="en-US" altLang="ko-KR" dirty="0" smtClean="0"/>
-          </a:p>
-          <a:p>
-            <a:endParaRPr lang="ko-KR" altLang="en-US" dirty="0"/>
-          </a:p>
-          <a:p>
-            <a:r>
-              <a:rPr lang="en-US" altLang="ko-KR" dirty="0" smtClean="0"/>
-              <a:t>1 </a:t>
-            </a:r>
-            <a:r>
-              <a:rPr lang="ko-KR" altLang="en-US" dirty="0"/>
-              <a:t>집단 </a:t>
-            </a:r>
-            <a:r>
-              <a:rPr lang="en-US" altLang="ko-KR" dirty="0"/>
-              <a:t>: </a:t>
-            </a:r>
-            <a:r>
-              <a:rPr lang="ko-KR" altLang="en-US" dirty="0"/>
-              <a:t>헬스장 </a:t>
-            </a:r>
-            <a:r>
-              <a:rPr lang="ko-KR" altLang="en-US" dirty="0" err="1"/>
-              <a:t>이용이력이</a:t>
-            </a:r>
-            <a:r>
-              <a:rPr lang="ko-KR" altLang="en-US" dirty="0"/>
-              <a:t> 집단들 중 가장 낮고 </a:t>
-            </a:r>
-            <a:endParaRPr lang="en-US" altLang="ko-KR" dirty="0" smtClean="0"/>
-          </a:p>
-          <a:p>
-            <a:r>
-              <a:rPr lang="en-US" altLang="ko-KR" dirty="0"/>
-              <a:t> </a:t>
-            </a:r>
-            <a:r>
-              <a:rPr lang="en-US" altLang="ko-KR" dirty="0" smtClean="0"/>
-              <a:t>          </a:t>
-            </a:r>
-            <a:r>
-              <a:rPr lang="ko-KR" altLang="en-US" dirty="0" err="1" smtClean="0"/>
-              <a:t>탈퇴율이</a:t>
-            </a:r>
-            <a:r>
-              <a:rPr lang="ko-KR" altLang="en-US" dirty="0" smtClean="0"/>
-              <a:t> </a:t>
-            </a:r>
-            <a:r>
-              <a:rPr lang="ko-KR" altLang="en-US" dirty="0"/>
-              <a:t>가장 </a:t>
-            </a:r>
-            <a:r>
-              <a:rPr lang="ko-KR" altLang="en-US" dirty="0" smtClean="0"/>
-              <a:t>높다</a:t>
-            </a:r>
-            <a:endParaRPr lang="en-US" altLang="ko-KR" dirty="0" smtClean="0"/>
-          </a:p>
-          <a:p>
-            <a:endParaRPr lang="ko-KR" altLang="en-US" dirty="0"/>
-          </a:p>
-          <a:p>
-            <a:r>
-              <a:rPr lang="en-US" altLang="ko-KR" dirty="0" smtClean="0"/>
-              <a:t>2 </a:t>
-            </a:r>
-            <a:r>
-              <a:rPr lang="ko-KR" altLang="en-US" dirty="0"/>
-              <a:t>집단 </a:t>
-            </a:r>
-            <a:r>
-              <a:rPr lang="en-US" altLang="ko-KR" dirty="0"/>
-              <a:t>: </a:t>
-            </a:r>
-            <a:r>
-              <a:rPr lang="ko-KR" altLang="en-US" dirty="0"/>
-              <a:t>꾸준히 헬스장을 이용하는 </a:t>
-            </a:r>
-            <a:r>
-              <a:rPr lang="ko-KR" altLang="en-US" dirty="0" smtClean="0"/>
-              <a:t>회원</a:t>
-            </a:r>
-            <a:endParaRPr lang="en-US" altLang="ko-KR" dirty="0" smtClean="0"/>
-          </a:p>
-          <a:p>
-            <a:endParaRPr lang="ko-KR" altLang="en-US" dirty="0"/>
-          </a:p>
-          <a:p>
-            <a:r>
-              <a:rPr lang="en-US" altLang="ko-KR" dirty="0" smtClean="0"/>
-              <a:t>3 </a:t>
-            </a:r>
-            <a:r>
-              <a:rPr lang="ko-KR" altLang="en-US" dirty="0"/>
-              <a:t>집단 </a:t>
-            </a:r>
-            <a:r>
-              <a:rPr lang="en-US" altLang="ko-KR" dirty="0"/>
-              <a:t>: </a:t>
-            </a:r>
-            <a:r>
-              <a:rPr lang="ko-KR" altLang="en-US" dirty="0"/>
-              <a:t>헬스장 처음 온 </a:t>
-            </a:r>
-            <a:r>
-              <a:rPr lang="ko-KR" altLang="en-US" dirty="0" smtClean="0"/>
-              <a:t>회원</a:t>
-            </a:r>
-            <a:endParaRPr lang="en-US" altLang="ko-KR" dirty="0" smtClean="0"/>
-          </a:p>
-          <a:p>
-            <a:endParaRPr lang="en-US" altLang="ko-KR" dirty="0" smtClean="0"/>
-          </a:p>
-          <a:p>
-            <a:endParaRPr lang="ko-KR" altLang="en-US" dirty="0"/>
-          </a:p>
-          <a:p>
-            <a:r>
-              <a:rPr lang="en-US" altLang="ko-KR" dirty="0" smtClean="0"/>
-              <a:t>2</a:t>
-            </a:r>
-            <a:r>
-              <a:rPr lang="en-US" altLang="ko-KR" dirty="0"/>
-              <a:t>, 3 </a:t>
-            </a:r>
-            <a:r>
-              <a:rPr lang="ko-KR" altLang="en-US" dirty="0"/>
-              <a:t>집단의 </a:t>
-            </a:r>
-            <a:r>
-              <a:rPr lang="ko-KR" altLang="en-US" dirty="0" err="1"/>
-              <a:t>탈퇴율이</a:t>
-            </a:r>
-            <a:r>
-              <a:rPr lang="ko-KR" altLang="en-US" dirty="0"/>
-              <a:t> 낮고</a:t>
-            </a:r>
-            <a:r>
-              <a:rPr lang="en-US" altLang="ko-KR" dirty="0"/>
-              <a:t>, </a:t>
-            </a:r>
-            <a:endParaRPr lang="en-US" altLang="ko-KR" dirty="0" smtClean="0"/>
-          </a:p>
-          <a:p>
-            <a:r>
-              <a:rPr lang="en-US" altLang="ko-KR" dirty="0" smtClean="0"/>
-              <a:t>0</a:t>
-            </a:r>
-            <a:r>
-              <a:rPr lang="en-US" altLang="ko-KR" dirty="0"/>
-              <a:t>, 1 </a:t>
-            </a:r>
-            <a:r>
-              <a:rPr lang="ko-KR" altLang="en-US" dirty="0"/>
-              <a:t>집단의 탈퇴 회원 수가 각각 </a:t>
-            </a:r>
-            <a:r>
-              <a:rPr lang="en-US" altLang="ko-KR" dirty="0"/>
-              <a:t>543</a:t>
-            </a:r>
-            <a:r>
-              <a:rPr lang="ko-KR" altLang="en-US" dirty="0"/>
-              <a:t>명</a:t>
-            </a:r>
-            <a:r>
-              <a:rPr lang="en-US" altLang="ko-KR" dirty="0"/>
-              <a:t>, 771</a:t>
-            </a:r>
-            <a:r>
-              <a:rPr lang="ko-KR" altLang="en-US" dirty="0"/>
-              <a:t>명인 모습</a:t>
-            </a:r>
-            <a:r>
-              <a:rPr lang="en-US" altLang="ko-KR" dirty="0" smtClean="0"/>
-              <a:t>,</a:t>
-            </a:r>
-          </a:p>
-          <a:p>
-            <a:r>
-              <a:rPr lang="en-US" altLang="ko-KR" dirty="0" smtClean="0"/>
-              <a:t>1 </a:t>
-            </a:r>
-            <a:r>
-              <a:rPr lang="ko-KR" altLang="en-US" dirty="0"/>
-              <a:t>집단의 경우 전원 </a:t>
-            </a:r>
-            <a:r>
-              <a:rPr lang="ko-KR" altLang="en-US" dirty="0" smtClean="0"/>
-              <a:t>탈퇴했다</a:t>
-            </a:r>
-            <a:endParaRPr lang="en-US" altLang="ko-KR" dirty="0" smtClean="0"/>
           </a:p>
         </p:txBody>
       </p:sp>
       <p:pic>
         <p:nvPicPr>
-          <p:cNvPr id="4" name="그림 3"/>
+          <p:cNvPr id="3" name="그림 2"/>
           <p:cNvPicPr>
             <a:picLocks noChangeAspect="1"/>
           </p:cNvPicPr>
@@ -5866,70 +5770,18 @@
         </p:blipFill>
         <p:spPr>
           <a:xfrm>
-            <a:off x="311406" y="1955826"/>
-            <a:ext cx="5016620" cy="4104506"/>
+            <a:off x="4276478" y="1369675"/>
+            <a:ext cx="3639045" cy="4883276"/>
           </a:xfrm>
           <a:prstGeom prst="rect">
             <a:avLst/>
           </a:prstGeom>
         </p:spPr>
       </p:pic>
-      <p:sp>
-        <p:nvSpPr>
-          <p:cNvPr id="5" name="액자 4"/>
-          <p:cNvSpPr/>
-          <p:nvPr/>
-        </p:nvSpPr>
-        <p:spPr>
-          <a:xfrm>
-            <a:off x="1906292" y="1767963"/>
-            <a:ext cx="3421734" cy="4493352"/>
-          </a:xfrm>
-          <a:prstGeom prst="frame">
-            <a:avLst>
-              <a:gd name="adj1" fmla="val 4775"/>
-            </a:avLst>
-          </a:prstGeom>
-          <a:solidFill>
-            <a:srgbClr val="FF0000"/>
-          </a:solidFill>
-          <a:ln>
-            <a:noFill/>
-          </a:ln>
-        </p:spPr>
-        <p:style>
-          <a:lnRef idx="2">
-            <a:schemeClr val="accent1">
-              <a:shade val="50000"/>
-            </a:schemeClr>
-          </a:lnRef>
-          <a:fillRef idx="1">
-            <a:schemeClr val="accent1"/>
-          </a:fillRef>
-          <a:effectRef idx="0">
-            <a:schemeClr val="accent1"/>
-          </a:effectRef>
-          <a:fontRef idx="minor">
-            <a:schemeClr val="lt1"/>
-          </a:fontRef>
-        </p:style>
-        <p:txBody>
-          <a:bodyPr rtlCol="0" anchor="ctr"/>
-          <a:lstStyle/>
-          <a:p>
-            <a:pPr algn="ctr"/>
-            <a:endParaRPr lang="ko-KR" altLang="en-US">
-              <a:solidFill>
-                <a:schemeClr val="tx1"/>
-              </a:solidFill>
-            </a:endParaRPr>
-          </a:p>
-        </p:txBody>
-      </p:sp>
     </p:spTree>
     <p:extLst>
       <p:ext uri="{BB962C8B-B14F-4D97-AF65-F5344CB8AC3E}">
-        <p14:creationId xmlns:p14="http://schemas.microsoft.com/office/powerpoint/2010/main" val="3862186291"/>
+        <p14:creationId xmlns:p14="http://schemas.microsoft.com/office/powerpoint/2010/main" val="3462678233"/>
       </p:ext>
     </p:extLst>
   </p:cSld>
@@ -5973,6 +5825,571 @@
           <a:p>
             <a:r>
               <a:rPr lang="ko-KR" altLang="en-US" dirty="0" smtClean="0"/>
+              <a:t>클러스터 시각화</a:t>
+            </a:r>
+            <a:endParaRPr lang="ko-KR" altLang="en-US" dirty="0"/>
+          </a:p>
+        </p:txBody>
+      </p:sp>
+      <p:pic>
+        <p:nvPicPr>
+          <p:cNvPr id="3" name="그림 2"/>
+          <p:cNvPicPr>
+            <a:picLocks noChangeAspect="1"/>
+          </p:cNvPicPr>
+          <p:nvPr/>
+        </p:nvPicPr>
+        <p:blipFill rotWithShape="1">
+          <a:blip r:embed="rId2"/>
+          <a:srcRect l="752" t="1231" r="1550" b="1713"/>
+          <a:stretch/>
+        </p:blipFill>
+        <p:spPr>
+          <a:xfrm>
+            <a:off x="3513307" y="1867710"/>
+            <a:ext cx="5165387" cy="3920248"/>
+          </a:xfrm>
+          <a:prstGeom prst="rect">
+            <a:avLst/>
+          </a:prstGeom>
+        </p:spPr>
+      </p:pic>
+      <p:sp>
+        <p:nvSpPr>
+          <p:cNvPr id="4" name="TextBox 3"/>
+          <p:cNvSpPr txBox="1"/>
+          <p:nvPr/>
+        </p:nvSpPr>
+        <p:spPr>
+          <a:xfrm>
+            <a:off x="9001327" y="1273289"/>
+            <a:ext cx="3190673" cy="2554545"/>
+          </a:xfrm>
+          <a:prstGeom prst="rect">
+            <a:avLst/>
+          </a:prstGeom>
+          <a:noFill/>
+        </p:spPr>
+        <p:txBody>
+          <a:bodyPr wrap="square" rtlCol="0">
+            <a:spAutoFit/>
+          </a:bodyPr>
+          <a:lstStyle/>
+          <a:p>
+            <a:r>
+              <a:rPr lang="ko-KR" altLang="en-US" sz="3200" dirty="0" smtClean="0">
+                <a:solidFill>
+                  <a:srgbClr val="FF0000"/>
+                </a:solidFill>
+              </a:rPr>
+              <a:t>빨강</a:t>
+            </a:r>
+            <a:r>
+              <a:rPr lang="ko-KR" altLang="en-US" sz="3200" dirty="0" smtClean="0"/>
+              <a:t> </a:t>
+            </a:r>
+            <a:r>
+              <a:rPr lang="en-US" altLang="ko-KR" sz="3200" dirty="0" smtClean="0"/>
+              <a:t>: 2</a:t>
+            </a:r>
+            <a:r>
+              <a:rPr lang="ko-KR" altLang="en-US" sz="3200" dirty="0" smtClean="0"/>
+              <a:t>집단</a:t>
+            </a:r>
+            <a:endParaRPr lang="en-US" altLang="ko-KR" sz="3200" dirty="0" smtClean="0"/>
+          </a:p>
+          <a:p>
+            <a:r>
+              <a:rPr lang="ko-KR" altLang="en-US" sz="3200" dirty="0" smtClean="0">
+                <a:solidFill>
+                  <a:srgbClr val="FFA500"/>
+                </a:solidFill>
+              </a:rPr>
+              <a:t>주황</a:t>
+            </a:r>
+            <a:r>
+              <a:rPr lang="ko-KR" altLang="en-US" sz="3200" dirty="0" smtClean="0"/>
+              <a:t> </a:t>
+            </a:r>
+            <a:r>
+              <a:rPr lang="en-US" altLang="ko-KR" sz="3200" dirty="0" smtClean="0"/>
+              <a:t>: 1</a:t>
+            </a:r>
+            <a:r>
+              <a:rPr lang="ko-KR" altLang="en-US" sz="3200" dirty="0" smtClean="0"/>
+              <a:t>집단</a:t>
+            </a:r>
+          </a:p>
+          <a:p>
+            <a:r>
+              <a:rPr lang="ko-KR" altLang="en-US" sz="3200" dirty="0" smtClean="0">
+                <a:solidFill>
+                  <a:srgbClr val="008000"/>
+                </a:solidFill>
+              </a:rPr>
+              <a:t>초록</a:t>
+            </a:r>
+            <a:r>
+              <a:rPr lang="ko-KR" altLang="en-US" sz="3200" dirty="0" smtClean="0"/>
+              <a:t> </a:t>
+            </a:r>
+            <a:r>
+              <a:rPr lang="en-US" altLang="ko-KR" sz="3200" dirty="0" smtClean="0"/>
+              <a:t>: 0</a:t>
+            </a:r>
+            <a:r>
+              <a:rPr lang="ko-KR" altLang="en-US" sz="3200" dirty="0" smtClean="0"/>
+              <a:t>집단</a:t>
+            </a:r>
+            <a:endParaRPr lang="en-US" altLang="ko-KR" sz="3200" dirty="0" smtClean="0"/>
+          </a:p>
+          <a:p>
+            <a:r>
+              <a:rPr lang="ko-KR" altLang="en-US" sz="3200" dirty="0" smtClean="0">
+                <a:solidFill>
+                  <a:srgbClr val="0000FF"/>
+                </a:solidFill>
+              </a:rPr>
+              <a:t>파랑</a:t>
+            </a:r>
+            <a:r>
+              <a:rPr lang="ko-KR" altLang="en-US" sz="3200" dirty="0" smtClean="0"/>
+              <a:t> </a:t>
+            </a:r>
+            <a:r>
+              <a:rPr lang="en-US" altLang="ko-KR" sz="3200" dirty="0" smtClean="0"/>
+              <a:t>: 3</a:t>
+            </a:r>
+            <a:r>
+              <a:rPr lang="ko-KR" altLang="en-US" sz="3200" dirty="0" smtClean="0"/>
+              <a:t>집단</a:t>
+            </a:r>
+            <a:endParaRPr lang="en-US" altLang="ko-KR" sz="3200" dirty="0" smtClean="0"/>
+          </a:p>
+          <a:p>
+            <a:endParaRPr lang="en-US" altLang="ko-KR" sz="3200" dirty="0" smtClean="0"/>
+          </a:p>
+        </p:txBody>
+      </p:sp>
+    </p:spTree>
+    <p:extLst>
+      <p:ext uri="{BB962C8B-B14F-4D97-AF65-F5344CB8AC3E}">
+        <p14:creationId xmlns:p14="http://schemas.microsoft.com/office/powerpoint/2010/main" val="2415794974"/>
+      </p:ext>
+    </p:extLst>
+  </p:cSld>
+  <p:clrMapOvr>
+    <a:masterClrMapping/>
+  </p:clrMapOvr>
+</p:sld>
+</file>
+
+<file path=ppt/slides/slide25.xml><?xml version="1.0" encoding="utf-8"?>
+<p:sld xmlns:a="http://schemas.openxmlformats.org/drawingml/2006/main" xmlns:r="http://schemas.openxmlformats.org/officeDocument/2006/relationships" xmlns:p="http://schemas.openxmlformats.org/presentationml/2006/main">
+  <p:cSld>
+    <p:spTree>
+      <p:nvGrpSpPr>
+        <p:cNvPr id="1" name=""/>
+        <p:cNvGrpSpPr/>
+        <p:nvPr/>
+      </p:nvGrpSpPr>
+      <p:grpSpPr>
+        <a:xfrm>
+          <a:off x="0" y="0"/>
+          <a:ext cx="0" cy="0"/>
+          <a:chOff x="0" y="0"/>
+          <a:chExt cx="0" cy="0"/>
+        </a:xfrm>
+      </p:grpSpPr>
+      <p:sp>
+        <p:nvSpPr>
+          <p:cNvPr id="2" name="제목 1"/>
+          <p:cNvSpPr>
+            <a:spLocks noGrp="1"/>
+          </p:cNvSpPr>
+          <p:nvPr>
+            <p:ph type="title"/>
+          </p:nvPr>
+        </p:nvSpPr>
+        <p:spPr/>
+        <p:txBody>
+          <a:bodyPr/>
+          <a:lstStyle/>
+          <a:p>
+            <a:r>
+              <a:rPr lang="ko-KR" altLang="en-US" dirty="0" smtClean="0"/>
+              <a:t>분석 결과에 대한 의견</a:t>
+            </a:r>
+            <a:endParaRPr lang="ko-KR" altLang="en-US" dirty="0"/>
+          </a:p>
+        </p:txBody>
+      </p:sp>
+      <p:sp>
+        <p:nvSpPr>
+          <p:cNvPr id="3" name="TextBox 2"/>
+          <p:cNvSpPr txBox="1"/>
+          <p:nvPr/>
+        </p:nvSpPr>
+        <p:spPr>
+          <a:xfrm>
+            <a:off x="5435030" y="2161419"/>
+            <a:ext cx="9640110" cy="3693319"/>
+          </a:xfrm>
+          <a:prstGeom prst="rect">
+            <a:avLst/>
+          </a:prstGeom>
+          <a:noFill/>
+        </p:spPr>
+        <p:txBody>
+          <a:bodyPr wrap="square" rtlCol="0">
+            <a:spAutoFit/>
+          </a:bodyPr>
+          <a:lstStyle/>
+          <a:p>
+            <a:r>
+              <a:rPr lang="en-US" altLang="ko-KR" dirty="0" smtClean="0"/>
+              <a:t>0 </a:t>
+            </a:r>
+            <a:r>
+              <a:rPr lang="ko-KR" altLang="en-US" dirty="0"/>
+              <a:t>집단 </a:t>
+            </a:r>
+            <a:r>
+              <a:rPr lang="en-US" altLang="ko-KR" dirty="0"/>
+              <a:t>: </a:t>
+            </a:r>
+            <a:r>
+              <a:rPr lang="ko-KR" altLang="en-US" dirty="0"/>
+              <a:t>계속 이용하는 회원과 탈퇴하는 회원들로 갈리는 </a:t>
+            </a:r>
+            <a:r>
+              <a:rPr lang="ko-KR" altLang="en-US" dirty="0" smtClean="0"/>
+              <a:t>모습</a:t>
+            </a:r>
+            <a:endParaRPr lang="en-US" altLang="ko-KR" dirty="0" smtClean="0"/>
+          </a:p>
+          <a:p>
+            <a:endParaRPr lang="ko-KR" altLang="en-US" dirty="0"/>
+          </a:p>
+          <a:p>
+            <a:r>
+              <a:rPr lang="en-US" altLang="ko-KR" dirty="0" smtClean="0"/>
+              <a:t>1 </a:t>
+            </a:r>
+            <a:r>
+              <a:rPr lang="ko-KR" altLang="en-US" dirty="0"/>
+              <a:t>집단 </a:t>
+            </a:r>
+            <a:r>
+              <a:rPr lang="en-US" altLang="ko-KR" dirty="0"/>
+              <a:t>: </a:t>
+            </a:r>
+            <a:r>
+              <a:rPr lang="ko-KR" altLang="en-US" dirty="0"/>
+              <a:t>헬스장 </a:t>
+            </a:r>
+            <a:r>
+              <a:rPr lang="ko-KR" altLang="en-US" dirty="0" err="1"/>
+              <a:t>이용이력이</a:t>
+            </a:r>
+            <a:r>
+              <a:rPr lang="ko-KR" altLang="en-US" dirty="0"/>
+              <a:t> 집단들 중 가장 낮고 </a:t>
+            </a:r>
+            <a:endParaRPr lang="en-US" altLang="ko-KR" dirty="0" smtClean="0"/>
+          </a:p>
+          <a:p>
+            <a:r>
+              <a:rPr lang="en-US" altLang="ko-KR" dirty="0"/>
+              <a:t> </a:t>
+            </a:r>
+            <a:r>
+              <a:rPr lang="en-US" altLang="ko-KR" dirty="0" smtClean="0"/>
+              <a:t>          </a:t>
+            </a:r>
+            <a:r>
+              <a:rPr lang="ko-KR" altLang="en-US" dirty="0" err="1" smtClean="0"/>
+              <a:t>탈퇴율이</a:t>
+            </a:r>
+            <a:r>
+              <a:rPr lang="ko-KR" altLang="en-US" dirty="0" smtClean="0"/>
+              <a:t> </a:t>
+            </a:r>
+            <a:r>
+              <a:rPr lang="ko-KR" altLang="en-US" dirty="0"/>
+              <a:t>가장 </a:t>
+            </a:r>
+            <a:r>
+              <a:rPr lang="ko-KR" altLang="en-US" dirty="0" smtClean="0"/>
+              <a:t>높다</a:t>
+            </a:r>
+            <a:endParaRPr lang="en-US" altLang="ko-KR" dirty="0" smtClean="0"/>
+          </a:p>
+          <a:p>
+            <a:endParaRPr lang="ko-KR" altLang="en-US" dirty="0"/>
+          </a:p>
+          <a:p>
+            <a:r>
+              <a:rPr lang="en-US" altLang="ko-KR" dirty="0" smtClean="0"/>
+              <a:t>2 </a:t>
+            </a:r>
+            <a:r>
+              <a:rPr lang="ko-KR" altLang="en-US" dirty="0"/>
+              <a:t>집단 </a:t>
+            </a:r>
+            <a:r>
+              <a:rPr lang="en-US" altLang="ko-KR" dirty="0"/>
+              <a:t>: </a:t>
+            </a:r>
+            <a:r>
+              <a:rPr lang="ko-KR" altLang="en-US" dirty="0"/>
+              <a:t>꾸준히 헬스장을 이용하는 </a:t>
+            </a:r>
+            <a:r>
+              <a:rPr lang="ko-KR" altLang="en-US" dirty="0" smtClean="0"/>
+              <a:t>회원</a:t>
+            </a:r>
+            <a:endParaRPr lang="en-US" altLang="ko-KR" dirty="0" smtClean="0"/>
+          </a:p>
+          <a:p>
+            <a:endParaRPr lang="ko-KR" altLang="en-US" dirty="0"/>
+          </a:p>
+          <a:p>
+            <a:r>
+              <a:rPr lang="en-US" altLang="ko-KR" dirty="0" smtClean="0"/>
+              <a:t>3 </a:t>
+            </a:r>
+            <a:r>
+              <a:rPr lang="ko-KR" altLang="en-US" dirty="0"/>
+              <a:t>집단 </a:t>
+            </a:r>
+            <a:r>
+              <a:rPr lang="en-US" altLang="ko-KR" dirty="0"/>
+              <a:t>: </a:t>
+            </a:r>
+            <a:r>
+              <a:rPr lang="ko-KR" altLang="en-US" dirty="0"/>
+              <a:t>헬스장 처음 온 </a:t>
+            </a:r>
+            <a:r>
+              <a:rPr lang="ko-KR" altLang="en-US" dirty="0" smtClean="0"/>
+              <a:t>회원</a:t>
+            </a:r>
+            <a:endParaRPr lang="en-US" altLang="ko-KR" dirty="0" smtClean="0"/>
+          </a:p>
+          <a:p>
+            <a:endParaRPr lang="en-US" altLang="ko-KR" dirty="0" smtClean="0"/>
+          </a:p>
+          <a:p>
+            <a:endParaRPr lang="ko-KR" altLang="en-US" dirty="0"/>
+          </a:p>
+          <a:p>
+            <a:r>
+              <a:rPr lang="en-US" altLang="ko-KR" dirty="0" smtClean="0"/>
+              <a:t>2</a:t>
+            </a:r>
+            <a:r>
+              <a:rPr lang="en-US" altLang="ko-KR" dirty="0"/>
+              <a:t>, 3 </a:t>
+            </a:r>
+            <a:r>
+              <a:rPr lang="ko-KR" altLang="en-US" dirty="0"/>
+              <a:t>집단의 </a:t>
+            </a:r>
+            <a:r>
+              <a:rPr lang="ko-KR" altLang="en-US" dirty="0" err="1"/>
+              <a:t>탈퇴율이</a:t>
+            </a:r>
+            <a:r>
+              <a:rPr lang="ko-KR" altLang="en-US" dirty="0"/>
+              <a:t> 낮고</a:t>
+            </a:r>
+            <a:r>
+              <a:rPr lang="en-US" altLang="ko-KR" dirty="0"/>
+              <a:t>, </a:t>
+            </a:r>
+            <a:endParaRPr lang="en-US" altLang="ko-KR" dirty="0" smtClean="0"/>
+          </a:p>
+          <a:p>
+            <a:r>
+              <a:rPr lang="en-US" altLang="ko-KR" dirty="0" smtClean="0"/>
+              <a:t>0</a:t>
+            </a:r>
+            <a:r>
+              <a:rPr lang="en-US" altLang="ko-KR" dirty="0"/>
+              <a:t>, 1 </a:t>
+            </a:r>
+            <a:r>
+              <a:rPr lang="ko-KR" altLang="en-US" dirty="0"/>
+              <a:t>집단의 탈퇴 회원 수가 각각 </a:t>
+            </a:r>
+            <a:r>
+              <a:rPr lang="en-US" altLang="ko-KR" dirty="0"/>
+              <a:t>543</a:t>
+            </a:r>
+            <a:r>
+              <a:rPr lang="ko-KR" altLang="en-US" dirty="0"/>
+              <a:t>명</a:t>
+            </a:r>
+            <a:r>
+              <a:rPr lang="en-US" altLang="ko-KR" dirty="0"/>
+              <a:t>, 771</a:t>
+            </a:r>
+            <a:r>
+              <a:rPr lang="ko-KR" altLang="en-US" dirty="0"/>
+              <a:t>명인 모습</a:t>
+            </a:r>
+            <a:r>
+              <a:rPr lang="en-US" altLang="ko-KR" dirty="0" smtClean="0"/>
+              <a:t>,</a:t>
+            </a:r>
+          </a:p>
+          <a:p>
+            <a:r>
+              <a:rPr lang="en-US" altLang="ko-KR" dirty="0" smtClean="0"/>
+              <a:t>1 </a:t>
+            </a:r>
+            <a:r>
+              <a:rPr lang="ko-KR" altLang="en-US" dirty="0"/>
+              <a:t>집단의 경우 전원 </a:t>
+            </a:r>
+            <a:r>
+              <a:rPr lang="ko-KR" altLang="en-US" dirty="0" smtClean="0"/>
+              <a:t>탈퇴했다</a:t>
+            </a:r>
+            <a:endParaRPr lang="en-US" altLang="ko-KR" dirty="0" smtClean="0"/>
+          </a:p>
+        </p:txBody>
+      </p:sp>
+      <p:pic>
+        <p:nvPicPr>
+          <p:cNvPr id="4" name="그림 3"/>
+          <p:cNvPicPr>
+            <a:picLocks noChangeAspect="1"/>
+          </p:cNvPicPr>
+          <p:nvPr/>
+        </p:nvPicPr>
+        <p:blipFill>
+          <a:blip r:embed="rId2">
+            <a:extLst>
+              <a:ext uri="{28A0092B-C50C-407E-A947-70E740481C1C}">
+                <a14:useLocalDpi xmlns:a14="http://schemas.microsoft.com/office/drawing/2010/main" val="0"/>
+              </a:ext>
+            </a:extLst>
+          </a:blip>
+          <a:stretch>
+            <a:fillRect/>
+          </a:stretch>
+        </p:blipFill>
+        <p:spPr>
+          <a:xfrm>
+            <a:off x="311406" y="1955826"/>
+            <a:ext cx="5016620" cy="4104506"/>
+          </a:xfrm>
+          <a:prstGeom prst="rect">
+            <a:avLst/>
+          </a:prstGeom>
+        </p:spPr>
+      </p:pic>
+      <p:sp>
+        <p:nvSpPr>
+          <p:cNvPr id="5" name="액자 4"/>
+          <p:cNvSpPr/>
+          <p:nvPr/>
+        </p:nvSpPr>
+        <p:spPr>
+          <a:xfrm>
+            <a:off x="1906292" y="1767963"/>
+            <a:ext cx="3421734" cy="4493352"/>
+          </a:xfrm>
+          <a:prstGeom prst="frame">
+            <a:avLst>
+              <a:gd name="adj1" fmla="val 4775"/>
+            </a:avLst>
+          </a:prstGeom>
+          <a:solidFill>
+            <a:srgbClr val="FF0000"/>
+          </a:solidFill>
+          <a:ln>
+            <a:noFill/>
+          </a:ln>
+        </p:spPr>
+        <p:style>
+          <a:lnRef idx="2">
+            <a:schemeClr val="accent1">
+              <a:shade val="50000"/>
+            </a:schemeClr>
+          </a:lnRef>
+          <a:fillRef idx="1">
+            <a:schemeClr val="accent1"/>
+          </a:fillRef>
+          <a:effectRef idx="0">
+            <a:schemeClr val="accent1"/>
+          </a:effectRef>
+          <a:fontRef idx="minor">
+            <a:schemeClr val="lt1"/>
+          </a:fontRef>
+        </p:style>
+        <p:txBody>
+          <a:bodyPr rtlCol="0" anchor="ctr"/>
+          <a:lstStyle/>
+          <a:p>
+            <a:pPr algn="ctr"/>
+            <a:endParaRPr lang="ko-KR" altLang="en-US">
+              <a:solidFill>
+                <a:schemeClr val="tx1"/>
+              </a:solidFill>
+            </a:endParaRPr>
+          </a:p>
+        </p:txBody>
+      </p:sp>
+    </p:spTree>
+    <p:extLst>
+      <p:ext uri="{BB962C8B-B14F-4D97-AF65-F5344CB8AC3E}">
+        <p14:creationId xmlns:p14="http://schemas.microsoft.com/office/powerpoint/2010/main" val="3862186291"/>
+      </p:ext>
+    </p:extLst>
+  </p:cSld>
+  <p:clrMapOvr>
+    <a:masterClrMapping/>
+  </p:clrMapOvr>
+</p:sld>
+</file>
+
+<file path=ppt/slides/slide26.xml><?xml version="1.0" encoding="utf-8"?>
+<p:sld xmlns:a="http://schemas.openxmlformats.org/drawingml/2006/main" xmlns:r="http://schemas.openxmlformats.org/officeDocument/2006/relationships" xmlns:p="http://schemas.openxmlformats.org/presentationml/2006/main">
+  <p:cSld>
+    <p:spTree>
+      <p:nvGrpSpPr>
+        <p:cNvPr id="1" name=""/>
+        <p:cNvGrpSpPr/>
+        <p:nvPr/>
+      </p:nvGrpSpPr>
+      <p:grpSpPr>
+        <a:xfrm>
+          <a:off x="0" y="0"/>
+          <a:ext cx="0" cy="0"/>
+          <a:chOff x="0" y="0"/>
+          <a:chExt cx="0" cy="0"/>
+        </a:xfrm>
+      </p:grpSpPr>
+      <p:sp>
+        <p:nvSpPr>
+          <p:cNvPr id="2" name="제목 1"/>
+          <p:cNvSpPr>
+            <a:spLocks noGrp="1"/>
+          </p:cNvSpPr>
+          <p:nvPr>
+            <p:ph type="title"/>
+          </p:nvPr>
+        </p:nvSpPr>
+        <p:spPr/>
+        <p:txBody>
+          <a:bodyPr/>
+          <a:lstStyle/>
+          <a:p>
+            <a:r>
+              <a:rPr lang="ko-KR" altLang="en-US" dirty="0" smtClean="0"/>
               <a:t>선형 회귀</a:t>
             </a:r>
             <a:endParaRPr lang="ko-KR" altLang="en-US" dirty="0"/>
@@ -6178,7 +6595,7 @@
 </p:sld>
 </file>
 
-<file path=ppt/slides/slide25.xml><?xml version="1.0" encoding="utf-8"?>
+<file path=ppt/slides/slide27.xml><?xml version="1.0" encoding="utf-8"?>
 <p:sld xmlns:a="http://schemas.openxmlformats.org/drawingml/2006/main" xmlns:r="http://schemas.openxmlformats.org/officeDocument/2006/relationships" xmlns:p="http://schemas.openxmlformats.org/presentationml/2006/main">
   <p:cSld>
     <p:spTree>
@@ -6306,7 +6723,7 @@
 </p:sld>
 </file>
 
-<file path=ppt/slides/slide26.xml><?xml version="1.0" encoding="utf-8"?>
+<file path=ppt/slides/slide28.xml><?xml version="1.0" encoding="utf-8"?>
 <p:sld xmlns:a="http://schemas.openxmlformats.org/drawingml/2006/main" xmlns:r="http://schemas.openxmlformats.org/officeDocument/2006/relationships" xmlns:p="http://schemas.openxmlformats.org/presentationml/2006/main">
   <p:cSld>
     <p:spTree>
@@ -6410,518 +6827,6 @@
     <p:extLst>
       <p:ext uri="{BB962C8B-B14F-4D97-AF65-F5344CB8AC3E}">
         <p14:creationId xmlns:p14="http://schemas.microsoft.com/office/powerpoint/2010/main" val="3065594731"/>
-      </p:ext>
-    </p:extLst>
-  </p:cSld>
-  <p:clrMapOvr>
-    <a:masterClrMapping/>
-  </p:clrMapOvr>
-</p:sld>
-</file>
-
-<file path=ppt/slides/slide27.xml><?xml version="1.0" encoding="utf-8"?>
-<p:sld xmlns:a="http://schemas.openxmlformats.org/drawingml/2006/main" xmlns:r="http://schemas.openxmlformats.org/officeDocument/2006/relationships" xmlns:p="http://schemas.openxmlformats.org/presentationml/2006/main">
-  <p:cSld>
-    <p:spTree>
-      <p:nvGrpSpPr>
-        <p:cNvPr id="1" name=""/>
-        <p:cNvGrpSpPr/>
-        <p:nvPr/>
-      </p:nvGrpSpPr>
-      <p:grpSpPr>
-        <a:xfrm>
-          <a:off x="0" y="0"/>
-          <a:ext cx="0" cy="0"/>
-          <a:chOff x="0" y="0"/>
-          <a:chExt cx="0" cy="0"/>
-        </a:xfrm>
-      </p:grpSpPr>
-      <p:sp>
-        <p:nvSpPr>
-          <p:cNvPr id="2" name="제목 1"/>
-          <p:cNvSpPr>
-            <a:spLocks noGrp="1"/>
-          </p:cNvSpPr>
-          <p:nvPr>
-            <p:ph type="title"/>
-          </p:nvPr>
-        </p:nvSpPr>
-        <p:spPr/>
-        <p:txBody>
-          <a:bodyPr/>
-          <a:lstStyle/>
-          <a:p>
-            <a:r>
-              <a:rPr lang="ko-KR" altLang="en-US" dirty="0" smtClean="0"/>
-              <a:t>고객의 소리</a:t>
-            </a:r>
-            <a:endParaRPr lang="ko-KR" altLang="en-US" dirty="0"/>
-          </a:p>
-        </p:txBody>
-      </p:sp>
-      <p:sp>
-        <p:nvSpPr>
-          <p:cNvPr id="3" name="TextBox 2"/>
-          <p:cNvSpPr txBox="1"/>
-          <p:nvPr/>
-        </p:nvSpPr>
-        <p:spPr>
-          <a:xfrm>
-            <a:off x="546371" y="1687235"/>
-            <a:ext cx="10724827" cy="646331"/>
-          </a:xfrm>
-          <a:prstGeom prst="rect">
-            <a:avLst/>
-          </a:prstGeom>
-          <a:noFill/>
-        </p:spPr>
-        <p:txBody>
-          <a:bodyPr wrap="square" rtlCol="0">
-            <a:spAutoFit/>
-          </a:bodyPr>
-          <a:lstStyle/>
-          <a:p>
-            <a:r>
-              <a:rPr lang="ko-KR" altLang="en-US" dirty="0"/>
-              <a:t>잘 생각해보면 회원을 정착시키고 늘려가는 것보다 탈퇴를 막는 것이 중요한 것 같습니다</a:t>
-            </a:r>
-            <a:r>
-              <a:rPr lang="en-US" altLang="ko-KR" dirty="0"/>
-              <a:t>. </a:t>
-            </a:r>
-            <a:r>
-              <a:rPr lang="ko-KR" altLang="en-US" dirty="0"/>
-              <a:t>탈퇴 이유를 알 수 있나요</a:t>
-            </a:r>
-            <a:r>
-              <a:rPr lang="en-US" altLang="ko-KR" dirty="0"/>
-              <a:t>?</a:t>
-            </a:r>
-            <a:endParaRPr lang="ko-KR" altLang="en-US" dirty="0"/>
-          </a:p>
-        </p:txBody>
-      </p:sp>
-      <p:sp>
-        <p:nvSpPr>
-          <p:cNvPr id="4" name="TextBox 3"/>
-          <p:cNvSpPr txBox="1"/>
-          <p:nvPr/>
-        </p:nvSpPr>
-        <p:spPr>
-          <a:xfrm>
-            <a:off x="546371" y="2524665"/>
-            <a:ext cx="10633156" cy="3416320"/>
-          </a:xfrm>
-          <a:prstGeom prst="rect">
-            <a:avLst/>
-          </a:prstGeom>
-          <a:noFill/>
-        </p:spPr>
-        <p:txBody>
-          <a:bodyPr wrap="square" rtlCol="0">
-            <a:spAutoFit/>
-          </a:bodyPr>
-          <a:lstStyle/>
-          <a:p>
-            <a:r>
-              <a:rPr lang="ko-KR" altLang="en-US" b="1" dirty="0" smtClean="0"/>
-              <a:t>회원 </a:t>
-            </a:r>
-            <a:r>
-              <a:rPr lang="ko-KR" altLang="en-US" b="1" dirty="0"/>
-              <a:t>탈퇴 </a:t>
-            </a:r>
-            <a:r>
-              <a:rPr lang="ko-KR" altLang="en-US" b="1" dirty="0" smtClean="0"/>
-              <a:t>예측</a:t>
-            </a:r>
-            <a:endParaRPr lang="en-US" altLang="ko-KR" b="1" dirty="0" smtClean="0"/>
-          </a:p>
-          <a:p>
-            <a:endParaRPr lang="en-US" altLang="ko-KR" dirty="0" smtClean="0"/>
-          </a:p>
-          <a:p>
-            <a:r>
-              <a:rPr lang="en-US" altLang="ko-KR" dirty="0" smtClean="0"/>
-              <a:t>1) </a:t>
-            </a:r>
-            <a:r>
-              <a:rPr lang="ko-KR" altLang="en-US" dirty="0" smtClean="0"/>
-              <a:t>탈퇴 </a:t>
-            </a:r>
-            <a:r>
-              <a:rPr lang="ko-KR" altLang="en-US" dirty="0"/>
-              <a:t>전월의 탈퇴 고객 데이터 </a:t>
-            </a:r>
-            <a:r>
-              <a:rPr lang="ko-KR" altLang="en-US" dirty="0" smtClean="0"/>
-              <a:t>작성</a:t>
-            </a:r>
-            <a:endParaRPr lang="en-US" altLang="ko-KR" dirty="0" smtClean="0"/>
-          </a:p>
-          <a:p>
-            <a:r>
-              <a:rPr lang="en-US" altLang="ko-KR" dirty="0" smtClean="0"/>
-              <a:t>2) </a:t>
-            </a:r>
-            <a:r>
-              <a:rPr lang="ko-KR" altLang="en-US" dirty="0" smtClean="0"/>
-              <a:t>탈퇴 </a:t>
-            </a:r>
-            <a:r>
-              <a:rPr lang="ko-KR" altLang="en-US" dirty="0"/>
-              <a:t>월을 </a:t>
-            </a:r>
-            <a:r>
-              <a:rPr lang="en-US" altLang="ko-KR" dirty="0"/>
-              <a:t>2018</a:t>
-            </a:r>
-            <a:r>
-              <a:rPr lang="ko-KR" altLang="en-US" dirty="0"/>
-              <a:t>년 </a:t>
-            </a:r>
-            <a:r>
-              <a:rPr lang="en-US" altLang="ko-KR" dirty="0"/>
-              <a:t>9</a:t>
-            </a:r>
-            <a:r>
-              <a:rPr lang="ko-KR" altLang="en-US" dirty="0"/>
-              <a:t>월로 하고 그 </a:t>
-            </a:r>
-            <a:r>
-              <a:rPr lang="en-US" altLang="ko-KR" dirty="0"/>
-              <a:t>1</a:t>
-            </a:r>
-            <a:r>
-              <a:rPr lang="ko-KR" altLang="en-US" dirty="0"/>
-              <a:t>개월 전인 </a:t>
-            </a:r>
-            <a:r>
-              <a:rPr lang="en-US" altLang="ko-KR" dirty="0" smtClean="0"/>
-              <a:t>8</a:t>
-            </a:r>
-            <a:r>
-              <a:rPr lang="ko-KR" altLang="en-US" dirty="0"/>
-              <a:t>월의 데이터로부터 </a:t>
-            </a:r>
-            <a:r>
-              <a:rPr lang="en-US" altLang="ko-KR" dirty="0"/>
-              <a:t>9</a:t>
-            </a:r>
-            <a:r>
-              <a:rPr lang="ko-KR" altLang="en-US" dirty="0"/>
-              <a:t>월에 탈퇴 신청을 할 </a:t>
-            </a:r>
-            <a:r>
-              <a:rPr lang="ko-KR" altLang="en-US" dirty="0" smtClean="0"/>
-              <a:t>확률</a:t>
-            </a:r>
-            <a:endParaRPr lang="en-US" altLang="ko-KR" dirty="0" smtClean="0"/>
-          </a:p>
-          <a:p>
-            <a:r>
-              <a:rPr lang="en-US" altLang="ko-KR" dirty="0" smtClean="0"/>
-              <a:t>3) </a:t>
-            </a:r>
-            <a:r>
-              <a:rPr lang="ko-KR" altLang="en-US" dirty="0" smtClean="0"/>
-              <a:t>지속 </a:t>
-            </a:r>
-            <a:r>
-              <a:rPr lang="ko-KR" altLang="en-US" dirty="0"/>
-              <a:t>회원의 데이터 </a:t>
-            </a:r>
-            <a:r>
-              <a:rPr lang="ko-KR" altLang="en-US" dirty="0" smtClean="0"/>
-              <a:t>작성</a:t>
-            </a:r>
-            <a:endParaRPr lang="en-US" altLang="ko-KR" dirty="0" smtClean="0"/>
-          </a:p>
-          <a:p>
-            <a:r>
-              <a:rPr lang="en-US" altLang="ko-KR" dirty="0" smtClean="0"/>
-              <a:t>4) </a:t>
-            </a:r>
-            <a:r>
-              <a:rPr lang="ko-KR" altLang="en-US" dirty="0"/>
-              <a:t>예측할 달의 재적 기간을 </a:t>
-            </a:r>
-            <a:r>
-              <a:rPr lang="ko-KR" altLang="en-US" dirty="0" smtClean="0"/>
-              <a:t>작성</a:t>
-            </a:r>
-            <a:endParaRPr lang="en-US" altLang="ko-KR" dirty="0" smtClean="0"/>
-          </a:p>
-          <a:p>
-            <a:r>
-              <a:rPr lang="en-US" altLang="ko-KR" dirty="0" smtClean="0"/>
-              <a:t>5) </a:t>
-            </a:r>
-            <a:r>
-              <a:rPr lang="ko-KR" altLang="en-US" dirty="0" err="1"/>
-              <a:t>결측치</a:t>
-            </a:r>
-            <a:r>
-              <a:rPr lang="ko-KR" altLang="en-US" dirty="0"/>
-              <a:t> </a:t>
-            </a:r>
-            <a:r>
-              <a:rPr lang="ko-KR" altLang="en-US" dirty="0" smtClean="0"/>
-              <a:t>제거</a:t>
-            </a:r>
-            <a:r>
-              <a:rPr lang="en-US" altLang="ko-KR" dirty="0" smtClean="0"/>
-              <a:t/>
-            </a:r>
-            <a:br>
-              <a:rPr lang="en-US" altLang="ko-KR" dirty="0" smtClean="0"/>
-            </a:br>
-            <a:r>
-              <a:rPr lang="en-US" altLang="ko-KR" dirty="0" smtClean="0"/>
-              <a:t>6) </a:t>
-            </a:r>
-            <a:r>
-              <a:rPr lang="ko-KR" altLang="en-US" dirty="0"/>
-              <a:t>문자열 변수 </a:t>
-            </a:r>
-            <a:r>
-              <a:rPr lang="ko-KR" altLang="en-US" dirty="0" smtClean="0"/>
-              <a:t>처리</a:t>
-            </a:r>
-            <a:endParaRPr lang="en-US" altLang="ko-KR" dirty="0" smtClean="0"/>
-          </a:p>
-          <a:p>
-            <a:r>
-              <a:rPr lang="en-US" altLang="ko-KR" dirty="0" smtClean="0"/>
-              <a:t>7) </a:t>
-            </a:r>
-            <a:r>
-              <a:rPr lang="ko-KR" altLang="en-US" dirty="0"/>
-              <a:t>의사결정트리를 사용해서 탈퇴 예측 모델 </a:t>
-            </a:r>
-            <a:r>
-              <a:rPr lang="ko-KR" altLang="en-US" dirty="0" smtClean="0"/>
-              <a:t>구축</a:t>
-            </a:r>
-            <a:endParaRPr lang="en-US" altLang="ko-KR" dirty="0" smtClean="0"/>
-          </a:p>
-          <a:p>
-            <a:r>
-              <a:rPr lang="en-US" altLang="ko-KR" dirty="0" smtClean="0"/>
-              <a:t>8) </a:t>
-            </a:r>
-            <a:r>
-              <a:rPr lang="ko-KR" altLang="en-US" dirty="0"/>
-              <a:t>예측 모델을 평가하고 모델 </a:t>
-            </a:r>
-            <a:r>
-              <a:rPr lang="ko-KR" altLang="en-US" dirty="0" smtClean="0"/>
-              <a:t>튜닝</a:t>
-            </a:r>
-            <a:endParaRPr lang="en-US" altLang="ko-KR" dirty="0" smtClean="0"/>
-          </a:p>
-          <a:p>
-            <a:r>
-              <a:rPr lang="en-US" altLang="ko-KR" dirty="0" smtClean="0"/>
-              <a:t>9) </a:t>
-            </a:r>
-            <a:r>
-              <a:rPr lang="ko-KR" altLang="en-US" dirty="0"/>
-              <a:t>모델에 기여하는 변수 </a:t>
-            </a:r>
-            <a:r>
-              <a:rPr lang="ko-KR" altLang="en-US" dirty="0" smtClean="0"/>
-              <a:t>확인</a:t>
-            </a:r>
-            <a:endParaRPr lang="en-US" altLang="ko-KR" dirty="0" smtClean="0"/>
-          </a:p>
-          <a:p>
-            <a:r>
-              <a:rPr lang="en-US" altLang="ko-KR" dirty="0" smtClean="0"/>
-              <a:t>10) </a:t>
-            </a:r>
-            <a:r>
-              <a:rPr lang="ko-KR" altLang="en-US" dirty="0"/>
-              <a:t>회원 탈퇴 예측</a:t>
-            </a:r>
-            <a:endParaRPr lang="en-US" altLang="ko-KR" dirty="0"/>
-          </a:p>
-        </p:txBody>
-      </p:sp>
-    </p:spTree>
-    <p:extLst>
-      <p:ext uri="{BB962C8B-B14F-4D97-AF65-F5344CB8AC3E}">
-        <p14:creationId xmlns:p14="http://schemas.microsoft.com/office/powerpoint/2010/main" val="177033876"/>
-      </p:ext>
-    </p:extLst>
-  </p:cSld>
-  <p:clrMapOvr>
-    <a:masterClrMapping/>
-  </p:clrMapOvr>
-  <p:timing>
-    <p:tnLst>
-      <p:par>
-        <p:cTn id="1" dur="indefinite" restart="never" nodeType="tmRoot"/>
-      </p:par>
-    </p:tnLst>
-  </p:timing>
-</p:sld>
-</file>
-
-<file path=ppt/slides/slide28.xml><?xml version="1.0" encoding="utf-8"?>
-<p:sld xmlns:a="http://schemas.openxmlformats.org/drawingml/2006/main" xmlns:r="http://schemas.openxmlformats.org/officeDocument/2006/relationships" xmlns:p="http://schemas.openxmlformats.org/presentationml/2006/main">
-  <p:cSld>
-    <p:spTree>
-      <p:nvGrpSpPr>
-        <p:cNvPr id="1" name=""/>
-        <p:cNvGrpSpPr/>
-        <p:nvPr/>
-      </p:nvGrpSpPr>
-      <p:grpSpPr>
-        <a:xfrm>
-          <a:off x="0" y="0"/>
-          <a:ext cx="0" cy="0"/>
-          <a:chOff x="0" y="0"/>
-          <a:chExt cx="0" cy="0"/>
-        </a:xfrm>
-      </p:grpSpPr>
-      <p:sp>
-        <p:nvSpPr>
-          <p:cNvPr id="2" name="제목 1"/>
-          <p:cNvSpPr>
-            <a:spLocks noGrp="1"/>
-          </p:cNvSpPr>
-          <p:nvPr>
-            <p:ph type="title"/>
-          </p:nvPr>
-        </p:nvSpPr>
-        <p:spPr/>
-        <p:txBody>
-          <a:bodyPr/>
-          <a:lstStyle/>
-          <a:p>
-            <a:r>
-              <a:rPr lang="ko-KR" altLang="en-US" dirty="0" smtClean="0"/>
-              <a:t>탈퇴 회원 데이터 가공</a:t>
-            </a:r>
-            <a:endParaRPr lang="ko-KR" altLang="en-US" dirty="0"/>
-          </a:p>
-        </p:txBody>
-      </p:sp>
-      <p:pic>
-        <p:nvPicPr>
-          <p:cNvPr id="7" name="그림 6"/>
-          <p:cNvPicPr>
-            <a:picLocks noChangeAspect="1"/>
-          </p:cNvPicPr>
-          <p:nvPr/>
-        </p:nvPicPr>
-        <p:blipFill rotWithShape="1">
-          <a:blip r:embed="rId2">
-            <a:extLst>
-              <a:ext uri="{28A0092B-C50C-407E-A947-70E740481C1C}">
-                <a14:useLocalDpi xmlns:a14="http://schemas.microsoft.com/office/drawing/2010/main" val="0"/>
-              </a:ext>
-            </a:extLst>
-          </a:blip>
-          <a:srcRect r="51860"/>
-          <a:stretch/>
-        </p:blipFill>
-        <p:spPr>
-          <a:xfrm>
-            <a:off x="2500394" y="1325654"/>
-            <a:ext cx="7191213" cy="2430272"/>
-          </a:xfrm>
-          <a:prstGeom prst="rect">
-            <a:avLst/>
-          </a:prstGeom>
-        </p:spPr>
-      </p:pic>
-      <p:pic>
-        <p:nvPicPr>
-          <p:cNvPr id="8" name="그림 7"/>
-          <p:cNvPicPr>
-            <a:picLocks noChangeAspect="1"/>
-          </p:cNvPicPr>
-          <p:nvPr/>
-        </p:nvPicPr>
-        <p:blipFill rotWithShape="1">
-          <a:blip r:embed="rId2">
-            <a:extLst>
-              <a:ext uri="{28A0092B-C50C-407E-A947-70E740481C1C}">
-                <a14:useLocalDpi xmlns:a14="http://schemas.microsoft.com/office/drawing/2010/main" val="0"/>
-              </a:ext>
-            </a:extLst>
-          </a:blip>
-          <a:srcRect l="49607"/>
-          <a:stretch/>
-        </p:blipFill>
-        <p:spPr>
-          <a:xfrm>
-            <a:off x="2128350" y="3947040"/>
-            <a:ext cx="7935299" cy="2561893"/>
-          </a:xfrm>
-          <a:prstGeom prst="rect">
-            <a:avLst/>
-          </a:prstGeom>
-        </p:spPr>
-      </p:pic>
-      <p:sp>
-        <p:nvSpPr>
-          <p:cNvPr id="9" name="액자 8"/>
-          <p:cNvSpPr/>
-          <p:nvPr/>
-        </p:nvSpPr>
-        <p:spPr>
-          <a:xfrm>
-            <a:off x="9049674" y="3916044"/>
-            <a:ext cx="1086219" cy="2655238"/>
-          </a:xfrm>
-          <a:prstGeom prst="frame">
-            <a:avLst>
-              <a:gd name="adj1" fmla="val 8328"/>
-            </a:avLst>
-          </a:prstGeom>
-          <a:solidFill>
-            <a:srgbClr val="FF0000"/>
-          </a:solidFill>
-          <a:ln>
-            <a:noFill/>
-          </a:ln>
-        </p:spPr>
-        <p:style>
-          <a:lnRef idx="2">
-            <a:schemeClr val="accent1">
-              <a:shade val="50000"/>
-            </a:schemeClr>
-          </a:lnRef>
-          <a:fillRef idx="1">
-            <a:schemeClr val="accent1"/>
-          </a:fillRef>
-          <a:effectRef idx="0">
-            <a:schemeClr val="accent1"/>
-          </a:effectRef>
-          <a:fontRef idx="minor">
-            <a:schemeClr val="lt1"/>
-          </a:fontRef>
-        </p:style>
-        <p:txBody>
-          <a:bodyPr rtlCol="0" anchor="ctr"/>
-          <a:lstStyle/>
-          <a:p>
-            <a:pPr algn="ctr"/>
-            <a:endParaRPr lang="ko-KR" altLang="en-US">
-              <a:solidFill>
-                <a:schemeClr val="tx1"/>
-              </a:solidFill>
-            </a:endParaRPr>
-          </a:p>
-        </p:txBody>
-      </p:sp>
-    </p:spTree>
-    <p:extLst>
-      <p:ext uri="{BB962C8B-B14F-4D97-AF65-F5344CB8AC3E}">
-        <p14:creationId xmlns:p14="http://schemas.microsoft.com/office/powerpoint/2010/main" val="1703267211"/>
       </p:ext>
     </p:extLst>
   </p:cSld>
@@ -6965,132 +6870,318 @@
           <a:p>
             <a:r>
               <a:rPr lang="ko-KR" altLang="en-US" dirty="0" smtClean="0"/>
-              <a:t>지속 회원 데이터 가공</a:t>
+              <a:t>고객의 소리</a:t>
             </a:r>
             <a:endParaRPr lang="ko-KR" altLang="en-US" dirty="0"/>
           </a:p>
         </p:txBody>
       </p:sp>
-      <p:pic>
-        <p:nvPicPr>
-          <p:cNvPr id="3" name="그림 2"/>
-          <p:cNvPicPr>
-            <a:picLocks noChangeAspect="1"/>
-          </p:cNvPicPr>
+      <p:sp>
+        <p:nvSpPr>
+          <p:cNvPr id="3" name="TextBox 2"/>
+          <p:cNvSpPr txBox="1"/>
           <p:nvPr/>
-        </p:nvPicPr>
-        <p:blipFill rotWithShape="1">
-          <a:blip r:embed="rId2">
-            <a:extLst>
-              <a:ext uri="{28A0092B-C50C-407E-A947-70E740481C1C}">
-                <a14:useLocalDpi xmlns:a14="http://schemas.microsoft.com/office/drawing/2010/main" val="0"/>
-              </a:ext>
-            </a:extLst>
-          </a:blip>
-          <a:srcRect r="52848"/>
-          <a:stretch/>
-        </p:blipFill>
-        <p:spPr>
-          <a:xfrm>
-            <a:off x="1572950" y="1496135"/>
-            <a:ext cx="9046101" cy="2099472"/>
+        </p:nvSpPr>
+        <p:spPr>
+          <a:xfrm>
+            <a:off x="546371" y="1687235"/>
+            <a:ext cx="10724827" cy="646331"/>
           </a:xfrm>
           <a:prstGeom prst="rect">
             <a:avLst/>
           </a:prstGeom>
-        </p:spPr>
-      </p:pic>
-      <p:pic>
-        <p:nvPicPr>
-          <p:cNvPr id="4" name="그림 3"/>
-          <p:cNvPicPr>
-            <a:picLocks noChangeAspect="1"/>
-          </p:cNvPicPr>
+          <a:noFill/>
+        </p:spPr>
+        <p:txBody>
+          <a:bodyPr wrap="square" rtlCol="0">
+            <a:spAutoFit/>
+          </a:bodyPr>
+          <a:lstStyle/>
+          <a:p>
+            <a:r>
+              <a:rPr lang="ko-KR" altLang="en-US" dirty="0"/>
+              <a:t>잘 생각해보면 회원을 정착시키고 늘려가는 것보다 탈퇴를 막는 것이 중요한 것 같습니다</a:t>
+            </a:r>
+            <a:r>
+              <a:rPr lang="en-US" altLang="ko-KR" dirty="0"/>
+              <a:t>. </a:t>
+            </a:r>
+            <a:r>
+              <a:rPr lang="ko-KR" altLang="en-US" dirty="0"/>
+              <a:t>탈퇴 이유를 알 수 있나요</a:t>
+            </a:r>
+            <a:r>
+              <a:rPr lang="en-US" altLang="ko-KR" dirty="0"/>
+              <a:t>?</a:t>
+            </a:r>
+            <a:endParaRPr lang="ko-KR" altLang="en-US" dirty="0"/>
+          </a:p>
+        </p:txBody>
+      </p:sp>
+      <p:sp>
+        <p:nvSpPr>
+          <p:cNvPr id="4" name="TextBox 3"/>
+          <p:cNvSpPr txBox="1"/>
           <p:nvPr/>
-        </p:nvPicPr>
-        <p:blipFill rotWithShape="1">
-          <a:blip r:embed="rId2">
-            <a:extLst>
-              <a:ext uri="{28A0092B-C50C-407E-A947-70E740481C1C}">
-                <a14:useLocalDpi xmlns:a14="http://schemas.microsoft.com/office/drawing/2010/main" val="0"/>
-              </a:ext>
-            </a:extLst>
-          </a:blip>
-          <a:srcRect l="48819"/>
-          <a:stretch/>
-        </p:blipFill>
-        <p:spPr>
-          <a:xfrm>
-            <a:off x="927316" y="3816015"/>
-            <a:ext cx="10337369" cy="2210309"/>
+        </p:nvSpPr>
+        <p:spPr>
+          <a:xfrm>
+            <a:off x="546371" y="2524665"/>
+            <a:ext cx="10633156" cy="3416320"/>
           </a:xfrm>
           <a:prstGeom prst="rect">
             <a:avLst/>
           </a:prstGeom>
-        </p:spPr>
-      </p:pic>
-      <p:sp>
-        <p:nvSpPr>
-          <p:cNvPr id="5" name="액자 4"/>
-          <p:cNvSpPr/>
-          <p:nvPr/>
-        </p:nvSpPr>
-        <p:spPr>
-          <a:xfrm>
-            <a:off x="10193964" y="3754023"/>
-            <a:ext cx="1086219" cy="2367808"/>
-          </a:xfrm>
-          <a:prstGeom prst="frame">
-            <a:avLst>
-              <a:gd name="adj1" fmla="val 8328"/>
-            </a:avLst>
-          </a:prstGeom>
-          <a:solidFill>
-            <a:srgbClr val="FF0000"/>
-          </a:solidFill>
-          <a:ln>
-            <a:noFill/>
-          </a:ln>
-        </p:spPr>
-        <p:style>
-          <a:lnRef idx="2">
-            <a:schemeClr val="accent1">
-              <a:shade val="50000"/>
-            </a:schemeClr>
-          </a:lnRef>
-          <a:fillRef idx="1">
-            <a:schemeClr val="accent1"/>
-          </a:fillRef>
-          <a:effectRef idx="0">
-            <a:schemeClr val="accent1"/>
-          </a:effectRef>
-          <a:fontRef idx="minor">
-            <a:schemeClr val="lt1"/>
-          </a:fontRef>
-        </p:style>
-        <p:txBody>
-          <a:bodyPr rtlCol="0" anchor="ctr"/>
-          <a:lstStyle/>
-          <a:p>
-            <a:pPr algn="ctr"/>
-            <a:endParaRPr lang="ko-KR" altLang="en-US">
-              <a:solidFill>
-                <a:schemeClr val="tx1"/>
-              </a:solidFill>
-            </a:endParaRPr>
+          <a:noFill/>
+        </p:spPr>
+        <p:txBody>
+          <a:bodyPr wrap="square" rtlCol="0">
+            <a:spAutoFit/>
+          </a:bodyPr>
+          <a:lstStyle/>
+          <a:p>
+            <a:r>
+              <a:rPr lang="ko-KR" altLang="en-US" b="1" dirty="0" smtClean="0"/>
+              <a:t>회원 </a:t>
+            </a:r>
+            <a:r>
+              <a:rPr lang="ko-KR" altLang="en-US" b="1" dirty="0"/>
+              <a:t>탈퇴 </a:t>
+            </a:r>
+            <a:r>
+              <a:rPr lang="ko-KR" altLang="en-US" b="1" dirty="0" smtClean="0"/>
+              <a:t>예측</a:t>
+            </a:r>
+            <a:endParaRPr lang="en-US" altLang="ko-KR" b="1" dirty="0" smtClean="0"/>
+          </a:p>
+          <a:p>
+            <a:endParaRPr lang="en-US" altLang="ko-KR" dirty="0" smtClean="0"/>
+          </a:p>
+          <a:p>
+            <a:r>
+              <a:rPr lang="en-US" altLang="ko-KR" dirty="0" smtClean="0"/>
+              <a:t>1) </a:t>
+            </a:r>
+            <a:r>
+              <a:rPr lang="ko-KR" altLang="en-US" dirty="0" smtClean="0"/>
+              <a:t>탈퇴 </a:t>
+            </a:r>
+            <a:r>
+              <a:rPr lang="ko-KR" altLang="en-US" dirty="0"/>
+              <a:t>전월의 탈퇴 고객 데이터 </a:t>
+            </a:r>
+            <a:r>
+              <a:rPr lang="ko-KR" altLang="en-US" dirty="0" smtClean="0"/>
+              <a:t>작성</a:t>
+            </a:r>
+            <a:endParaRPr lang="en-US" altLang="ko-KR" dirty="0" smtClean="0"/>
+          </a:p>
+          <a:p>
+            <a:r>
+              <a:rPr lang="en-US" altLang="ko-KR" dirty="0" smtClean="0"/>
+              <a:t>2) </a:t>
+            </a:r>
+            <a:r>
+              <a:rPr lang="ko-KR" altLang="en-US" dirty="0" smtClean="0"/>
+              <a:t>탈퇴 </a:t>
+            </a:r>
+            <a:r>
+              <a:rPr lang="ko-KR" altLang="en-US" dirty="0"/>
+              <a:t>월을 </a:t>
+            </a:r>
+            <a:r>
+              <a:rPr lang="en-US" altLang="ko-KR" dirty="0"/>
+              <a:t>2018</a:t>
+            </a:r>
+            <a:r>
+              <a:rPr lang="ko-KR" altLang="en-US" dirty="0"/>
+              <a:t>년 </a:t>
+            </a:r>
+            <a:r>
+              <a:rPr lang="en-US" altLang="ko-KR" dirty="0"/>
+              <a:t>9</a:t>
+            </a:r>
+            <a:r>
+              <a:rPr lang="ko-KR" altLang="en-US" dirty="0"/>
+              <a:t>월로 하고 그 </a:t>
+            </a:r>
+            <a:r>
+              <a:rPr lang="en-US" altLang="ko-KR" dirty="0"/>
+              <a:t>1</a:t>
+            </a:r>
+            <a:r>
+              <a:rPr lang="ko-KR" altLang="en-US" dirty="0"/>
+              <a:t>개월 전인 </a:t>
+            </a:r>
+            <a:r>
+              <a:rPr lang="en-US" altLang="ko-KR" dirty="0" smtClean="0"/>
+              <a:t>8</a:t>
+            </a:r>
+            <a:r>
+              <a:rPr lang="ko-KR" altLang="en-US" dirty="0"/>
+              <a:t>월의 데이터로부터 </a:t>
+            </a:r>
+            <a:r>
+              <a:rPr lang="en-US" altLang="ko-KR" dirty="0"/>
+              <a:t>9</a:t>
+            </a:r>
+            <a:r>
+              <a:rPr lang="ko-KR" altLang="en-US" dirty="0"/>
+              <a:t>월에 탈퇴 신청을 할 </a:t>
+            </a:r>
+            <a:r>
+              <a:rPr lang="ko-KR" altLang="en-US" dirty="0" smtClean="0"/>
+              <a:t>확률</a:t>
+            </a:r>
+            <a:endParaRPr lang="en-US" altLang="ko-KR" dirty="0" smtClean="0"/>
+          </a:p>
+          <a:p>
+            <a:r>
+              <a:rPr lang="en-US" altLang="ko-KR" dirty="0" smtClean="0"/>
+              <a:t>3) </a:t>
+            </a:r>
+            <a:r>
+              <a:rPr lang="ko-KR" altLang="en-US" dirty="0" smtClean="0"/>
+              <a:t>지속 </a:t>
+            </a:r>
+            <a:r>
+              <a:rPr lang="ko-KR" altLang="en-US" dirty="0"/>
+              <a:t>회원의 데이터 </a:t>
+            </a:r>
+            <a:r>
+              <a:rPr lang="ko-KR" altLang="en-US" dirty="0" smtClean="0"/>
+              <a:t>작성</a:t>
+            </a:r>
+            <a:endParaRPr lang="en-US" altLang="ko-KR" dirty="0" smtClean="0"/>
+          </a:p>
+          <a:p>
+            <a:r>
+              <a:rPr lang="en-US" altLang="ko-KR" dirty="0" smtClean="0"/>
+              <a:t>4) </a:t>
+            </a:r>
+            <a:r>
+              <a:rPr lang="ko-KR" altLang="en-US" dirty="0"/>
+              <a:t>예측할 달의 재적 기간을 </a:t>
+            </a:r>
+            <a:r>
+              <a:rPr lang="ko-KR" altLang="en-US" dirty="0" smtClean="0"/>
+              <a:t>작성</a:t>
+            </a:r>
+            <a:endParaRPr lang="en-US" altLang="ko-KR" dirty="0" smtClean="0"/>
+          </a:p>
+          <a:p>
+            <a:r>
+              <a:rPr lang="en-US" altLang="ko-KR" dirty="0" smtClean="0"/>
+              <a:t>5) </a:t>
+            </a:r>
+            <a:r>
+              <a:rPr lang="ko-KR" altLang="en-US" dirty="0" err="1"/>
+              <a:t>결측치</a:t>
+            </a:r>
+            <a:r>
+              <a:rPr lang="ko-KR" altLang="en-US" dirty="0"/>
+              <a:t> </a:t>
+            </a:r>
+            <a:r>
+              <a:rPr lang="ko-KR" altLang="en-US" dirty="0" smtClean="0"/>
+              <a:t>제거</a:t>
+            </a:r>
+            <a:r>
+              <a:rPr lang="en-US" altLang="ko-KR" dirty="0" smtClean="0"/>
+              <a:t/>
+            </a:r>
+            <a:br>
+              <a:rPr lang="en-US" altLang="ko-KR" dirty="0" smtClean="0"/>
+            </a:br>
+            <a:r>
+              <a:rPr lang="en-US" altLang="ko-KR" dirty="0" smtClean="0"/>
+              <a:t>6) </a:t>
+            </a:r>
+            <a:r>
+              <a:rPr lang="ko-KR" altLang="en-US" dirty="0"/>
+              <a:t>문자열 변수 </a:t>
+            </a:r>
+            <a:r>
+              <a:rPr lang="ko-KR" altLang="en-US" dirty="0" smtClean="0"/>
+              <a:t>처리</a:t>
+            </a:r>
+            <a:endParaRPr lang="en-US" altLang="ko-KR" dirty="0" smtClean="0"/>
+          </a:p>
+          <a:p>
+            <a:r>
+              <a:rPr lang="en-US" altLang="ko-KR" dirty="0" smtClean="0"/>
+              <a:t>7) </a:t>
+            </a:r>
+            <a:r>
+              <a:rPr lang="ko-KR" altLang="en-US" dirty="0"/>
+              <a:t>의사결정트리를 사용해서 탈퇴 예측 모델 </a:t>
+            </a:r>
+            <a:r>
+              <a:rPr lang="ko-KR" altLang="en-US" dirty="0" smtClean="0"/>
+              <a:t>구축</a:t>
+            </a:r>
+            <a:endParaRPr lang="en-US" altLang="ko-KR" dirty="0" smtClean="0"/>
+          </a:p>
+          <a:p>
+            <a:r>
+              <a:rPr lang="en-US" altLang="ko-KR" dirty="0" smtClean="0"/>
+              <a:t>8) </a:t>
+            </a:r>
+            <a:r>
+              <a:rPr lang="ko-KR" altLang="en-US" dirty="0"/>
+              <a:t>예측 모델을 평가하고 모델 </a:t>
+            </a:r>
+            <a:r>
+              <a:rPr lang="ko-KR" altLang="en-US" dirty="0" smtClean="0"/>
+              <a:t>튜닝</a:t>
+            </a:r>
+            <a:endParaRPr lang="en-US" altLang="ko-KR" dirty="0" smtClean="0"/>
+          </a:p>
+          <a:p>
+            <a:r>
+              <a:rPr lang="en-US" altLang="ko-KR" dirty="0" smtClean="0"/>
+              <a:t>9) </a:t>
+            </a:r>
+            <a:r>
+              <a:rPr lang="ko-KR" altLang="en-US" dirty="0"/>
+              <a:t>모델에 기여하는 변수 </a:t>
+            </a:r>
+            <a:r>
+              <a:rPr lang="ko-KR" altLang="en-US" dirty="0" smtClean="0"/>
+              <a:t>확인</a:t>
+            </a:r>
+            <a:endParaRPr lang="en-US" altLang="ko-KR" dirty="0" smtClean="0"/>
+          </a:p>
+          <a:p>
+            <a:r>
+              <a:rPr lang="en-US" altLang="ko-KR" dirty="0" smtClean="0"/>
+              <a:t>10) </a:t>
+            </a:r>
+            <a:r>
+              <a:rPr lang="ko-KR" altLang="en-US" dirty="0"/>
+              <a:t>회원 탈퇴 예측</a:t>
+            </a:r>
+            <a:endParaRPr lang="en-US" altLang="ko-KR" dirty="0"/>
           </a:p>
         </p:txBody>
       </p:sp>
     </p:spTree>
     <p:extLst>
       <p:ext uri="{BB962C8B-B14F-4D97-AF65-F5344CB8AC3E}">
-        <p14:creationId xmlns:p14="http://schemas.microsoft.com/office/powerpoint/2010/main" val="1245621416"/>
+        <p14:creationId xmlns:p14="http://schemas.microsoft.com/office/powerpoint/2010/main" val="177033876"/>
       </p:ext>
     </p:extLst>
   </p:cSld>
   <p:clrMapOvr>
     <a:masterClrMapping/>
   </p:clrMapOvr>
+  <p:timing>
+    <p:tnLst>
+      <p:par>
+        <p:cTn id="1" dur="indefinite" restart="never" nodeType="tmRoot"/>
+      </p:par>
+    </p:tnLst>
+  </p:timing>
 </p:sld>
 </file>
 
@@ -7168,6 +7259,107 @@
           </a:prstGeom>
         </p:spPr>
       </p:pic>
+      <p:sp>
+        <p:nvSpPr>
+          <p:cNvPr id="4" name="TextBox 3"/>
+          <p:cNvSpPr txBox="1"/>
+          <p:nvPr/>
+        </p:nvSpPr>
+        <p:spPr>
+          <a:xfrm>
+            <a:off x="5986277" y="1577144"/>
+            <a:ext cx="1623392" cy="369332"/>
+          </a:xfrm>
+          <a:prstGeom prst="rect">
+            <a:avLst/>
+          </a:prstGeom>
+          <a:noFill/>
+        </p:spPr>
+        <p:txBody>
+          <a:bodyPr wrap="square" rtlCol="0">
+            <a:spAutoFit/>
+          </a:bodyPr>
+          <a:lstStyle/>
+          <a:p>
+            <a:pPr algn="ctr"/>
+            <a:r>
+              <a:rPr lang="ko-KR" altLang="en-US" dirty="0" smtClean="0"/>
+              <a:t>회원 </a:t>
+            </a:r>
+            <a:r>
+              <a:rPr lang="en-US" altLang="ko-KR" dirty="0" smtClean="0"/>
+              <a:t>id</a:t>
+            </a:r>
+            <a:endParaRPr lang="ko-KR" altLang="en-US" dirty="0"/>
+          </a:p>
+        </p:txBody>
+      </p:sp>
+      <p:sp>
+        <p:nvSpPr>
+          <p:cNvPr id="5" name="TextBox 4"/>
+          <p:cNvSpPr txBox="1"/>
+          <p:nvPr/>
+        </p:nvSpPr>
+        <p:spPr>
+          <a:xfrm>
+            <a:off x="7877070" y="1577144"/>
+            <a:ext cx="1623392" cy="369332"/>
+          </a:xfrm>
+          <a:prstGeom prst="rect">
+            <a:avLst/>
+          </a:prstGeom>
+          <a:noFill/>
+        </p:spPr>
+        <p:txBody>
+          <a:bodyPr wrap="square" rtlCol="0">
+            <a:spAutoFit/>
+          </a:bodyPr>
+          <a:lstStyle/>
+          <a:p>
+            <a:pPr algn="ctr"/>
+            <a:r>
+              <a:rPr lang="ko-KR" altLang="en-US" dirty="0" smtClean="0"/>
+              <a:t>사용 일자</a:t>
+            </a:r>
+            <a:endParaRPr lang="ko-KR" altLang="en-US" dirty="0"/>
+          </a:p>
+        </p:txBody>
+      </p:sp>
+      <p:sp>
+        <p:nvSpPr>
+          <p:cNvPr id="6" name="TextBox 5"/>
+          <p:cNvSpPr txBox="1"/>
+          <p:nvPr/>
+        </p:nvSpPr>
+        <p:spPr>
+          <a:xfrm>
+            <a:off x="4362885" y="1577144"/>
+            <a:ext cx="1623392" cy="369332"/>
+          </a:xfrm>
+          <a:prstGeom prst="rect">
+            <a:avLst/>
+          </a:prstGeom>
+          <a:noFill/>
+        </p:spPr>
+        <p:txBody>
+          <a:bodyPr wrap="square" rtlCol="0">
+            <a:spAutoFit/>
+          </a:bodyPr>
+          <a:lstStyle/>
+          <a:p>
+            <a:pPr algn="ctr"/>
+            <a:r>
+              <a:rPr lang="ko-KR" altLang="en-US" dirty="0" smtClean="0"/>
+              <a:t>로그 </a:t>
+            </a:r>
+            <a:r>
+              <a:rPr lang="en-US" altLang="ko-KR" dirty="0" smtClean="0"/>
+              <a:t>id</a:t>
+            </a:r>
+            <a:endParaRPr lang="ko-KR" altLang="en-US" dirty="0"/>
+          </a:p>
+        </p:txBody>
+      </p:sp>
     </p:spTree>
     <p:extLst>
       <p:ext uri="{BB962C8B-B14F-4D97-AF65-F5344CB8AC3E}">
@@ -7215,7 +7407,7 @@
           <a:p>
             <a:r>
               <a:rPr lang="ko-KR" altLang="en-US" dirty="0" smtClean="0"/>
-              <a:t>예측을 위한 데이터 가공</a:t>
+              <a:t>탈퇴 회원 데이터 가공</a:t>
             </a:r>
             <a:endParaRPr lang="ko-KR" altLang="en-US" dirty="0"/>
           </a:p>
@@ -7223,13 +7415,13 @@
       </p:sp>
       <p:pic>
         <p:nvPicPr>
-          <p:cNvPr id="3" name="그림 2"/>
+          <p:cNvPr id="7" name="그림 6"/>
           <p:cNvPicPr>
             <a:picLocks noChangeAspect="1"/>
           </p:cNvPicPr>
           <p:nvPr/>
         </p:nvPicPr>
-        <p:blipFill>
+        <p:blipFill rotWithShape="1">
           <a:blip r:embed="rId2">
             <a:extLst>
               <a:ext uri="{28A0092B-C50C-407E-A947-70E740481C1C}">
@@ -7237,24 +7429,104 @@
               </a:ext>
             </a:extLst>
           </a:blip>
-          <a:stretch>
-            <a:fillRect/>
-          </a:stretch>
+          <a:srcRect r="51860"/>
+          <a:stretch/>
         </p:blipFill>
         <p:spPr>
           <a:xfrm>
-            <a:off x="1115260" y="2051091"/>
-            <a:ext cx="9961480" cy="2810912"/>
+            <a:off x="2500394" y="1325654"/>
+            <a:ext cx="7191213" cy="2430272"/>
           </a:xfrm>
           <a:prstGeom prst="rect">
             <a:avLst/>
           </a:prstGeom>
         </p:spPr>
       </p:pic>
+      <p:pic>
+        <p:nvPicPr>
+          <p:cNvPr id="8" name="그림 7"/>
+          <p:cNvPicPr>
+            <a:picLocks noChangeAspect="1"/>
+          </p:cNvPicPr>
+          <p:nvPr/>
+        </p:nvPicPr>
+        <p:blipFill rotWithShape="1">
+          <a:blip r:embed="rId2">
+            <a:extLst>
+              <a:ext uri="{28A0092B-C50C-407E-A947-70E740481C1C}">
+                <a14:useLocalDpi xmlns:a14="http://schemas.microsoft.com/office/drawing/2010/main" val="0"/>
+              </a:ext>
+            </a:extLst>
+          </a:blip>
+          <a:srcRect l="49607"/>
+          <a:stretch/>
+        </p:blipFill>
+        <p:spPr>
+          <a:xfrm>
+            <a:off x="2128350" y="3947040"/>
+            <a:ext cx="7935299" cy="2561893"/>
+          </a:xfrm>
+          <a:prstGeom prst="rect">
+            <a:avLst/>
+          </a:prstGeom>
+        </p:spPr>
+      </p:pic>
+      <p:sp>
+        <p:nvSpPr>
+          <p:cNvPr id="9" name="액자 8"/>
+          <p:cNvSpPr/>
+          <p:nvPr/>
+        </p:nvSpPr>
+        <p:spPr>
+          <a:xfrm>
+            <a:off x="9049674" y="3916044"/>
+            <a:ext cx="1086219" cy="2655238"/>
+          </a:xfrm>
+          <a:prstGeom prst="frame">
+            <a:avLst>
+              <a:gd name="adj1" fmla="val 8328"/>
+            </a:avLst>
+          </a:prstGeom>
+          <a:solidFill>
+            <a:srgbClr val="FF0000"/>
+          </a:solidFill>
+          <a:ln>
+            <a:noFill/>
+          </a:ln>
+        </p:spPr>
+        <p:style>
+          <a:lnRef idx="2">
+            <a:schemeClr val="accent1">
+              <a:shade val="50000"/>
+            </a:schemeClr>
+          </a:lnRef>
+          <a:fillRef idx="1">
+            <a:schemeClr val="accent1"/>
+          </a:fillRef>
+          <a:effectRef idx="0">
+            <a:schemeClr val="accent1"/>
+          </a:effectRef>
+          <a:fontRef idx="minor">
+            <a:schemeClr val="lt1"/>
+          </a:fontRef>
+        </p:style>
+        <p:txBody>
+          <a:bodyPr rtlCol="0" anchor="ctr"/>
+          <a:lstStyle/>
+          <a:p>
+            <a:pPr algn="ctr"/>
+            <a:endParaRPr lang="ko-KR" altLang="en-US">
+              <a:solidFill>
+                <a:schemeClr val="tx1"/>
+              </a:solidFill>
+            </a:endParaRPr>
+          </a:p>
+        </p:txBody>
+      </p:sp>
     </p:spTree>
     <p:extLst>
       <p:ext uri="{BB962C8B-B14F-4D97-AF65-F5344CB8AC3E}">
-        <p14:creationId xmlns:p14="http://schemas.microsoft.com/office/powerpoint/2010/main" val="3604912911"/>
+        <p14:creationId xmlns:p14="http://schemas.microsoft.com/office/powerpoint/2010/main" val="1703267211"/>
       </p:ext>
     </p:extLst>
   </p:cSld>
@@ -7298,12 +7570,41 @@
           <a:p>
             <a:r>
               <a:rPr lang="ko-KR" altLang="en-US" dirty="0" smtClean="0"/>
-              <a:t>예측을 위한 데이터 가공</a:t>
+              <a:t>지속 회원 데이터 가공</a:t>
             </a:r>
             <a:endParaRPr lang="ko-KR" altLang="en-US" dirty="0"/>
           </a:p>
         </p:txBody>
       </p:sp>
+      <p:pic>
+        <p:nvPicPr>
+          <p:cNvPr id="3" name="그림 2"/>
+          <p:cNvPicPr>
+            <a:picLocks noChangeAspect="1"/>
+          </p:cNvPicPr>
+          <p:nvPr/>
+        </p:nvPicPr>
+        <p:blipFill rotWithShape="1">
+          <a:blip r:embed="rId2">
+            <a:extLst>
+              <a:ext uri="{28A0092B-C50C-407E-A947-70E740481C1C}">
+                <a14:useLocalDpi xmlns:a14="http://schemas.microsoft.com/office/drawing/2010/main" val="0"/>
+              </a:ext>
+            </a:extLst>
+          </a:blip>
+          <a:srcRect r="52848"/>
+          <a:stretch/>
+        </p:blipFill>
+        <p:spPr>
+          <a:xfrm>
+            <a:off x="1572950" y="1496135"/>
+            <a:ext cx="9046101" cy="2099472"/>
+          </a:xfrm>
+          <a:prstGeom prst="rect">
+            <a:avLst/>
+          </a:prstGeom>
+        </p:spPr>
+      </p:pic>
       <p:pic>
         <p:nvPicPr>
           <p:cNvPr id="4" name="그림 3"/>
@@ -7320,62 +7621,34 @@
               </a:ext>
             </a:extLst>
           </a:blip>
-          <a:srcRect l="21597"/>
+          <a:srcRect l="48819"/>
           <a:stretch/>
         </p:blipFill>
         <p:spPr>
           <a:xfrm>
-            <a:off x="232040" y="1684849"/>
-            <a:ext cx="11727921" cy="1693781"/>
+            <a:off x="927316" y="3816015"/>
+            <a:ext cx="10337369" cy="2210309"/>
           </a:xfrm>
           <a:prstGeom prst="rect">
             <a:avLst/>
           </a:prstGeom>
         </p:spPr>
       </p:pic>
-      <p:pic>
-        <p:nvPicPr>
-          <p:cNvPr id="5" name="그림 4"/>
-          <p:cNvPicPr>
-            <a:picLocks noChangeAspect="1"/>
-          </p:cNvPicPr>
-          <p:nvPr/>
-        </p:nvPicPr>
-        <p:blipFill>
-          <a:blip r:embed="rId3">
-            <a:extLst>
-              <a:ext uri="{28A0092B-C50C-407E-A947-70E740481C1C}">
-                <a14:useLocalDpi xmlns:a14="http://schemas.microsoft.com/office/drawing/2010/main" val="0"/>
-              </a:ext>
-            </a:extLst>
-          </a:blip>
-          <a:stretch>
-            <a:fillRect/>
-          </a:stretch>
-        </p:blipFill>
-        <p:spPr>
-          <a:xfrm>
-            <a:off x="471740" y="4780710"/>
-            <a:ext cx="11248520" cy="1742028"/>
-          </a:xfrm>
-          <a:prstGeom prst="rect">
-            <a:avLst/>
-          </a:prstGeom>
-        </p:spPr>
-      </p:pic>
-      <p:sp>
-        <p:nvSpPr>
-          <p:cNvPr id="6" name="오른쪽 화살표 5"/>
+      <p:sp>
+        <p:nvSpPr>
+          <p:cNvPr id="5" name="액자 4"/>
           <p:cNvSpPr/>
           <p:nvPr/>
         </p:nvSpPr>
         <p:spPr>
-          <a:xfrm rot="5400000">
-            <a:off x="5403714" y="3782423"/>
-            <a:ext cx="1186774" cy="598292"/>
-          </a:xfrm>
-          <a:prstGeom prst="rightArrow">
-            <a:avLst/>
+          <a:xfrm>
+            <a:off x="10193964" y="3754023"/>
+            <a:ext cx="1086219" cy="2367808"/>
+          </a:xfrm>
+          <a:prstGeom prst="frame">
+            <a:avLst>
+              <a:gd name="adj1" fmla="val 8328"/>
+            </a:avLst>
           </a:prstGeom>
           <a:solidFill>
             <a:srgbClr val="FF0000"/>
@@ -7405,14 +7678,18 @@
           <a:lstStyle/>
           <a:p>
             <a:pPr algn="ctr"/>
-            <a:endParaRPr lang="ko-KR" altLang="en-US"/>
+            <a:endParaRPr lang="ko-KR" altLang="en-US">
+              <a:solidFill>
+                <a:schemeClr val="tx1"/>
+              </a:solidFill>
+            </a:endParaRPr>
           </a:p>
         </p:txBody>
       </p:sp>
     </p:spTree>
     <p:extLst>
       <p:ext uri="{BB962C8B-B14F-4D97-AF65-F5344CB8AC3E}">
-        <p14:creationId xmlns:p14="http://schemas.microsoft.com/office/powerpoint/2010/main" val="1543836277"/>
+        <p14:creationId xmlns:p14="http://schemas.microsoft.com/office/powerpoint/2010/main" val="1245621416"/>
       </p:ext>
     </p:extLst>
   </p:cSld>
@@ -7456,7 +7733,7 @@
           <a:p>
             <a:r>
               <a:rPr lang="ko-KR" altLang="en-US" dirty="0" smtClean="0"/>
-              <a:t>의사결정나무 모델</a:t>
+              <a:t>예측을 위한 데이터 가공</a:t>
             </a:r>
             <a:endParaRPr lang="ko-KR" altLang="en-US" dirty="0"/>
           </a:p>
@@ -7464,7 +7741,7 @@
       </p:sp>
       <p:pic>
         <p:nvPicPr>
-          <p:cNvPr id="4" name="그림 3"/>
+          <p:cNvPr id="3" name="그림 2"/>
           <p:cNvPicPr>
             <a:picLocks noChangeAspect="1"/>
           </p:cNvPicPr>
@@ -7484,38 +7761,8 @@
         </p:blipFill>
         <p:spPr>
           <a:xfrm>
-            <a:off x="2070069" y="1817969"/>
-            <a:ext cx="8051863" cy="3054155"/>
-          </a:xfrm>
-          <a:prstGeom prst="rect">
-            <a:avLst/>
-          </a:prstGeom>
-        </p:spPr>
-      </p:pic>
-      <p:pic>
-        <p:nvPicPr>
-          <p:cNvPr id="5" name="그림 4"/>
-          <p:cNvPicPr>
-            <a:picLocks noChangeAspect="1"/>
-          </p:cNvPicPr>
-          <p:nvPr/>
-        </p:nvPicPr>
-        <p:blipFill>
-          <a:blip r:embed="rId3">
-            <a:extLst>
-              <a:ext uri="{28A0092B-C50C-407E-A947-70E740481C1C}">
-                <a14:useLocalDpi xmlns:a14="http://schemas.microsoft.com/office/drawing/2010/main" val="0"/>
-              </a:ext>
-            </a:extLst>
-          </a:blip>
-          <a:stretch>
-            <a:fillRect/>
-          </a:stretch>
-        </p:blipFill>
-        <p:spPr>
-          <a:xfrm>
-            <a:off x="3711672" y="5169517"/>
-            <a:ext cx="4768655" cy="748025"/>
+            <a:off x="1115260" y="2051091"/>
+            <a:ext cx="9961480" cy="2810912"/>
           </a:xfrm>
           <a:prstGeom prst="rect">
             <a:avLst/>
@@ -7525,7 +7772,7 @@
     </p:spTree>
     <p:extLst>
       <p:ext uri="{BB962C8B-B14F-4D97-AF65-F5344CB8AC3E}">
-        <p14:creationId xmlns:p14="http://schemas.microsoft.com/office/powerpoint/2010/main" val="2764440804"/>
+        <p14:creationId xmlns:p14="http://schemas.microsoft.com/office/powerpoint/2010/main" val="3604912911"/>
       </p:ext>
     </p:extLst>
   </p:cSld>
@@ -7569,15 +7816,7 @@
           <a:p>
             <a:r>
               <a:rPr lang="ko-KR" altLang="en-US" dirty="0" smtClean="0"/>
-              <a:t>모델 </a:t>
-            </a:r>
-            <a:r>
-              <a:rPr lang="ko-KR" altLang="en-US" dirty="0" err="1" smtClean="0"/>
-              <a:t>과적합</a:t>
-            </a:r>
-            <a:r>
-              <a:rPr lang="ko-KR" altLang="en-US" dirty="0" smtClean="0"/>
-              <a:t> 확인</a:t>
+              <a:t>예측을 위한 데이터 가공</a:t>
             </a:r>
             <a:endParaRPr lang="ko-KR" altLang="en-US" dirty="0"/>
           </a:p>
@@ -7591,7 +7830,7 @@
           </p:cNvPicPr>
           <p:nvPr/>
         </p:nvPicPr>
-        <p:blipFill>
+        <p:blipFill rotWithShape="1">
           <a:blip r:embed="rId2">
             <a:extLst>
               <a:ext uri="{28A0092B-C50C-407E-A947-70E740481C1C}">
@@ -7599,14 +7838,13 @@
               </a:ext>
             </a:extLst>
           </a:blip>
-          <a:stretch>
-            <a:fillRect/>
-          </a:stretch>
+          <a:srcRect l="21597"/>
+          <a:stretch/>
         </p:blipFill>
         <p:spPr>
           <a:xfrm>
-            <a:off x="3241764" y="1496135"/>
-            <a:ext cx="5708472" cy="2301802"/>
+            <a:off x="232040" y="1684849"/>
+            <a:ext cx="11727921" cy="1693781"/>
           </a:xfrm>
           <a:prstGeom prst="rect">
             <a:avLst/>
@@ -7635,8 +7873,8 @@
         </p:blipFill>
         <p:spPr>
           <a:xfrm>
-            <a:off x="2776327" y="3859929"/>
-            <a:ext cx="6639346" cy="2674366"/>
+            <a:off x="471740" y="4780710"/>
+            <a:ext cx="11248520" cy="1742028"/>
           </a:xfrm>
           <a:prstGeom prst="rect">
             <a:avLst/>
@@ -7645,19 +7883,17 @@
       </p:pic>
       <p:sp>
         <p:nvSpPr>
-          <p:cNvPr id="6" name="액자 5"/>
+          <p:cNvPr id="6" name="오른쪽 화살표 5"/>
           <p:cNvSpPr/>
           <p:nvPr/>
         </p:nvSpPr>
         <p:spPr>
-          <a:xfrm>
-            <a:off x="7864017" y="4308529"/>
-            <a:ext cx="1551656" cy="526942"/>
-          </a:xfrm>
-          <a:prstGeom prst="frame">
-            <a:avLst>
-              <a:gd name="adj1" fmla="val 15677"/>
-            </a:avLst>
+          <a:xfrm rot="5400000">
+            <a:off x="5403714" y="3782423"/>
+            <a:ext cx="1186774" cy="598292"/>
+          </a:xfrm>
+          <a:prstGeom prst="rightArrow">
+            <a:avLst/>
           </a:prstGeom>
           <a:solidFill>
             <a:srgbClr val="FF0000"/>
@@ -7687,18 +7923,14 @@
           <a:lstStyle/>
           <a:p>
             <a:pPr algn="ctr"/>
-            <a:endParaRPr lang="ko-KR" altLang="en-US">
-              <a:solidFill>
-                <a:schemeClr val="tx1"/>
-              </a:solidFill>
-            </a:endParaRPr>
+            <a:endParaRPr lang="ko-KR" altLang="en-US"/>
           </a:p>
         </p:txBody>
       </p:sp>
     </p:spTree>
     <p:extLst>
       <p:ext uri="{BB962C8B-B14F-4D97-AF65-F5344CB8AC3E}">
-        <p14:creationId xmlns:p14="http://schemas.microsoft.com/office/powerpoint/2010/main" val="3892667992"/>
+        <p14:creationId xmlns:p14="http://schemas.microsoft.com/office/powerpoint/2010/main" val="1543836277"/>
       </p:ext>
     </p:extLst>
   </p:cSld>
@@ -7742,19 +7974,7 @@
           <a:p>
             <a:r>
               <a:rPr lang="ko-KR" altLang="en-US" dirty="0" smtClean="0"/>
-              <a:t>모델에 기여하고 있는 변수 확인</a:t>
-            </a:r>
-            <a:r>
-              <a:rPr lang="en-US" altLang="ko-KR" dirty="0" smtClean="0"/>
-              <a:t>(</a:t>
-            </a:r>
-            <a:r>
-              <a:rPr lang="ko-KR" altLang="en-US" dirty="0" smtClean="0"/>
-              <a:t>기울기</a:t>
-            </a:r>
-            <a:r>
-              <a:rPr lang="en-US" altLang="ko-KR" dirty="0" smtClean="0"/>
-              <a:t>)</a:t>
+              <a:t>의사결정나무 모델</a:t>
             </a:r>
             <a:endParaRPr lang="ko-KR" altLang="en-US" dirty="0"/>
           </a:p>
@@ -7762,7 +7982,7 @@
       </p:sp>
       <p:pic>
         <p:nvPicPr>
-          <p:cNvPr id="3" name="그림 2"/>
+          <p:cNvPr id="4" name="그림 3"/>
           <p:cNvPicPr>
             <a:picLocks noChangeAspect="1"/>
           </p:cNvPicPr>
@@ -7782,122 +8002,48 @@
         </p:blipFill>
         <p:spPr>
           <a:xfrm>
-            <a:off x="3175140" y="1898454"/>
-            <a:ext cx="5841721" cy="4234829"/>
+            <a:off x="2070069" y="1817969"/>
+            <a:ext cx="8051863" cy="3054155"/>
           </a:xfrm>
           <a:prstGeom prst="rect">
             <a:avLst/>
           </a:prstGeom>
         </p:spPr>
       </p:pic>
-      <p:sp>
-        <p:nvSpPr>
-          <p:cNvPr id="4" name="액자 3"/>
-          <p:cNvSpPr/>
+      <p:pic>
+        <p:nvPicPr>
+          <p:cNvPr id="5" name="그림 4"/>
+          <p:cNvPicPr>
+            <a:picLocks noChangeAspect="1"/>
+          </p:cNvPicPr>
           <p:nvPr/>
-        </p:nvSpPr>
-        <p:spPr>
-          <a:xfrm>
-            <a:off x="6422675" y="2371242"/>
-            <a:ext cx="2594186" cy="526942"/>
-          </a:xfrm>
-          <a:prstGeom prst="frame">
-            <a:avLst>
-              <a:gd name="adj1" fmla="val 15677"/>
-            </a:avLst>
+        </p:nvPicPr>
+        <p:blipFill>
+          <a:blip r:embed="rId3">
+            <a:extLst>
+              <a:ext uri="{28A0092B-C50C-407E-A947-70E740481C1C}">
+                <a14:useLocalDpi xmlns:a14="http://schemas.microsoft.com/office/drawing/2010/main" val="0"/>
+              </a:ext>
+            </a:extLst>
+          </a:blip>
+          <a:stretch>
+            <a:fillRect/>
+          </a:stretch>
+        </p:blipFill>
+        <p:spPr>
+          <a:xfrm>
+            <a:off x="3711672" y="5169517"/>
+            <a:ext cx="4768655" cy="748025"/>
+          </a:xfrm>
+          <a:prstGeom prst="rect">
+            <a:avLst/>
           </a:prstGeom>
-          <a:solidFill>
-            <a:srgbClr val="FF0000"/>
-          </a:solidFill>
-          <a:ln>
-            <a:noFill/>
-          </a:ln>
-        </p:spPr>
-        <p:style>
-          <a:lnRef idx="2">
-            <a:schemeClr val="accent1">
-              <a:shade val="50000"/>
-            </a:schemeClr>
-          </a:lnRef>
-          <a:fillRef idx="1">
-            <a:schemeClr val="accent1"/>
-          </a:fillRef>
-          <a:effectRef idx="0">
-            <a:schemeClr val="accent1"/>
-          </a:effectRef>
-          <a:fontRef idx="minor">
-            <a:schemeClr val="lt1"/>
-          </a:fontRef>
-        </p:style>
-        <p:txBody>
-          <a:bodyPr rtlCol="0" anchor="ctr"/>
-          <a:lstStyle/>
-          <a:p>
-            <a:pPr algn="ctr"/>
-            <a:endParaRPr lang="ko-KR" altLang="en-US">
-              <a:solidFill>
-                <a:schemeClr val="tx1"/>
-              </a:solidFill>
-            </a:endParaRPr>
-          </a:p>
-        </p:txBody>
-      </p:sp>
-      <p:sp>
-        <p:nvSpPr>
-          <p:cNvPr id="5" name="액자 4"/>
-          <p:cNvSpPr/>
-          <p:nvPr/>
-        </p:nvSpPr>
-        <p:spPr>
-          <a:xfrm>
-            <a:off x="6422675" y="3269507"/>
-            <a:ext cx="2594186" cy="526942"/>
-          </a:xfrm>
-          <a:prstGeom prst="frame">
-            <a:avLst>
-              <a:gd name="adj1" fmla="val 15677"/>
-            </a:avLst>
-          </a:prstGeom>
-          <a:solidFill>
-            <a:srgbClr val="FF0000"/>
-          </a:solidFill>
-          <a:ln>
-            <a:noFill/>
-          </a:ln>
-        </p:spPr>
-        <p:style>
-          <a:lnRef idx="2">
-            <a:schemeClr val="accent1">
-              <a:shade val="50000"/>
-            </a:schemeClr>
-          </a:lnRef>
-          <a:fillRef idx="1">
-            <a:schemeClr val="accent1"/>
-          </a:fillRef>
-          <a:effectRef idx="0">
-            <a:schemeClr val="accent1"/>
-          </a:effectRef>
-          <a:fontRef idx="minor">
-            <a:schemeClr val="lt1"/>
-          </a:fontRef>
-        </p:style>
-        <p:txBody>
-          <a:bodyPr rtlCol="0" anchor="ctr"/>
-          <a:lstStyle/>
-          <a:p>
-            <a:pPr algn="ctr"/>
-            <a:endParaRPr lang="ko-KR" altLang="en-US">
-              <a:solidFill>
-                <a:schemeClr val="tx1"/>
-              </a:solidFill>
-            </a:endParaRPr>
-          </a:p>
-        </p:txBody>
-      </p:sp>
+        </p:spPr>
+      </p:pic>
     </p:spTree>
     <p:extLst>
       <p:ext uri="{BB962C8B-B14F-4D97-AF65-F5344CB8AC3E}">
-        <p14:creationId xmlns:p14="http://schemas.microsoft.com/office/powerpoint/2010/main" val="1315671141"/>
+        <p14:creationId xmlns:p14="http://schemas.microsoft.com/office/powerpoint/2010/main" val="2764440804"/>
       </p:ext>
     </p:extLst>
   </p:cSld>
@@ -7941,6 +8087,378 @@
           <a:p>
             <a:r>
               <a:rPr lang="ko-KR" altLang="en-US" dirty="0" smtClean="0"/>
+              <a:t>모델 </a:t>
+            </a:r>
+            <a:r>
+              <a:rPr lang="ko-KR" altLang="en-US" dirty="0" err="1" smtClean="0"/>
+              <a:t>과적합</a:t>
+            </a:r>
+            <a:r>
+              <a:rPr lang="ko-KR" altLang="en-US" dirty="0" smtClean="0"/>
+              <a:t> 확인</a:t>
+            </a:r>
+            <a:endParaRPr lang="ko-KR" altLang="en-US" dirty="0"/>
+          </a:p>
+        </p:txBody>
+      </p:sp>
+      <p:pic>
+        <p:nvPicPr>
+          <p:cNvPr id="4" name="그림 3"/>
+          <p:cNvPicPr>
+            <a:picLocks noChangeAspect="1"/>
+          </p:cNvPicPr>
+          <p:nvPr/>
+        </p:nvPicPr>
+        <p:blipFill>
+          <a:blip r:embed="rId2">
+            <a:extLst>
+              <a:ext uri="{28A0092B-C50C-407E-A947-70E740481C1C}">
+                <a14:useLocalDpi xmlns:a14="http://schemas.microsoft.com/office/drawing/2010/main" val="0"/>
+              </a:ext>
+            </a:extLst>
+          </a:blip>
+          <a:stretch>
+            <a:fillRect/>
+          </a:stretch>
+        </p:blipFill>
+        <p:spPr>
+          <a:xfrm>
+            <a:off x="3241764" y="1496135"/>
+            <a:ext cx="5708472" cy="2301802"/>
+          </a:xfrm>
+          <a:prstGeom prst="rect">
+            <a:avLst/>
+          </a:prstGeom>
+        </p:spPr>
+      </p:pic>
+      <p:pic>
+        <p:nvPicPr>
+          <p:cNvPr id="5" name="그림 4"/>
+          <p:cNvPicPr>
+            <a:picLocks noChangeAspect="1"/>
+          </p:cNvPicPr>
+          <p:nvPr/>
+        </p:nvPicPr>
+        <p:blipFill>
+          <a:blip r:embed="rId3">
+            <a:extLst>
+              <a:ext uri="{28A0092B-C50C-407E-A947-70E740481C1C}">
+                <a14:useLocalDpi xmlns:a14="http://schemas.microsoft.com/office/drawing/2010/main" val="0"/>
+              </a:ext>
+            </a:extLst>
+          </a:blip>
+          <a:stretch>
+            <a:fillRect/>
+          </a:stretch>
+        </p:blipFill>
+        <p:spPr>
+          <a:xfrm>
+            <a:off x="2776327" y="3859929"/>
+            <a:ext cx="6639346" cy="2674366"/>
+          </a:xfrm>
+          <a:prstGeom prst="rect">
+            <a:avLst/>
+          </a:prstGeom>
+        </p:spPr>
+      </p:pic>
+      <p:sp>
+        <p:nvSpPr>
+          <p:cNvPr id="6" name="액자 5"/>
+          <p:cNvSpPr/>
+          <p:nvPr/>
+        </p:nvSpPr>
+        <p:spPr>
+          <a:xfrm>
+            <a:off x="7864017" y="4308529"/>
+            <a:ext cx="1551656" cy="526942"/>
+          </a:xfrm>
+          <a:prstGeom prst="frame">
+            <a:avLst>
+              <a:gd name="adj1" fmla="val 15677"/>
+            </a:avLst>
+          </a:prstGeom>
+          <a:solidFill>
+            <a:srgbClr val="FF0000"/>
+          </a:solidFill>
+          <a:ln>
+            <a:noFill/>
+          </a:ln>
+        </p:spPr>
+        <p:style>
+          <a:lnRef idx="2">
+            <a:schemeClr val="accent1">
+              <a:shade val="50000"/>
+            </a:schemeClr>
+          </a:lnRef>
+          <a:fillRef idx="1">
+            <a:schemeClr val="accent1"/>
+          </a:fillRef>
+          <a:effectRef idx="0">
+            <a:schemeClr val="accent1"/>
+          </a:effectRef>
+          <a:fontRef idx="minor">
+            <a:schemeClr val="lt1"/>
+          </a:fontRef>
+        </p:style>
+        <p:txBody>
+          <a:bodyPr rtlCol="0" anchor="ctr"/>
+          <a:lstStyle/>
+          <a:p>
+            <a:pPr algn="ctr"/>
+            <a:endParaRPr lang="ko-KR" altLang="en-US">
+              <a:solidFill>
+                <a:schemeClr val="tx1"/>
+              </a:solidFill>
+            </a:endParaRPr>
+          </a:p>
+        </p:txBody>
+      </p:sp>
+    </p:spTree>
+    <p:extLst>
+      <p:ext uri="{BB962C8B-B14F-4D97-AF65-F5344CB8AC3E}">
+        <p14:creationId xmlns:p14="http://schemas.microsoft.com/office/powerpoint/2010/main" val="3892667992"/>
+      </p:ext>
+    </p:extLst>
+  </p:cSld>
+  <p:clrMapOvr>
+    <a:masterClrMapping/>
+  </p:clrMapOvr>
+</p:sld>
+</file>
+
+<file path=ppt/slides/slide36.xml><?xml version="1.0" encoding="utf-8"?>
+<p:sld xmlns:a="http://schemas.openxmlformats.org/drawingml/2006/main" xmlns:r="http://schemas.openxmlformats.org/officeDocument/2006/relationships" xmlns:p="http://schemas.openxmlformats.org/presentationml/2006/main">
+  <p:cSld>
+    <p:spTree>
+      <p:nvGrpSpPr>
+        <p:cNvPr id="1" name=""/>
+        <p:cNvGrpSpPr/>
+        <p:nvPr/>
+      </p:nvGrpSpPr>
+      <p:grpSpPr>
+        <a:xfrm>
+          <a:off x="0" y="0"/>
+          <a:ext cx="0" cy="0"/>
+          <a:chOff x="0" y="0"/>
+          <a:chExt cx="0" cy="0"/>
+        </a:xfrm>
+      </p:grpSpPr>
+      <p:sp>
+        <p:nvSpPr>
+          <p:cNvPr id="2" name="제목 1"/>
+          <p:cNvSpPr>
+            <a:spLocks noGrp="1"/>
+          </p:cNvSpPr>
+          <p:nvPr>
+            <p:ph type="title"/>
+          </p:nvPr>
+        </p:nvSpPr>
+        <p:spPr/>
+        <p:txBody>
+          <a:bodyPr/>
+          <a:lstStyle/>
+          <a:p>
+            <a:r>
+              <a:rPr lang="ko-KR" altLang="en-US" dirty="0" smtClean="0"/>
+              <a:t>모델에 기여하고 있는 변수 확인</a:t>
+            </a:r>
+            <a:r>
+              <a:rPr lang="en-US" altLang="ko-KR" dirty="0" smtClean="0"/>
+              <a:t>(</a:t>
+            </a:r>
+            <a:r>
+              <a:rPr lang="ko-KR" altLang="en-US" dirty="0" smtClean="0"/>
+              <a:t>기울기</a:t>
+            </a:r>
+            <a:r>
+              <a:rPr lang="en-US" altLang="ko-KR" dirty="0" smtClean="0"/>
+              <a:t>)</a:t>
+            </a:r>
+            <a:endParaRPr lang="ko-KR" altLang="en-US" dirty="0"/>
+          </a:p>
+        </p:txBody>
+      </p:sp>
+      <p:pic>
+        <p:nvPicPr>
+          <p:cNvPr id="3" name="그림 2"/>
+          <p:cNvPicPr>
+            <a:picLocks noChangeAspect="1"/>
+          </p:cNvPicPr>
+          <p:nvPr/>
+        </p:nvPicPr>
+        <p:blipFill>
+          <a:blip r:embed="rId2">
+            <a:extLst>
+              <a:ext uri="{28A0092B-C50C-407E-A947-70E740481C1C}">
+                <a14:useLocalDpi xmlns:a14="http://schemas.microsoft.com/office/drawing/2010/main" val="0"/>
+              </a:ext>
+            </a:extLst>
+          </a:blip>
+          <a:stretch>
+            <a:fillRect/>
+          </a:stretch>
+        </p:blipFill>
+        <p:spPr>
+          <a:xfrm>
+            <a:off x="3175140" y="1898454"/>
+            <a:ext cx="5841721" cy="4234829"/>
+          </a:xfrm>
+          <a:prstGeom prst="rect">
+            <a:avLst/>
+          </a:prstGeom>
+        </p:spPr>
+      </p:pic>
+      <p:sp>
+        <p:nvSpPr>
+          <p:cNvPr id="4" name="액자 3"/>
+          <p:cNvSpPr/>
+          <p:nvPr/>
+        </p:nvSpPr>
+        <p:spPr>
+          <a:xfrm>
+            <a:off x="6422675" y="2371242"/>
+            <a:ext cx="2594186" cy="526942"/>
+          </a:xfrm>
+          <a:prstGeom prst="frame">
+            <a:avLst>
+              <a:gd name="adj1" fmla="val 15677"/>
+            </a:avLst>
+          </a:prstGeom>
+          <a:solidFill>
+            <a:srgbClr val="FF0000"/>
+          </a:solidFill>
+          <a:ln>
+            <a:noFill/>
+          </a:ln>
+        </p:spPr>
+        <p:style>
+          <a:lnRef idx="2">
+            <a:schemeClr val="accent1">
+              <a:shade val="50000"/>
+            </a:schemeClr>
+          </a:lnRef>
+          <a:fillRef idx="1">
+            <a:schemeClr val="accent1"/>
+          </a:fillRef>
+          <a:effectRef idx="0">
+            <a:schemeClr val="accent1"/>
+          </a:effectRef>
+          <a:fontRef idx="minor">
+            <a:schemeClr val="lt1"/>
+          </a:fontRef>
+        </p:style>
+        <p:txBody>
+          <a:bodyPr rtlCol="0" anchor="ctr"/>
+          <a:lstStyle/>
+          <a:p>
+            <a:pPr algn="ctr"/>
+            <a:endParaRPr lang="ko-KR" altLang="en-US">
+              <a:solidFill>
+                <a:schemeClr val="tx1"/>
+              </a:solidFill>
+            </a:endParaRPr>
+          </a:p>
+        </p:txBody>
+      </p:sp>
+      <p:sp>
+        <p:nvSpPr>
+          <p:cNvPr id="5" name="액자 4"/>
+          <p:cNvSpPr/>
+          <p:nvPr/>
+        </p:nvSpPr>
+        <p:spPr>
+          <a:xfrm>
+            <a:off x="6422675" y="3269507"/>
+            <a:ext cx="2594186" cy="526942"/>
+          </a:xfrm>
+          <a:prstGeom prst="frame">
+            <a:avLst>
+              <a:gd name="adj1" fmla="val 15677"/>
+            </a:avLst>
+          </a:prstGeom>
+          <a:solidFill>
+            <a:srgbClr val="FF0000"/>
+          </a:solidFill>
+          <a:ln>
+            <a:noFill/>
+          </a:ln>
+        </p:spPr>
+        <p:style>
+          <a:lnRef idx="2">
+            <a:schemeClr val="accent1">
+              <a:shade val="50000"/>
+            </a:schemeClr>
+          </a:lnRef>
+          <a:fillRef idx="1">
+            <a:schemeClr val="accent1"/>
+          </a:fillRef>
+          <a:effectRef idx="0">
+            <a:schemeClr val="accent1"/>
+          </a:effectRef>
+          <a:fontRef idx="minor">
+            <a:schemeClr val="lt1"/>
+          </a:fontRef>
+        </p:style>
+        <p:txBody>
+          <a:bodyPr rtlCol="0" anchor="ctr"/>
+          <a:lstStyle/>
+          <a:p>
+            <a:pPr algn="ctr"/>
+            <a:endParaRPr lang="ko-KR" altLang="en-US">
+              <a:solidFill>
+                <a:schemeClr val="tx1"/>
+              </a:solidFill>
+            </a:endParaRPr>
+          </a:p>
+        </p:txBody>
+      </p:sp>
+    </p:spTree>
+    <p:extLst>
+      <p:ext uri="{BB962C8B-B14F-4D97-AF65-F5344CB8AC3E}">
+        <p14:creationId xmlns:p14="http://schemas.microsoft.com/office/powerpoint/2010/main" val="1315671141"/>
+      </p:ext>
+    </p:extLst>
+  </p:cSld>
+  <p:clrMapOvr>
+    <a:masterClrMapping/>
+  </p:clrMapOvr>
+</p:sld>
+</file>
+
+<file path=ppt/slides/slide37.xml><?xml version="1.0" encoding="utf-8"?>
+<p:sld xmlns:a="http://schemas.openxmlformats.org/drawingml/2006/main" xmlns:r="http://schemas.openxmlformats.org/officeDocument/2006/relationships" xmlns:p="http://schemas.openxmlformats.org/presentationml/2006/main">
+  <p:cSld>
+    <p:spTree>
+      <p:nvGrpSpPr>
+        <p:cNvPr id="1" name=""/>
+        <p:cNvGrpSpPr/>
+        <p:nvPr/>
+      </p:nvGrpSpPr>
+      <p:grpSpPr>
+        <a:xfrm>
+          <a:off x="0" y="0"/>
+          <a:ext cx="0" cy="0"/>
+          <a:chOff x="0" y="0"/>
+          <a:chExt cx="0" cy="0"/>
+        </a:xfrm>
+      </p:grpSpPr>
+      <p:sp>
+        <p:nvSpPr>
+          <p:cNvPr id="2" name="제목 1"/>
+          <p:cNvSpPr>
+            <a:spLocks noGrp="1"/>
+          </p:cNvSpPr>
+          <p:nvPr>
+            <p:ph type="title"/>
+          </p:nvPr>
+        </p:nvSpPr>
+        <p:spPr/>
+        <p:txBody>
+          <a:bodyPr/>
+          <a:lstStyle/>
+          <a:p>
+            <a:r>
+              <a:rPr lang="ko-KR" altLang="en-US" dirty="0" smtClean="0"/>
               <a:t>회원 탈퇴 예측</a:t>
             </a:r>
             <a:endParaRPr lang="ko-KR" altLang="en-US" dirty="0"/>
@@ -8200,7 +8718,7 @@
 </p:sld>
 </file>
 
-<file path=ppt/slides/slide36.xml><?xml version="1.0" encoding="utf-8"?>
+<file path=ppt/slides/slide38.xml><?xml version="1.0" encoding="utf-8"?>
 <p:sld xmlns:a="http://schemas.openxmlformats.org/drawingml/2006/main" xmlns:r="http://schemas.openxmlformats.org/officeDocument/2006/relationships" xmlns:p="http://schemas.openxmlformats.org/presentationml/2006/main">
   <p:cSld>
     <p:spTree>
@@ -8439,12 +8957,8 @@
           <a:lstStyle/>
           <a:p>
             <a:r>
-              <a:rPr lang="en-US" altLang="ko-KR" dirty="0"/>
-              <a:t>c</a:t>
-            </a:r>
-            <a:r>
               <a:rPr lang="en-US" altLang="ko-KR" dirty="0" smtClean="0"/>
-              <a:t>ustomer_master.csv</a:t>
+              <a:t>class_master.csv</a:t>
             </a:r>
             <a:endParaRPr lang="ko-KR" altLang="en-US" dirty="0"/>
           </a:p>
@@ -8472,8 +8986,8 @@
         </p:blipFill>
         <p:spPr>
           <a:xfrm>
-            <a:off x="590956" y="2853328"/>
-            <a:ext cx="11010089" cy="2784161"/>
+            <a:off x="3617754" y="2498099"/>
+            <a:ext cx="4956492" cy="2800531"/>
           </a:xfrm>
           <a:prstGeom prst="rect">
             <a:avLst/>
@@ -8483,7 +8997,7 @@
     </p:spTree>
     <p:extLst>
       <p:ext uri="{BB962C8B-B14F-4D97-AF65-F5344CB8AC3E}">
-        <p14:creationId xmlns:p14="http://schemas.microsoft.com/office/powerpoint/2010/main" val="4143960043"/>
+        <p14:creationId xmlns:p14="http://schemas.microsoft.com/office/powerpoint/2010/main" val="496394956"/>
       </p:ext>
     </p:extLst>
   </p:cSld>
@@ -8527,7 +9041,7 @@
           <a:p>
             <a:r>
               <a:rPr lang="en-US" altLang="ko-KR" dirty="0" smtClean="0"/>
-              <a:t>class_master.csv</a:t>
+              <a:t>campaign_master.csv</a:t>
             </a:r>
             <a:endParaRPr lang="ko-KR" altLang="en-US" dirty="0"/>
           </a:p>
@@ -8555,8 +9069,8 @@
         </p:blipFill>
         <p:spPr>
           <a:xfrm>
-            <a:off x="3617754" y="2498099"/>
-            <a:ext cx="4956492" cy="2800531"/>
+            <a:off x="3140630" y="2461397"/>
+            <a:ext cx="5910741" cy="2752330"/>
           </a:xfrm>
           <a:prstGeom prst="rect">
             <a:avLst/>
@@ -8566,7 +9080,7 @@
     </p:spTree>
     <p:extLst>
       <p:ext uri="{BB962C8B-B14F-4D97-AF65-F5344CB8AC3E}">
-        <p14:creationId xmlns:p14="http://schemas.microsoft.com/office/powerpoint/2010/main" val="496394956"/>
+        <p14:creationId xmlns:p14="http://schemas.microsoft.com/office/powerpoint/2010/main" val="3638295483"/>
       </p:ext>
     </p:extLst>
   </p:cSld>
@@ -8609,8 +9123,12 @@
           <a:lstStyle/>
           <a:p>
             <a:r>
+              <a:rPr lang="en-US" altLang="ko-KR" dirty="0"/>
+              <a:t>c</a:t>
+            </a:r>
+            <a:r>
               <a:rPr lang="en-US" altLang="ko-KR" dirty="0" smtClean="0"/>
-              <a:t>campaign_master.csv</a:t>
+              <a:t>ustomer_master.csv</a:t>
             </a:r>
             <a:endParaRPr lang="ko-KR" altLang="en-US" dirty="0"/>
           </a:p>
@@ -8638,18 +9156,270 @@
         </p:blipFill>
         <p:spPr>
           <a:xfrm>
-            <a:off x="3140630" y="2461397"/>
-            <a:ext cx="5910741" cy="2752330"/>
+            <a:off x="590956" y="2853328"/>
+            <a:ext cx="11010089" cy="2784161"/>
           </a:xfrm>
           <a:prstGeom prst="rect">
             <a:avLst/>
           </a:prstGeom>
         </p:spPr>
       </p:pic>
+      <p:sp>
+        <p:nvSpPr>
+          <p:cNvPr id="5" name="TextBox 4"/>
+          <p:cNvSpPr txBox="1"/>
+          <p:nvPr/>
+        </p:nvSpPr>
+        <p:spPr>
+          <a:xfrm>
+            <a:off x="984255" y="2483996"/>
+            <a:ext cx="1623392" cy="369332"/>
+          </a:xfrm>
+          <a:prstGeom prst="rect">
+            <a:avLst/>
+          </a:prstGeom>
+          <a:noFill/>
+        </p:spPr>
+        <p:txBody>
+          <a:bodyPr wrap="square" rtlCol="0">
+            <a:spAutoFit/>
+          </a:bodyPr>
+          <a:lstStyle/>
+          <a:p>
+            <a:pPr algn="ctr"/>
+            <a:r>
+              <a:rPr lang="ko-KR" altLang="en-US" dirty="0" smtClean="0"/>
+              <a:t>회원 </a:t>
+            </a:r>
+            <a:r>
+              <a:rPr lang="en-US" altLang="ko-KR" dirty="0" smtClean="0"/>
+              <a:t>id</a:t>
+            </a:r>
+            <a:endParaRPr lang="ko-KR" altLang="en-US" dirty="0"/>
+          </a:p>
+        </p:txBody>
+      </p:sp>
+      <p:sp>
+        <p:nvSpPr>
+          <p:cNvPr id="6" name="TextBox 5"/>
+          <p:cNvSpPr txBox="1"/>
+          <p:nvPr/>
+        </p:nvSpPr>
+        <p:spPr>
+          <a:xfrm>
+            <a:off x="2595098" y="2483996"/>
+            <a:ext cx="811696" cy="369332"/>
+          </a:xfrm>
+          <a:prstGeom prst="rect">
+            <a:avLst/>
+          </a:prstGeom>
+          <a:noFill/>
+        </p:spPr>
+        <p:txBody>
+          <a:bodyPr wrap="square" rtlCol="0">
+            <a:spAutoFit/>
+          </a:bodyPr>
+          <a:lstStyle/>
+          <a:p>
+            <a:pPr algn="ctr"/>
+            <a:r>
+              <a:rPr lang="ko-KR" altLang="en-US" smtClean="0"/>
+              <a:t>이름</a:t>
+            </a:r>
+            <a:endParaRPr lang="ko-KR" altLang="en-US" dirty="0"/>
+          </a:p>
+        </p:txBody>
+      </p:sp>
+      <p:sp>
+        <p:nvSpPr>
+          <p:cNvPr id="7" name="TextBox 6"/>
+          <p:cNvSpPr txBox="1"/>
+          <p:nvPr/>
+        </p:nvSpPr>
+        <p:spPr>
+          <a:xfrm>
+            <a:off x="3406794" y="2483996"/>
+            <a:ext cx="811696" cy="369332"/>
+          </a:xfrm>
+          <a:prstGeom prst="rect">
+            <a:avLst/>
+          </a:prstGeom>
+          <a:noFill/>
+        </p:spPr>
+        <p:txBody>
+          <a:bodyPr wrap="square" rtlCol="0">
+            <a:spAutoFit/>
+          </a:bodyPr>
+          <a:lstStyle/>
+          <a:p>
+            <a:pPr algn="ctr"/>
+            <a:r>
+              <a:rPr lang="ko-KR" altLang="en-US" dirty="0" smtClean="0"/>
+              <a:t>반</a:t>
+            </a:r>
+            <a:endParaRPr lang="ko-KR" altLang="en-US" dirty="0"/>
+          </a:p>
+        </p:txBody>
+      </p:sp>
+      <p:sp>
+        <p:nvSpPr>
+          <p:cNvPr id="8" name="TextBox 7"/>
+          <p:cNvSpPr txBox="1"/>
+          <p:nvPr/>
+        </p:nvSpPr>
+        <p:spPr>
+          <a:xfrm>
+            <a:off x="4218490" y="2483996"/>
+            <a:ext cx="811696" cy="369332"/>
+          </a:xfrm>
+          <a:prstGeom prst="rect">
+            <a:avLst/>
+          </a:prstGeom>
+          <a:noFill/>
+        </p:spPr>
+        <p:txBody>
+          <a:bodyPr wrap="square" rtlCol="0">
+            <a:spAutoFit/>
+          </a:bodyPr>
+          <a:lstStyle/>
+          <a:p>
+            <a:pPr algn="ctr"/>
+            <a:r>
+              <a:rPr lang="ko-KR" altLang="en-US" dirty="0" smtClean="0"/>
+              <a:t>성별</a:t>
+            </a:r>
+            <a:endParaRPr lang="ko-KR" altLang="en-US" dirty="0"/>
+          </a:p>
+        </p:txBody>
+      </p:sp>
+      <p:sp>
+        <p:nvSpPr>
+          <p:cNvPr id="9" name="TextBox 8"/>
+          <p:cNvSpPr txBox="1"/>
+          <p:nvPr/>
+        </p:nvSpPr>
+        <p:spPr>
+          <a:xfrm>
+            <a:off x="5222929" y="2483996"/>
+            <a:ext cx="2154265" cy="369332"/>
+          </a:xfrm>
+          <a:prstGeom prst="rect">
+            <a:avLst/>
+          </a:prstGeom>
+          <a:noFill/>
+        </p:spPr>
+        <p:txBody>
+          <a:bodyPr wrap="square" rtlCol="0">
+            <a:spAutoFit/>
+          </a:bodyPr>
+          <a:lstStyle/>
+          <a:p>
+            <a:pPr algn="ctr"/>
+            <a:r>
+              <a:rPr lang="ko-KR" altLang="en-US" smtClean="0"/>
+              <a:t>헬스장 등록 일자</a:t>
+            </a:r>
+            <a:endParaRPr lang="ko-KR" altLang="en-US" dirty="0"/>
+          </a:p>
+        </p:txBody>
+      </p:sp>
+      <p:sp>
+        <p:nvSpPr>
+          <p:cNvPr id="10" name="TextBox 9"/>
+          <p:cNvSpPr txBox="1"/>
+          <p:nvPr/>
+        </p:nvSpPr>
+        <p:spPr>
+          <a:xfrm>
+            <a:off x="10082225" y="2483996"/>
+            <a:ext cx="1518820" cy="369332"/>
+          </a:xfrm>
+          <a:prstGeom prst="rect">
+            <a:avLst/>
+          </a:prstGeom>
+          <a:noFill/>
+        </p:spPr>
+        <p:txBody>
+          <a:bodyPr wrap="square" rtlCol="0">
+            <a:spAutoFit/>
+          </a:bodyPr>
+          <a:lstStyle/>
+          <a:p>
+            <a:pPr algn="ctr"/>
+            <a:r>
+              <a:rPr lang="ko-KR" altLang="en-US" smtClean="0"/>
+              <a:t>탈퇴 여부</a:t>
+            </a:r>
+            <a:endParaRPr lang="ko-KR" altLang="en-US" dirty="0"/>
+          </a:p>
+        </p:txBody>
+      </p:sp>
+      <p:sp>
+        <p:nvSpPr>
+          <p:cNvPr id="11" name="TextBox 10"/>
+          <p:cNvSpPr txBox="1"/>
+          <p:nvPr/>
+        </p:nvSpPr>
+        <p:spPr>
+          <a:xfrm>
+            <a:off x="8621579" y="2483996"/>
+            <a:ext cx="1518820" cy="369332"/>
+          </a:xfrm>
+          <a:prstGeom prst="rect">
+            <a:avLst/>
+          </a:prstGeom>
+          <a:noFill/>
+        </p:spPr>
+        <p:txBody>
+          <a:bodyPr wrap="square" rtlCol="0">
+            <a:spAutoFit/>
+          </a:bodyPr>
+          <a:lstStyle/>
+          <a:p>
+            <a:pPr algn="ctr"/>
+            <a:r>
+              <a:rPr lang="ko-KR" altLang="en-US" dirty="0" smtClean="0"/>
+              <a:t>캠페인</a:t>
+            </a:r>
+            <a:endParaRPr lang="ko-KR" altLang="en-US" dirty="0"/>
+          </a:p>
+        </p:txBody>
+      </p:sp>
+      <p:sp>
+        <p:nvSpPr>
+          <p:cNvPr id="12" name="TextBox 11"/>
+          <p:cNvSpPr txBox="1"/>
+          <p:nvPr/>
+        </p:nvSpPr>
+        <p:spPr>
+          <a:xfrm>
+            <a:off x="7319020" y="2483996"/>
+            <a:ext cx="1518820" cy="369332"/>
+          </a:xfrm>
+          <a:prstGeom prst="rect">
+            <a:avLst/>
+          </a:prstGeom>
+          <a:noFill/>
+        </p:spPr>
+        <p:txBody>
+          <a:bodyPr wrap="square" rtlCol="0">
+            <a:spAutoFit/>
+          </a:bodyPr>
+          <a:lstStyle/>
+          <a:p>
+            <a:pPr algn="ctr"/>
+            <a:r>
+              <a:rPr lang="ko-KR" altLang="en-US" dirty="0" smtClean="0"/>
+              <a:t>탈퇴 일자</a:t>
+            </a:r>
+            <a:endParaRPr lang="ko-KR" altLang="en-US" dirty="0"/>
+          </a:p>
+        </p:txBody>
+      </p:sp>
     </p:spTree>
     <p:extLst>
       <p:ext uri="{BB962C8B-B14F-4D97-AF65-F5344CB8AC3E}">
-        <p14:creationId xmlns:p14="http://schemas.microsoft.com/office/powerpoint/2010/main" val="3638295483"/>
+        <p14:creationId xmlns:p14="http://schemas.microsoft.com/office/powerpoint/2010/main" val="4143960043"/>
       </p:ext>
     </p:extLst>
   </p:cSld>
@@ -8693,154 +9463,64 @@
           <a:p>
             <a:r>
               <a:rPr lang="ko-KR" altLang="en-US" dirty="0" smtClean="0"/>
-              <a:t>데이터 결합</a:t>
-            </a:r>
-            <a:r>
-              <a:rPr lang="en-US" altLang="ko-KR" dirty="0" smtClean="0"/>
-              <a:t> </a:t>
+              <a:t>데이터 가공</a:t>
             </a:r>
             <a:endParaRPr lang="ko-KR" altLang="en-US" dirty="0"/>
           </a:p>
         </p:txBody>
       </p:sp>
-      <p:pic>
-        <p:nvPicPr>
-          <p:cNvPr id="3" name="그림 2"/>
-          <p:cNvPicPr>
-            <a:picLocks noChangeAspect="1"/>
-          </p:cNvPicPr>
+      <p:sp>
+        <p:nvSpPr>
+          <p:cNvPr id="4" name="TextBox 3"/>
+          <p:cNvSpPr txBox="1"/>
           <p:nvPr/>
-        </p:nvPicPr>
-        <p:blipFill>
-          <a:blip r:embed="rId2">
-            <a:extLst>
-              <a:ext uri="{28A0092B-C50C-407E-A947-70E740481C1C}">
-                <a14:useLocalDpi xmlns:a14="http://schemas.microsoft.com/office/drawing/2010/main" val="0"/>
-              </a:ext>
-            </a:extLst>
-          </a:blip>
-          <a:stretch>
-            <a:fillRect/>
-          </a:stretch>
-        </p:blipFill>
-        <p:spPr>
-          <a:xfrm>
-            <a:off x="822787" y="2765780"/>
-            <a:ext cx="10546427" cy="2212361"/>
+        </p:nvSpPr>
+        <p:spPr>
+          <a:xfrm>
+            <a:off x="546371" y="1733786"/>
+            <a:ext cx="10724827" cy="923330"/>
           </a:xfrm>
           <a:prstGeom prst="rect">
             <a:avLst/>
           </a:prstGeom>
-        </p:spPr>
-      </p:pic>
-      <p:sp>
-        <p:nvSpPr>
-          <p:cNvPr id="4" name="액자 3"/>
-          <p:cNvSpPr/>
-          <p:nvPr/>
-        </p:nvSpPr>
-        <p:spPr>
-          <a:xfrm>
-            <a:off x="9435829" y="2655650"/>
-            <a:ext cx="2052537" cy="2451371"/>
-          </a:xfrm>
-          <a:prstGeom prst="frame">
-            <a:avLst>
-              <a:gd name="adj1" fmla="val 6310"/>
-            </a:avLst>
-          </a:prstGeom>
-          <a:solidFill>
-            <a:srgbClr val="FF0000"/>
-          </a:solidFill>
-          <a:ln>
-            <a:noFill/>
-          </a:ln>
-        </p:spPr>
-        <p:style>
-          <a:lnRef idx="2">
-            <a:schemeClr val="accent1">
-              <a:shade val="50000"/>
-            </a:schemeClr>
-          </a:lnRef>
-          <a:fillRef idx="1">
-            <a:schemeClr val="accent1"/>
-          </a:fillRef>
-          <a:effectRef idx="0">
-            <a:schemeClr val="accent1"/>
-          </a:effectRef>
-          <a:fontRef idx="minor">
-            <a:schemeClr val="lt1"/>
-          </a:fontRef>
-        </p:style>
-        <p:txBody>
-          <a:bodyPr rtlCol="0" anchor="ctr"/>
-          <a:lstStyle/>
-          <a:p>
-            <a:pPr algn="ctr"/>
-            <a:endParaRPr lang="ko-KR" altLang="en-US">
-              <a:solidFill>
-                <a:schemeClr val="tx1"/>
-              </a:solidFill>
-            </a:endParaRPr>
-          </a:p>
-        </p:txBody>
-      </p:sp>
-      <p:sp>
-        <p:nvSpPr>
-          <p:cNvPr id="5" name="액자 4"/>
-          <p:cNvSpPr/>
-          <p:nvPr/>
-        </p:nvSpPr>
-        <p:spPr>
-          <a:xfrm>
-            <a:off x="3077980" y="2655650"/>
-            <a:ext cx="667169" cy="2451371"/>
-          </a:xfrm>
-          <a:prstGeom prst="frame">
-            <a:avLst>
-              <a:gd name="adj1" fmla="val 15058"/>
-            </a:avLst>
-          </a:prstGeom>
-          <a:solidFill>
-            <a:srgbClr val="FF0000"/>
-          </a:solidFill>
-          <a:ln>
-            <a:noFill/>
-          </a:ln>
-        </p:spPr>
-        <p:style>
-          <a:lnRef idx="2">
-            <a:schemeClr val="accent1">
-              <a:shade val="50000"/>
-            </a:schemeClr>
-          </a:lnRef>
-          <a:fillRef idx="1">
-            <a:schemeClr val="accent1"/>
-          </a:fillRef>
-          <a:effectRef idx="0">
-            <a:schemeClr val="accent1"/>
-          </a:effectRef>
-          <a:fontRef idx="minor">
-            <a:schemeClr val="lt1"/>
-          </a:fontRef>
-        </p:style>
-        <p:txBody>
-          <a:bodyPr rtlCol="0" anchor="ctr"/>
-          <a:lstStyle/>
-          <a:p>
-            <a:pPr algn="ctr"/>
-            <a:endParaRPr lang="ko-KR" altLang="en-US">
-              <a:solidFill>
-                <a:schemeClr val="tx1"/>
-              </a:solidFill>
-            </a:endParaRPr>
+          <a:noFill/>
+        </p:spPr>
+        <p:txBody>
+          <a:bodyPr wrap="square" rtlCol="0">
+            <a:spAutoFit/>
+          </a:bodyPr>
+          <a:lstStyle/>
+          <a:p>
+            <a:r>
+              <a:rPr lang="ko-KR" altLang="en-US" dirty="0" smtClean="0"/>
+              <a:t>이상치 확인</a:t>
+            </a:r>
+            <a:endParaRPr lang="en-US" altLang="ko-KR" dirty="0" smtClean="0"/>
+          </a:p>
+          <a:p>
+            <a:r>
+              <a:rPr lang="ko-KR" altLang="en-US" dirty="0" err="1" smtClean="0"/>
+              <a:t>결측치</a:t>
+            </a:r>
+            <a:r>
+              <a:rPr lang="ko-KR" altLang="en-US" dirty="0" smtClean="0"/>
+              <a:t> 확인</a:t>
+            </a:r>
+            <a:endParaRPr lang="en-US" altLang="ko-KR" dirty="0" smtClean="0"/>
+          </a:p>
+          <a:p>
+            <a:r>
+              <a:rPr lang="ko-KR" altLang="en-US" dirty="0" smtClean="0"/>
+              <a:t>데이터 결합</a:t>
+            </a:r>
+            <a:endParaRPr lang="ko-KR" altLang="en-US" dirty="0"/>
           </a:p>
         </p:txBody>
       </p:sp>
     </p:spTree>
     <p:extLst>
       <p:ext uri="{BB962C8B-B14F-4D97-AF65-F5344CB8AC3E}">
-        <p14:creationId xmlns:p14="http://schemas.microsoft.com/office/powerpoint/2010/main" val="1175614737"/>
+        <p14:creationId xmlns:p14="http://schemas.microsoft.com/office/powerpoint/2010/main" val="2852344500"/>
       </p:ext>
     </p:extLst>
   </p:cSld>
@@ -8884,150 +9564,46 @@
           <a:p>
             <a:r>
               <a:rPr lang="ko-KR" altLang="en-US" dirty="0" smtClean="0"/>
-              <a:t>데이터 결합</a:t>
+              <a:t>데이터 요약</a:t>
             </a:r>
             <a:endParaRPr lang="ko-KR" altLang="en-US" dirty="0"/>
           </a:p>
         </p:txBody>
       </p:sp>
-      <p:pic>
-        <p:nvPicPr>
-          <p:cNvPr id="3" name="그림 2"/>
-          <p:cNvPicPr>
-            <a:picLocks noChangeAspect="1"/>
-          </p:cNvPicPr>
+      <p:sp>
+        <p:nvSpPr>
+          <p:cNvPr id="3" name="TextBox 2"/>
+          <p:cNvSpPr txBox="1"/>
           <p:nvPr/>
-        </p:nvPicPr>
-        <p:blipFill>
-          <a:blip r:embed="rId2">
-            <a:extLst>
-              <a:ext uri="{28A0092B-C50C-407E-A947-70E740481C1C}">
-                <a14:useLocalDpi xmlns:a14="http://schemas.microsoft.com/office/drawing/2010/main" val="0"/>
-              </a:ext>
-            </a:extLst>
-          </a:blip>
-          <a:stretch>
-            <a:fillRect/>
-          </a:stretch>
-        </p:blipFill>
-        <p:spPr>
-          <a:xfrm>
-            <a:off x="310865" y="3081828"/>
-            <a:ext cx="11570270" cy="2113567"/>
+        </p:nvSpPr>
+        <p:spPr>
+          <a:xfrm>
+            <a:off x="546371" y="1733786"/>
+            <a:ext cx="10724827" cy="369332"/>
           </a:xfrm>
           <a:prstGeom prst="rect">
             <a:avLst/>
           </a:prstGeom>
-        </p:spPr>
-      </p:pic>
-      <p:sp>
-        <p:nvSpPr>
-          <p:cNvPr id="4" name="액자 3"/>
-          <p:cNvSpPr/>
-          <p:nvPr/>
-        </p:nvSpPr>
-        <p:spPr>
-          <a:xfrm>
-            <a:off x="9610927" y="2955151"/>
-            <a:ext cx="2422188" cy="2366919"/>
-          </a:xfrm>
-          <a:prstGeom prst="frame">
-            <a:avLst>
-              <a:gd name="adj1" fmla="val 6310"/>
-            </a:avLst>
-          </a:prstGeom>
-          <a:solidFill>
-            <a:srgbClr val="FF0000"/>
-          </a:solidFill>
-          <a:ln>
-            <a:noFill/>
-          </a:ln>
-        </p:spPr>
-        <p:style>
-          <a:lnRef idx="2">
-            <a:schemeClr val="accent1">
-              <a:shade val="50000"/>
-            </a:schemeClr>
-          </a:lnRef>
-          <a:fillRef idx="1">
-            <a:schemeClr val="accent1"/>
-          </a:fillRef>
-          <a:effectRef idx="0">
-            <a:schemeClr val="accent1"/>
-          </a:effectRef>
-          <a:fontRef idx="minor">
-            <a:schemeClr val="lt1"/>
-          </a:fontRef>
-        </p:style>
-        <p:txBody>
-          <a:bodyPr rtlCol="0" anchor="ctr"/>
-          <a:lstStyle/>
-          <a:p>
-            <a:pPr algn="ctr"/>
-            <a:endParaRPr lang="ko-KR" altLang="en-US">
-              <a:solidFill>
-                <a:schemeClr val="tx1"/>
-              </a:solidFill>
-            </a:endParaRPr>
-          </a:p>
-        </p:txBody>
-      </p:sp>
-      <p:sp>
-        <p:nvSpPr>
-          <p:cNvPr id="5" name="액자 4"/>
-          <p:cNvSpPr/>
-          <p:nvPr/>
-        </p:nvSpPr>
-        <p:spPr>
-          <a:xfrm>
-            <a:off x="6434022" y="2997377"/>
-            <a:ext cx="1318922" cy="2282468"/>
-          </a:xfrm>
-          <a:prstGeom prst="frame">
-            <a:avLst>
-              <a:gd name="adj1" fmla="val 7683"/>
-            </a:avLst>
-          </a:prstGeom>
-          <a:solidFill>
-            <a:srgbClr val="FF0000"/>
-          </a:solidFill>
-          <a:ln>
-            <a:noFill/>
-          </a:ln>
-        </p:spPr>
-        <p:style>
-          <a:lnRef idx="2">
-            <a:schemeClr val="accent1">
-              <a:shade val="50000"/>
-            </a:schemeClr>
-          </a:lnRef>
-          <a:fillRef idx="1">
-            <a:schemeClr val="accent1"/>
-          </a:fillRef>
-          <a:effectRef idx="0">
-            <a:schemeClr val="accent1"/>
-          </a:effectRef>
-          <a:fontRef idx="minor">
-            <a:schemeClr val="lt1"/>
-          </a:fontRef>
-        </p:style>
-        <p:txBody>
-          <a:bodyPr rtlCol="0" anchor="ctr"/>
-          <a:lstStyle/>
-          <a:p>
-            <a:pPr algn="ctr"/>
-            <a:endParaRPr lang="ko-KR" altLang="en-US">
-              <a:solidFill>
-                <a:schemeClr val="tx1"/>
-              </a:solidFill>
-            </a:endParaRPr>
+          <a:noFill/>
+        </p:spPr>
+        <p:txBody>
+          <a:bodyPr wrap="square" rtlCol="0">
+            <a:spAutoFit/>
+          </a:bodyPr>
+          <a:lstStyle/>
+          <a:p>
+            <a:r>
+              <a:rPr lang="ko-KR" altLang="en-US" dirty="0" smtClean="0"/>
+              <a:t>표로 정리</a:t>
+            </a:r>
+            <a:endParaRPr lang="ko-KR" altLang="en-US" dirty="0"/>
           </a:p>
         </p:txBody>
       </p:sp>
     </p:spTree>
     <p:extLst>
       <p:ext uri="{BB962C8B-B14F-4D97-AF65-F5344CB8AC3E}">
-        <p14:creationId xmlns:p14="http://schemas.microsoft.com/office/powerpoint/2010/main" val="2656117148"/>
+        <p14:creationId xmlns:p14="http://schemas.microsoft.com/office/powerpoint/2010/main" val="3977653906"/>
       </p:ext>
     </p:extLst>
   </p:cSld>
@@ -9070,24 +9646,20 @@
           <a:lstStyle/>
           <a:p>
             <a:r>
-              <a:rPr lang="en-US" altLang="ko-KR" dirty="0" err="1" smtClean="0"/>
-              <a:t>logData</a:t>
+              <a:rPr lang="ko-KR" altLang="en-US" dirty="0" smtClean="0"/>
+              <a:t>데이터 결합</a:t>
             </a:r>
             <a:r>
               <a:rPr lang="en-US" altLang="ko-KR" dirty="0" smtClean="0"/>
               <a:t> </a:t>
             </a:r>
-            <a:r>
-              <a:rPr lang="ko-KR" altLang="en-US" dirty="0" smtClean="0"/>
-              <a:t>가공</a:t>
-            </a:r>
             <a:endParaRPr lang="ko-KR" altLang="en-US" dirty="0"/>
           </a:p>
         </p:txBody>
       </p:sp>
       <p:pic>
         <p:nvPicPr>
-          <p:cNvPr id="4" name="그림 3"/>
+          <p:cNvPr id="3" name="그림 2"/>
           <p:cNvPicPr>
             <a:picLocks noChangeAspect="1"/>
           </p:cNvPicPr>
@@ -9107,58 +9679,28 @@
         </p:blipFill>
         <p:spPr>
           <a:xfrm>
-            <a:off x="1148036" y="2410035"/>
-            <a:ext cx="4487350" cy="3205250"/>
+            <a:off x="822787" y="2765780"/>
+            <a:ext cx="10546427" cy="2212361"/>
           </a:xfrm>
           <a:prstGeom prst="rect">
             <a:avLst/>
           </a:prstGeom>
         </p:spPr>
       </p:pic>
-      <p:pic>
-        <p:nvPicPr>
-          <p:cNvPr id="5" name="그림 4"/>
-          <p:cNvPicPr>
-            <a:picLocks noChangeAspect="1"/>
-          </p:cNvPicPr>
-          <p:nvPr/>
-        </p:nvPicPr>
-        <p:blipFill>
-          <a:blip r:embed="rId3">
-            <a:extLst>
-              <a:ext uri="{28A0092B-C50C-407E-A947-70E740481C1C}">
-                <a14:useLocalDpi xmlns:a14="http://schemas.microsoft.com/office/drawing/2010/main" val="0"/>
-              </a:ext>
-            </a:extLst>
-          </a:blip>
-          <a:stretch>
-            <a:fillRect/>
-          </a:stretch>
-        </p:blipFill>
-        <p:spPr>
-          <a:xfrm>
-            <a:off x="7170624" y="1329464"/>
-            <a:ext cx="3891347" cy="5169318"/>
-          </a:xfrm>
-          <a:prstGeom prst="rect">
-            <a:avLst/>
-          </a:prstGeom>
-        </p:spPr>
-      </p:pic>
-      <p:sp>
-        <p:nvSpPr>
-          <p:cNvPr id="6" name="액자 5"/>
+      <p:sp>
+        <p:nvSpPr>
+          <p:cNvPr id="4" name="액자 3"/>
           <p:cNvSpPr/>
           <p:nvPr/>
         </p:nvSpPr>
         <p:spPr>
           <a:xfrm>
-            <a:off x="3039068" y="2987649"/>
-            <a:ext cx="1591297" cy="562946"/>
+            <a:off x="9435829" y="2655650"/>
+            <a:ext cx="2052537" cy="2451371"/>
           </a:xfrm>
           <a:prstGeom prst="frame">
             <a:avLst>
-              <a:gd name="adj1" fmla="val 7683"/>
+              <a:gd name="adj1" fmla="val 6310"/>
             </a:avLst>
           </a:prstGeom>
           <a:solidFill>
@@ -9199,21 +9741,18 @@
       </p:sp>
       <p:sp>
         <p:nvSpPr>
-          <p:cNvPr id="7" name="굽은 화살표 6"/>
+          <p:cNvPr id="5" name="액자 4"/>
           <p:cNvSpPr/>
           <p:nvPr/>
         </p:nvSpPr>
         <p:spPr>
           <a:xfrm>
-            <a:off x="4336744" y="1329464"/>
-            <a:ext cx="2706082" cy="1658185"/>
-          </a:xfrm>
-          <a:prstGeom prst="bentArrow">
+            <a:off x="3077980" y="2655650"/>
+            <a:ext cx="667169" cy="2451371"/>
+          </a:xfrm>
+          <a:prstGeom prst="frame">
             <a:avLst>
-              <a:gd name="adj1" fmla="val 9025"/>
-              <a:gd name="adj2" fmla="val 21187"/>
-              <a:gd name="adj3" fmla="val 25000"/>
-              <a:gd name="adj4" fmla="val 43750"/>
+              <a:gd name="adj1" fmla="val 15058"/>
             </a:avLst>
           </a:prstGeom>
           <a:solidFill>
@@ -9255,7 +9794,7 @@
     </p:spTree>
     <p:extLst>
       <p:ext uri="{BB962C8B-B14F-4D97-AF65-F5344CB8AC3E}">
-        <p14:creationId xmlns:p14="http://schemas.microsoft.com/office/powerpoint/2010/main" val="1441892065"/>
+        <p14:creationId xmlns:p14="http://schemas.microsoft.com/office/powerpoint/2010/main" val="1175614737"/>
       </p:ext>
     </p:extLst>
   </p:cSld>

--- a/churn/회원탈퇴예측프로젝트.pptx
+++ b/churn/회원탈퇴예측프로젝트.pptx
@@ -12,37 +12,39 @@
     <p:sldId id="269" r:id="rId6"/>
     <p:sldId id="267" r:id="rId7"/>
     <p:sldId id="295" r:id="rId8"/>
-    <p:sldId id="296" r:id="rId9"/>
-    <p:sldId id="270" r:id="rId10"/>
-    <p:sldId id="271" r:id="rId11"/>
-    <p:sldId id="272" r:id="rId12"/>
-    <p:sldId id="273" r:id="rId13"/>
-    <p:sldId id="274" r:id="rId14"/>
-    <p:sldId id="275" r:id="rId15"/>
+    <p:sldId id="270" r:id="rId9"/>
+    <p:sldId id="271" r:id="rId10"/>
+    <p:sldId id="272" r:id="rId11"/>
+    <p:sldId id="273" r:id="rId12"/>
+    <p:sldId id="274" r:id="rId13"/>
+    <p:sldId id="275" r:id="rId14"/>
+    <p:sldId id="296" r:id="rId15"/>
     <p:sldId id="260" r:id="rId16"/>
     <p:sldId id="262" r:id="rId17"/>
     <p:sldId id="263" r:id="rId18"/>
     <p:sldId id="264" r:id="rId19"/>
-    <p:sldId id="276" r:id="rId20"/>
-    <p:sldId id="277" r:id="rId21"/>
-    <p:sldId id="278" r:id="rId22"/>
-    <p:sldId id="279" r:id="rId23"/>
-    <p:sldId id="280" r:id="rId24"/>
-    <p:sldId id="281" r:id="rId25"/>
-    <p:sldId id="282" r:id="rId26"/>
-    <p:sldId id="283" r:id="rId27"/>
-    <p:sldId id="284" r:id="rId28"/>
-    <p:sldId id="285" r:id="rId29"/>
-    <p:sldId id="265" r:id="rId30"/>
-    <p:sldId id="286" r:id="rId31"/>
-    <p:sldId id="287" r:id="rId32"/>
-    <p:sldId id="288" r:id="rId33"/>
-    <p:sldId id="290" r:id="rId34"/>
-    <p:sldId id="289" r:id="rId35"/>
-    <p:sldId id="291" r:id="rId36"/>
-    <p:sldId id="292" r:id="rId37"/>
-    <p:sldId id="293" r:id="rId38"/>
-    <p:sldId id="294" r:id="rId39"/>
+    <p:sldId id="297" r:id="rId20"/>
+    <p:sldId id="276" r:id="rId21"/>
+    <p:sldId id="277" r:id="rId22"/>
+    <p:sldId id="278" r:id="rId23"/>
+    <p:sldId id="279" r:id="rId24"/>
+    <p:sldId id="280" r:id="rId25"/>
+    <p:sldId id="281" r:id="rId26"/>
+    <p:sldId id="282" r:id="rId27"/>
+    <p:sldId id="283" r:id="rId28"/>
+    <p:sldId id="284" r:id="rId29"/>
+    <p:sldId id="285" r:id="rId30"/>
+    <p:sldId id="298" r:id="rId31"/>
+    <p:sldId id="265" r:id="rId32"/>
+    <p:sldId id="286" r:id="rId33"/>
+    <p:sldId id="287" r:id="rId34"/>
+    <p:sldId id="288" r:id="rId35"/>
+    <p:sldId id="290" r:id="rId36"/>
+    <p:sldId id="289" r:id="rId37"/>
+    <p:sldId id="291" r:id="rId38"/>
+    <p:sldId id="292" r:id="rId39"/>
+    <p:sldId id="293" r:id="rId40"/>
+    <p:sldId id="294" r:id="rId41"/>
   </p:sldIdLst>
   <p:sldSz cx="12192000" cy="6858000"/>
   <p:notesSz cx="6858000" cy="9144000"/>
@@ -280,7 +282,7 @@
           <a:p>
             <a:fld id="{E392EA38-E544-43FD-8860-D139666306A2}" type="datetimeFigureOut">
               <a:rPr lang="ko-KR" altLang="en-US" smtClean="0"/>
-              <a:t>2024-09-09</a:t>
+              <a:t>2024-09-11</a:t>
             </a:fld>
             <a:endParaRPr lang="ko-KR" altLang="en-US"/>
           </a:p>
@@ -450,7 +452,7 @@
           <a:p>
             <a:fld id="{E392EA38-E544-43FD-8860-D139666306A2}" type="datetimeFigureOut">
               <a:rPr lang="ko-KR" altLang="en-US" smtClean="0"/>
-              <a:t>2024-09-09</a:t>
+              <a:t>2024-09-11</a:t>
             </a:fld>
             <a:endParaRPr lang="ko-KR" altLang="en-US"/>
           </a:p>
@@ -630,7 +632,7 @@
           <a:p>
             <a:fld id="{E392EA38-E544-43FD-8860-D139666306A2}" type="datetimeFigureOut">
               <a:rPr lang="ko-KR" altLang="en-US" smtClean="0"/>
-              <a:t>2024-09-09</a:t>
+              <a:t>2024-09-11</a:t>
             </a:fld>
             <a:endParaRPr lang="ko-KR" altLang="en-US"/>
           </a:p>
@@ -800,7 +802,7 @@
           <a:p>
             <a:fld id="{E392EA38-E544-43FD-8860-D139666306A2}" type="datetimeFigureOut">
               <a:rPr lang="ko-KR" altLang="en-US" smtClean="0"/>
-              <a:t>2024-09-09</a:t>
+              <a:t>2024-09-11</a:t>
             </a:fld>
             <a:endParaRPr lang="ko-KR" altLang="en-US"/>
           </a:p>
@@ -1046,7 +1048,7 @@
           <a:p>
             <a:fld id="{E392EA38-E544-43FD-8860-D139666306A2}" type="datetimeFigureOut">
               <a:rPr lang="ko-KR" altLang="en-US" smtClean="0"/>
-              <a:t>2024-09-09</a:t>
+              <a:t>2024-09-11</a:t>
             </a:fld>
             <a:endParaRPr lang="ko-KR" altLang="en-US"/>
           </a:p>
@@ -1278,7 +1280,7 @@
           <a:p>
             <a:fld id="{E392EA38-E544-43FD-8860-D139666306A2}" type="datetimeFigureOut">
               <a:rPr lang="ko-KR" altLang="en-US" smtClean="0"/>
-              <a:t>2024-09-09</a:t>
+              <a:t>2024-09-11</a:t>
             </a:fld>
             <a:endParaRPr lang="ko-KR" altLang="en-US"/>
           </a:p>
@@ -1645,7 +1647,7 @@
           <a:p>
             <a:fld id="{E392EA38-E544-43FD-8860-D139666306A2}" type="datetimeFigureOut">
               <a:rPr lang="ko-KR" altLang="en-US" smtClean="0"/>
-              <a:t>2024-09-09</a:t>
+              <a:t>2024-09-11</a:t>
             </a:fld>
             <a:endParaRPr lang="ko-KR" altLang="en-US"/>
           </a:p>
@@ -1772,7 +1774,7 @@
           <a:p>
             <a:fld id="{E392EA38-E544-43FD-8860-D139666306A2}" type="datetimeFigureOut">
               <a:rPr lang="ko-KR" altLang="en-US" smtClean="0"/>
-              <a:t>2024-09-09</a:t>
+              <a:t>2024-09-11</a:t>
             </a:fld>
             <a:endParaRPr lang="ko-KR" altLang="en-US"/>
           </a:p>
@@ -1867,7 +1869,7 @@
           <a:p>
             <a:fld id="{E392EA38-E544-43FD-8860-D139666306A2}" type="datetimeFigureOut">
               <a:rPr lang="ko-KR" altLang="en-US" smtClean="0"/>
-              <a:t>2024-09-09</a:t>
+              <a:t>2024-09-11</a:t>
             </a:fld>
             <a:endParaRPr lang="ko-KR" altLang="en-US"/>
           </a:p>
@@ -2144,7 +2146,7 @@
           <a:p>
             <a:fld id="{E392EA38-E544-43FD-8860-D139666306A2}" type="datetimeFigureOut">
               <a:rPr lang="ko-KR" altLang="en-US" smtClean="0"/>
-              <a:t>2024-09-09</a:t>
+              <a:t>2024-09-11</a:t>
             </a:fld>
             <a:endParaRPr lang="ko-KR" altLang="en-US"/>
           </a:p>
@@ -2397,7 +2399,7 @@
           <a:p>
             <a:fld id="{E392EA38-E544-43FD-8860-D139666306A2}" type="datetimeFigureOut">
               <a:rPr lang="ko-KR" altLang="en-US" smtClean="0"/>
-              <a:t>2024-09-09</a:t>
+              <a:t>2024-09-11</a:t>
             </a:fld>
             <a:endParaRPr lang="ko-KR" altLang="en-US"/>
           </a:p>
@@ -2610,7 +2612,7 @@
           <a:p>
             <a:fld id="{E392EA38-E544-43FD-8860-D139666306A2}" type="datetimeFigureOut">
               <a:rPr lang="ko-KR" altLang="en-US" smtClean="0"/>
-              <a:t>2024-09-09</a:t>
+              <a:t>2024-09-11</a:t>
             </a:fld>
             <a:endParaRPr lang="ko-KR" altLang="en-US"/>
           </a:p>
@@ -3373,8 +3375,16 @@
           <a:lstStyle/>
           <a:p>
             <a:r>
+              <a:rPr lang="en-US" altLang="ko-KR" dirty="0" err="1" smtClean="0"/>
+              <a:t>logData</a:t>
+            </a:r>
+            <a:r>
+              <a:rPr lang="en-US" altLang="ko-KR" dirty="0" smtClean="0"/>
+              <a:t> </a:t>
+            </a:r>
+            <a:r>
               <a:rPr lang="ko-KR" altLang="en-US" dirty="0" smtClean="0"/>
-              <a:t>데이터 결합</a:t>
+              <a:t>가공</a:t>
             </a:r>
             <a:endParaRPr lang="ko-KR" altLang="en-US" dirty="0"/>
           </a:p>
@@ -3382,7 +3392,7 @@
       </p:sp>
       <p:pic>
         <p:nvPicPr>
-          <p:cNvPr id="3" name="그림 2"/>
+          <p:cNvPr id="4" name="그림 3"/>
           <p:cNvPicPr>
             <a:picLocks noChangeAspect="1"/>
           </p:cNvPicPr>
@@ -3402,28 +3412,58 @@
         </p:blipFill>
         <p:spPr>
           <a:xfrm>
-            <a:off x="310865" y="3081828"/>
-            <a:ext cx="11570270" cy="2113567"/>
+            <a:off x="1148036" y="2410035"/>
+            <a:ext cx="4487350" cy="3205250"/>
           </a:xfrm>
           <a:prstGeom prst="rect">
             <a:avLst/>
           </a:prstGeom>
         </p:spPr>
       </p:pic>
-      <p:sp>
-        <p:nvSpPr>
-          <p:cNvPr id="4" name="액자 3"/>
+      <p:pic>
+        <p:nvPicPr>
+          <p:cNvPr id="5" name="그림 4"/>
+          <p:cNvPicPr>
+            <a:picLocks noChangeAspect="1"/>
+          </p:cNvPicPr>
+          <p:nvPr/>
+        </p:nvPicPr>
+        <p:blipFill>
+          <a:blip r:embed="rId3">
+            <a:extLst>
+              <a:ext uri="{28A0092B-C50C-407E-A947-70E740481C1C}">
+                <a14:useLocalDpi xmlns:a14="http://schemas.microsoft.com/office/drawing/2010/main" val="0"/>
+              </a:ext>
+            </a:extLst>
+          </a:blip>
+          <a:stretch>
+            <a:fillRect/>
+          </a:stretch>
+        </p:blipFill>
+        <p:spPr>
+          <a:xfrm>
+            <a:off x="7170624" y="1329464"/>
+            <a:ext cx="3891347" cy="5169318"/>
+          </a:xfrm>
+          <a:prstGeom prst="rect">
+            <a:avLst/>
+          </a:prstGeom>
+        </p:spPr>
+      </p:pic>
+      <p:sp>
+        <p:nvSpPr>
+          <p:cNvPr id="6" name="액자 5"/>
           <p:cNvSpPr/>
           <p:nvPr/>
         </p:nvSpPr>
         <p:spPr>
           <a:xfrm>
-            <a:off x="9610927" y="2955151"/>
-            <a:ext cx="2422188" cy="2366919"/>
+            <a:off x="3039068" y="2987649"/>
+            <a:ext cx="1591297" cy="562946"/>
           </a:xfrm>
           <a:prstGeom prst="frame">
             <a:avLst>
-              <a:gd name="adj1" fmla="val 6310"/>
+              <a:gd name="adj1" fmla="val 7683"/>
             </a:avLst>
           </a:prstGeom>
           <a:solidFill>
@@ -3464,18 +3504,21 @@
       </p:sp>
       <p:sp>
         <p:nvSpPr>
-          <p:cNvPr id="5" name="액자 4"/>
+          <p:cNvPr id="7" name="굽은 화살표 6"/>
           <p:cNvSpPr/>
           <p:nvPr/>
         </p:nvSpPr>
         <p:spPr>
           <a:xfrm>
-            <a:off x="6434022" y="2997377"/>
-            <a:ext cx="1318922" cy="2282468"/>
-          </a:xfrm>
-          <a:prstGeom prst="frame">
+            <a:off x="4336744" y="1329464"/>
+            <a:ext cx="2706082" cy="1658185"/>
+          </a:xfrm>
+          <a:prstGeom prst="bentArrow">
             <a:avLst>
-              <a:gd name="adj1" fmla="val 7683"/>
+              <a:gd name="adj1" fmla="val 9025"/>
+              <a:gd name="adj2" fmla="val 21187"/>
+              <a:gd name="adj3" fmla="val 25000"/>
+              <a:gd name="adj4" fmla="val 43750"/>
             </a:avLst>
           </a:prstGeom>
           <a:solidFill>
@@ -3517,7 +3560,7 @@
     </p:spTree>
     <p:extLst>
       <p:ext uri="{BB962C8B-B14F-4D97-AF65-F5344CB8AC3E}">
-        <p14:creationId xmlns:p14="http://schemas.microsoft.com/office/powerpoint/2010/main" val="2656117148"/>
+        <p14:creationId xmlns:p14="http://schemas.microsoft.com/office/powerpoint/2010/main" val="1441892065"/>
       </p:ext>
     </p:extLst>
   </p:cSld>
@@ -3560,16 +3603,16 @@
           <a:lstStyle/>
           <a:p>
             <a:r>
-              <a:rPr lang="en-US" altLang="ko-KR" dirty="0" err="1" smtClean="0"/>
-              <a:t>logData</a:t>
+              <a:rPr lang="ko-KR" altLang="en-US" dirty="0" smtClean="0"/>
+              <a:t>최근 </a:t>
             </a:r>
             <a:r>
               <a:rPr lang="en-US" altLang="ko-KR" dirty="0" smtClean="0"/>
-              <a:t> </a:t>
+              <a:t>1</a:t>
             </a:r>
             <a:r>
               <a:rPr lang="ko-KR" altLang="en-US" dirty="0" smtClean="0"/>
-              <a:t>가공</a:t>
+              <a:t>년 간 통계</a:t>
             </a:r>
             <a:endParaRPr lang="ko-KR" altLang="en-US" dirty="0"/>
           </a:p>
@@ -3577,13 +3620,13 @@
       </p:sp>
       <p:pic>
         <p:nvPicPr>
-          <p:cNvPr id="4" name="그림 3"/>
+          <p:cNvPr id="3" name="그림 2"/>
           <p:cNvPicPr>
             <a:picLocks noChangeAspect="1"/>
           </p:cNvPicPr>
           <p:nvPr/>
         </p:nvPicPr>
-        <p:blipFill>
+        <p:blipFill rotWithShape="1">
           <a:blip r:embed="rId2">
             <a:extLst>
               <a:ext uri="{28A0092B-C50C-407E-A947-70E740481C1C}">
@@ -3591,14 +3634,13 @@
               </a:ext>
             </a:extLst>
           </a:blip>
-          <a:stretch>
-            <a:fillRect/>
-          </a:stretch>
+          <a:srcRect l="73902" r="534" b="67938"/>
+          <a:stretch/>
         </p:blipFill>
         <p:spPr>
           <a:xfrm>
-            <a:off x="1148036" y="2410035"/>
-            <a:ext cx="4487350" cy="3205250"/>
+            <a:off x="6271098" y="3282345"/>
+            <a:ext cx="5431277" cy="960316"/>
           </a:xfrm>
           <a:prstGeom prst="rect">
             <a:avLst/>
@@ -3607,7 +3649,7 @@
       </p:pic>
       <p:pic>
         <p:nvPicPr>
-          <p:cNvPr id="5" name="그림 4"/>
+          <p:cNvPr id="4" name="그림 3"/>
           <p:cNvPicPr>
             <a:picLocks noChangeAspect="1"/>
           </p:cNvPicPr>
@@ -3627,7 +3669,7 @@
         </p:blipFill>
         <p:spPr>
           <a:xfrm>
-            <a:off x="7170624" y="1329464"/>
+            <a:off x="818462" y="1462439"/>
             <a:ext cx="3891347" cy="5169318"/>
           </a:xfrm>
           <a:prstGeom prst="rect">
@@ -3637,19 +3679,17 @@
       </p:pic>
       <p:sp>
         <p:nvSpPr>
-          <p:cNvPr id="6" name="액자 5"/>
+          <p:cNvPr id="5" name="오른쪽 화살표 4"/>
           <p:cNvSpPr/>
           <p:nvPr/>
         </p:nvSpPr>
         <p:spPr>
           <a:xfrm>
-            <a:off x="3039068" y="2987649"/>
-            <a:ext cx="1591297" cy="562946"/>
-          </a:xfrm>
-          <a:prstGeom prst="frame">
-            <a:avLst>
-              <a:gd name="adj1" fmla="val 7683"/>
-            </a:avLst>
+            <a:off x="4897066" y="3463357"/>
+            <a:ext cx="1186774" cy="598292"/>
+          </a:xfrm>
+          <a:prstGeom prst="rightArrow">
+            <a:avLst/>
           </a:prstGeom>
           <a:solidFill>
             <a:srgbClr val="FF0000"/>
@@ -3679,73 +3719,14 @@
           <a:lstStyle/>
           <a:p>
             <a:pPr algn="ctr"/>
-            <a:endParaRPr lang="ko-KR" altLang="en-US">
-              <a:solidFill>
-                <a:schemeClr val="tx1"/>
-              </a:solidFill>
-            </a:endParaRPr>
-          </a:p>
-        </p:txBody>
-      </p:sp>
-      <p:sp>
-        <p:nvSpPr>
-          <p:cNvPr id="7" name="굽은 화살표 6"/>
-          <p:cNvSpPr/>
-          <p:nvPr/>
-        </p:nvSpPr>
-        <p:spPr>
-          <a:xfrm>
-            <a:off x="4336744" y="1329464"/>
-            <a:ext cx="2706082" cy="1658185"/>
-          </a:xfrm>
-          <a:prstGeom prst="bentArrow">
-            <a:avLst>
-              <a:gd name="adj1" fmla="val 9025"/>
-              <a:gd name="adj2" fmla="val 21187"/>
-              <a:gd name="adj3" fmla="val 25000"/>
-              <a:gd name="adj4" fmla="val 43750"/>
-            </a:avLst>
-          </a:prstGeom>
-          <a:solidFill>
-            <a:srgbClr val="FF0000"/>
-          </a:solidFill>
-          <a:ln>
-            <a:noFill/>
-          </a:ln>
-        </p:spPr>
-        <p:style>
-          <a:lnRef idx="2">
-            <a:schemeClr val="accent1">
-              <a:shade val="50000"/>
-            </a:schemeClr>
-          </a:lnRef>
-          <a:fillRef idx="1">
-            <a:schemeClr val="accent1"/>
-          </a:fillRef>
-          <a:effectRef idx="0">
-            <a:schemeClr val="accent1"/>
-          </a:effectRef>
-          <a:fontRef idx="minor">
-            <a:schemeClr val="lt1"/>
-          </a:fontRef>
-        </p:style>
-        <p:txBody>
-          <a:bodyPr rtlCol="0" anchor="ctr"/>
-          <a:lstStyle/>
-          <a:p>
-            <a:pPr algn="ctr"/>
-            <a:endParaRPr lang="ko-KR" altLang="en-US">
-              <a:solidFill>
-                <a:schemeClr val="tx1"/>
-              </a:solidFill>
-            </a:endParaRPr>
+            <a:endParaRPr lang="ko-KR" altLang="en-US"/>
           </a:p>
         </p:txBody>
       </p:sp>
     </p:spTree>
     <p:extLst>
       <p:ext uri="{BB962C8B-B14F-4D97-AF65-F5344CB8AC3E}">
-        <p14:creationId xmlns:p14="http://schemas.microsoft.com/office/powerpoint/2010/main" val="1441892065"/>
+        <p14:creationId xmlns:p14="http://schemas.microsoft.com/office/powerpoint/2010/main" val="154683522"/>
       </p:ext>
     </p:extLst>
   </p:cSld>
@@ -3789,129 +3770,187 @@
           <a:p>
             <a:r>
               <a:rPr lang="ko-KR" altLang="en-US" dirty="0" smtClean="0"/>
-              <a:t>최근 </a:t>
-            </a:r>
-            <a:r>
-              <a:rPr lang="en-US" altLang="ko-KR" dirty="0" smtClean="0"/>
-              <a:t>1</a:t>
-            </a:r>
-            <a:r>
-              <a:rPr lang="ko-KR" altLang="en-US" dirty="0" smtClean="0"/>
-              <a:t>년 간 통계</a:t>
+              <a:t>멤버십 기간 계산</a:t>
             </a:r>
             <a:endParaRPr lang="ko-KR" altLang="en-US" dirty="0"/>
           </a:p>
         </p:txBody>
       </p:sp>
-      <p:pic>
-        <p:nvPicPr>
-          <p:cNvPr id="3" name="그림 2"/>
-          <p:cNvPicPr>
-            <a:picLocks noChangeAspect="1"/>
-          </p:cNvPicPr>
+      <p:grpSp>
+        <p:nvGrpSpPr>
+          <p:cNvPr id="7" name="그룹 6"/>
+          <p:cNvGrpSpPr/>
           <p:nvPr/>
-        </p:nvPicPr>
-        <p:blipFill rotWithShape="1">
-          <a:blip r:embed="rId2">
-            <a:extLst>
-              <a:ext uri="{28A0092B-C50C-407E-A947-70E740481C1C}">
-                <a14:useLocalDpi xmlns:a14="http://schemas.microsoft.com/office/drawing/2010/main" val="0"/>
-              </a:ext>
-            </a:extLst>
-          </a:blip>
-          <a:srcRect l="73902" r="534" b="67938"/>
-          <a:stretch/>
-        </p:blipFill>
-        <p:spPr>
-          <a:xfrm>
-            <a:off x="6271098" y="3282345"/>
-            <a:ext cx="5431277" cy="960316"/>
-          </a:xfrm>
-          <a:prstGeom prst="rect">
-            <a:avLst/>
-          </a:prstGeom>
-        </p:spPr>
-      </p:pic>
-      <p:pic>
-        <p:nvPicPr>
-          <p:cNvPr id="4" name="그림 3"/>
-          <p:cNvPicPr>
-            <a:picLocks noChangeAspect="1"/>
-          </p:cNvPicPr>
-          <p:nvPr/>
-        </p:nvPicPr>
-        <p:blipFill>
-          <a:blip r:embed="rId3">
-            <a:extLst>
-              <a:ext uri="{28A0092B-C50C-407E-A947-70E740481C1C}">
-                <a14:useLocalDpi xmlns:a14="http://schemas.microsoft.com/office/drawing/2010/main" val="0"/>
-              </a:ext>
-            </a:extLst>
-          </a:blip>
-          <a:stretch>
-            <a:fillRect/>
-          </a:stretch>
-        </p:blipFill>
-        <p:spPr>
-          <a:xfrm>
-            <a:off x="818462" y="1462439"/>
-            <a:ext cx="3891347" cy="5169318"/>
-          </a:xfrm>
-          <a:prstGeom prst="rect">
-            <a:avLst/>
-          </a:prstGeom>
-        </p:spPr>
-      </p:pic>
-      <p:sp>
-        <p:nvSpPr>
-          <p:cNvPr id="5" name="오른쪽 화살표 4"/>
-          <p:cNvSpPr/>
-          <p:nvPr/>
-        </p:nvSpPr>
-        <p:spPr>
-          <a:xfrm>
-            <a:off x="4897066" y="3463357"/>
-            <a:ext cx="1186774" cy="598292"/>
-          </a:xfrm>
-          <a:prstGeom prst="rightArrow">
-            <a:avLst/>
-          </a:prstGeom>
-          <a:solidFill>
-            <a:srgbClr val="FF0000"/>
-          </a:solidFill>
-          <a:ln>
-            <a:noFill/>
-          </a:ln>
-        </p:spPr>
-        <p:style>
-          <a:lnRef idx="2">
-            <a:schemeClr val="accent1">
-              <a:shade val="50000"/>
-            </a:schemeClr>
-          </a:lnRef>
-          <a:fillRef idx="1">
-            <a:schemeClr val="accent1"/>
-          </a:fillRef>
-          <a:effectRef idx="0">
-            <a:schemeClr val="accent1"/>
-          </a:effectRef>
-          <a:fontRef idx="minor">
-            <a:schemeClr val="lt1"/>
-          </a:fontRef>
-        </p:style>
-        <p:txBody>
-          <a:bodyPr rtlCol="0" anchor="ctr"/>
-          <a:lstStyle/>
-          <a:p>
-            <a:pPr algn="ctr"/>
-            <a:endParaRPr lang="ko-KR" altLang="en-US"/>
-          </a:p>
-        </p:txBody>
-      </p:sp>
+        </p:nvGrpSpPr>
+        <p:grpSpPr>
+          <a:xfrm>
+            <a:off x="1859605" y="2332069"/>
+            <a:ext cx="8472791" cy="3219855"/>
+            <a:chOff x="2383277" y="2332069"/>
+            <a:chExt cx="8472791" cy="3219855"/>
+          </a:xfrm>
+        </p:grpSpPr>
+        <p:pic>
+          <p:nvPicPr>
+            <p:cNvPr id="3" name="그림 2"/>
+            <p:cNvPicPr>
+              <a:picLocks noChangeAspect="1"/>
+            </p:cNvPicPr>
+            <p:nvPr/>
+          </p:nvPicPr>
+          <p:blipFill rotWithShape="1">
+            <a:blip r:embed="rId2">
+              <a:extLst>
+                <a:ext uri="{28A0092B-C50C-407E-A947-70E740481C1C}">
+                  <a14:useLocalDpi xmlns:a14="http://schemas.microsoft.com/office/drawing/2010/main" val="0"/>
+                </a:ext>
+              </a:extLst>
+            </a:blip>
+            <a:srcRect l="19903" r="68516"/>
+            <a:stretch/>
+          </p:blipFill>
+          <p:spPr>
+            <a:xfrm>
+              <a:off x="2383277" y="2441369"/>
+              <a:ext cx="2889114" cy="3006622"/>
+            </a:xfrm>
+            <a:prstGeom prst="rect">
+              <a:avLst/>
+            </a:prstGeom>
+          </p:spPr>
+        </p:pic>
+        <p:pic>
+          <p:nvPicPr>
+            <p:cNvPr id="4" name="그림 3"/>
+            <p:cNvPicPr>
+              <a:picLocks noChangeAspect="1"/>
+            </p:cNvPicPr>
+            <p:nvPr/>
+          </p:nvPicPr>
+          <p:blipFill rotWithShape="1">
+            <a:blip r:embed="rId2">
+              <a:extLst>
+                <a:ext uri="{28A0092B-C50C-407E-A947-70E740481C1C}">
+                  <a14:useLocalDpi xmlns:a14="http://schemas.microsoft.com/office/drawing/2010/main" val="0"/>
+                </a:ext>
+              </a:extLst>
+            </a:blip>
+            <a:srcRect l="83398"/>
+            <a:stretch/>
+          </p:blipFill>
+          <p:spPr>
+            <a:xfrm>
+              <a:off x="6721812" y="2441369"/>
+              <a:ext cx="4134256" cy="3001257"/>
+            </a:xfrm>
+            <a:prstGeom prst="rect">
+              <a:avLst/>
+            </a:prstGeom>
+          </p:spPr>
+        </p:pic>
+        <p:sp>
+          <p:nvSpPr>
+            <p:cNvPr id="5" name="액자 4"/>
+            <p:cNvSpPr/>
+            <p:nvPr/>
+          </p:nvSpPr>
+          <p:spPr>
+            <a:xfrm>
+              <a:off x="8161505" y="2332069"/>
+              <a:ext cx="2694563" cy="3219855"/>
+            </a:xfrm>
+            <a:prstGeom prst="frame">
+              <a:avLst>
+                <a:gd name="adj1" fmla="val 4662"/>
+              </a:avLst>
+            </a:prstGeom>
+            <a:solidFill>
+              <a:srgbClr val="FF0000"/>
+            </a:solidFill>
+            <a:ln>
+              <a:noFill/>
+            </a:ln>
+          </p:spPr>
+          <p:style>
+            <a:lnRef idx="2">
+              <a:schemeClr val="accent1">
+                <a:shade val="50000"/>
+              </a:schemeClr>
+            </a:lnRef>
+            <a:fillRef idx="1">
+              <a:schemeClr val="accent1"/>
+            </a:fillRef>
+            <a:effectRef idx="0">
+              <a:schemeClr val="accent1"/>
+            </a:effectRef>
+            <a:fontRef idx="minor">
+              <a:schemeClr val="lt1"/>
+            </a:fontRef>
+          </p:style>
+          <p:txBody>
+            <a:bodyPr rtlCol="0" anchor="ctr"/>
+            <a:lstStyle/>
+            <a:p>
+              <a:pPr algn="ctr"/>
+              <a:endParaRPr lang="ko-KR" altLang="en-US">
+                <a:solidFill>
+                  <a:schemeClr val="tx1"/>
+                </a:solidFill>
+              </a:endParaRPr>
+            </a:p>
+          </p:txBody>
+        </p:sp>
+        <p:sp>
+          <p:nvSpPr>
+            <p:cNvPr id="6" name="오른쪽 화살표 5"/>
+            <p:cNvSpPr/>
+            <p:nvPr/>
+          </p:nvSpPr>
+          <p:spPr>
+            <a:xfrm>
+              <a:off x="5403714" y="3642850"/>
+              <a:ext cx="1186774" cy="598292"/>
+            </a:xfrm>
+            <a:prstGeom prst="rightArrow">
+              <a:avLst/>
+            </a:prstGeom>
+            <a:solidFill>
+              <a:srgbClr val="FF0000"/>
+            </a:solidFill>
+            <a:ln>
+              <a:noFill/>
+            </a:ln>
+          </p:spPr>
+          <p:style>
+            <a:lnRef idx="2">
+              <a:schemeClr val="accent1">
+                <a:shade val="50000"/>
+              </a:schemeClr>
+            </a:lnRef>
+            <a:fillRef idx="1">
+              <a:schemeClr val="accent1"/>
+            </a:fillRef>
+            <a:effectRef idx="0">
+              <a:schemeClr val="accent1"/>
+            </a:effectRef>
+            <a:fontRef idx="minor">
+              <a:schemeClr val="lt1"/>
+            </a:fontRef>
+          </p:style>
+          <p:txBody>
+            <a:bodyPr rtlCol="0" anchor="ctr"/>
+            <a:lstStyle/>
+            <a:p>
+              <a:pPr algn="ctr"/>
+              <a:endParaRPr lang="ko-KR" altLang="en-US"/>
+            </a:p>
+          </p:txBody>
+        </p:sp>
+      </p:grpSp>
     </p:spTree>
     <p:extLst>
       <p:ext uri="{BB962C8B-B14F-4D97-AF65-F5344CB8AC3E}">
-        <p14:creationId xmlns:p14="http://schemas.microsoft.com/office/powerpoint/2010/main" val="154683522"/>
+        <p14:creationId xmlns:p14="http://schemas.microsoft.com/office/powerpoint/2010/main" val="345172820"/>
       </p:ext>
     </p:extLst>
   </p:cSld>
@@ -3955,7 +3994,7 @@
           <a:p>
             <a:r>
               <a:rPr lang="ko-KR" altLang="en-US" dirty="0" smtClean="0"/>
-              <a:t>멤버십 기간 계산</a:t>
+              <a:t>데이터 가공 후</a:t>
             </a:r>
             <a:endParaRPr lang="ko-KR" altLang="en-US" dirty="0"/>
           </a:p>
@@ -3977,13 +4016,13 @@
               </a:ext>
             </a:extLst>
           </a:blip>
-          <a:srcRect l="19903" r="68516"/>
+          <a:srcRect r="56098"/>
           <a:stretch/>
         </p:blipFill>
         <p:spPr>
           <a:xfrm>
-            <a:off x="2383277" y="2441369"/>
-            <a:ext cx="2889114" cy="3006622"/>
+            <a:off x="2594042" y="1565880"/>
+            <a:ext cx="7003917" cy="1922754"/>
           </a:xfrm>
           <a:prstGeom prst="rect">
             <a:avLst/>
@@ -4006,13 +4045,13 @@
               </a:ext>
             </a:extLst>
           </a:blip>
-          <a:srcRect l="83398"/>
+          <a:srcRect l="43889"/>
           <a:stretch/>
         </p:blipFill>
         <p:spPr>
           <a:xfrm>
-            <a:off x="6721812" y="2441369"/>
-            <a:ext cx="4134256" cy="3001257"/>
+            <a:off x="1382949" y="4257120"/>
+            <a:ext cx="9426102" cy="2024674"/>
           </a:xfrm>
           <a:prstGeom prst="rect">
             <a:avLst/>
@@ -4021,18 +4060,18 @@
       </p:pic>
       <p:sp>
         <p:nvSpPr>
-          <p:cNvPr id="5" name="액자 4"/>
+          <p:cNvPr id="5" name="십자형 4"/>
           <p:cNvSpPr/>
           <p:nvPr/>
         </p:nvSpPr>
         <p:spPr>
           <a:xfrm>
-            <a:off x="8161505" y="2332069"/>
-            <a:ext cx="2694563" cy="3219855"/>
-          </a:xfrm>
-          <a:prstGeom prst="frame">
+            <a:off x="5794443" y="3571320"/>
+            <a:ext cx="603114" cy="603114"/>
+          </a:xfrm>
+          <a:prstGeom prst="plus">
             <a:avLst>
-              <a:gd name="adj1" fmla="val 4662"/>
+              <a:gd name="adj" fmla="val 39650"/>
             </a:avLst>
           </a:prstGeom>
           <a:solidFill>
@@ -4063,56 +4102,6 @@
           <a:lstStyle/>
           <a:p>
             <a:pPr algn="ctr"/>
-            <a:endParaRPr lang="ko-KR" altLang="en-US">
-              <a:solidFill>
-                <a:schemeClr val="tx1"/>
-              </a:solidFill>
-            </a:endParaRPr>
-          </a:p>
-        </p:txBody>
-      </p:sp>
-      <p:sp>
-        <p:nvSpPr>
-          <p:cNvPr id="6" name="오른쪽 화살표 5"/>
-          <p:cNvSpPr/>
-          <p:nvPr/>
-        </p:nvSpPr>
-        <p:spPr>
-          <a:xfrm>
-            <a:off x="5403714" y="3642850"/>
-            <a:ext cx="1186774" cy="598292"/>
-          </a:xfrm>
-          <a:prstGeom prst="rightArrow">
-            <a:avLst/>
-          </a:prstGeom>
-          <a:solidFill>
-            <a:srgbClr val="FF0000"/>
-          </a:solidFill>
-          <a:ln>
-            <a:noFill/>
-          </a:ln>
-        </p:spPr>
-        <p:style>
-          <a:lnRef idx="2">
-            <a:schemeClr val="accent1">
-              <a:shade val="50000"/>
-            </a:schemeClr>
-          </a:lnRef>
-          <a:fillRef idx="1">
-            <a:schemeClr val="accent1"/>
-          </a:fillRef>
-          <a:effectRef idx="0">
-            <a:schemeClr val="accent1"/>
-          </a:effectRef>
-          <a:fontRef idx="minor">
-            <a:schemeClr val="lt1"/>
-          </a:fontRef>
-        </p:style>
-        <p:txBody>
-          <a:bodyPr rtlCol="0" anchor="ctr"/>
-          <a:lstStyle/>
-          <a:p>
-            <a:pPr algn="ctr"/>
             <a:endParaRPr lang="ko-KR" altLang="en-US"/>
           </a:p>
         </p:txBody>
@@ -4120,7 +4109,7 @@
     </p:spTree>
     <p:extLst>
       <p:ext uri="{BB962C8B-B14F-4D97-AF65-F5344CB8AC3E}">
-        <p14:creationId xmlns:p14="http://schemas.microsoft.com/office/powerpoint/2010/main" val="345172820"/>
+        <p14:creationId xmlns:p14="http://schemas.microsoft.com/office/powerpoint/2010/main" val="2967856516"/>
       </p:ext>
     </p:extLst>
   </p:cSld>
@@ -4164,122 +4153,46 @@
           <a:p>
             <a:r>
               <a:rPr lang="ko-KR" altLang="en-US" dirty="0" smtClean="0"/>
-              <a:t>데이터 가공 후</a:t>
+              <a:t>데이터 요약</a:t>
             </a:r>
             <a:endParaRPr lang="ko-KR" altLang="en-US" dirty="0"/>
           </a:p>
         </p:txBody>
       </p:sp>
-      <p:pic>
-        <p:nvPicPr>
-          <p:cNvPr id="3" name="그림 2"/>
-          <p:cNvPicPr>
-            <a:picLocks noChangeAspect="1"/>
-          </p:cNvPicPr>
+      <p:sp>
+        <p:nvSpPr>
+          <p:cNvPr id="3" name="TextBox 2"/>
+          <p:cNvSpPr txBox="1"/>
           <p:nvPr/>
-        </p:nvPicPr>
-        <p:blipFill rotWithShape="1">
-          <a:blip r:embed="rId2">
-            <a:extLst>
-              <a:ext uri="{28A0092B-C50C-407E-A947-70E740481C1C}">
-                <a14:useLocalDpi xmlns:a14="http://schemas.microsoft.com/office/drawing/2010/main" val="0"/>
-              </a:ext>
-            </a:extLst>
-          </a:blip>
-          <a:srcRect r="56098"/>
-          <a:stretch/>
-        </p:blipFill>
-        <p:spPr>
-          <a:xfrm>
-            <a:off x="2222654" y="1565880"/>
-            <a:ext cx="7003917" cy="1922754"/>
+        </p:nvSpPr>
+        <p:spPr>
+          <a:xfrm>
+            <a:off x="546371" y="1733786"/>
+            <a:ext cx="10724827" cy="369332"/>
           </a:xfrm>
           <a:prstGeom prst="rect">
             <a:avLst/>
           </a:prstGeom>
-        </p:spPr>
-      </p:pic>
-      <p:pic>
-        <p:nvPicPr>
-          <p:cNvPr id="4" name="그림 3"/>
-          <p:cNvPicPr>
-            <a:picLocks noChangeAspect="1"/>
-          </p:cNvPicPr>
-          <p:nvPr/>
-        </p:nvPicPr>
-        <p:blipFill rotWithShape="1">
-          <a:blip r:embed="rId2">
-            <a:extLst>
-              <a:ext uri="{28A0092B-C50C-407E-A947-70E740481C1C}">
-                <a14:useLocalDpi xmlns:a14="http://schemas.microsoft.com/office/drawing/2010/main" val="0"/>
-              </a:ext>
-            </a:extLst>
-          </a:blip>
-          <a:srcRect l="43889"/>
-          <a:stretch/>
-        </p:blipFill>
-        <p:spPr>
-          <a:xfrm>
-            <a:off x="1382949" y="4257120"/>
-            <a:ext cx="9426102" cy="2024674"/>
-          </a:xfrm>
-          <a:prstGeom prst="rect">
-            <a:avLst/>
-          </a:prstGeom>
-        </p:spPr>
-      </p:pic>
-      <p:sp>
-        <p:nvSpPr>
-          <p:cNvPr id="5" name="십자형 4"/>
-          <p:cNvSpPr/>
-          <p:nvPr/>
-        </p:nvSpPr>
-        <p:spPr>
-          <a:xfrm>
-            <a:off x="5502614" y="3571320"/>
-            <a:ext cx="603114" cy="603114"/>
-          </a:xfrm>
-          <a:prstGeom prst="plus">
-            <a:avLst>
-              <a:gd name="adj" fmla="val 39650"/>
-            </a:avLst>
-          </a:prstGeom>
-          <a:solidFill>
-            <a:srgbClr val="FF0000"/>
-          </a:solidFill>
-          <a:ln>
-            <a:noFill/>
-          </a:ln>
-        </p:spPr>
-        <p:style>
-          <a:lnRef idx="2">
-            <a:schemeClr val="accent1">
-              <a:shade val="50000"/>
-            </a:schemeClr>
-          </a:lnRef>
-          <a:fillRef idx="1">
-            <a:schemeClr val="accent1"/>
-          </a:fillRef>
-          <a:effectRef idx="0">
-            <a:schemeClr val="accent1"/>
-          </a:effectRef>
-          <a:fontRef idx="minor">
-            <a:schemeClr val="lt1"/>
-          </a:fontRef>
-        </p:style>
-        <p:txBody>
-          <a:bodyPr rtlCol="0" anchor="ctr"/>
-          <a:lstStyle/>
-          <a:p>
-            <a:pPr algn="ctr"/>
-            <a:endParaRPr lang="ko-KR" altLang="en-US"/>
+          <a:noFill/>
+        </p:spPr>
+        <p:txBody>
+          <a:bodyPr wrap="square" rtlCol="0">
+            <a:spAutoFit/>
+          </a:bodyPr>
+          <a:lstStyle/>
+          <a:p>
+            <a:r>
+              <a:rPr lang="ko-KR" altLang="en-US" dirty="0" smtClean="0"/>
+              <a:t>표로 정리</a:t>
+            </a:r>
+            <a:endParaRPr lang="ko-KR" altLang="en-US" dirty="0"/>
           </a:p>
         </p:txBody>
       </p:sp>
     </p:spTree>
     <p:extLst>
       <p:ext uri="{BB962C8B-B14F-4D97-AF65-F5344CB8AC3E}">
-        <p14:creationId xmlns:p14="http://schemas.microsoft.com/office/powerpoint/2010/main" val="2967856516"/>
+        <p14:creationId xmlns:p14="http://schemas.microsoft.com/office/powerpoint/2010/main" val="3977653906"/>
       </p:ext>
     </p:extLst>
   </p:cSld>
@@ -4711,6 +4624,36 @@
           </a:p>
         </p:txBody>
       </p:sp>
+      <p:sp>
+        <p:nvSpPr>
+          <p:cNvPr id="8" name="TextBox 7"/>
+          <p:cNvSpPr txBox="1"/>
+          <p:nvPr/>
+        </p:nvSpPr>
+        <p:spPr>
+          <a:xfrm>
+            <a:off x="546371" y="1733786"/>
+            <a:ext cx="10724827" cy="369332"/>
+          </a:xfrm>
+          <a:prstGeom prst="rect">
+            <a:avLst/>
+          </a:prstGeom>
+          <a:noFill/>
+        </p:spPr>
+        <p:txBody>
+          <a:bodyPr wrap="square" rtlCol="0">
+            <a:spAutoFit/>
+          </a:bodyPr>
+          <a:lstStyle/>
+          <a:p>
+            <a:r>
+              <a:rPr lang="ko-KR" altLang="en-US" smtClean="0"/>
+              <a:t>이 데이터 시각화 필요</a:t>
+            </a:r>
+            <a:endParaRPr lang="ko-KR" altLang="en-US" dirty="0"/>
+          </a:p>
+        </p:txBody>
+      </p:sp>
     </p:spTree>
     <p:extLst>
       <p:ext uri="{BB962C8B-B14F-4D97-AF65-F5344CB8AC3E}">
@@ -4905,6 +4848,36 @@
           </a:p>
         </p:txBody>
       </p:sp>
+      <p:sp>
+        <p:nvSpPr>
+          <p:cNvPr id="7" name="TextBox 6"/>
+          <p:cNvSpPr txBox="1"/>
+          <p:nvPr/>
+        </p:nvSpPr>
+        <p:spPr>
+          <a:xfrm>
+            <a:off x="546371" y="1733786"/>
+            <a:ext cx="10724827" cy="369332"/>
+          </a:xfrm>
+          <a:prstGeom prst="rect">
+            <a:avLst/>
+          </a:prstGeom>
+          <a:noFill/>
+        </p:spPr>
+        <p:txBody>
+          <a:bodyPr wrap="square" rtlCol="0">
+            <a:spAutoFit/>
+          </a:bodyPr>
+          <a:lstStyle/>
+          <a:p>
+            <a:r>
+              <a:rPr lang="ko-KR" altLang="en-US" smtClean="0"/>
+              <a:t>이 데이터 시각화 필요</a:t>
+            </a:r>
+            <a:endParaRPr lang="ko-KR" altLang="en-US" dirty="0"/>
+          </a:p>
+        </p:txBody>
+      </p:sp>
     </p:spTree>
     <p:extLst>
       <p:ext uri="{BB962C8B-B14F-4D97-AF65-F5344CB8AC3E}">
@@ -5243,47 +5216,21 @@
           <a:lstStyle/>
           <a:p>
             <a:r>
-              <a:rPr lang="ko-KR" altLang="en-US" dirty="0" err="1" smtClean="0"/>
-              <a:t>클러스터링</a:t>
+              <a:rPr lang="ko-KR" altLang="en-US" dirty="0" smtClean="0"/>
+              <a:t>데이터 상관관계</a:t>
+            </a:r>
+            <a:r>
+              <a:rPr lang="en-US" altLang="ko-KR" dirty="0"/>
+              <a:t>(Correlation)</a:t>
             </a:r>
             <a:endParaRPr lang="ko-KR" altLang="en-US" dirty="0"/>
           </a:p>
         </p:txBody>
       </p:sp>
-      <p:pic>
-        <p:nvPicPr>
-          <p:cNvPr id="3" name="그림 2"/>
-          <p:cNvPicPr>
-            <a:picLocks noChangeAspect="1"/>
-          </p:cNvPicPr>
-          <p:nvPr/>
-        </p:nvPicPr>
-        <p:blipFill>
-          <a:blip r:embed="rId2">
-            <a:extLst>
-              <a:ext uri="{28A0092B-C50C-407E-A947-70E740481C1C}">
-                <a14:useLocalDpi xmlns:a14="http://schemas.microsoft.com/office/drawing/2010/main" val="0"/>
-              </a:ext>
-            </a:extLst>
-          </a:blip>
-          <a:stretch>
-            <a:fillRect/>
-          </a:stretch>
-        </p:blipFill>
-        <p:spPr>
-          <a:xfrm>
-            <a:off x="2521323" y="2361981"/>
-            <a:ext cx="7149354" cy="3089228"/>
-          </a:xfrm>
-          <a:prstGeom prst="rect">
-            <a:avLst/>
-          </a:prstGeom>
-        </p:spPr>
-      </p:pic>
     </p:spTree>
     <p:extLst>
       <p:ext uri="{BB962C8B-B14F-4D97-AF65-F5344CB8AC3E}">
-        <p14:creationId xmlns:p14="http://schemas.microsoft.com/office/powerpoint/2010/main" val="615235089"/>
+        <p14:creationId xmlns:p14="http://schemas.microsoft.com/office/powerpoint/2010/main" val="1909113099"/>
       </p:ext>
     </p:extLst>
   </p:cSld>
@@ -5497,7 +5444,7 @@
       </p:sp>
       <p:pic>
         <p:nvPicPr>
-          <p:cNvPr id="4" name="그림 3"/>
+          <p:cNvPr id="3" name="그림 2"/>
           <p:cNvPicPr>
             <a:picLocks noChangeAspect="1"/>
           </p:cNvPicPr>
@@ -5517,8 +5464,8 @@
         </p:blipFill>
         <p:spPr>
           <a:xfrm>
-            <a:off x="1707416" y="2665081"/>
-            <a:ext cx="8777169" cy="2134175"/>
+            <a:off x="2521323" y="2361981"/>
+            <a:ext cx="7149354" cy="3089228"/>
           </a:xfrm>
           <a:prstGeom prst="rect">
             <a:avLst/>
@@ -5528,7 +5475,7 @@
     </p:spTree>
     <p:extLst>
       <p:ext uri="{BB962C8B-B14F-4D97-AF65-F5344CB8AC3E}">
-        <p14:creationId xmlns:p14="http://schemas.microsoft.com/office/powerpoint/2010/main" val="1625896028"/>
+        <p14:creationId xmlns:p14="http://schemas.microsoft.com/office/powerpoint/2010/main" val="615235089"/>
       </p:ext>
     </p:extLst>
   </p:cSld>
@@ -5580,7 +5527,7 @@
       </p:sp>
       <p:pic>
         <p:nvPicPr>
-          <p:cNvPr id="3" name="그림 2"/>
+          <p:cNvPr id="4" name="그림 3"/>
           <p:cNvPicPr>
             <a:picLocks noChangeAspect="1"/>
           </p:cNvPicPr>
@@ -5600,8 +5547,8 @@
         </p:blipFill>
         <p:spPr>
           <a:xfrm>
-            <a:off x="2151129" y="2463820"/>
-            <a:ext cx="7889742" cy="2943679"/>
+            <a:off x="1707416" y="2665081"/>
+            <a:ext cx="8777169" cy="2134175"/>
           </a:xfrm>
           <a:prstGeom prst="rect">
             <a:avLst/>
@@ -5611,7 +5558,7 @@
     </p:spTree>
     <p:extLst>
       <p:ext uri="{BB962C8B-B14F-4D97-AF65-F5344CB8AC3E}">
-        <p14:creationId xmlns:p14="http://schemas.microsoft.com/office/powerpoint/2010/main" val="3679216405"/>
+        <p14:creationId xmlns:p14="http://schemas.microsoft.com/office/powerpoint/2010/main" val="1625896028"/>
       </p:ext>
     </p:extLst>
   </p:cSld>
@@ -5657,10 +5604,6 @@
               <a:rPr lang="ko-KR" altLang="en-US" dirty="0" err="1" smtClean="0"/>
               <a:t>클러스터링</a:t>
             </a:r>
-            <a:r>
-              <a:rPr lang="ko-KR" altLang="en-US" dirty="0" smtClean="0"/>
-              <a:t> 결과 분석</a:t>
-            </a:r>
             <a:endParaRPr lang="ko-KR" altLang="en-US" dirty="0"/>
           </a:p>
         </p:txBody>
@@ -5687,8 +5630,8 @@
         </p:blipFill>
         <p:spPr>
           <a:xfrm>
-            <a:off x="1819583" y="2614700"/>
-            <a:ext cx="8552835" cy="3325034"/>
+            <a:off x="2151129" y="2463820"/>
+            <a:ext cx="7889742" cy="2943679"/>
           </a:xfrm>
           <a:prstGeom prst="rect">
             <a:avLst/>
@@ -5698,7 +5641,7 @@
     </p:spTree>
     <p:extLst>
       <p:ext uri="{BB962C8B-B14F-4D97-AF65-F5344CB8AC3E}">
-        <p14:creationId xmlns:p14="http://schemas.microsoft.com/office/powerpoint/2010/main" val="1942975012"/>
+        <p14:creationId xmlns:p14="http://schemas.microsoft.com/office/powerpoint/2010/main" val="3679216405"/>
       </p:ext>
     </p:extLst>
   </p:cSld>
@@ -5741,8 +5684,12 @@
           <a:lstStyle/>
           <a:p>
             <a:r>
+              <a:rPr lang="ko-KR" altLang="en-US" dirty="0" err="1" smtClean="0"/>
+              <a:t>클러스터링</a:t>
+            </a:r>
+            <a:r>
               <a:rPr lang="ko-KR" altLang="en-US" dirty="0" smtClean="0"/>
-              <a:t>주성분 분석</a:t>
+              <a:t> 결과 분석</a:t>
             </a:r>
             <a:endParaRPr lang="ko-KR" altLang="en-US" dirty="0"/>
           </a:p>
@@ -5770,8 +5717,8 @@
         </p:blipFill>
         <p:spPr>
           <a:xfrm>
-            <a:off x="4276478" y="1369675"/>
-            <a:ext cx="3639045" cy="4883276"/>
+            <a:off x="1819583" y="2614700"/>
+            <a:ext cx="8552835" cy="3325034"/>
           </a:xfrm>
           <a:prstGeom prst="rect">
             <a:avLst/>
@@ -5781,7 +5728,7 @@
     </p:spTree>
     <p:extLst>
       <p:ext uri="{BB962C8B-B14F-4D97-AF65-F5344CB8AC3E}">
-        <p14:creationId xmlns:p14="http://schemas.microsoft.com/office/powerpoint/2010/main" val="3462678233"/>
+        <p14:creationId xmlns:p14="http://schemas.microsoft.com/office/powerpoint/2010/main" val="1942975012"/>
       </p:ext>
     </p:extLst>
   </p:cSld>
@@ -5825,7 +5772,7 @@
           <a:p>
             <a:r>
               <a:rPr lang="ko-KR" altLang="en-US" dirty="0" smtClean="0"/>
-              <a:t>클러스터 시각화</a:t>
+              <a:t>주성분 분석</a:t>
             </a:r>
             <a:endParaRPr lang="ko-KR" altLang="en-US" dirty="0"/>
           </a:p>
@@ -5839,142 +5786,32 @@
           </p:cNvPicPr>
           <p:nvPr/>
         </p:nvPicPr>
-        <p:blipFill rotWithShape="1">
-          <a:blip r:embed="rId2"/>
-          <a:srcRect l="752" t="1231" r="1550" b="1713"/>
-          <a:stretch/>
+        <p:blipFill>
+          <a:blip r:embed="rId2">
+            <a:extLst>
+              <a:ext uri="{28A0092B-C50C-407E-A947-70E740481C1C}">
+                <a14:useLocalDpi xmlns:a14="http://schemas.microsoft.com/office/drawing/2010/main" val="0"/>
+              </a:ext>
+            </a:extLst>
+          </a:blip>
+          <a:stretch>
+            <a:fillRect/>
+          </a:stretch>
         </p:blipFill>
         <p:spPr>
           <a:xfrm>
-            <a:off x="3513307" y="1867710"/>
-            <a:ext cx="5165387" cy="3920248"/>
+            <a:off x="4276478" y="1369675"/>
+            <a:ext cx="3639045" cy="4883276"/>
           </a:xfrm>
           <a:prstGeom prst="rect">
             <a:avLst/>
           </a:prstGeom>
         </p:spPr>
       </p:pic>
-      <p:sp>
-        <p:nvSpPr>
-          <p:cNvPr id="4" name="TextBox 3"/>
-          <p:cNvSpPr txBox="1"/>
-          <p:nvPr/>
-        </p:nvSpPr>
-        <p:spPr>
-          <a:xfrm>
-            <a:off x="9001327" y="1273289"/>
-            <a:ext cx="3190673" cy="2554545"/>
-          </a:xfrm>
-          <a:prstGeom prst="rect">
-            <a:avLst/>
-          </a:prstGeom>
-          <a:noFill/>
-        </p:spPr>
-        <p:txBody>
-          <a:bodyPr wrap="square" rtlCol="0">
-            <a:spAutoFit/>
-          </a:bodyPr>
-          <a:lstStyle/>
-          <a:p>
-            <a:r>
-              <a:rPr lang="ko-KR" altLang="en-US" sz="3200" dirty="0" smtClean="0">
-                <a:solidFill>
-                  <a:srgbClr val="FF0000"/>
-                </a:solidFill>
-              </a:rPr>
-              <a:t>빨강</a:t>
-            </a:r>
-            <a:r>
-              <a:rPr lang="ko-KR" altLang="en-US" sz="3200" dirty="0" smtClean="0"/>
-              <a:t> </a:t>
-            </a:r>
-            <a:r>
-              <a:rPr lang="en-US" altLang="ko-KR" sz="3200" dirty="0" smtClean="0"/>
-              <a:t>: 2</a:t>
-            </a:r>
-            <a:r>
-              <a:rPr lang="ko-KR" altLang="en-US" sz="3200" dirty="0" smtClean="0"/>
-              <a:t>집단</a:t>
-            </a:r>
-            <a:endParaRPr lang="en-US" altLang="ko-KR" sz="3200" dirty="0" smtClean="0"/>
-          </a:p>
-          <a:p>
-            <a:r>
-              <a:rPr lang="ko-KR" altLang="en-US" sz="3200" dirty="0" smtClean="0">
-                <a:solidFill>
-                  <a:srgbClr val="FFA500"/>
-                </a:solidFill>
-              </a:rPr>
-              <a:t>주황</a:t>
-            </a:r>
-            <a:r>
-              <a:rPr lang="ko-KR" altLang="en-US" sz="3200" dirty="0" smtClean="0"/>
-              <a:t> </a:t>
-            </a:r>
-            <a:r>
-              <a:rPr lang="en-US" altLang="ko-KR" sz="3200" dirty="0" smtClean="0"/>
-              <a:t>: 1</a:t>
-            </a:r>
-            <a:r>
-              <a:rPr lang="ko-KR" altLang="en-US" sz="3200" dirty="0" smtClean="0"/>
-              <a:t>집단</a:t>
-            </a:r>
-          </a:p>
-          <a:p>
-            <a:r>
-              <a:rPr lang="ko-KR" altLang="en-US" sz="3200" dirty="0" smtClean="0">
-                <a:solidFill>
-                  <a:srgbClr val="008000"/>
-                </a:solidFill>
-              </a:rPr>
-              <a:t>초록</a:t>
-            </a:r>
-            <a:r>
-              <a:rPr lang="ko-KR" altLang="en-US" sz="3200" dirty="0" smtClean="0"/>
-              <a:t> </a:t>
-            </a:r>
-            <a:r>
-              <a:rPr lang="en-US" altLang="ko-KR" sz="3200" dirty="0" smtClean="0"/>
-              <a:t>: 0</a:t>
-            </a:r>
-            <a:r>
-              <a:rPr lang="ko-KR" altLang="en-US" sz="3200" dirty="0" smtClean="0"/>
-              <a:t>집단</a:t>
-            </a:r>
-            <a:endParaRPr lang="en-US" altLang="ko-KR" sz="3200" dirty="0" smtClean="0"/>
-          </a:p>
-          <a:p>
-            <a:r>
-              <a:rPr lang="ko-KR" altLang="en-US" sz="3200" dirty="0" smtClean="0">
-                <a:solidFill>
-                  <a:srgbClr val="0000FF"/>
-                </a:solidFill>
-              </a:rPr>
-              <a:t>파랑</a:t>
-            </a:r>
-            <a:r>
-              <a:rPr lang="ko-KR" altLang="en-US" sz="3200" dirty="0" smtClean="0"/>
-              <a:t> </a:t>
-            </a:r>
-            <a:r>
-              <a:rPr lang="en-US" altLang="ko-KR" sz="3200" dirty="0" smtClean="0"/>
-              <a:t>: 3</a:t>
-            </a:r>
-            <a:r>
-              <a:rPr lang="ko-KR" altLang="en-US" sz="3200" dirty="0" smtClean="0"/>
-              <a:t>집단</a:t>
-            </a:r>
-            <a:endParaRPr lang="en-US" altLang="ko-KR" sz="3200" dirty="0" smtClean="0"/>
-          </a:p>
-          <a:p>
-            <a:endParaRPr lang="en-US" altLang="ko-KR" sz="3200" dirty="0" smtClean="0"/>
-          </a:p>
-        </p:txBody>
-      </p:sp>
     </p:spTree>
     <p:extLst>
       <p:ext uri="{BB962C8B-B14F-4D97-AF65-F5344CB8AC3E}">
-        <p14:creationId xmlns:p14="http://schemas.microsoft.com/office/powerpoint/2010/main" val="2415794974"/>
+        <p14:creationId xmlns:p14="http://schemas.microsoft.com/office/powerpoint/2010/main" val="3462678233"/>
       </p:ext>
     </p:extLst>
   </p:cSld>
@@ -6018,273 +5855,29 @@
           <a:p>
             <a:r>
               <a:rPr lang="ko-KR" altLang="en-US" dirty="0" smtClean="0"/>
-              <a:t>분석 결과에 대한 의견</a:t>
+              <a:t>클러스터 시각화</a:t>
             </a:r>
             <a:endParaRPr lang="ko-KR" altLang="en-US" dirty="0"/>
-          </a:p>
-        </p:txBody>
-      </p:sp>
-      <p:sp>
-        <p:nvSpPr>
-          <p:cNvPr id="3" name="TextBox 2"/>
-          <p:cNvSpPr txBox="1"/>
-          <p:nvPr/>
-        </p:nvSpPr>
-        <p:spPr>
-          <a:xfrm>
-            <a:off x="5435030" y="2161419"/>
-            <a:ext cx="9640110" cy="3693319"/>
-          </a:xfrm>
-          <a:prstGeom prst="rect">
-            <a:avLst/>
-          </a:prstGeom>
-          <a:noFill/>
-        </p:spPr>
-        <p:txBody>
-          <a:bodyPr wrap="square" rtlCol="0">
-            <a:spAutoFit/>
-          </a:bodyPr>
-          <a:lstStyle/>
-          <a:p>
-            <a:r>
-              <a:rPr lang="en-US" altLang="ko-KR" dirty="0" smtClean="0"/>
-              <a:t>0 </a:t>
-            </a:r>
-            <a:r>
-              <a:rPr lang="ko-KR" altLang="en-US" dirty="0"/>
-              <a:t>집단 </a:t>
-            </a:r>
-            <a:r>
-              <a:rPr lang="en-US" altLang="ko-KR" dirty="0"/>
-              <a:t>: </a:t>
-            </a:r>
-            <a:r>
-              <a:rPr lang="ko-KR" altLang="en-US" dirty="0"/>
-              <a:t>계속 이용하는 회원과 탈퇴하는 회원들로 갈리는 </a:t>
-            </a:r>
-            <a:r>
-              <a:rPr lang="ko-KR" altLang="en-US" dirty="0" smtClean="0"/>
-              <a:t>모습</a:t>
-            </a:r>
-            <a:endParaRPr lang="en-US" altLang="ko-KR" dirty="0" smtClean="0"/>
-          </a:p>
-          <a:p>
-            <a:endParaRPr lang="ko-KR" altLang="en-US" dirty="0"/>
-          </a:p>
-          <a:p>
-            <a:r>
-              <a:rPr lang="en-US" altLang="ko-KR" dirty="0" smtClean="0"/>
-              <a:t>1 </a:t>
-            </a:r>
-            <a:r>
-              <a:rPr lang="ko-KR" altLang="en-US" dirty="0"/>
-              <a:t>집단 </a:t>
-            </a:r>
-            <a:r>
-              <a:rPr lang="en-US" altLang="ko-KR" dirty="0"/>
-              <a:t>: </a:t>
-            </a:r>
-            <a:r>
-              <a:rPr lang="ko-KR" altLang="en-US" dirty="0"/>
-              <a:t>헬스장 </a:t>
-            </a:r>
-            <a:r>
-              <a:rPr lang="ko-KR" altLang="en-US" dirty="0" err="1"/>
-              <a:t>이용이력이</a:t>
-            </a:r>
-            <a:r>
-              <a:rPr lang="ko-KR" altLang="en-US" dirty="0"/>
-              <a:t> 집단들 중 가장 낮고 </a:t>
-            </a:r>
-            <a:endParaRPr lang="en-US" altLang="ko-KR" dirty="0" smtClean="0"/>
-          </a:p>
-          <a:p>
-            <a:r>
-              <a:rPr lang="en-US" altLang="ko-KR" dirty="0"/>
-              <a:t> </a:t>
-            </a:r>
-            <a:r>
-              <a:rPr lang="en-US" altLang="ko-KR" dirty="0" smtClean="0"/>
-              <a:t>          </a:t>
-            </a:r>
-            <a:r>
-              <a:rPr lang="ko-KR" altLang="en-US" dirty="0" err="1" smtClean="0"/>
-              <a:t>탈퇴율이</a:t>
-            </a:r>
-            <a:r>
-              <a:rPr lang="ko-KR" altLang="en-US" dirty="0" smtClean="0"/>
-              <a:t> </a:t>
-            </a:r>
-            <a:r>
-              <a:rPr lang="ko-KR" altLang="en-US" dirty="0"/>
-              <a:t>가장 </a:t>
-            </a:r>
-            <a:r>
-              <a:rPr lang="ko-KR" altLang="en-US" dirty="0" smtClean="0"/>
-              <a:t>높다</a:t>
-            </a:r>
-            <a:endParaRPr lang="en-US" altLang="ko-KR" dirty="0" smtClean="0"/>
-          </a:p>
-          <a:p>
-            <a:endParaRPr lang="ko-KR" altLang="en-US" dirty="0"/>
-          </a:p>
-          <a:p>
-            <a:r>
-              <a:rPr lang="en-US" altLang="ko-KR" dirty="0" smtClean="0"/>
-              <a:t>2 </a:t>
-            </a:r>
-            <a:r>
-              <a:rPr lang="ko-KR" altLang="en-US" dirty="0"/>
-              <a:t>집단 </a:t>
-            </a:r>
-            <a:r>
-              <a:rPr lang="en-US" altLang="ko-KR" dirty="0"/>
-              <a:t>: </a:t>
-            </a:r>
-            <a:r>
-              <a:rPr lang="ko-KR" altLang="en-US" dirty="0"/>
-              <a:t>꾸준히 헬스장을 이용하는 </a:t>
-            </a:r>
-            <a:r>
-              <a:rPr lang="ko-KR" altLang="en-US" dirty="0" smtClean="0"/>
-              <a:t>회원</a:t>
-            </a:r>
-            <a:endParaRPr lang="en-US" altLang="ko-KR" dirty="0" smtClean="0"/>
-          </a:p>
-          <a:p>
-            <a:endParaRPr lang="ko-KR" altLang="en-US" dirty="0"/>
-          </a:p>
-          <a:p>
-            <a:r>
-              <a:rPr lang="en-US" altLang="ko-KR" dirty="0" smtClean="0"/>
-              <a:t>3 </a:t>
-            </a:r>
-            <a:r>
-              <a:rPr lang="ko-KR" altLang="en-US" dirty="0"/>
-              <a:t>집단 </a:t>
-            </a:r>
-            <a:r>
-              <a:rPr lang="en-US" altLang="ko-KR" dirty="0"/>
-              <a:t>: </a:t>
-            </a:r>
-            <a:r>
-              <a:rPr lang="ko-KR" altLang="en-US" dirty="0"/>
-              <a:t>헬스장 처음 온 </a:t>
-            </a:r>
-            <a:r>
-              <a:rPr lang="ko-KR" altLang="en-US" dirty="0" smtClean="0"/>
-              <a:t>회원</a:t>
-            </a:r>
-            <a:endParaRPr lang="en-US" altLang="ko-KR" dirty="0" smtClean="0"/>
-          </a:p>
-          <a:p>
-            <a:endParaRPr lang="en-US" altLang="ko-KR" dirty="0" smtClean="0"/>
-          </a:p>
-          <a:p>
-            <a:endParaRPr lang="ko-KR" altLang="en-US" dirty="0"/>
-          </a:p>
-          <a:p>
-            <a:r>
-              <a:rPr lang="en-US" altLang="ko-KR" dirty="0" smtClean="0"/>
-              <a:t>2</a:t>
-            </a:r>
-            <a:r>
-              <a:rPr lang="en-US" altLang="ko-KR" dirty="0"/>
-              <a:t>, 3 </a:t>
-            </a:r>
-            <a:r>
-              <a:rPr lang="ko-KR" altLang="en-US" dirty="0"/>
-              <a:t>집단의 </a:t>
-            </a:r>
-            <a:r>
-              <a:rPr lang="ko-KR" altLang="en-US" dirty="0" err="1"/>
-              <a:t>탈퇴율이</a:t>
-            </a:r>
-            <a:r>
-              <a:rPr lang="ko-KR" altLang="en-US" dirty="0"/>
-              <a:t> 낮고</a:t>
-            </a:r>
-            <a:r>
-              <a:rPr lang="en-US" altLang="ko-KR" dirty="0"/>
-              <a:t>, </a:t>
-            </a:r>
-            <a:endParaRPr lang="en-US" altLang="ko-KR" dirty="0" smtClean="0"/>
-          </a:p>
-          <a:p>
-            <a:r>
-              <a:rPr lang="en-US" altLang="ko-KR" dirty="0" smtClean="0"/>
-              <a:t>0</a:t>
-            </a:r>
-            <a:r>
-              <a:rPr lang="en-US" altLang="ko-KR" dirty="0"/>
-              <a:t>, 1 </a:t>
-            </a:r>
-            <a:r>
-              <a:rPr lang="ko-KR" altLang="en-US" dirty="0"/>
-              <a:t>집단의 탈퇴 회원 수가 각각 </a:t>
-            </a:r>
-            <a:r>
-              <a:rPr lang="en-US" altLang="ko-KR" dirty="0"/>
-              <a:t>543</a:t>
-            </a:r>
-            <a:r>
-              <a:rPr lang="ko-KR" altLang="en-US" dirty="0"/>
-              <a:t>명</a:t>
-            </a:r>
-            <a:r>
-              <a:rPr lang="en-US" altLang="ko-KR" dirty="0"/>
-              <a:t>, 771</a:t>
-            </a:r>
-            <a:r>
-              <a:rPr lang="ko-KR" altLang="en-US" dirty="0"/>
-              <a:t>명인 모습</a:t>
-            </a:r>
-            <a:r>
-              <a:rPr lang="en-US" altLang="ko-KR" dirty="0" smtClean="0"/>
-              <a:t>,</a:t>
-            </a:r>
-          </a:p>
-          <a:p>
-            <a:r>
-              <a:rPr lang="en-US" altLang="ko-KR" dirty="0" smtClean="0"/>
-              <a:t>1 </a:t>
-            </a:r>
-            <a:r>
-              <a:rPr lang="ko-KR" altLang="en-US" dirty="0"/>
-              <a:t>집단의 경우 전원 </a:t>
-            </a:r>
-            <a:r>
-              <a:rPr lang="ko-KR" altLang="en-US" dirty="0" smtClean="0"/>
-              <a:t>탈퇴했다</a:t>
-            </a:r>
-            <a:endParaRPr lang="en-US" altLang="ko-KR" dirty="0" smtClean="0"/>
           </a:p>
         </p:txBody>
       </p:sp>
       <p:pic>
         <p:nvPicPr>
-          <p:cNvPr id="4" name="그림 3"/>
+          <p:cNvPr id="3" name="그림 2"/>
           <p:cNvPicPr>
             <a:picLocks noChangeAspect="1"/>
           </p:cNvPicPr>
           <p:nvPr/>
         </p:nvPicPr>
-        <p:blipFill>
-          <a:blip r:embed="rId2">
-            <a:extLst>
-              <a:ext uri="{28A0092B-C50C-407E-A947-70E740481C1C}">
-                <a14:useLocalDpi xmlns:a14="http://schemas.microsoft.com/office/drawing/2010/main" val="0"/>
-              </a:ext>
-            </a:extLst>
-          </a:blip>
-          <a:stretch>
-            <a:fillRect/>
-          </a:stretch>
+        <p:blipFill rotWithShape="1">
+          <a:blip r:embed="rId2"/>
+          <a:srcRect l="752" t="1231" r="1550" b="1713"/>
+          <a:stretch/>
         </p:blipFill>
         <p:spPr>
           <a:xfrm>
-            <a:off x="311406" y="1955826"/>
-            <a:ext cx="5016620" cy="4104506"/>
+            <a:off x="3513307" y="1867710"/>
+            <a:ext cx="5165387" cy="3920248"/>
           </a:xfrm>
           <a:prstGeom prst="rect">
             <a:avLst/>
@@ -6293,60 +5886,125 @@
       </p:pic>
       <p:sp>
         <p:nvSpPr>
-          <p:cNvPr id="5" name="액자 4"/>
-          <p:cNvSpPr/>
+          <p:cNvPr id="4" name="TextBox 3"/>
+          <p:cNvSpPr txBox="1"/>
           <p:nvPr/>
         </p:nvSpPr>
         <p:spPr>
           <a:xfrm>
-            <a:off x="1906292" y="1767963"/>
-            <a:ext cx="3421734" cy="4493352"/>
-          </a:xfrm>
-          <a:prstGeom prst="frame">
-            <a:avLst>
-              <a:gd name="adj1" fmla="val 4775"/>
-            </a:avLst>
+            <a:off x="9001327" y="1273289"/>
+            <a:ext cx="3190673" cy="2554545"/>
+          </a:xfrm>
+          <a:prstGeom prst="rect">
+            <a:avLst/>
           </a:prstGeom>
-          <a:solidFill>
-            <a:srgbClr val="FF0000"/>
-          </a:solidFill>
-          <a:ln>
-            <a:noFill/>
-          </a:ln>
-        </p:spPr>
-        <p:style>
-          <a:lnRef idx="2">
-            <a:schemeClr val="accent1">
-              <a:shade val="50000"/>
-            </a:schemeClr>
-          </a:lnRef>
-          <a:fillRef idx="1">
-            <a:schemeClr val="accent1"/>
-          </a:fillRef>
-          <a:effectRef idx="0">
-            <a:schemeClr val="accent1"/>
-          </a:effectRef>
-          <a:fontRef idx="minor">
-            <a:schemeClr val="lt1"/>
-          </a:fontRef>
-        </p:style>
-        <p:txBody>
-          <a:bodyPr rtlCol="0" anchor="ctr"/>
-          <a:lstStyle/>
-          <a:p>
-            <a:pPr algn="ctr"/>
-            <a:endParaRPr lang="ko-KR" altLang="en-US">
-              <a:solidFill>
-                <a:schemeClr val="tx1"/>
-              </a:solidFill>
-            </a:endParaRPr>
+          <a:noFill/>
+        </p:spPr>
+        <p:txBody>
+          <a:bodyPr wrap="square" rtlCol="0">
+            <a:spAutoFit/>
+          </a:bodyPr>
+          <a:lstStyle/>
+          <a:p>
+            <a:r>
+              <a:rPr lang="ko-KR" altLang="en-US" sz="3200" dirty="0" smtClean="0">
+                <a:solidFill>
+                  <a:srgbClr val="FF0000"/>
+                </a:solidFill>
+              </a:rPr>
+              <a:t>빨강</a:t>
+            </a:r>
+            <a:r>
+              <a:rPr lang="ko-KR" altLang="en-US" sz="3200" dirty="0" smtClean="0"/>
+              <a:t> </a:t>
+            </a:r>
+            <a:r>
+              <a:rPr lang="en-US" altLang="ko-KR" sz="3200" dirty="0" smtClean="0"/>
+              <a:t>: 2</a:t>
+            </a:r>
+            <a:r>
+              <a:rPr lang="ko-KR" altLang="en-US" sz="3200" dirty="0" smtClean="0"/>
+              <a:t>집단</a:t>
+            </a:r>
+            <a:endParaRPr lang="en-US" altLang="ko-KR" sz="3200" dirty="0" smtClean="0"/>
+          </a:p>
+          <a:p>
+            <a:r>
+              <a:rPr lang="ko-KR" altLang="en-US" sz="3200" dirty="0" smtClean="0">
+                <a:solidFill>
+                  <a:srgbClr val="FFA500"/>
+                </a:solidFill>
+              </a:rPr>
+              <a:t>주황</a:t>
+            </a:r>
+            <a:r>
+              <a:rPr lang="ko-KR" altLang="en-US" sz="3200" dirty="0" smtClean="0"/>
+              <a:t> </a:t>
+            </a:r>
+            <a:r>
+              <a:rPr lang="en-US" altLang="ko-KR" sz="3200" dirty="0" smtClean="0"/>
+              <a:t>: 1</a:t>
+            </a:r>
+            <a:r>
+              <a:rPr lang="ko-KR" altLang="en-US" sz="3200" dirty="0" smtClean="0"/>
+              <a:t>집단</a:t>
+            </a:r>
+          </a:p>
+          <a:p>
+            <a:r>
+              <a:rPr lang="ko-KR" altLang="en-US" sz="3200" dirty="0" smtClean="0">
+                <a:solidFill>
+                  <a:srgbClr val="008000"/>
+                </a:solidFill>
+              </a:rPr>
+              <a:t>초록</a:t>
+            </a:r>
+            <a:r>
+              <a:rPr lang="ko-KR" altLang="en-US" sz="3200" dirty="0" smtClean="0"/>
+              <a:t> </a:t>
+            </a:r>
+            <a:r>
+              <a:rPr lang="en-US" altLang="ko-KR" sz="3200" dirty="0" smtClean="0"/>
+              <a:t>: 0</a:t>
+            </a:r>
+            <a:r>
+              <a:rPr lang="ko-KR" altLang="en-US" sz="3200" dirty="0" smtClean="0"/>
+              <a:t>집단</a:t>
+            </a:r>
+            <a:endParaRPr lang="en-US" altLang="ko-KR" sz="3200" dirty="0" smtClean="0"/>
+          </a:p>
+          <a:p>
+            <a:r>
+              <a:rPr lang="ko-KR" altLang="en-US" sz="3200" dirty="0" smtClean="0">
+                <a:solidFill>
+                  <a:srgbClr val="0000FF"/>
+                </a:solidFill>
+              </a:rPr>
+              <a:t>파랑</a:t>
+            </a:r>
+            <a:r>
+              <a:rPr lang="ko-KR" altLang="en-US" sz="3200" dirty="0" smtClean="0"/>
+              <a:t> </a:t>
+            </a:r>
+            <a:r>
+              <a:rPr lang="en-US" altLang="ko-KR" sz="3200" dirty="0" smtClean="0"/>
+              <a:t>: 3</a:t>
+            </a:r>
+            <a:r>
+              <a:rPr lang="ko-KR" altLang="en-US" sz="3200" dirty="0" smtClean="0"/>
+              <a:t>집단</a:t>
+            </a:r>
+            <a:endParaRPr lang="en-US" altLang="ko-KR" sz="3200" dirty="0" smtClean="0"/>
+          </a:p>
+          <a:p>
+            <a:endParaRPr lang="en-US" altLang="ko-KR" sz="3200" dirty="0" smtClean="0"/>
           </a:p>
         </p:txBody>
       </p:sp>
     </p:spTree>
     <p:extLst>
       <p:ext uri="{BB962C8B-B14F-4D97-AF65-F5344CB8AC3E}">
-        <p14:creationId xmlns:p14="http://schemas.microsoft.com/office/powerpoint/2010/main" val="3862186291"/>
+        <p14:creationId xmlns:p14="http://schemas.microsoft.com/office/powerpoint/2010/main" val="2415794974"/>
       </p:ext>
     </p:extLst>
   </p:cSld>
@@ -6390,6 +6048,378 @@
           <a:p>
             <a:r>
               <a:rPr lang="ko-KR" altLang="en-US" dirty="0" smtClean="0"/>
+              <a:t>분석 결과에 대한 의견</a:t>
+            </a:r>
+            <a:endParaRPr lang="ko-KR" altLang="en-US" dirty="0"/>
+          </a:p>
+        </p:txBody>
+      </p:sp>
+      <p:sp>
+        <p:nvSpPr>
+          <p:cNvPr id="3" name="TextBox 2"/>
+          <p:cNvSpPr txBox="1"/>
+          <p:nvPr/>
+        </p:nvSpPr>
+        <p:spPr>
+          <a:xfrm>
+            <a:off x="5435030" y="2161419"/>
+            <a:ext cx="9640110" cy="3693319"/>
+          </a:xfrm>
+          <a:prstGeom prst="rect">
+            <a:avLst/>
+          </a:prstGeom>
+          <a:noFill/>
+        </p:spPr>
+        <p:txBody>
+          <a:bodyPr wrap="square" rtlCol="0">
+            <a:spAutoFit/>
+          </a:bodyPr>
+          <a:lstStyle/>
+          <a:p>
+            <a:r>
+              <a:rPr lang="en-US" altLang="ko-KR" dirty="0" smtClean="0"/>
+              <a:t>0 </a:t>
+            </a:r>
+            <a:r>
+              <a:rPr lang="ko-KR" altLang="en-US" dirty="0"/>
+              <a:t>집단 </a:t>
+            </a:r>
+            <a:r>
+              <a:rPr lang="en-US" altLang="ko-KR" dirty="0"/>
+              <a:t>: </a:t>
+            </a:r>
+            <a:r>
+              <a:rPr lang="ko-KR" altLang="en-US" dirty="0"/>
+              <a:t>계속 이용하는 회원과 탈퇴하는 회원들로 갈리는 </a:t>
+            </a:r>
+            <a:r>
+              <a:rPr lang="ko-KR" altLang="en-US" dirty="0" smtClean="0"/>
+              <a:t>모습</a:t>
+            </a:r>
+            <a:endParaRPr lang="en-US" altLang="ko-KR" dirty="0" smtClean="0"/>
+          </a:p>
+          <a:p>
+            <a:endParaRPr lang="ko-KR" altLang="en-US" dirty="0"/>
+          </a:p>
+          <a:p>
+            <a:r>
+              <a:rPr lang="en-US" altLang="ko-KR" dirty="0" smtClean="0"/>
+              <a:t>1 </a:t>
+            </a:r>
+            <a:r>
+              <a:rPr lang="ko-KR" altLang="en-US" dirty="0"/>
+              <a:t>집단 </a:t>
+            </a:r>
+            <a:r>
+              <a:rPr lang="en-US" altLang="ko-KR" dirty="0"/>
+              <a:t>: </a:t>
+            </a:r>
+            <a:r>
+              <a:rPr lang="ko-KR" altLang="en-US" dirty="0"/>
+              <a:t>헬스장 </a:t>
+            </a:r>
+            <a:r>
+              <a:rPr lang="ko-KR" altLang="en-US" dirty="0" err="1"/>
+              <a:t>이용이력이</a:t>
+            </a:r>
+            <a:r>
+              <a:rPr lang="ko-KR" altLang="en-US" dirty="0"/>
+              <a:t> 집단들 중 가장 낮고 </a:t>
+            </a:r>
+            <a:endParaRPr lang="en-US" altLang="ko-KR" dirty="0" smtClean="0"/>
+          </a:p>
+          <a:p>
+            <a:r>
+              <a:rPr lang="en-US" altLang="ko-KR" dirty="0"/>
+              <a:t> </a:t>
+            </a:r>
+            <a:r>
+              <a:rPr lang="en-US" altLang="ko-KR" dirty="0" smtClean="0"/>
+              <a:t>          </a:t>
+            </a:r>
+            <a:r>
+              <a:rPr lang="ko-KR" altLang="en-US" dirty="0" err="1" smtClean="0"/>
+              <a:t>탈퇴율이</a:t>
+            </a:r>
+            <a:r>
+              <a:rPr lang="ko-KR" altLang="en-US" dirty="0" smtClean="0"/>
+              <a:t> </a:t>
+            </a:r>
+            <a:r>
+              <a:rPr lang="ko-KR" altLang="en-US" dirty="0"/>
+              <a:t>가장 </a:t>
+            </a:r>
+            <a:r>
+              <a:rPr lang="ko-KR" altLang="en-US" dirty="0" smtClean="0"/>
+              <a:t>높다</a:t>
+            </a:r>
+            <a:endParaRPr lang="en-US" altLang="ko-KR" dirty="0" smtClean="0"/>
+          </a:p>
+          <a:p>
+            <a:endParaRPr lang="ko-KR" altLang="en-US" dirty="0"/>
+          </a:p>
+          <a:p>
+            <a:r>
+              <a:rPr lang="en-US" altLang="ko-KR" dirty="0" smtClean="0"/>
+              <a:t>2 </a:t>
+            </a:r>
+            <a:r>
+              <a:rPr lang="ko-KR" altLang="en-US" dirty="0"/>
+              <a:t>집단 </a:t>
+            </a:r>
+            <a:r>
+              <a:rPr lang="en-US" altLang="ko-KR" dirty="0"/>
+              <a:t>: </a:t>
+            </a:r>
+            <a:r>
+              <a:rPr lang="ko-KR" altLang="en-US" dirty="0"/>
+              <a:t>꾸준히 헬스장을 이용하는 </a:t>
+            </a:r>
+            <a:r>
+              <a:rPr lang="ko-KR" altLang="en-US" dirty="0" smtClean="0"/>
+              <a:t>회원</a:t>
+            </a:r>
+            <a:endParaRPr lang="en-US" altLang="ko-KR" dirty="0" smtClean="0"/>
+          </a:p>
+          <a:p>
+            <a:endParaRPr lang="ko-KR" altLang="en-US" dirty="0"/>
+          </a:p>
+          <a:p>
+            <a:r>
+              <a:rPr lang="en-US" altLang="ko-KR" dirty="0" smtClean="0"/>
+              <a:t>3 </a:t>
+            </a:r>
+            <a:r>
+              <a:rPr lang="ko-KR" altLang="en-US" dirty="0"/>
+              <a:t>집단 </a:t>
+            </a:r>
+            <a:r>
+              <a:rPr lang="en-US" altLang="ko-KR" dirty="0"/>
+              <a:t>: </a:t>
+            </a:r>
+            <a:r>
+              <a:rPr lang="ko-KR" altLang="en-US" dirty="0"/>
+              <a:t>헬스장 처음 온 </a:t>
+            </a:r>
+            <a:r>
+              <a:rPr lang="ko-KR" altLang="en-US" dirty="0" smtClean="0"/>
+              <a:t>회원</a:t>
+            </a:r>
+            <a:endParaRPr lang="en-US" altLang="ko-KR" dirty="0" smtClean="0"/>
+          </a:p>
+          <a:p>
+            <a:endParaRPr lang="en-US" altLang="ko-KR" dirty="0" smtClean="0"/>
+          </a:p>
+          <a:p>
+            <a:endParaRPr lang="ko-KR" altLang="en-US" dirty="0"/>
+          </a:p>
+          <a:p>
+            <a:r>
+              <a:rPr lang="en-US" altLang="ko-KR" dirty="0" smtClean="0"/>
+              <a:t>2</a:t>
+            </a:r>
+            <a:r>
+              <a:rPr lang="en-US" altLang="ko-KR" dirty="0"/>
+              <a:t>, 3 </a:t>
+            </a:r>
+            <a:r>
+              <a:rPr lang="ko-KR" altLang="en-US" dirty="0"/>
+              <a:t>집단의 </a:t>
+            </a:r>
+            <a:r>
+              <a:rPr lang="ko-KR" altLang="en-US" dirty="0" err="1"/>
+              <a:t>탈퇴율이</a:t>
+            </a:r>
+            <a:r>
+              <a:rPr lang="ko-KR" altLang="en-US" dirty="0"/>
+              <a:t> 낮고</a:t>
+            </a:r>
+            <a:r>
+              <a:rPr lang="en-US" altLang="ko-KR" dirty="0"/>
+              <a:t>, </a:t>
+            </a:r>
+            <a:endParaRPr lang="en-US" altLang="ko-KR" dirty="0" smtClean="0"/>
+          </a:p>
+          <a:p>
+            <a:r>
+              <a:rPr lang="en-US" altLang="ko-KR" dirty="0" smtClean="0"/>
+              <a:t>0</a:t>
+            </a:r>
+            <a:r>
+              <a:rPr lang="en-US" altLang="ko-KR" dirty="0"/>
+              <a:t>, 1 </a:t>
+            </a:r>
+            <a:r>
+              <a:rPr lang="ko-KR" altLang="en-US" dirty="0"/>
+              <a:t>집단의 탈퇴 회원 수가 각각 </a:t>
+            </a:r>
+            <a:r>
+              <a:rPr lang="en-US" altLang="ko-KR" dirty="0"/>
+              <a:t>543</a:t>
+            </a:r>
+            <a:r>
+              <a:rPr lang="ko-KR" altLang="en-US" dirty="0"/>
+              <a:t>명</a:t>
+            </a:r>
+            <a:r>
+              <a:rPr lang="en-US" altLang="ko-KR" dirty="0"/>
+              <a:t>, 771</a:t>
+            </a:r>
+            <a:r>
+              <a:rPr lang="ko-KR" altLang="en-US" dirty="0"/>
+              <a:t>명인 모습</a:t>
+            </a:r>
+            <a:r>
+              <a:rPr lang="en-US" altLang="ko-KR" dirty="0" smtClean="0"/>
+              <a:t>,</a:t>
+            </a:r>
+          </a:p>
+          <a:p>
+            <a:r>
+              <a:rPr lang="en-US" altLang="ko-KR" dirty="0" smtClean="0"/>
+              <a:t>1 </a:t>
+            </a:r>
+            <a:r>
+              <a:rPr lang="ko-KR" altLang="en-US" dirty="0"/>
+              <a:t>집단의 경우 전원 </a:t>
+            </a:r>
+            <a:r>
+              <a:rPr lang="ko-KR" altLang="en-US" dirty="0" smtClean="0"/>
+              <a:t>탈퇴했다</a:t>
+            </a:r>
+            <a:endParaRPr lang="en-US" altLang="ko-KR" dirty="0" smtClean="0"/>
+          </a:p>
+        </p:txBody>
+      </p:sp>
+      <p:pic>
+        <p:nvPicPr>
+          <p:cNvPr id="4" name="그림 3"/>
+          <p:cNvPicPr>
+            <a:picLocks noChangeAspect="1"/>
+          </p:cNvPicPr>
+          <p:nvPr/>
+        </p:nvPicPr>
+        <p:blipFill>
+          <a:blip r:embed="rId2">
+            <a:extLst>
+              <a:ext uri="{28A0092B-C50C-407E-A947-70E740481C1C}">
+                <a14:useLocalDpi xmlns:a14="http://schemas.microsoft.com/office/drawing/2010/main" val="0"/>
+              </a:ext>
+            </a:extLst>
+          </a:blip>
+          <a:stretch>
+            <a:fillRect/>
+          </a:stretch>
+        </p:blipFill>
+        <p:spPr>
+          <a:xfrm>
+            <a:off x="311406" y="1955826"/>
+            <a:ext cx="5016620" cy="4104506"/>
+          </a:xfrm>
+          <a:prstGeom prst="rect">
+            <a:avLst/>
+          </a:prstGeom>
+        </p:spPr>
+      </p:pic>
+      <p:sp>
+        <p:nvSpPr>
+          <p:cNvPr id="5" name="액자 4"/>
+          <p:cNvSpPr/>
+          <p:nvPr/>
+        </p:nvSpPr>
+        <p:spPr>
+          <a:xfrm>
+            <a:off x="1906292" y="1767963"/>
+            <a:ext cx="3421734" cy="4493352"/>
+          </a:xfrm>
+          <a:prstGeom prst="frame">
+            <a:avLst>
+              <a:gd name="adj1" fmla="val 4775"/>
+            </a:avLst>
+          </a:prstGeom>
+          <a:solidFill>
+            <a:srgbClr val="FF0000"/>
+          </a:solidFill>
+          <a:ln>
+            <a:noFill/>
+          </a:ln>
+        </p:spPr>
+        <p:style>
+          <a:lnRef idx="2">
+            <a:schemeClr val="accent1">
+              <a:shade val="50000"/>
+            </a:schemeClr>
+          </a:lnRef>
+          <a:fillRef idx="1">
+            <a:schemeClr val="accent1"/>
+          </a:fillRef>
+          <a:effectRef idx="0">
+            <a:schemeClr val="accent1"/>
+          </a:effectRef>
+          <a:fontRef idx="minor">
+            <a:schemeClr val="lt1"/>
+          </a:fontRef>
+        </p:style>
+        <p:txBody>
+          <a:bodyPr rtlCol="0" anchor="ctr"/>
+          <a:lstStyle/>
+          <a:p>
+            <a:pPr algn="ctr"/>
+            <a:endParaRPr lang="ko-KR" altLang="en-US">
+              <a:solidFill>
+                <a:schemeClr val="tx1"/>
+              </a:solidFill>
+            </a:endParaRPr>
+          </a:p>
+        </p:txBody>
+      </p:sp>
+    </p:spTree>
+    <p:extLst>
+      <p:ext uri="{BB962C8B-B14F-4D97-AF65-F5344CB8AC3E}">
+        <p14:creationId xmlns:p14="http://schemas.microsoft.com/office/powerpoint/2010/main" val="3862186291"/>
+      </p:ext>
+    </p:extLst>
+  </p:cSld>
+  <p:clrMapOvr>
+    <a:masterClrMapping/>
+  </p:clrMapOvr>
+</p:sld>
+</file>
+
+<file path=ppt/slides/slide27.xml><?xml version="1.0" encoding="utf-8"?>
+<p:sld xmlns:a="http://schemas.openxmlformats.org/drawingml/2006/main" xmlns:r="http://schemas.openxmlformats.org/officeDocument/2006/relationships" xmlns:p="http://schemas.openxmlformats.org/presentationml/2006/main">
+  <p:cSld>
+    <p:spTree>
+      <p:nvGrpSpPr>
+        <p:cNvPr id="1" name=""/>
+        <p:cNvGrpSpPr/>
+        <p:nvPr/>
+      </p:nvGrpSpPr>
+      <p:grpSpPr>
+        <a:xfrm>
+          <a:off x="0" y="0"/>
+          <a:ext cx="0" cy="0"/>
+          <a:chOff x="0" y="0"/>
+          <a:chExt cx="0" cy="0"/>
+        </a:xfrm>
+      </p:grpSpPr>
+      <p:sp>
+        <p:nvSpPr>
+          <p:cNvPr id="2" name="제목 1"/>
+          <p:cNvSpPr>
+            <a:spLocks noGrp="1"/>
+          </p:cNvSpPr>
+          <p:nvPr>
+            <p:ph type="title"/>
+          </p:nvPr>
+        </p:nvSpPr>
+        <p:spPr/>
+        <p:txBody>
+          <a:bodyPr/>
+          <a:lstStyle/>
+          <a:p>
+            <a:r>
+              <a:rPr lang="ko-KR" altLang="en-US" dirty="0" smtClean="0"/>
               <a:t>선형 회귀</a:t>
             </a:r>
             <a:endParaRPr lang="ko-KR" altLang="en-US" dirty="0"/>
@@ -6595,7 +6625,7 @@
 </p:sld>
 </file>
 
-<file path=ppt/slides/slide27.xml><?xml version="1.0" encoding="utf-8"?>
+<file path=ppt/slides/slide28.xml><?xml version="1.0" encoding="utf-8"?>
 <p:sld xmlns:a="http://schemas.openxmlformats.org/drawingml/2006/main" xmlns:r="http://schemas.openxmlformats.org/officeDocument/2006/relationships" xmlns:p="http://schemas.openxmlformats.org/presentationml/2006/main">
   <p:cSld>
     <p:spTree>
@@ -6723,7 +6753,7 @@
 </p:sld>
 </file>
 
-<file path=ppt/slides/slide28.xml><?xml version="1.0" encoding="utf-8"?>
+<file path=ppt/slides/slide29.xml><?xml version="1.0" encoding="utf-8"?>
 <p:sld xmlns:a="http://schemas.openxmlformats.org/drawingml/2006/main" xmlns:r="http://schemas.openxmlformats.org/officeDocument/2006/relationships" xmlns:p="http://schemas.openxmlformats.org/presentationml/2006/main">
   <p:cSld>
     <p:spTree>
@@ -6836,355 +6866,6 @@
 </p:sld>
 </file>
 
-<file path=ppt/slides/slide29.xml><?xml version="1.0" encoding="utf-8"?>
-<p:sld xmlns:a="http://schemas.openxmlformats.org/drawingml/2006/main" xmlns:r="http://schemas.openxmlformats.org/officeDocument/2006/relationships" xmlns:p="http://schemas.openxmlformats.org/presentationml/2006/main">
-  <p:cSld>
-    <p:spTree>
-      <p:nvGrpSpPr>
-        <p:cNvPr id="1" name=""/>
-        <p:cNvGrpSpPr/>
-        <p:nvPr/>
-      </p:nvGrpSpPr>
-      <p:grpSpPr>
-        <a:xfrm>
-          <a:off x="0" y="0"/>
-          <a:ext cx="0" cy="0"/>
-          <a:chOff x="0" y="0"/>
-          <a:chExt cx="0" cy="0"/>
-        </a:xfrm>
-      </p:grpSpPr>
-      <p:sp>
-        <p:nvSpPr>
-          <p:cNvPr id="2" name="제목 1"/>
-          <p:cNvSpPr>
-            <a:spLocks noGrp="1"/>
-          </p:cNvSpPr>
-          <p:nvPr>
-            <p:ph type="title"/>
-          </p:nvPr>
-        </p:nvSpPr>
-        <p:spPr/>
-        <p:txBody>
-          <a:bodyPr/>
-          <a:lstStyle/>
-          <a:p>
-            <a:r>
-              <a:rPr lang="ko-KR" altLang="en-US" dirty="0" smtClean="0"/>
-              <a:t>고객의 소리</a:t>
-            </a:r>
-            <a:endParaRPr lang="ko-KR" altLang="en-US" dirty="0"/>
-          </a:p>
-        </p:txBody>
-      </p:sp>
-      <p:sp>
-        <p:nvSpPr>
-          <p:cNvPr id="3" name="TextBox 2"/>
-          <p:cNvSpPr txBox="1"/>
-          <p:nvPr/>
-        </p:nvSpPr>
-        <p:spPr>
-          <a:xfrm>
-            <a:off x="546371" y="1687235"/>
-            <a:ext cx="10724827" cy="646331"/>
-          </a:xfrm>
-          <a:prstGeom prst="rect">
-            <a:avLst/>
-          </a:prstGeom>
-          <a:noFill/>
-        </p:spPr>
-        <p:txBody>
-          <a:bodyPr wrap="square" rtlCol="0">
-            <a:spAutoFit/>
-          </a:bodyPr>
-          <a:lstStyle/>
-          <a:p>
-            <a:r>
-              <a:rPr lang="ko-KR" altLang="en-US" dirty="0"/>
-              <a:t>잘 생각해보면 회원을 정착시키고 늘려가는 것보다 탈퇴를 막는 것이 중요한 것 같습니다</a:t>
-            </a:r>
-            <a:r>
-              <a:rPr lang="en-US" altLang="ko-KR" dirty="0"/>
-              <a:t>. </a:t>
-            </a:r>
-            <a:r>
-              <a:rPr lang="ko-KR" altLang="en-US" dirty="0"/>
-              <a:t>탈퇴 이유를 알 수 있나요</a:t>
-            </a:r>
-            <a:r>
-              <a:rPr lang="en-US" altLang="ko-KR" dirty="0"/>
-              <a:t>?</a:t>
-            </a:r>
-            <a:endParaRPr lang="ko-KR" altLang="en-US" dirty="0"/>
-          </a:p>
-        </p:txBody>
-      </p:sp>
-      <p:sp>
-        <p:nvSpPr>
-          <p:cNvPr id="4" name="TextBox 3"/>
-          <p:cNvSpPr txBox="1"/>
-          <p:nvPr/>
-        </p:nvSpPr>
-        <p:spPr>
-          <a:xfrm>
-            <a:off x="546371" y="2524665"/>
-            <a:ext cx="10633156" cy="3416320"/>
-          </a:xfrm>
-          <a:prstGeom prst="rect">
-            <a:avLst/>
-          </a:prstGeom>
-          <a:noFill/>
-        </p:spPr>
-        <p:txBody>
-          <a:bodyPr wrap="square" rtlCol="0">
-            <a:spAutoFit/>
-          </a:bodyPr>
-          <a:lstStyle/>
-          <a:p>
-            <a:r>
-              <a:rPr lang="ko-KR" altLang="en-US" b="1" dirty="0" smtClean="0"/>
-              <a:t>회원 </a:t>
-            </a:r>
-            <a:r>
-              <a:rPr lang="ko-KR" altLang="en-US" b="1" dirty="0"/>
-              <a:t>탈퇴 </a:t>
-            </a:r>
-            <a:r>
-              <a:rPr lang="ko-KR" altLang="en-US" b="1" dirty="0" smtClean="0"/>
-              <a:t>예측</a:t>
-            </a:r>
-            <a:endParaRPr lang="en-US" altLang="ko-KR" b="1" dirty="0" smtClean="0"/>
-          </a:p>
-          <a:p>
-            <a:endParaRPr lang="en-US" altLang="ko-KR" dirty="0" smtClean="0"/>
-          </a:p>
-          <a:p>
-            <a:r>
-              <a:rPr lang="en-US" altLang="ko-KR" dirty="0" smtClean="0"/>
-              <a:t>1) </a:t>
-            </a:r>
-            <a:r>
-              <a:rPr lang="ko-KR" altLang="en-US" dirty="0" smtClean="0"/>
-              <a:t>탈퇴 </a:t>
-            </a:r>
-            <a:r>
-              <a:rPr lang="ko-KR" altLang="en-US" dirty="0"/>
-              <a:t>전월의 탈퇴 고객 데이터 </a:t>
-            </a:r>
-            <a:r>
-              <a:rPr lang="ko-KR" altLang="en-US" dirty="0" smtClean="0"/>
-              <a:t>작성</a:t>
-            </a:r>
-            <a:endParaRPr lang="en-US" altLang="ko-KR" dirty="0" smtClean="0"/>
-          </a:p>
-          <a:p>
-            <a:r>
-              <a:rPr lang="en-US" altLang="ko-KR" dirty="0" smtClean="0"/>
-              <a:t>2) </a:t>
-            </a:r>
-            <a:r>
-              <a:rPr lang="ko-KR" altLang="en-US" dirty="0" smtClean="0"/>
-              <a:t>탈퇴 </a:t>
-            </a:r>
-            <a:r>
-              <a:rPr lang="ko-KR" altLang="en-US" dirty="0"/>
-              <a:t>월을 </a:t>
-            </a:r>
-            <a:r>
-              <a:rPr lang="en-US" altLang="ko-KR" dirty="0"/>
-              <a:t>2018</a:t>
-            </a:r>
-            <a:r>
-              <a:rPr lang="ko-KR" altLang="en-US" dirty="0"/>
-              <a:t>년 </a:t>
-            </a:r>
-            <a:r>
-              <a:rPr lang="en-US" altLang="ko-KR" dirty="0"/>
-              <a:t>9</a:t>
-            </a:r>
-            <a:r>
-              <a:rPr lang="ko-KR" altLang="en-US" dirty="0"/>
-              <a:t>월로 하고 그 </a:t>
-            </a:r>
-            <a:r>
-              <a:rPr lang="en-US" altLang="ko-KR" dirty="0"/>
-              <a:t>1</a:t>
-            </a:r>
-            <a:r>
-              <a:rPr lang="ko-KR" altLang="en-US" dirty="0"/>
-              <a:t>개월 전인 </a:t>
-            </a:r>
-            <a:r>
-              <a:rPr lang="en-US" altLang="ko-KR" dirty="0" smtClean="0"/>
-              <a:t>8</a:t>
-            </a:r>
-            <a:r>
-              <a:rPr lang="ko-KR" altLang="en-US" dirty="0"/>
-              <a:t>월의 데이터로부터 </a:t>
-            </a:r>
-            <a:r>
-              <a:rPr lang="en-US" altLang="ko-KR" dirty="0"/>
-              <a:t>9</a:t>
-            </a:r>
-            <a:r>
-              <a:rPr lang="ko-KR" altLang="en-US" dirty="0"/>
-              <a:t>월에 탈퇴 신청을 할 </a:t>
-            </a:r>
-            <a:r>
-              <a:rPr lang="ko-KR" altLang="en-US" dirty="0" smtClean="0"/>
-              <a:t>확률</a:t>
-            </a:r>
-            <a:endParaRPr lang="en-US" altLang="ko-KR" dirty="0" smtClean="0"/>
-          </a:p>
-          <a:p>
-            <a:r>
-              <a:rPr lang="en-US" altLang="ko-KR" dirty="0" smtClean="0"/>
-              <a:t>3) </a:t>
-            </a:r>
-            <a:r>
-              <a:rPr lang="ko-KR" altLang="en-US" dirty="0" smtClean="0"/>
-              <a:t>지속 </a:t>
-            </a:r>
-            <a:r>
-              <a:rPr lang="ko-KR" altLang="en-US" dirty="0"/>
-              <a:t>회원의 데이터 </a:t>
-            </a:r>
-            <a:r>
-              <a:rPr lang="ko-KR" altLang="en-US" dirty="0" smtClean="0"/>
-              <a:t>작성</a:t>
-            </a:r>
-            <a:endParaRPr lang="en-US" altLang="ko-KR" dirty="0" smtClean="0"/>
-          </a:p>
-          <a:p>
-            <a:r>
-              <a:rPr lang="en-US" altLang="ko-KR" dirty="0" smtClean="0"/>
-              <a:t>4) </a:t>
-            </a:r>
-            <a:r>
-              <a:rPr lang="ko-KR" altLang="en-US" dirty="0"/>
-              <a:t>예측할 달의 재적 기간을 </a:t>
-            </a:r>
-            <a:r>
-              <a:rPr lang="ko-KR" altLang="en-US" dirty="0" smtClean="0"/>
-              <a:t>작성</a:t>
-            </a:r>
-            <a:endParaRPr lang="en-US" altLang="ko-KR" dirty="0" smtClean="0"/>
-          </a:p>
-          <a:p>
-            <a:r>
-              <a:rPr lang="en-US" altLang="ko-KR" dirty="0" smtClean="0"/>
-              <a:t>5) </a:t>
-            </a:r>
-            <a:r>
-              <a:rPr lang="ko-KR" altLang="en-US" dirty="0" err="1"/>
-              <a:t>결측치</a:t>
-            </a:r>
-            <a:r>
-              <a:rPr lang="ko-KR" altLang="en-US" dirty="0"/>
-              <a:t> </a:t>
-            </a:r>
-            <a:r>
-              <a:rPr lang="ko-KR" altLang="en-US" dirty="0" smtClean="0"/>
-              <a:t>제거</a:t>
-            </a:r>
-            <a:r>
-              <a:rPr lang="en-US" altLang="ko-KR" dirty="0" smtClean="0"/>
-              <a:t/>
-            </a:r>
-            <a:br>
-              <a:rPr lang="en-US" altLang="ko-KR" dirty="0" smtClean="0"/>
-            </a:br>
-            <a:r>
-              <a:rPr lang="en-US" altLang="ko-KR" dirty="0" smtClean="0"/>
-              <a:t>6) </a:t>
-            </a:r>
-            <a:r>
-              <a:rPr lang="ko-KR" altLang="en-US" dirty="0"/>
-              <a:t>문자열 변수 </a:t>
-            </a:r>
-            <a:r>
-              <a:rPr lang="ko-KR" altLang="en-US" dirty="0" smtClean="0"/>
-              <a:t>처리</a:t>
-            </a:r>
-            <a:endParaRPr lang="en-US" altLang="ko-KR" dirty="0" smtClean="0"/>
-          </a:p>
-          <a:p>
-            <a:r>
-              <a:rPr lang="en-US" altLang="ko-KR" dirty="0" smtClean="0"/>
-              <a:t>7) </a:t>
-            </a:r>
-            <a:r>
-              <a:rPr lang="ko-KR" altLang="en-US" dirty="0"/>
-              <a:t>의사결정트리를 사용해서 탈퇴 예측 모델 </a:t>
-            </a:r>
-            <a:r>
-              <a:rPr lang="ko-KR" altLang="en-US" dirty="0" smtClean="0"/>
-              <a:t>구축</a:t>
-            </a:r>
-            <a:endParaRPr lang="en-US" altLang="ko-KR" dirty="0" smtClean="0"/>
-          </a:p>
-          <a:p>
-            <a:r>
-              <a:rPr lang="en-US" altLang="ko-KR" dirty="0" smtClean="0"/>
-              <a:t>8) </a:t>
-            </a:r>
-            <a:r>
-              <a:rPr lang="ko-KR" altLang="en-US" dirty="0"/>
-              <a:t>예측 모델을 평가하고 모델 </a:t>
-            </a:r>
-            <a:r>
-              <a:rPr lang="ko-KR" altLang="en-US" dirty="0" smtClean="0"/>
-              <a:t>튜닝</a:t>
-            </a:r>
-            <a:endParaRPr lang="en-US" altLang="ko-KR" dirty="0" smtClean="0"/>
-          </a:p>
-          <a:p>
-            <a:r>
-              <a:rPr lang="en-US" altLang="ko-KR" dirty="0" smtClean="0"/>
-              <a:t>9) </a:t>
-            </a:r>
-            <a:r>
-              <a:rPr lang="ko-KR" altLang="en-US" dirty="0"/>
-              <a:t>모델에 기여하는 변수 </a:t>
-            </a:r>
-            <a:r>
-              <a:rPr lang="ko-KR" altLang="en-US" dirty="0" smtClean="0"/>
-              <a:t>확인</a:t>
-            </a:r>
-            <a:endParaRPr lang="en-US" altLang="ko-KR" dirty="0" smtClean="0"/>
-          </a:p>
-          <a:p>
-            <a:r>
-              <a:rPr lang="en-US" altLang="ko-KR" dirty="0" smtClean="0"/>
-              <a:t>10) </a:t>
-            </a:r>
-            <a:r>
-              <a:rPr lang="ko-KR" altLang="en-US" dirty="0"/>
-              <a:t>회원 탈퇴 예측</a:t>
-            </a:r>
-            <a:endParaRPr lang="en-US" altLang="ko-KR" dirty="0"/>
-          </a:p>
-        </p:txBody>
-      </p:sp>
-    </p:spTree>
-    <p:extLst>
-      <p:ext uri="{BB962C8B-B14F-4D97-AF65-F5344CB8AC3E}">
-        <p14:creationId xmlns:p14="http://schemas.microsoft.com/office/powerpoint/2010/main" val="177033876"/>
-      </p:ext>
-    </p:extLst>
-  </p:cSld>
-  <p:clrMapOvr>
-    <a:masterClrMapping/>
-  </p:clrMapOvr>
-  <p:timing>
-    <p:tnLst>
-      <p:par>
-        <p:cTn id="1" dur="indefinite" restart="never" nodeType="tmRoot"/>
-      </p:par>
-    </p:tnLst>
-  </p:timing>
-</p:sld>
-</file>
-
 <file path=ppt/slides/slide3.xml><?xml version="1.0" encoding="utf-8"?>
 <p:sld xmlns:a="http://schemas.openxmlformats.org/drawingml/2006/main" xmlns:r="http://schemas.openxmlformats.org/officeDocument/2006/relationships" xmlns:p="http://schemas.openxmlformats.org/presentationml/2006/main">
   <p:cSld>
@@ -7218,57 +6899,169 @@
           <a:lstStyle/>
           <a:p>
             <a:r>
-              <a:rPr lang="en-US" altLang="ko-KR" dirty="0"/>
-              <a:t>u</a:t>
-            </a:r>
-            <a:r>
               <a:rPr lang="en-US" altLang="ko-KR" dirty="0" smtClean="0"/>
-              <a:t>se_log.csv</a:t>
+              <a:t>Data</a:t>
             </a:r>
             <a:endParaRPr lang="ko-KR" altLang="en-US" dirty="0"/>
           </a:p>
         </p:txBody>
       </p:sp>
-      <p:pic>
-        <p:nvPicPr>
-          <p:cNvPr id="3" name="그림 2"/>
-          <p:cNvPicPr>
-            <a:picLocks noChangeAspect="1"/>
-          </p:cNvPicPr>
+      <p:grpSp>
+        <p:nvGrpSpPr>
+          <p:cNvPr id="8" name="그룹 7"/>
+          <p:cNvGrpSpPr/>
           <p:nvPr/>
-        </p:nvPicPr>
-        <p:blipFill>
-          <a:blip r:embed="rId2">
-            <a:extLst>
-              <a:ext uri="{28A0092B-C50C-407E-A947-70E740481C1C}">
-                <a14:useLocalDpi xmlns:a14="http://schemas.microsoft.com/office/drawing/2010/main" val="0"/>
-              </a:ext>
-            </a:extLst>
-          </a:blip>
-          <a:stretch>
-            <a:fillRect/>
-          </a:stretch>
-        </p:blipFill>
-        <p:spPr>
-          <a:xfrm>
-            <a:off x="2551773" y="2027485"/>
-            <a:ext cx="7088455" cy="3745603"/>
-          </a:xfrm>
-          <a:prstGeom prst="rect">
-            <a:avLst/>
-          </a:prstGeom>
-        </p:spPr>
-      </p:pic>
-      <p:sp>
-        <p:nvSpPr>
-          <p:cNvPr id="4" name="TextBox 3"/>
+        </p:nvGrpSpPr>
+        <p:grpSpPr>
+          <a:xfrm>
+            <a:off x="2551773" y="1680801"/>
+            <a:ext cx="7088455" cy="4195944"/>
+            <a:chOff x="2551773" y="1577144"/>
+            <a:chExt cx="7088455" cy="4195944"/>
+          </a:xfrm>
+        </p:grpSpPr>
+        <p:pic>
+          <p:nvPicPr>
+            <p:cNvPr id="3" name="그림 2"/>
+            <p:cNvPicPr>
+              <a:picLocks noChangeAspect="1"/>
+            </p:cNvPicPr>
+            <p:nvPr/>
+          </p:nvPicPr>
+          <p:blipFill>
+            <a:blip r:embed="rId2">
+              <a:extLst>
+                <a:ext uri="{28A0092B-C50C-407E-A947-70E740481C1C}">
+                  <a14:useLocalDpi xmlns:a14="http://schemas.microsoft.com/office/drawing/2010/main" val="0"/>
+                </a:ext>
+              </a:extLst>
+            </a:blip>
+            <a:stretch>
+              <a:fillRect/>
+            </a:stretch>
+          </p:blipFill>
+          <p:spPr>
+            <a:xfrm>
+              <a:off x="2551773" y="2027485"/>
+              <a:ext cx="7088455" cy="3745603"/>
+            </a:xfrm>
+            <a:prstGeom prst="rect">
+              <a:avLst/>
+            </a:prstGeom>
+          </p:spPr>
+        </p:pic>
+        <p:sp>
+          <p:nvSpPr>
+            <p:cNvPr id="4" name="TextBox 3"/>
+            <p:cNvSpPr txBox="1"/>
+            <p:nvPr/>
+          </p:nvSpPr>
+          <p:spPr>
+            <a:xfrm>
+              <a:off x="5986277" y="1577144"/>
+              <a:ext cx="1623392" cy="369332"/>
+            </a:xfrm>
+            <a:prstGeom prst="rect">
+              <a:avLst/>
+            </a:prstGeom>
+            <a:noFill/>
+          </p:spPr>
+          <p:txBody>
+            <a:bodyPr wrap="square" rtlCol="0">
+              <a:spAutoFit/>
+            </a:bodyPr>
+            <a:lstStyle/>
+            <a:p>
+              <a:pPr algn="ctr"/>
+              <a:r>
+                <a:rPr lang="ko-KR" altLang="en-US" dirty="0" smtClean="0"/>
+                <a:t>회원 </a:t>
+              </a:r>
+              <a:r>
+                <a:rPr lang="en-US" altLang="ko-KR" dirty="0" smtClean="0"/>
+                <a:t>id</a:t>
+              </a:r>
+              <a:endParaRPr lang="ko-KR" altLang="en-US" dirty="0"/>
+            </a:p>
+          </p:txBody>
+        </p:sp>
+        <p:sp>
+          <p:nvSpPr>
+            <p:cNvPr id="5" name="TextBox 4"/>
+            <p:cNvSpPr txBox="1"/>
+            <p:nvPr/>
+          </p:nvSpPr>
+          <p:spPr>
+            <a:xfrm>
+              <a:off x="7877070" y="1577144"/>
+              <a:ext cx="1623392" cy="369332"/>
+            </a:xfrm>
+            <a:prstGeom prst="rect">
+              <a:avLst/>
+            </a:prstGeom>
+            <a:noFill/>
+          </p:spPr>
+          <p:txBody>
+            <a:bodyPr wrap="square" rtlCol="0">
+              <a:spAutoFit/>
+            </a:bodyPr>
+            <a:lstStyle/>
+            <a:p>
+              <a:pPr algn="ctr"/>
+              <a:r>
+                <a:rPr lang="ko-KR" altLang="en-US" dirty="0" smtClean="0"/>
+                <a:t>사용 일자</a:t>
+              </a:r>
+              <a:endParaRPr lang="ko-KR" altLang="en-US" dirty="0"/>
+            </a:p>
+          </p:txBody>
+        </p:sp>
+        <p:sp>
+          <p:nvSpPr>
+            <p:cNvPr id="6" name="TextBox 5"/>
+            <p:cNvSpPr txBox="1"/>
+            <p:nvPr/>
+          </p:nvSpPr>
+          <p:spPr>
+            <a:xfrm>
+              <a:off x="4362885" y="1577144"/>
+              <a:ext cx="1623392" cy="369332"/>
+            </a:xfrm>
+            <a:prstGeom prst="rect">
+              <a:avLst/>
+            </a:prstGeom>
+            <a:noFill/>
+          </p:spPr>
+          <p:txBody>
+            <a:bodyPr wrap="square" rtlCol="0">
+              <a:spAutoFit/>
+            </a:bodyPr>
+            <a:lstStyle/>
+            <a:p>
+              <a:pPr algn="ctr"/>
+              <a:r>
+                <a:rPr lang="ko-KR" altLang="en-US" dirty="0" smtClean="0"/>
+                <a:t>로그 </a:t>
+              </a:r>
+              <a:r>
+                <a:rPr lang="en-US" altLang="ko-KR" dirty="0" smtClean="0"/>
+                <a:t>id</a:t>
+              </a:r>
+              <a:endParaRPr lang="ko-KR" altLang="en-US" dirty="0"/>
+            </a:p>
+          </p:txBody>
+        </p:sp>
+      </p:grpSp>
+      <p:sp>
+        <p:nvSpPr>
+          <p:cNvPr id="7" name="TextBox 6"/>
           <p:cNvSpPr txBox="1"/>
           <p:nvPr/>
         </p:nvSpPr>
         <p:spPr>
           <a:xfrm>
-            <a:off x="5986277" y="1577144"/>
-            <a:ext cx="1623392" cy="369332"/>
+            <a:off x="933828" y="1311469"/>
+            <a:ext cx="10724827" cy="369332"/>
           </a:xfrm>
           <a:prstGeom prst="rect">
             <a:avLst/>
@@ -7281,80 +7074,9 @@
           </a:bodyPr>
           <a:lstStyle/>
           <a:p>
-            <a:pPr algn="ctr"/>
-            <a:r>
-              <a:rPr lang="ko-KR" altLang="en-US" dirty="0" smtClean="0"/>
-              <a:t>회원 </a:t>
-            </a:r>
-            <a:r>
-              <a:rPr lang="en-US" altLang="ko-KR" dirty="0" smtClean="0"/>
-              <a:t>id</a:t>
-            </a:r>
-            <a:endParaRPr lang="ko-KR" altLang="en-US" dirty="0"/>
-          </a:p>
-        </p:txBody>
-      </p:sp>
-      <p:sp>
-        <p:nvSpPr>
-          <p:cNvPr id="5" name="TextBox 4"/>
-          <p:cNvSpPr txBox="1"/>
-          <p:nvPr/>
-        </p:nvSpPr>
-        <p:spPr>
-          <a:xfrm>
-            <a:off x="7877070" y="1577144"/>
-            <a:ext cx="1623392" cy="369332"/>
-          </a:xfrm>
-          <a:prstGeom prst="rect">
-            <a:avLst/>
-          </a:prstGeom>
-          <a:noFill/>
-        </p:spPr>
-        <p:txBody>
-          <a:bodyPr wrap="square" rtlCol="0">
-            <a:spAutoFit/>
-          </a:bodyPr>
-          <a:lstStyle/>
-          <a:p>
-            <a:pPr algn="ctr"/>
-            <a:r>
-              <a:rPr lang="ko-KR" altLang="en-US" dirty="0" smtClean="0"/>
-              <a:t>사용 일자</a:t>
-            </a:r>
-            <a:endParaRPr lang="ko-KR" altLang="en-US" dirty="0"/>
-          </a:p>
-        </p:txBody>
-      </p:sp>
-      <p:sp>
-        <p:nvSpPr>
-          <p:cNvPr id="6" name="TextBox 5"/>
-          <p:cNvSpPr txBox="1"/>
-          <p:nvPr/>
-        </p:nvSpPr>
-        <p:spPr>
-          <a:xfrm>
-            <a:off x="4362885" y="1577144"/>
-            <a:ext cx="1623392" cy="369332"/>
-          </a:xfrm>
-          <a:prstGeom prst="rect">
-            <a:avLst/>
-          </a:prstGeom>
-          <a:noFill/>
-        </p:spPr>
-        <p:txBody>
-          <a:bodyPr wrap="square" rtlCol="0">
-            <a:spAutoFit/>
-          </a:bodyPr>
-          <a:lstStyle/>
-          <a:p>
-            <a:pPr algn="ctr"/>
-            <a:r>
-              <a:rPr lang="ko-KR" altLang="en-US" dirty="0" smtClean="0"/>
-              <a:t>로그 </a:t>
-            </a:r>
-            <a:r>
-              <a:rPr lang="en-US" altLang="ko-KR" dirty="0" smtClean="0"/>
-              <a:t>id</a:t>
+            <a:r>
+              <a:rPr lang="en-US" altLang="ko-KR" dirty="0"/>
+              <a:t>use_log.csv</a:t>
             </a:r>
             <a:endParaRPr lang="ko-KR" altLang="en-US" dirty="0"/>
           </a:p>
@@ -7405,128 +7127,14 @@
           <a:bodyPr/>
           <a:lstStyle/>
           <a:p>
-            <a:r>
-              <a:rPr lang="ko-KR" altLang="en-US" dirty="0" smtClean="0"/>
-              <a:t>탈퇴 회원 데이터 가공</a:t>
-            </a:r>
-            <a:endParaRPr lang="ko-KR" altLang="en-US" dirty="0"/>
-          </a:p>
-        </p:txBody>
-      </p:sp>
-      <p:pic>
-        <p:nvPicPr>
-          <p:cNvPr id="7" name="그림 6"/>
-          <p:cNvPicPr>
-            <a:picLocks noChangeAspect="1"/>
-          </p:cNvPicPr>
-          <p:nvPr/>
-        </p:nvPicPr>
-        <p:blipFill rotWithShape="1">
-          <a:blip r:embed="rId2">
-            <a:extLst>
-              <a:ext uri="{28A0092B-C50C-407E-A947-70E740481C1C}">
-                <a14:useLocalDpi xmlns:a14="http://schemas.microsoft.com/office/drawing/2010/main" val="0"/>
-              </a:ext>
-            </a:extLst>
-          </a:blip>
-          <a:srcRect r="51860"/>
-          <a:stretch/>
-        </p:blipFill>
-        <p:spPr>
-          <a:xfrm>
-            <a:off x="2500394" y="1325654"/>
-            <a:ext cx="7191213" cy="2430272"/>
-          </a:xfrm>
-          <a:prstGeom prst="rect">
-            <a:avLst/>
-          </a:prstGeom>
-        </p:spPr>
-      </p:pic>
-      <p:pic>
-        <p:nvPicPr>
-          <p:cNvPr id="8" name="그림 7"/>
-          <p:cNvPicPr>
-            <a:picLocks noChangeAspect="1"/>
-          </p:cNvPicPr>
-          <p:nvPr/>
-        </p:nvPicPr>
-        <p:blipFill rotWithShape="1">
-          <a:blip r:embed="rId2">
-            <a:extLst>
-              <a:ext uri="{28A0092B-C50C-407E-A947-70E740481C1C}">
-                <a14:useLocalDpi xmlns:a14="http://schemas.microsoft.com/office/drawing/2010/main" val="0"/>
-              </a:ext>
-            </a:extLst>
-          </a:blip>
-          <a:srcRect l="49607"/>
-          <a:stretch/>
-        </p:blipFill>
-        <p:spPr>
-          <a:xfrm>
-            <a:off x="2128350" y="3947040"/>
-            <a:ext cx="7935299" cy="2561893"/>
-          </a:xfrm>
-          <a:prstGeom prst="rect">
-            <a:avLst/>
-          </a:prstGeom>
-        </p:spPr>
-      </p:pic>
-      <p:sp>
-        <p:nvSpPr>
-          <p:cNvPr id="9" name="액자 8"/>
-          <p:cNvSpPr/>
-          <p:nvPr/>
-        </p:nvSpPr>
-        <p:spPr>
-          <a:xfrm>
-            <a:off x="9049674" y="3916044"/>
-            <a:ext cx="1086219" cy="2655238"/>
-          </a:xfrm>
-          <a:prstGeom prst="frame">
-            <a:avLst>
-              <a:gd name="adj1" fmla="val 8328"/>
-            </a:avLst>
-          </a:prstGeom>
-          <a:solidFill>
-            <a:srgbClr val="FF0000"/>
-          </a:solidFill>
-          <a:ln>
-            <a:noFill/>
-          </a:ln>
-        </p:spPr>
-        <p:style>
-          <a:lnRef idx="2">
-            <a:schemeClr val="accent1">
-              <a:shade val="50000"/>
-            </a:schemeClr>
-          </a:lnRef>
-          <a:fillRef idx="1">
-            <a:schemeClr val="accent1"/>
-          </a:fillRef>
-          <a:effectRef idx="0">
-            <a:schemeClr val="accent1"/>
-          </a:effectRef>
-          <a:fontRef idx="minor">
-            <a:schemeClr val="lt1"/>
-          </a:fontRef>
-        </p:style>
-        <p:txBody>
-          <a:bodyPr rtlCol="0" anchor="ctr"/>
-          <a:lstStyle/>
-          <a:p>
-            <a:pPr algn="ctr"/>
-            <a:endParaRPr lang="ko-KR" altLang="en-US">
-              <a:solidFill>
-                <a:schemeClr val="tx1"/>
-              </a:solidFill>
-            </a:endParaRPr>
+            <a:endParaRPr lang="ko-KR" altLang="en-US"/>
           </a:p>
         </p:txBody>
       </p:sp>
     </p:spTree>
     <p:extLst>
       <p:ext uri="{BB962C8B-B14F-4D97-AF65-F5344CB8AC3E}">
-        <p14:creationId xmlns:p14="http://schemas.microsoft.com/office/powerpoint/2010/main" val="1703267211"/>
+        <p14:creationId xmlns:p14="http://schemas.microsoft.com/office/powerpoint/2010/main" val="2998060618"/>
       </p:ext>
     </p:extLst>
   </p:cSld>
@@ -7570,132 +7178,318 @@
           <a:p>
             <a:r>
               <a:rPr lang="ko-KR" altLang="en-US" dirty="0" smtClean="0"/>
-              <a:t>지속 회원 데이터 가공</a:t>
+              <a:t>고객의 소리</a:t>
             </a:r>
             <a:endParaRPr lang="ko-KR" altLang="en-US" dirty="0"/>
           </a:p>
         </p:txBody>
       </p:sp>
-      <p:pic>
-        <p:nvPicPr>
-          <p:cNvPr id="3" name="그림 2"/>
-          <p:cNvPicPr>
-            <a:picLocks noChangeAspect="1"/>
-          </p:cNvPicPr>
+      <p:sp>
+        <p:nvSpPr>
+          <p:cNvPr id="3" name="TextBox 2"/>
+          <p:cNvSpPr txBox="1"/>
           <p:nvPr/>
-        </p:nvPicPr>
-        <p:blipFill rotWithShape="1">
-          <a:blip r:embed="rId2">
-            <a:extLst>
-              <a:ext uri="{28A0092B-C50C-407E-A947-70E740481C1C}">
-                <a14:useLocalDpi xmlns:a14="http://schemas.microsoft.com/office/drawing/2010/main" val="0"/>
-              </a:ext>
-            </a:extLst>
-          </a:blip>
-          <a:srcRect r="52848"/>
-          <a:stretch/>
-        </p:blipFill>
-        <p:spPr>
-          <a:xfrm>
-            <a:off x="1572950" y="1496135"/>
-            <a:ext cx="9046101" cy="2099472"/>
+        </p:nvSpPr>
+        <p:spPr>
+          <a:xfrm>
+            <a:off x="546371" y="1687235"/>
+            <a:ext cx="10724827" cy="646331"/>
           </a:xfrm>
           <a:prstGeom prst="rect">
             <a:avLst/>
           </a:prstGeom>
-        </p:spPr>
-      </p:pic>
-      <p:pic>
-        <p:nvPicPr>
-          <p:cNvPr id="4" name="그림 3"/>
-          <p:cNvPicPr>
-            <a:picLocks noChangeAspect="1"/>
-          </p:cNvPicPr>
+          <a:noFill/>
+        </p:spPr>
+        <p:txBody>
+          <a:bodyPr wrap="square" rtlCol="0">
+            <a:spAutoFit/>
+          </a:bodyPr>
+          <a:lstStyle/>
+          <a:p>
+            <a:r>
+              <a:rPr lang="ko-KR" altLang="en-US" dirty="0"/>
+              <a:t>잘 생각해보면 회원을 정착시키고 늘려가는 것보다 탈퇴를 막는 것이 중요한 것 같습니다</a:t>
+            </a:r>
+            <a:r>
+              <a:rPr lang="en-US" altLang="ko-KR" dirty="0"/>
+              <a:t>. </a:t>
+            </a:r>
+            <a:r>
+              <a:rPr lang="ko-KR" altLang="en-US" dirty="0"/>
+              <a:t>탈퇴 이유를 알 수 있나요</a:t>
+            </a:r>
+            <a:r>
+              <a:rPr lang="en-US" altLang="ko-KR" dirty="0"/>
+              <a:t>?</a:t>
+            </a:r>
+            <a:endParaRPr lang="ko-KR" altLang="en-US" dirty="0"/>
+          </a:p>
+        </p:txBody>
+      </p:sp>
+      <p:sp>
+        <p:nvSpPr>
+          <p:cNvPr id="4" name="TextBox 3"/>
+          <p:cNvSpPr txBox="1"/>
           <p:nvPr/>
-        </p:nvPicPr>
-        <p:blipFill rotWithShape="1">
-          <a:blip r:embed="rId2">
-            <a:extLst>
-              <a:ext uri="{28A0092B-C50C-407E-A947-70E740481C1C}">
-                <a14:useLocalDpi xmlns:a14="http://schemas.microsoft.com/office/drawing/2010/main" val="0"/>
-              </a:ext>
-            </a:extLst>
-          </a:blip>
-          <a:srcRect l="48819"/>
-          <a:stretch/>
-        </p:blipFill>
-        <p:spPr>
-          <a:xfrm>
-            <a:off x="927316" y="3816015"/>
-            <a:ext cx="10337369" cy="2210309"/>
+        </p:nvSpPr>
+        <p:spPr>
+          <a:xfrm>
+            <a:off x="546371" y="2524665"/>
+            <a:ext cx="10633156" cy="3416320"/>
           </a:xfrm>
           <a:prstGeom prst="rect">
             <a:avLst/>
           </a:prstGeom>
-        </p:spPr>
-      </p:pic>
-      <p:sp>
-        <p:nvSpPr>
-          <p:cNvPr id="5" name="액자 4"/>
-          <p:cNvSpPr/>
-          <p:nvPr/>
-        </p:nvSpPr>
-        <p:spPr>
-          <a:xfrm>
-            <a:off x="10193964" y="3754023"/>
-            <a:ext cx="1086219" cy="2367808"/>
-          </a:xfrm>
-          <a:prstGeom prst="frame">
-            <a:avLst>
-              <a:gd name="adj1" fmla="val 8328"/>
-            </a:avLst>
-          </a:prstGeom>
-          <a:solidFill>
-            <a:srgbClr val="FF0000"/>
-          </a:solidFill>
-          <a:ln>
-            <a:noFill/>
-          </a:ln>
-        </p:spPr>
-        <p:style>
-          <a:lnRef idx="2">
-            <a:schemeClr val="accent1">
-              <a:shade val="50000"/>
-            </a:schemeClr>
-          </a:lnRef>
-          <a:fillRef idx="1">
-            <a:schemeClr val="accent1"/>
-          </a:fillRef>
-          <a:effectRef idx="0">
-            <a:schemeClr val="accent1"/>
-          </a:effectRef>
-          <a:fontRef idx="minor">
-            <a:schemeClr val="lt1"/>
-          </a:fontRef>
-        </p:style>
-        <p:txBody>
-          <a:bodyPr rtlCol="0" anchor="ctr"/>
-          <a:lstStyle/>
-          <a:p>
-            <a:pPr algn="ctr"/>
-            <a:endParaRPr lang="ko-KR" altLang="en-US">
-              <a:solidFill>
-                <a:schemeClr val="tx1"/>
-              </a:solidFill>
-            </a:endParaRPr>
+          <a:noFill/>
+        </p:spPr>
+        <p:txBody>
+          <a:bodyPr wrap="square" rtlCol="0">
+            <a:spAutoFit/>
+          </a:bodyPr>
+          <a:lstStyle/>
+          <a:p>
+            <a:r>
+              <a:rPr lang="ko-KR" altLang="en-US" b="1" dirty="0" smtClean="0"/>
+              <a:t>회원 </a:t>
+            </a:r>
+            <a:r>
+              <a:rPr lang="ko-KR" altLang="en-US" b="1" dirty="0"/>
+              <a:t>탈퇴 </a:t>
+            </a:r>
+            <a:r>
+              <a:rPr lang="ko-KR" altLang="en-US" b="1" dirty="0" smtClean="0"/>
+              <a:t>예측</a:t>
+            </a:r>
+            <a:endParaRPr lang="en-US" altLang="ko-KR" b="1" dirty="0" smtClean="0"/>
+          </a:p>
+          <a:p>
+            <a:endParaRPr lang="en-US" altLang="ko-KR" dirty="0" smtClean="0"/>
+          </a:p>
+          <a:p>
+            <a:r>
+              <a:rPr lang="en-US" altLang="ko-KR" dirty="0" smtClean="0"/>
+              <a:t>1) </a:t>
+            </a:r>
+            <a:r>
+              <a:rPr lang="ko-KR" altLang="en-US" dirty="0" smtClean="0"/>
+              <a:t>탈퇴 </a:t>
+            </a:r>
+            <a:r>
+              <a:rPr lang="ko-KR" altLang="en-US" dirty="0"/>
+              <a:t>전월의 탈퇴 고객 데이터 </a:t>
+            </a:r>
+            <a:r>
+              <a:rPr lang="ko-KR" altLang="en-US" dirty="0" smtClean="0"/>
+              <a:t>작성</a:t>
+            </a:r>
+            <a:endParaRPr lang="en-US" altLang="ko-KR" dirty="0" smtClean="0"/>
+          </a:p>
+          <a:p>
+            <a:r>
+              <a:rPr lang="en-US" altLang="ko-KR" dirty="0" smtClean="0"/>
+              <a:t>2) </a:t>
+            </a:r>
+            <a:r>
+              <a:rPr lang="ko-KR" altLang="en-US" dirty="0" smtClean="0"/>
+              <a:t>탈퇴 </a:t>
+            </a:r>
+            <a:r>
+              <a:rPr lang="ko-KR" altLang="en-US" dirty="0"/>
+              <a:t>월을 </a:t>
+            </a:r>
+            <a:r>
+              <a:rPr lang="en-US" altLang="ko-KR" dirty="0"/>
+              <a:t>2018</a:t>
+            </a:r>
+            <a:r>
+              <a:rPr lang="ko-KR" altLang="en-US" dirty="0"/>
+              <a:t>년 </a:t>
+            </a:r>
+            <a:r>
+              <a:rPr lang="en-US" altLang="ko-KR" dirty="0"/>
+              <a:t>9</a:t>
+            </a:r>
+            <a:r>
+              <a:rPr lang="ko-KR" altLang="en-US" dirty="0"/>
+              <a:t>월로 하고 그 </a:t>
+            </a:r>
+            <a:r>
+              <a:rPr lang="en-US" altLang="ko-KR" dirty="0"/>
+              <a:t>1</a:t>
+            </a:r>
+            <a:r>
+              <a:rPr lang="ko-KR" altLang="en-US" dirty="0"/>
+              <a:t>개월 전인 </a:t>
+            </a:r>
+            <a:r>
+              <a:rPr lang="en-US" altLang="ko-KR" dirty="0" smtClean="0"/>
+              <a:t>8</a:t>
+            </a:r>
+            <a:r>
+              <a:rPr lang="ko-KR" altLang="en-US" dirty="0"/>
+              <a:t>월의 데이터로부터 </a:t>
+            </a:r>
+            <a:r>
+              <a:rPr lang="en-US" altLang="ko-KR" dirty="0"/>
+              <a:t>9</a:t>
+            </a:r>
+            <a:r>
+              <a:rPr lang="ko-KR" altLang="en-US" dirty="0"/>
+              <a:t>월에 탈퇴 신청을 할 </a:t>
+            </a:r>
+            <a:r>
+              <a:rPr lang="ko-KR" altLang="en-US" dirty="0" smtClean="0"/>
+              <a:t>확률</a:t>
+            </a:r>
+            <a:endParaRPr lang="en-US" altLang="ko-KR" dirty="0" smtClean="0"/>
+          </a:p>
+          <a:p>
+            <a:r>
+              <a:rPr lang="en-US" altLang="ko-KR" dirty="0" smtClean="0"/>
+              <a:t>3) </a:t>
+            </a:r>
+            <a:r>
+              <a:rPr lang="ko-KR" altLang="en-US" dirty="0" smtClean="0"/>
+              <a:t>지속 </a:t>
+            </a:r>
+            <a:r>
+              <a:rPr lang="ko-KR" altLang="en-US" dirty="0"/>
+              <a:t>회원의 데이터 </a:t>
+            </a:r>
+            <a:r>
+              <a:rPr lang="ko-KR" altLang="en-US" dirty="0" smtClean="0"/>
+              <a:t>작성</a:t>
+            </a:r>
+            <a:endParaRPr lang="en-US" altLang="ko-KR" dirty="0" smtClean="0"/>
+          </a:p>
+          <a:p>
+            <a:r>
+              <a:rPr lang="en-US" altLang="ko-KR" dirty="0" smtClean="0"/>
+              <a:t>4) </a:t>
+            </a:r>
+            <a:r>
+              <a:rPr lang="ko-KR" altLang="en-US" dirty="0"/>
+              <a:t>예측할 달의 재적 기간을 </a:t>
+            </a:r>
+            <a:r>
+              <a:rPr lang="ko-KR" altLang="en-US" dirty="0" smtClean="0"/>
+              <a:t>작성</a:t>
+            </a:r>
+            <a:endParaRPr lang="en-US" altLang="ko-KR" dirty="0" smtClean="0"/>
+          </a:p>
+          <a:p>
+            <a:r>
+              <a:rPr lang="en-US" altLang="ko-KR" dirty="0" smtClean="0"/>
+              <a:t>5) </a:t>
+            </a:r>
+            <a:r>
+              <a:rPr lang="ko-KR" altLang="en-US" dirty="0" err="1"/>
+              <a:t>결측치</a:t>
+            </a:r>
+            <a:r>
+              <a:rPr lang="ko-KR" altLang="en-US" dirty="0"/>
+              <a:t> </a:t>
+            </a:r>
+            <a:r>
+              <a:rPr lang="ko-KR" altLang="en-US" dirty="0" smtClean="0"/>
+              <a:t>제거</a:t>
+            </a:r>
+            <a:r>
+              <a:rPr lang="en-US" altLang="ko-KR" dirty="0" smtClean="0"/>
+              <a:t/>
+            </a:r>
+            <a:br>
+              <a:rPr lang="en-US" altLang="ko-KR" dirty="0" smtClean="0"/>
+            </a:br>
+            <a:r>
+              <a:rPr lang="en-US" altLang="ko-KR" dirty="0" smtClean="0"/>
+              <a:t>6) </a:t>
+            </a:r>
+            <a:r>
+              <a:rPr lang="ko-KR" altLang="en-US" dirty="0"/>
+              <a:t>문자열 변수 </a:t>
+            </a:r>
+            <a:r>
+              <a:rPr lang="ko-KR" altLang="en-US" dirty="0" smtClean="0"/>
+              <a:t>처리</a:t>
+            </a:r>
+            <a:endParaRPr lang="en-US" altLang="ko-KR" dirty="0" smtClean="0"/>
+          </a:p>
+          <a:p>
+            <a:r>
+              <a:rPr lang="en-US" altLang="ko-KR" dirty="0" smtClean="0"/>
+              <a:t>7) </a:t>
+            </a:r>
+            <a:r>
+              <a:rPr lang="ko-KR" altLang="en-US" dirty="0"/>
+              <a:t>의사결정트리를 사용해서 탈퇴 예측 모델 </a:t>
+            </a:r>
+            <a:r>
+              <a:rPr lang="ko-KR" altLang="en-US" dirty="0" smtClean="0"/>
+              <a:t>구축</a:t>
+            </a:r>
+            <a:endParaRPr lang="en-US" altLang="ko-KR" dirty="0" smtClean="0"/>
+          </a:p>
+          <a:p>
+            <a:r>
+              <a:rPr lang="en-US" altLang="ko-KR" dirty="0" smtClean="0"/>
+              <a:t>8) </a:t>
+            </a:r>
+            <a:r>
+              <a:rPr lang="ko-KR" altLang="en-US" dirty="0"/>
+              <a:t>예측 모델을 평가하고 모델 </a:t>
+            </a:r>
+            <a:r>
+              <a:rPr lang="ko-KR" altLang="en-US" dirty="0" smtClean="0"/>
+              <a:t>튜닝</a:t>
+            </a:r>
+            <a:endParaRPr lang="en-US" altLang="ko-KR" dirty="0" smtClean="0"/>
+          </a:p>
+          <a:p>
+            <a:r>
+              <a:rPr lang="en-US" altLang="ko-KR" dirty="0" smtClean="0"/>
+              <a:t>9) </a:t>
+            </a:r>
+            <a:r>
+              <a:rPr lang="ko-KR" altLang="en-US" dirty="0"/>
+              <a:t>모델에 기여하는 변수 </a:t>
+            </a:r>
+            <a:r>
+              <a:rPr lang="ko-KR" altLang="en-US" dirty="0" smtClean="0"/>
+              <a:t>확인</a:t>
+            </a:r>
+            <a:endParaRPr lang="en-US" altLang="ko-KR" dirty="0" smtClean="0"/>
+          </a:p>
+          <a:p>
+            <a:r>
+              <a:rPr lang="en-US" altLang="ko-KR" dirty="0" smtClean="0"/>
+              <a:t>10) </a:t>
+            </a:r>
+            <a:r>
+              <a:rPr lang="ko-KR" altLang="en-US" dirty="0"/>
+              <a:t>회원 탈퇴 예측</a:t>
+            </a:r>
+            <a:endParaRPr lang="en-US" altLang="ko-KR" dirty="0"/>
           </a:p>
         </p:txBody>
       </p:sp>
     </p:spTree>
     <p:extLst>
       <p:ext uri="{BB962C8B-B14F-4D97-AF65-F5344CB8AC3E}">
-        <p14:creationId xmlns:p14="http://schemas.microsoft.com/office/powerpoint/2010/main" val="1245621416"/>
+        <p14:creationId xmlns:p14="http://schemas.microsoft.com/office/powerpoint/2010/main" val="177033876"/>
       </p:ext>
     </p:extLst>
   </p:cSld>
   <p:clrMapOvr>
     <a:masterClrMapping/>
   </p:clrMapOvr>
+  <p:timing>
+    <p:tnLst>
+      <p:par>
+        <p:cTn id="1" dur="indefinite" restart="never" nodeType="tmRoot"/>
+      </p:par>
+    </p:tnLst>
+  </p:timing>
 </p:sld>
 </file>
 
@@ -7733,7 +7527,7 @@
           <a:p>
             <a:r>
               <a:rPr lang="ko-KR" altLang="en-US" dirty="0" smtClean="0"/>
-              <a:t>예측을 위한 데이터 가공</a:t>
+              <a:t>탈퇴 회원 데이터 가공</a:t>
             </a:r>
             <a:endParaRPr lang="ko-KR" altLang="en-US" dirty="0"/>
           </a:p>
@@ -7741,13 +7535,13 @@
       </p:sp>
       <p:pic>
         <p:nvPicPr>
-          <p:cNvPr id="3" name="그림 2"/>
+          <p:cNvPr id="7" name="그림 6"/>
           <p:cNvPicPr>
             <a:picLocks noChangeAspect="1"/>
           </p:cNvPicPr>
           <p:nvPr/>
         </p:nvPicPr>
-        <p:blipFill>
+        <p:blipFill rotWithShape="1">
           <a:blip r:embed="rId2">
             <a:extLst>
               <a:ext uri="{28A0092B-C50C-407E-A947-70E740481C1C}">
@@ -7755,24 +7549,104 @@
               </a:ext>
             </a:extLst>
           </a:blip>
-          <a:stretch>
-            <a:fillRect/>
-          </a:stretch>
+          <a:srcRect r="51860"/>
+          <a:stretch/>
         </p:blipFill>
         <p:spPr>
           <a:xfrm>
-            <a:off x="1115260" y="2051091"/>
-            <a:ext cx="9961480" cy="2810912"/>
+            <a:off x="2500394" y="1325654"/>
+            <a:ext cx="7191213" cy="2430272"/>
           </a:xfrm>
           <a:prstGeom prst="rect">
             <a:avLst/>
           </a:prstGeom>
         </p:spPr>
       </p:pic>
+      <p:pic>
+        <p:nvPicPr>
+          <p:cNvPr id="8" name="그림 7"/>
+          <p:cNvPicPr>
+            <a:picLocks noChangeAspect="1"/>
+          </p:cNvPicPr>
+          <p:nvPr/>
+        </p:nvPicPr>
+        <p:blipFill rotWithShape="1">
+          <a:blip r:embed="rId2">
+            <a:extLst>
+              <a:ext uri="{28A0092B-C50C-407E-A947-70E740481C1C}">
+                <a14:useLocalDpi xmlns:a14="http://schemas.microsoft.com/office/drawing/2010/main" val="0"/>
+              </a:ext>
+            </a:extLst>
+          </a:blip>
+          <a:srcRect l="49607"/>
+          <a:stretch/>
+        </p:blipFill>
+        <p:spPr>
+          <a:xfrm>
+            <a:off x="2128350" y="3947040"/>
+            <a:ext cx="7935299" cy="2561893"/>
+          </a:xfrm>
+          <a:prstGeom prst="rect">
+            <a:avLst/>
+          </a:prstGeom>
+        </p:spPr>
+      </p:pic>
+      <p:sp>
+        <p:nvSpPr>
+          <p:cNvPr id="9" name="액자 8"/>
+          <p:cNvSpPr/>
+          <p:nvPr/>
+        </p:nvSpPr>
+        <p:spPr>
+          <a:xfrm>
+            <a:off x="9049674" y="3916044"/>
+            <a:ext cx="1086219" cy="2655238"/>
+          </a:xfrm>
+          <a:prstGeom prst="frame">
+            <a:avLst>
+              <a:gd name="adj1" fmla="val 8328"/>
+            </a:avLst>
+          </a:prstGeom>
+          <a:solidFill>
+            <a:srgbClr val="FF0000"/>
+          </a:solidFill>
+          <a:ln>
+            <a:noFill/>
+          </a:ln>
+        </p:spPr>
+        <p:style>
+          <a:lnRef idx="2">
+            <a:schemeClr val="accent1">
+              <a:shade val="50000"/>
+            </a:schemeClr>
+          </a:lnRef>
+          <a:fillRef idx="1">
+            <a:schemeClr val="accent1"/>
+          </a:fillRef>
+          <a:effectRef idx="0">
+            <a:schemeClr val="accent1"/>
+          </a:effectRef>
+          <a:fontRef idx="minor">
+            <a:schemeClr val="lt1"/>
+          </a:fontRef>
+        </p:style>
+        <p:txBody>
+          <a:bodyPr rtlCol="0" anchor="ctr"/>
+          <a:lstStyle/>
+          <a:p>
+            <a:pPr algn="ctr"/>
+            <a:endParaRPr lang="ko-KR" altLang="en-US">
+              <a:solidFill>
+                <a:schemeClr val="tx1"/>
+              </a:solidFill>
+            </a:endParaRPr>
+          </a:p>
+        </p:txBody>
+      </p:sp>
     </p:spTree>
     <p:extLst>
       <p:ext uri="{BB962C8B-B14F-4D97-AF65-F5344CB8AC3E}">
-        <p14:creationId xmlns:p14="http://schemas.microsoft.com/office/powerpoint/2010/main" val="3604912911"/>
+        <p14:creationId xmlns:p14="http://schemas.microsoft.com/office/powerpoint/2010/main" val="1703267211"/>
       </p:ext>
     </p:extLst>
   </p:cSld>
@@ -7816,12 +7690,41 @@
           <a:p>
             <a:r>
               <a:rPr lang="ko-KR" altLang="en-US" dirty="0" smtClean="0"/>
-              <a:t>예측을 위한 데이터 가공</a:t>
+              <a:t>지속 회원 데이터 가공</a:t>
             </a:r>
             <a:endParaRPr lang="ko-KR" altLang="en-US" dirty="0"/>
           </a:p>
         </p:txBody>
       </p:sp>
+      <p:pic>
+        <p:nvPicPr>
+          <p:cNvPr id="3" name="그림 2"/>
+          <p:cNvPicPr>
+            <a:picLocks noChangeAspect="1"/>
+          </p:cNvPicPr>
+          <p:nvPr/>
+        </p:nvPicPr>
+        <p:blipFill rotWithShape="1">
+          <a:blip r:embed="rId2">
+            <a:extLst>
+              <a:ext uri="{28A0092B-C50C-407E-A947-70E740481C1C}">
+                <a14:useLocalDpi xmlns:a14="http://schemas.microsoft.com/office/drawing/2010/main" val="0"/>
+              </a:ext>
+            </a:extLst>
+          </a:blip>
+          <a:srcRect r="52848"/>
+          <a:stretch/>
+        </p:blipFill>
+        <p:spPr>
+          <a:xfrm>
+            <a:off x="1572950" y="1496135"/>
+            <a:ext cx="9046101" cy="2099472"/>
+          </a:xfrm>
+          <a:prstGeom prst="rect">
+            <a:avLst/>
+          </a:prstGeom>
+        </p:spPr>
+      </p:pic>
       <p:pic>
         <p:nvPicPr>
           <p:cNvPr id="4" name="그림 3"/>
@@ -7838,62 +7741,34 @@
               </a:ext>
             </a:extLst>
           </a:blip>
-          <a:srcRect l="21597"/>
+          <a:srcRect l="48819"/>
           <a:stretch/>
         </p:blipFill>
         <p:spPr>
           <a:xfrm>
-            <a:off x="232040" y="1684849"/>
-            <a:ext cx="11727921" cy="1693781"/>
+            <a:off x="927316" y="3816015"/>
+            <a:ext cx="10337369" cy="2210309"/>
           </a:xfrm>
           <a:prstGeom prst="rect">
             <a:avLst/>
           </a:prstGeom>
         </p:spPr>
       </p:pic>
-      <p:pic>
-        <p:nvPicPr>
-          <p:cNvPr id="5" name="그림 4"/>
-          <p:cNvPicPr>
-            <a:picLocks noChangeAspect="1"/>
-          </p:cNvPicPr>
-          <p:nvPr/>
-        </p:nvPicPr>
-        <p:blipFill>
-          <a:blip r:embed="rId3">
-            <a:extLst>
-              <a:ext uri="{28A0092B-C50C-407E-A947-70E740481C1C}">
-                <a14:useLocalDpi xmlns:a14="http://schemas.microsoft.com/office/drawing/2010/main" val="0"/>
-              </a:ext>
-            </a:extLst>
-          </a:blip>
-          <a:stretch>
-            <a:fillRect/>
-          </a:stretch>
-        </p:blipFill>
-        <p:spPr>
-          <a:xfrm>
-            <a:off x="471740" y="4780710"/>
-            <a:ext cx="11248520" cy="1742028"/>
-          </a:xfrm>
-          <a:prstGeom prst="rect">
-            <a:avLst/>
-          </a:prstGeom>
-        </p:spPr>
-      </p:pic>
-      <p:sp>
-        <p:nvSpPr>
-          <p:cNvPr id="6" name="오른쪽 화살표 5"/>
+      <p:sp>
+        <p:nvSpPr>
+          <p:cNvPr id="5" name="액자 4"/>
           <p:cNvSpPr/>
           <p:nvPr/>
         </p:nvSpPr>
         <p:spPr>
-          <a:xfrm rot="5400000">
-            <a:off x="5403714" y="3782423"/>
-            <a:ext cx="1186774" cy="598292"/>
-          </a:xfrm>
-          <a:prstGeom prst="rightArrow">
-            <a:avLst/>
+          <a:xfrm>
+            <a:off x="10193964" y="3754023"/>
+            <a:ext cx="1086219" cy="2367808"/>
+          </a:xfrm>
+          <a:prstGeom prst="frame">
+            <a:avLst>
+              <a:gd name="adj1" fmla="val 8328"/>
+            </a:avLst>
           </a:prstGeom>
           <a:solidFill>
             <a:srgbClr val="FF0000"/>
@@ -7923,14 +7798,18 @@
           <a:lstStyle/>
           <a:p>
             <a:pPr algn="ctr"/>
-            <a:endParaRPr lang="ko-KR" altLang="en-US"/>
+            <a:endParaRPr lang="ko-KR" altLang="en-US">
+              <a:solidFill>
+                <a:schemeClr val="tx1"/>
+              </a:solidFill>
+            </a:endParaRPr>
           </a:p>
         </p:txBody>
       </p:sp>
     </p:spTree>
     <p:extLst>
       <p:ext uri="{BB962C8B-B14F-4D97-AF65-F5344CB8AC3E}">
-        <p14:creationId xmlns:p14="http://schemas.microsoft.com/office/powerpoint/2010/main" val="1543836277"/>
+        <p14:creationId xmlns:p14="http://schemas.microsoft.com/office/powerpoint/2010/main" val="1245621416"/>
       </p:ext>
     </p:extLst>
   </p:cSld>
@@ -7974,7 +7853,7 @@
           <a:p>
             <a:r>
               <a:rPr lang="ko-KR" altLang="en-US" dirty="0" smtClean="0"/>
-              <a:t>의사결정나무 모델</a:t>
+              <a:t>예측을 위한 데이터 가공</a:t>
             </a:r>
             <a:endParaRPr lang="ko-KR" altLang="en-US" dirty="0"/>
           </a:p>
@@ -7982,7 +7861,7 @@
       </p:sp>
       <p:pic>
         <p:nvPicPr>
-          <p:cNvPr id="4" name="그림 3"/>
+          <p:cNvPr id="3" name="그림 2"/>
           <p:cNvPicPr>
             <a:picLocks noChangeAspect="1"/>
           </p:cNvPicPr>
@@ -8002,38 +7881,8 @@
         </p:blipFill>
         <p:spPr>
           <a:xfrm>
-            <a:off x="2070069" y="1817969"/>
-            <a:ext cx="8051863" cy="3054155"/>
-          </a:xfrm>
-          <a:prstGeom prst="rect">
-            <a:avLst/>
-          </a:prstGeom>
-        </p:spPr>
-      </p:pic>
-      <p:pic>
-        <p:nvPicPr>
-          <p:cNvPr id="5" name="그림 4"/>
-          <p:cNvPicPr>
-            <a:picLocks noChangeAspect="1"/>
-          </p:cNvPicPr>
-          <p:nvPr/>
-        </p:nvPicPr>
-        <p:blipFill>
-          <a:blip r:embed="rId3">
-            <a:extLst>
-              <a:ext uri="{28A0092B-C50C-407E-A947-70E740481C1C}">
-                <a14:useLocalDpi xmlns:a14="http://schemas.microsoft.com/office/drawing/2010/main" val="0"/>
-              </a:ext>
-            </a:extLst>
-          </a:blip>
-          <a:stretch>
-            <a:fillRect/>
-          </a:stretch>
-        </p:blipFill>
-        <p:spPr>
-          <a:xfrm>
-            <a:off x="3711672" y="5169517"/>
-            <a:ext cx="4768655" cy="748025"/>
+            <a:off x="1115260" y="2051091"/>
+            <a:ext cx="9961480" cy="2810912"/>
           </a:xfrm>
           <a:prstGeom prst="rect">
             <a:avLst/>
@@ -8043,7 +7892,7 @@
     </p:spTree>
     <p:extLst>
       <p:ext uri="{BB962C8B-B14F-4D97-AF65-F5344CB8AC3E}">
-        <p14:creationId xmlns:p14="http://schemas.microsoft.com/office/powerpoint/2010/main" val="2764440804"/>
+        <p14:creationId xmlns:p14="http://schemas.microsoft.com/office/powerpoint/2010/main" val="3604912911"/>
       </p:ext>
     </p:extLst>
   </p:cSld>
@@ -8087,15 +7936,7 @@
           <a:p>
             <a:r>
               <a:rPr lang="ko-KR" altLang="en-US" dirty="0" smtClean="0"/>
-              <a:t>모델 </a:t>
-            </a:r>
-            <a:r>
-              <a:rPr lang="ko-KR" altLang="en-US" dirty="0" err="1" smtClean="0"/>
-              <a:t>과적합</a:t>
-            </a:r>
-            <a:r>
-              <a:rPr lang="ko-KR" altLang="en-US" dirty="0" smtClean="0"/>
-              <a:t> 확인</a:t>
+              <a:t>예측을 위한 데이터 가공</a:t>
             </a:r>
             <a:endParaRPr lang="ko-KR" altLang="en-US" dirty="0"/>
           </a:p>
@@ -8109,7 +7950,7 @@
           </p:cNvPicPr>
           <p:nvPr/>
         </p:nvPicPr>
-        <p:blipFill>
+        <p:blipFill rotWithShape="1">
           <a:blip r:embed="rId2">
             <a:extLst>
               <a:ext uri="{28A0092B-C50C-407E-A947-70E740481C1C}">
@@ -8117,14 +7958,13 @@
               </a:ext>
             </a:extLst>
           </a:blip>
-          <a:stretch>
-            <a:fillRect/>
-          </a:stretch>
+          <a:srcRect l="21597"/>
+          <a:stretch/>
         </p:blipFill>
         <p:spPr>
           <a:xfrm>
-            <a:off x="3241764" y="1496135"/>
-            <a:ext cx="5708472" cy="2301802"/>
+            <a:off x="232040" y="1684849"/>
+            <a:ext cx="11727921" cy="1693781"/>
           </a:xfrm>
           <a:prstGeom prst="rect">
             <a:avLst/>
@@ -8153,8 +7993,8 @@
         </p:blipFill>
         <p:spPr>
           <a:xfrm>
-            <a:off x="2776327" y="3859929"/>
-            <a:ext cx="6639346" cy="2674366"/>
+            <a:off x="471740" y="4780710"/>
+            <a:ext cx="11248520" cy="1742028"/>
           </a:xfrm>
           <a:prstGeom prst="rect">
             <a:avLst/>
@@ -8163,19 +8003,17 @@
       </p:pic>
       <p:sp>
         <p:nvSpPr>
-          <p:cNvPr id="6" name="액자 5"/>
+          <p:cNvPr id="6" name="오른쪽 화살표 5"/>
           <p:cNvSpPr/>
           <p:nvPr/>
         </p:nvSpPr>
         <p:spPr>
-          <a:xfrm>
-            <a:off x="7864017" y="4308529"/>
-            <a:ext cx="1551656" cy="526942"/>
-          </a:xfrm>
-          <a:prstGeom prst="frame">
-            <a:avLst>
-              <a:gd name="adj1" fmla="val 15677"/>
-            </a:avLst>
+          <a:xfrm rot="5400000">
+            <a:off x="5403714" y="3782423"/>
+            <a:ext cx="1186774" cy="598292"/>
+          </a:xfrm>
+          <a:prstGeom prst="rightArrow">
+            <a:avLst/>
           </a:prstGeom>
           <a:solidFill>
             <a:srgbClr val="FF0000"/>
@@ -8205,18 +8043,14 @@
           <a:lstStyle/>
           <a:p>
             <a:pPr algn="ctr"/>
-            <a:endParaRPr lang="ko-KR" altLang="en-US">
-              <a:solidFill>
-                <a:schemeClr val="tx1"/>
-              </a:solidFill>
-            </a:endParaRPr>
+            <a:endParaRPr lang="ko-KR" altLang="en-US"/>
           </a:p>
         </p:txBody>
       </p:sp>
     </p:spTree>
     <p:extLst>
       <p:ext uri="{BB962C8B-B14F-4D97-AF65-F5344CB8AC3E}">
-        <p14:creationId xmlns:p14="http://schemas.microsoft.com/office/powerpoint/2010/main" val="3892667992"/>
+        <p14:creationId xmlns:p14="http://schemas.microsoft.com/office/powerpoint/2010/main" val="1543836277"/>
       </p:ext>
     </p:extLst>
   </p:cSld>
@@ -8260,19 +8094,7 @@
           <a:p>
             <a:r>
               <a:rPr lang="ko-KR" altLang="en-US" dirty="0" smtClean="0"/>
-              <a:t>모델에 기여하고 있는 변수 확인</a:t>
-            </a:r>
-            <a:r>
-              <a:rPr lang="en-US" altLang="ko-KR" dirty="0" smtClean="0"/>
-              <a:t>(</a:t>
-            </a:r>
-            <a:r>
-              <a:rPr lang="ko-KR" altLang="en-US" dirty="0" smtClean="0"/>
-              <a:t>기울기</a:t>
-            </a:r>
-            <a:r>
-              <a:rPr lang="en-US" altLang="ko-KR" dirty="0" smtClean="0"/>
-              <a:t>)</a:t>
+              <a:t>의사결정나무 모델</a:t>
             </a:r>
             <a:endParaRPr lang="ko-KR" altLang="en-US" dirty="0"/>
           </a:p>
@@ -8280,7 +8102,7 @@
       </p:sp>
       <p:pic>
         <p:nvPicPr>
-          <p:cNvPr id="3" name="그림 2"/>
+          <p:cNvPr id="4" name="그림 3"/>
           <p:cNvPicPr>
             <a:picLocks noChangeAspect="1"/>
           </p:cNvPicPr>
@@ -8300,122 +8122,48 @@
         </p:blipFill>
         <p:spPr>
           <a:xfrm>
-            <a:off x="3175140" y="1898454"/>
-            <a:ext cx="5841721" cy="4234829"/>
+            <a:off x="2070069" y="1817969"/>
+            <a:ext cx="8051863" cy="3054155"/>
           </a:xfrm>
           <a:prstGeom prst="rect">
             <a:avLst/>
           </a:prstGeom>
         </p:spPr>
       </p:pic>
-      <p:sp>
-        <p:nvSpPr>
-          <p:cNvPr id="4" name="액자 3"/>
-          <p:cNvSpPr/>
+      <p:pic>
+        <p:nvPicPr>
+          <p:cNvPr id="5" name="그림 4"/>
+          <p:cNvPicPr>
+            <a:picLocks noChangeAspect="1"/>
+          </p:cNvPicPr>
           <p:nvPr/>
-        </p:nvSpPr>
-        <p:spPr>
-          <a:xfrm>
-            <a:off x="6422675" y="2371242"/>
-            <a:ext cx="2594186" cy="526942"/>
-          </a:xfrm>
-          <a:prstGeom prst="frame">
-            <a:avLst>
-              <a:gd name="adj1" fmla="val 15677"/>
-            </a:avLst>
+        </p:nvPicPr>
+        <p:blipFill>
+          <a:blip r:embed="rId3">
+            <a:extLst>
+              <a:ext uri="{28A0092B-C50C-407E-A947-70E740481C1C}">
+                <a14:useLocalDpi xmlns:a14="http://schemas.microsoft.com/office/drawing/2010/main" val="0"/>
+              </a:ext>
+            </a:extLst>
+          </a:blip>
+          <a:stretch>
+            <a:fillRect/>
+          </a:stretch>
+        </p:blipFill>
+        <p:spPr>
+          <a:xfrm>
+            <a:off x="3711672" y="5169517"/>
+            <a:ext cx="4768655" cy="748025"/>
+          </a:xfrm>
+          <a:prstGeom prst="rect">
+            <a:avLst/>
           </a:prstGeom>
-          <a:solidFill>
-            <a:srgbClr val="FF0000"/>
-          </a:solidFill>
-          <a:ln>
-            <a:noFill/>
-          </a:ln>
-        </p:spPr>
-        <p:style>
-          <a:lnRef idx="2">
-            <a:schemeClr val="accent1">
-              <a:shade val="50000"/>
-            </a:schemeClr>
-          </a:lnRef>
-          <a:fillRef idx="1">
-            <a:schemeClr val="accent1"/>
-          </a:fillRef>
-          <a:effectRef idx="0">
-            <a:schemeClr val="accent1"/>
-          </a:effectRef>
-          <a:fontRef idx="minor">
-            <a:schemeClr val="lt1"/>
-          </a:fontRef>
-        </p:style>
-        <p:txBody>
-          <a:bodyPr rtlCol="0" anchor="ctr"/>
-          <a:lstStyle/>
-          <a:p>
-            <a:pPr algn="ctr"/>
-            <a:endParaRPr lang="ko-KR" altLang="en-US">
-              <a:solidFill>
-                <a:schemeClr val="tx1"/>
-              </a:solidFill>
-            </a:endParaRPr>
-          </a:p>
-        </p:txBody>
-      </p:sp>
-      <p:sp>
-        <p:nvSpPr>
-          <p:cNvPr id="5" name="액자 4"/>
-          <p:cNvSpPr/>
-          <p:nvPr/>
-        </p:nvSpPr>
-        <p:spPr>
-          <a:xfrm>
-            <a:off x="6422675" y="3269507"/>
-            <a:ext cx="2594186" cy="526942"/>
-          </a:xfrm>
-          <a:prstGeom prst="frame">
-            <a:avLst>
-              <a:gd name="adj1" fmla="val 15677"/>
-            </a:avLst>
-          </a:prstGeom>
-          <a:solidFill>
-            <a:srgbClr val="FF0000"/>
-          </a:solidFill>
-          <a:ln>
-            <a:noFill/>
-          </a:ln>
-        </p:spPr>
-        <p:style>
-          <a:lnRef idx="2">
-            <a:schemeClr val="accent1">
-              <a:shade val="50000"/>
-            </a:schemeClr>
-          </a:lnRef>
-          <a:fillRef idx="1">
-            <a:schemeClr val="accent1"/>
-          </a:fillRef>
-          <a:effectRef idx="0">
-            <a:schemeClr val="accent1"/>
-          </a:effectRef>
-          <a:fontRef idx="minor">
-            <a:schemeClr val="lt1"/>
-          </a:fontRef>
-        </p:style>
-        <p:txBody>
-          <a:bodyPr rtlCol="0" anchor="ctr"/>
-          <a:lstStyle/>
-          <a:p>
-            <a:pPr algn="ctr"/>
-            <a:endParaRPr lang="ko-KR" altLang="en-US">
-              <a:solidFill>
-                <a:schemeClr val="tx1"/>
-              </a:solidFill>
-            </a:endParaRPr>
-          </a:p>
-        </p:txBody>
-      </p:sp>
+        </p:spPr>
+      </p:pic>
     </p:spTree>
     <p:extLst>
       <p:ext uri="{BB962C8B-B14F-4D97-AF65-F5344CB8AC3E}">
-        <p14:creationId xmlns:p14="http://schemas.microsoft.com/office/powerpoint/2010/main" val="1315671141"/>
+        <p14:creationId xmlns:p14="http://schemas.microsoft.com/office/powerpoint/2010/main" val="2764440804"/>
       </p:ext>
     </p:extLst>
   </p:cSld>
@@ -8459,7 +8207,15 @@
           <a:p>
             <a:r>
               <a:rPr lang="ko-KR" altLang="en-US" dirty="0" smtClean="0"/>
-              <a:t>회원 탈퇴 예측</a:t>
+              <a:t>모델 </a:t>
+            </a:r>
+            <a:r>
+              <a:rPr lang="ko-KR" altLang="en-US" dirty="0" err="1" smtClean="0"/>
+              <a:t>과적합</a:t>
+            </a:r>
+            <a:r>
+              <a:rPr lang="ko-KR" altLang="en-US" dirty="0" smtClean="0"/>
+              <a:t> 확인</a:t>
             </a:r>
             <a:endParaRPr lang="ko-KR" altLang="en-US" dirty="0"/>
           </a:p>
@@ -8467,7 +8223,7 @@
       </p:sp>
       <p:pic>
         <p:nvPicPr>
-          <p:cNvPr id="3" name="그림 2"/>
+          <p:cNvPr id="4" name="그림 3"/>
           <p:cNvPicPr>
             <a:picLocks noChangeAspect="1"/>
           </p:cNvPicPr>
@@ -8487,8 +8243,8 @@
         </p:blipFill>
         <p:spPr>
           <a:xfrm>
-            <a:off x="720450" y="4343903"/>
-            <a:ext cx="3959894" cy="1707821"/>
+            <a:off x="3241764" y="1496135"/>
+            <a:ext cx="5708472" cy="2301802"/>
           </a:xfrm>
           <a:prstGeom prst="rect">
             <a:avLst/>
@@ -8497,7 +8253,7 @@
       </p:pic>
       <p:pic>
         <p:nvPicPr>
-          <p:cNvPr id="4" name="그림 3"/>
+          <p:cNvPr id="5" name="그림 4"/>
           <p:cNvPicPr>
             <a:picLocks noChangeAspect="1"/>
           </p:cNvPicPr>
@@ -8517,57 +8273,29 @@
         </p:blipFill>
         <p:spPr>
           <a:xfrm>
-            <a:off x="5908483" y="2697203"/>
-            <a:ext cx="5853252" cy="2560798"/>
+            <a:off x="2776327" y="3859929"/>
+            <a:ext cx="6639346" cy="2674366"/>
           </a:xfrm>
           <a:prstGeom prst="rect">
             <a:avLst/>
           </a:prstGeom>
         </p:spPr>
       </p:pic>
-      <p:pic>
-        <p:nvPicPr>
-          <p:cNvPr id="5" name="그림 4"/>
-          <p:cNvPicPr>
-            <a:picLocks noChangeAspect="1"/>
-          </p:cNvPicPr>
-          <p:nvPr/>
-        </p:nvPicPr>
-        <p:blipFill>
-          <a:blip r:embed="rId4">
-            <a:extLst>
-              <a:ext uri="{28A0092B-C50C-407E-A947-70E740481C1C}">
-                <a14:useLocalDpi xmlns:a14="http://schemas.microsoft.com/office/drawing/2010/main" val="0"/>
-              </a:ext>
-            </a:extLst>
-          </a:blip>
-          <a:stretch>
-            <a:fillRect/>
-          </a:stretch>
-        </p:blipFill>
-        <p:spPr>
-          <a:xfrm>
-            <a:off x="720450" y="1683596"/>
-            <a:ext cx="3959894" cy="2472846"/>
-          </a:xfrm>
-          <a:prstGeom prst="rect">
-            <a:avLst/>
-          </a:prstGeom>
-        </p:spPr>
-      </p:pic>
-      <p:sp>
-        <p:nvSpPr>
-          <p:cNvPr id="6" name="오른쪽 화살표 5"/>
+      <p:sp>
+        <p:nvSpPr>
+          <p:cNvPr id="6" name="액자 5"/>
           <p:cNvSpPr/>
           <p:nvPr/>
         </p:nvSpPr>
         <p:spPr>
           <a:xfrm>
-            <a:off x="4811329" y="3678456"/>
-            <a:ext cx="966169" cy="598292"/>
-          </a:xfrm>
-          <a:prstGeom prst="rightArrow">
-            <a:avLst/>
+            <a:off x="7864017" y="4308529"/>
+            <a:ext cx="1551656" cy="526942"/>
+          </a:xfrm>
+          <a:prstGeom prst="frame">
+            <a:avLst>
+              <a:gd name="adj1" fmla="val 15677"/>
+            </a:avLst>
           </a:prstGeom>
           <a:solidFill>
             <a:srgbClr val="FF0000"/>
@@ -8597,54 +8325,6 @@
           <a:lstStyle/>
           <a:p>
             <a:pPr algn="ctr"/>
-            <a:endParaRPr lang="ko-KR" altLang="en-US"/>
-          </a:p>
-        </p:txBody>
-      </p:sp>
-      <p:sp>
-        <p:nvSpPr>
-          <p:cNvPr id="7" name="액자 6"/>
-          <p:cNvSpPr/>
-          <p:nvPr/>
-        </p:nvSpPr>
-        <p:spPr>
-          <a:xfrm>
-            <a:off x="720450" y="2060353"/>
-            <a:ext cx="1821272" cy="419376"/>
-          </a:xfrm>
-          <a:prstGeom prst="frame">
-            <a:avLst>
-              <a:gd name="adj1" fmla="val 15677"/>
-            </a:avLst>
-          </a:prstGeom>
-          <a:solidFill>
-            <a:srgbClr val="FF0000"/>
-          </a:solidFill>
-          <a:ln>
-            <a:noFill/>
-          </a:ln>
-        </p:spPr>
-        <p:style>
-          <a:lnRef idx="2">
-            <a:schemeClr val="accent1">
-              <a:shade val="50000"/>
-            </a:schemeClr>
-          </a:lnRef>
-          <a:fillRef idx="1">
-            <a:schemeClr val="accent1"/>
-          </a:fillRef>
-          <a:effectRef idx="0">
-            <a:schemeClr val="accent1"/>
-          </a:effectRef>
-          <a:fontRef idx="minor">
-            <a:schemeClr val="lt1"/>
-          </a:fontRef>
-        </p:style>
-        <p:txBody>
-          <a:bodyPr rtlCol="0" anchor="ctr"/>
-          <a:lstStyle/>
-          <a:p>
-            <a:pPr algn="ctr"/>
             <a:endParaRPr lang="ko-KR" altLang="en-US">
               <a:solidFill>
                 <a:schemeClr val="tx1"/>
@@ -8653,62 +8333,10 @@
           </a:p>
         </p:txBody>
       </p:sp>
-      <p:sp>
-        <p:nvSpPr>
-          <p:cNvPr id="8" name="액자 7"/>
-          <p:cNvSpPr/>
-          <p:nvPr/>
-        </p:nvSpPr>
-        <p:spPr>
-          <a:xfrm>
-            <a:off x="720450" y="2697203"/>
-            <a:ext cx="1821272" cy="419376"/>
-          </a:xfrm>
-          <a:prstGeom prst="frame">
-            <a:avLst>
-              <a:gd name="adj1" fmla="val 15677"/>
-            </a:avLst>
-          </a:prstGeom>
-          <a:solidFill>
-            <a:srgbClr val="FF0000"/>
-          </a:solidFill>
-          <a:ln>
-            <a:noFill/>
-          </a:ln>
-        </p:spPr>
-        <p:style>
-          <a:lnRef idx="2">
-            <a:schemeClr val="accent1">
-              <a:shade val="50000"/>
-            </a:schemeClr>
-          </a:lnRef>
-          <a:fillRef idx="1">
-            <a:schemeClr val="accent1"/>
-          </a:fillRef>
-          <a:effectRef idx="0">
-            <a:schemeClr val="accent1"/>
-          </a:effectRef>
-          <a:fontRef idx="minor">
-            <a:schemeClr val="lt1"/>
-          </a:fontRef>
-        </p:style>
-        <p:txBody>
-          <a:bodyPr rtlCol="0" anchor="ctr"/>
-          <a:lstStyle/>
-          <a:p>
-            <a:pPr algn="ctr"/>
-            <a:endParaRPr lang="ko-KR" altLang="en-US">
-              <a:solidFill>
-                <a:schemeClr val="tx1"/>
-              </a:solidFill>
-            </a:endParaRPr>
-          </a:p>
-        </p:txBody>
-      </p:sp>
     </p:spTree>
     <p:extLst>
       <p:ext uri="{BB962C8B-B14F-4D97-AF65-F5344CB8AC3E}">
-        <p14:creationId xmlns:p14="http://schemas.microsoft.com/office/powerpoint/2010/main" val="4006437289"/>
+        <p14:creationId xmlns:p14="http://schemas.microsoft.com/office/powerpoint/2010/main" val="3892667992"/>
       </p:ext>
     </p:extLst>
   </p:cSld>
@@ -8752,7 +8380,19 @@
           <a:p>
             <a:r>
               <a:rPr lang="ko-KR" altLang="en-US" dirty="0" smtClean="0"/>
-              <a:t>모델 평가</a:t>
+              <a:t>모델에 기여하고 있는 변수 확인</a:t>
+            </a:r>
+            <a:r>
+              <a:rPr lang="en-US" altLang="ko-KR" dirty="0" smtClean="0"/>
+              <a:t>(</a:t>
+            </a:r>
+            <a:r>
+              <a:rPr lang="ko-KR" altLang="en-US" dirty="0" smtClean="0"/>
+              <a:t>기울기</a:t>
+            </a:r>
+            <a:r>
+              <a:rPr lang="en-US" altLang="ko-KR" dirty="0" smtClean="0"/>
+              <a:t>)</a:t>
             </a:r>
             <a:endParaRPr lang="ko-KR" altLang="en-US" dirty="0"/>
           </a:p>
@@ -8780,8 +8420,8 @@
         </p:blipFill>
         <p:spPr>
           <a:xfrm>
-            <a:off x="1302725" y="1674170"/>
-            <a:ext cx="5439037" cy="4646944"/>
+            <a:off x="3175140" y="1898454"/>
+            <a:ext cx="5841721" cy="4234829"/>
           </a:xfrm>
           <a:prstGeom prst="rect">
             <a:avLst/>
@@ -8790,131 +8430,405 @@
       </p:pic>
       <p:sp>
         <p:nvSpPr>
-          <p:cNvPr id="4" name="TextBox 3"/>
-          <p:cNvSpPr txBox="1"/>
+          <p:cNvPr id="4" name="액자 3"/>
+          <p:cNvSpPr/>
           <p:nvPr/>
         </p:nvSpPr>
         <p:spPr>
           <a:xfrm>
-            <a:off x="7144719" y="2014780"/>
-            <a:ext cx="4556501" cy="923330"/>
+            <a:off x="6422675" y="2371242"/>
+            <a:ext cx="2594186" cy="526942"/>
+          </a:xfrm>
+          <a:prstGeom prst="frame">
+            <a:avLst>
+              <a:gd name="adj1" fmla="val 15677"/>
+            </a:avLst>
+          </a:prstGeom>
+          <a:solidFill>
+            <a:srgbClr val="FF0000"/>
+          </a:solidFill>
+          <a:ln>
+            <a:noFill/>
+          </a:ln>
+        </p:spPr>
+        <p:style>
+          <a:lnRef idx="2">
+            <a:schemeClr val="accent1">
+              <a:shade val="50000"/>
+            </a:schemeClr>
+          </a:lnRef>
+          <a:fillRef idx="1">
+            <a:schemeClr val="accent1"/>
+          </a:fillRef>
+          <a:effectRef idx="0">
+            <a:schemeClr val="accent1"/>
+          </a:effectRef>
+          <a:fontRef idx="minor">
+            <a:schemeClr val="lt1"/>
+          </a:fontRef>
+        </p:style>
+        <p:txBody>
+          <a:bodyPr rtlCol="0" anchor="ctr"/>
+          <a:lstStyle/>
+          <a:p>
+            <a:pPr algn="ctr"/>
+            <a:endParaRPr lang="ko-KR" altLang="en-US">
+              <a:solidFill>
+                <a:schemeClr val="tx1"/>
+              </a:solidFill>
+            </a:endParaRPr>
+          </a:p>
+        </p:txBody>
+      </p:sp>
+      <p:sp>
+        <p:nvSpPr>
+          <p:cNvPr id="5" name="액자 4"/>
+          <p:cNvSpPr/>
+          <p:nvPr/>
+        </p:nvSpPr>
+        <p:spPr>
+          <a:xfrm>
+            <a:off x="6422675" y="3269507"/>
+            <a:ext cx="2594186" cy="526942"/>
+          </a:xfrm>
+          <a:prstGeom prst="frame">
+            <a:avLst>
+              <a:gd name="adj1" fmla="val 15677"/>
+            </a:avLst>
+          </a:prstGeom>
+          <a:solidFill>
+            <a:srgbClr val="FF0000"/>
+          </a:solidFill>
+          <a:ln>
+            <a:noFill/>
+          </a:ln>
+        </p:spPr>
+        <p:style>
+          <a:lnRef idx="2">
+            <a:schemeClr val="accent1">
+              <a:shade val="50000"/>
+            </a:schemeClr>
+          </a:lnRef>
+          <a:fillRef idx="1">
+            <a:schemeClr val="accent1"/>
+          </a:fillRef>
+          <a:effectRef idx="0">
+            <a:schemeClr val="accent1"/>
+          </a:effectRef>
+          <a:fontRef idx="minor">
+            <a:schemeClr val="lt1"/>
+          </a:fontRef>
+        </p:style>
+        <p:txBody>
+          <a:bodyPr rtlCol="0" anchor="ctr"/>
+          <a:lstStyle/>
+          <a:p>
+            <a:pPr algn="ctr"/>
+            <a:endParaRPr lang="ko-KR" altLang="en-US">
+              <a:solidFill>
+                <a:schemeClr val="tx1"/>
+              </a:solidFill>
+            </a:endParaRPr>
+          </a:p>
+        </p:txBody>
+      </p:sp>
+    </p:spTree>
+    <p:extLst>
+      <p:ext uri="{BB962C8B-B14F-4D97-AF65-F5344CB8AC3E}">
+        <p14:creationId xmlns:p14="http://schemas.microsoft.com/office/powerpoint/2010/main" val="1315671141"/>
+      </p:ext>
+    </p:extLst>
+  </p:cSld>
+  <p:clrMapOvr>
+    <a:masterClrMapping/>
+  </p:clrMapOvr>
+</p:sld>
+</file>
+
+<file path=ppt/slides/slide39.xml><?xml version="1.0" encoding="utf-8"?>
+<p:sld xmlns:a="http://schemas.openxmlformats.org/drawingml/2006/main" xmlns:r="http://schemas.openxmlformats.org/officeDocument/2006/relationships" xmlns:p="http://schemas.openxmlformats.org/presentationml/2006/main">
+  <p:cSld>
+    <p:spTree>
+      <p:nvGrpSpPr>
+        <p:cNvPr id="1" name=""/>
+        <p:cNvGrpSpPr/>
+        <p:nvPr/>
+      </p:nvGrpSpPr>
+      <p:grpSpPr>
+        <a:xfrm>
+          <a:off x="0" y="0"/>
+          <a:ext cx="0" cy="0"/>
+          <a:chOff x="0" y="0"/>
+          <a:chExt cx="0" cy="0"/>
+        </a:xfrm>
+      </p:grpSpPr>
+      <p:sp>
+        <p:nvSpPr>
+          <p:cNvPr id="2" name="제목 1"/>
+          <p:cNvSpPr>
+            <a:spLocks noGrp="1"/>
+          </p:cNvSpPr>
+          <p:nvPr>
+            <p:ph type="title"/>
+          </p:nvPr>
+        </p:nvSpPr>
+        <p:spPr/>
+        <p:txBody>
+          <a:bodyPr/>
+          <a:lstStyle/>
+          <a:p>
+            <a:r>
+              <a:rPr lang="ko-KR" altLang="en-US" dirty="0" smtClean="0"/>
+              <a:t>회원 탈퇴 예측</a:t>
+            </a:r>
+            <a:endParaRPr lang="ko-KR" altLang="en-US" dirty="0"/>
+          </a:p>
+        </p:txBody>
+      </p:sp>
+      <p:pic>
+        <p:nvPicPr>
+          <p:cNvPr id="3" name="그림 2"/>
+          <p:cNvPicPr>
+            <a:picLocks noChangeAspect="1"/>
+          </p:cNvPicPr>
+          <p:nvPr/>
+        </p:nvPicPr>
+        <p:blipFill>
+          <a:blip r:embed="rId2">
+            <a:extLst>
+              <a:ext uri="{28A0092B-C50C-407E-A947-70E740481C1C}">
+                <a14:useLocalDpi xmlns:a14="http://schemas.microsoft.com/office/drawing/2010/main" val="0"/>
+              </a:ext>
+            </a:extLst>
+          </a:blip>
+          <a:stretch>
+            <a:fillRect/>
+          </a:stretch>
+        </p:blipFill>
+        <p:spPr>
+          <a:xfrm>
+            <a:off x="720450" y="4343903"/>
+            <a:ext cx="3959894" cy="1707821"/>
           </a:xfrm>
           <a:prstGeom prst="rect">
             <a:avLst/>
           </a:prstGeom>
-          <a:noFill/>
-        </p:spPr>
-        <p:txBody>
-          <a:bodyPr wrap="square" rtlCol="0">
-            <a:spAutoFit/>
-          </a:bodyPr>
-          <a:lstStyle/>
-          <a:p>
-            <a:r>
-              <a:rPr lang="en-US" altLang="ko-KR" dirty="0"/>
-              <a:t>a</a:t>
-            </a:r>
-            <a:r>
-              <a:rPr lang="en-US" altLang="ko-KR" dirty="0" smtClean="0"/>
-              <a:t>ccuracy = </a:t>
-            </a:r>
-          </a:p>
-          <a:p>
-            <a:r>
-              <a:rPr lang="en-US" altLang="ko-KR" dirty="0" smtClean="0"/>
-              <a:t>(</a:t>
-            </a:r>
-            <a:r>
-              <a:rPr lang="en-US" altLang="ko-KR" dirty="0"/>
-              <a:t>238</a:t>
-            </a:r>
-            <a:r>
-              <a:rPr lang="ko-KR" altLang="en-US" dirty="0"/>
-              <a:t> </a:t>
-            </a:r>
-            <a:r>
-              <a:rPr lang="en-US" altLang="ko-KR" dirty="0"/>
-              <a:t>+</a:t>
-            </a:r>
-            <a:r>
-              <a:rPr lang="ko-KR" altLang="en-US" dirty="0"/>
-              <a:t> </a:t>
-            </a:r>
-            <a:r>
-              <a:rPr lang="en-US" altLang="ko-KR" dirty="0"/>
-              <a:t>238) /</a:t>
-            </a:r>
-            <a:r>
-              <a:rPr lang="ko-KR" altLang="en-US" dirty="0"/>
-              <a:t> </a:t>
-            </a:r>
-            <a:r>
-              <a:rPr lang="en-US" altLang="ko-KR" dirty="0"/>
-              <a:t>(238</a:t>
-            </a:r>
-            <a:r>
-              <a:rPr lang="ko-KR" altLang="en-US" dirty="0"/>
-              <a:t> </a:t>
-            </a:r>
-            <a:r>
-              <a:rPr lang="en-US" altLang="ko-KR" dirty="0"/>
-              <a:t>+</a:t>
-            </a:r>
-            <a:r>
-              <a:rPr lang="ko-KR" altLang="en-US" dirty="0"/>
-              <a:t> </a:t>
-            </a:r>
-            <a:r>
-              <a:rPr lang="en-US" altLang="ko-KR" dirty="0"/>
-              <a:t>238</a:t>
-            </a:r>
-            <a:r>
-              <a:rPr lang="ko-KR" altLang="en-US" dirty="0"/>
-              <a:t> </a:t>
-            </a:r>
-            <a:r>
-              <a:rPr lang="en-US" altLang="ko-KR" dirty="0"/>
-              <a:t>+</a:t>
-            </a:r>
-            <a:r>
-              <a:rPr lang="ko-KR" altLang="en-US" dirty="0"/>
-              <a:t> </a:t>
-            </a:r>
-            <a:r>
-              <a:rPr lang="en-US" altLang="ko-KR" dirty="0"/>
-              <a:t>33</a:t>
-            </a:r>
-            <a:r>
-              <a:rPr lang="ko-KR" altLang="en-US" dirty="0"/>
-              <a:t> </a:t>
-            </a:r>
-            <a:r>
-              <a:rPr lang="en-US" altLang="ko-KR" dirty="0"/>
-              <a:t>+</a:t>
-            </a:r>
-            <a:r>
-              <a:rPr lang="ko-KR" altLang="en-US" dirty="0"/>
-              <a:t> </a:t>
-            </a:r>
-            <a:r>
-              <a:rPr lang="en-US" altLang="ko-KR" dirty="0"/>
-              <a:t>17</a:t>
-            </a:r>
-            <a:r>
-              <a:rPr lang="en-US" altLang="ko-KR" dirty="0" smtClean="0"/>
-              <a:t>) = </a:t>
-            </a:r>
-            <a:r>
-              <a:rPr lang="en-US" altLang="ko-KR" dirty="0"/>
-              <a:t>0.9049429657794676</a:t>
-            </a:r>
+        </p:spPr>
+      </p:pic>
+      <p:pic>
+        <p:nvPicPr>
+          <p:cNvPr id="4" name="그림 3"/>
+          <p:cNvPicPr>
+            <a:picLocks noChangeAspect="1"/>
+          </p:cNvPicPr>
+          <p:nvPr/>
+        </p:nvPicPr>
+        <p:blipFill>
+          <a:blip r:embed="rId3">
+            <a:extLst>
+              <a:ext uri="{28A0092B-C50C-407E-A947-70E740481C1C}">
+                <a14:useLocalDpi xmlns:a14="http://schemas.microsoft.com/office/drawing/2010/main" val="0"/>
+              </a:ext>
+            </a:extLst>
+          </a:blip>
+          <a:stretch>
+            <a:fillRect/>
+          </a:stretch>
+        </p:blipFill>
+        <p:spPr>
+          <a:xfrm>
+            <a:off x="5908483" y="2697203"/>
+            <a:ext cx="5853252" cy="2560798"/>
+          </a:xfrm>
+          <a:prstGeom prst="rect">
+            <a:avLst/>
+          </a:prstGeom>
+        </p:spPr>
+      </p:pic>
+      <p:pic>
+        <p:nvPicPr>
+          <p:cNvPr id="5" name="그림 4"/>
+          <p:cNvPicPr>
+            <a:picLocks noChangeAspect="1"/>
+          </p:cNvPicPr>
+          <p:nvPr/>
+        </p:nvPicPr>
+        <p:blipFill>
+          <a:blip r:embed="rId4">
+            <a:extLst>
+              <a:ext uri="{28A0092B-C50C-407E-A947-70E740481C1C}">
+                <a14:useLocalDpi xmlns:a14="http://schemas.microsoft.com/office/drawing/2010/main" val="0"/>
+              </a:ext>
+            </a:extLst>
+          </a:blip>
+          <a:stretch>
+            <a:fillRect/>
+          </a:stretch>
+        </p:blipFill>
+        <p:spPr>
+          <a:xfrm>
+            <a:off x="720450" y="1683596"/>
+            <a:ext cx="3959894" cy="2472846"/>
+          </a:xfrm>
+          <a:prstGeom prst="rect">
+            <a:avLst/>
+          </a:prstGeom>
+        </p:spPr>
+      </p:pic>
+      <p:sp>
+        <p:nvSpPr>
+          <p:cNvPr id="6" name="오른쪽 화살표 5"/>
+          <p:cNvSpPr/>
+          <p:nvPr/>
+        </p:nvSpPr>
+        <p:spPr>
+          <a:xfrm>
+            <a:off x="4811329" y="3678456"/>
+            <a:ext cx="966169" cy="598292"/>
+          </a:xfrm>
+          <a:prstGeom prst="rightArrow">
+            <a:avLst/>
+          </a:prstGeom>
+          <a:solidFill>
+            <a:srgbClr val="FF0000"/>
+          </a:solidFill>
+          <a:ln>
+            <a:noFill/>
+          </a:ln>
+        </p:spPr>
+        <p:style>
+          <a:lnRef idx="2">
+            <a:schemeClr val="accent1">
+              <a:shade val="50000"/>
+            </a:schemeClr>
+          </a:lnRef>
+          <a:fillRef idx="1">
+            <a:schemeClr val="accent1"/>
+          </a:fillRef>
+          <a:effectRef idx="0">
+            <a:schemeClr val="accent1"/>
+          </a:effectRef>
+          <a:fontRef idx="minor">
+            <a:schemeClr val="lt1"/>
+          </a:fontRef>
+        </p:style>
+        <p:txBody>
+          <a:bodyPr rtlCol="0" anchor="ctr"/>
+          <a:lstStyle/>
+          <a:p>
+            <a:pPr algn="ctr"/>
+            <a:endParaRPr lang="ko-KR" altLang="en-US"/>
+          </a:p>
+        </p:txBody>
+      </p:sp>
+      <p:sp>
+        <p:nvSpPr>
+          <p:cNvPr id="7" name="액자 6"/>
+          <p:cNvSpPr/>
+          <p:nvPr/>
+        </p:nvSpPr>
+        <p:spPr>
+          <a:xfrm>
+            <a:off x="720450" y="2060353"/>
+            <a:ext cx="1821272" cy="419376"/>
+          </a:xfrm>
+          <a:prstGeom prst="frame">
+            <a:avLst>
+              <a:gd name="adj1" fmla="val 15677"/>
+            </a:avLst>
+          </a:prstGeom>
+          <a:solidFill>
+            <a:srgbClr val="FF0000"/>
+          </a:solidFill>
+          <a:ln>
+            <a:noFill/>
+          </a:ln>
+        </p:spPr>
+        <p:style>
+          <a:lnRef idx="2">
+            <a:schemeClr val="accent1">
+              <a:shade val="50000"/>
+            </a:schemeClr>
+          </a:lnRef>
+          <a:fillRef idx="1">
+            <a:schemeClr val="accent1"/>
+          </a:fillRef>
+          <a:effectRef idx="0">
+            <a:schemeClr val="accent1"/>
+          </a:effectRef>
+          <a:fontRef idx="minor">
+            <a:schemeClr val="lt1"/>
+          </a:fontRef>
+        </p:style>
+        <p:txBody>
+          <a:bodyPr rtlCol="0" anchor="ctr"/>
+          <a:lstStyle/>
+          <a:p>
+            <a:pPr algn="ctr"/>
+            <a:endParaRPr lang="ko-KR" altLang="en-US">
+              <a:solidFill>
+                <a:schemeClr val="tx1"/>
+              </a:solidFill>
+            </a:endParaRPr>
+          </a:p>
+        </p:txBody>
+      </p:sp>
+      <p:sp>
+        <p:nvSpPr>
+          <p:cNvPr id="8" name="액자 7"/>
+          <p:cNvSpPr/>
+          <p:nvPr/>
+        </p:nvSpPr>
+        <p:spPr>
+          <a:xfrm>
+            <a:off x="720450" y="2697203"/>
+            <a:ext cx="1821272" cy="419376"/>
+          </a:xfrm>
+          <a:prstGeom prst="frame">
+            <a:avLst>
+              <a:gd name="adj1" fmla="val 15677"/>
+            </a:avLst>
+          </a:prstGeom>
+          <a:solidFill>
+            <a:srgbClr val="FF0000"/>
+          </a:solidFill>
+          <a:ln>
+            <a:noFill/>
+          </a:ln>
+        </p:spPr>
+        <p:style>
+          <a:lnRef idx="2">
+            <a:schemeClr val="accent1">
+              <a:shade val="50000"/>
+            </a:schemeClr>
+          </a:lnRef>
+          <a:fillRef idx="1">
+            <a:schemeClr val="accent1"/>
+          </a:fillRef>
+          <a:effectRef idx="0">
+            <a:schemeClr val="accent1"/>
+          </a:effectRef>
+          <a:fontRef idx="minor">
+            <a:schemeClr val="lt1"/>
+          </a:fontRef>
+        </p:style>
+        <p:txBody>
+          <a:bodyPr rtlCol="0" anchor="ctr"/>
+          <a:lstStyle/>
+          <a:p>
+            <a:pPr algn="ctr"/>
+            <a:endParaRPr lang="ko-KR" altLang="en-US">
+              <a:solidFill>
+                <a:schemeClr val="tx1"/>
+              </a:solidFill>
+            </a:endParaRPr>
           </a:p>
         </p:txBody>
       </p:sp>
     </p:spTree>
     <p:extLst>
       <p:ext uri="{BB962C8B-B14F-4D97-AF65-F5344CB8AC3E}">
-        <p14:creationId xmlns:p14="http://schemas.microsoft.com/office/powerpoint/2010/main" val="2226115319"/>
+        <p14:creationId xmlns:p14="http://schemas.microsoft.com/office/powerpoint/2010/main" val="4006437289"/>
       </p:ext>
     </p:extLst>
   </p:cSld>
@@ -8958,7 +8872,7 @@
           <a:p>
             <a:r>
               <a:rPr lang="en-US" altLang="ko-KR" dirty="0" smtClean="0"/>
-              <a:t>class_master.csv</a:t>
+              <a:t>Data</a:t>
             </a:r>
             <a:endParaRPr lang="ko-KR" altLang="en-US" dirty="0"/>
           </a:p>
@@ -8994,10 +8908,246 @@
           </a:prstGeom>
         </p:spPr>
       </p:pic>
+      <p:sp>
+        <p:nvSpPr>
+          <p:cNvPr id="5" name="TextBox 4"/>
+          <p:cNvSpPr txBox="1"/>
+          <p:nvPr/>
+        </p:nvSpPr>
+        <p:spPr>
+          <a:xfrm>
+            <a:off x="933828" y="1311469"/>
+            <a:ext cx="10724827" cy="369332"/>
+          </a:xfrm>
+          <a:prstGeom prst="rect">
+            <a:avLst/>
+          </a:prstGeom>
+          <a:noFill/>
+        </p:spPr>
+        <p:txBody>
+          <a:bodyPr wrap="square" rtlCol="0">
+            <a:spAutoFit/>
+          </a:bodyPr>
+          <a:lstStyle/>
+          <a:p>
+            <a:r>
+              <a:rPr lang="en-US" altLang="ko-KR" dirty="0"/>
+              <a:t>class_master.csv</a:t>
+            </a:r>
+            <a:endParaRPr lang="ko-KR" altLang="en-US" dirty="0"/>
+          </a:p>
+        </p:txBody>
+      </p:sp>
     </p:spTree>
     <p:extLst>
       <p:ext uri="{BB962C8B-B14F-4D97-AF65-F5344CB8AC3E}">
         <p14:creationId xmlns:p14="http://schemas.microsoft.com/office/powerpoint/2010/main" val="496394956"/>
+      </p:ext>
+    </p:extLst>
+  </p:cSld>
+  <p:clrMapOvr>
+    <a:masterClrMapping/>
+  </p:clrMapOvr>
+</p:sld>
+</file>
+
+<file path=ppt/slides/slide40.xml><?xml version="1.0" encoding="utf-8"?>
+<p:sld xmlns:a="http://schemas.openxmlformats.org/drawingml/2006/main" xmlns:r="http://schemas.openxmlformats.org/officeDocument/2006/relationships" xmlns:p="http://schemas.openxmlformats.org/presentationml/2006/main">
+  <p:cSld>
+    <p:spTree>
+      <p:nvGrpSpPr>
+        <p:cNvPr id="1" name=""/>
+        <p:cNvGrpSpPr/>
+        <p:nvPr/>
+      </p:nvGrpSpPr>
+      <p:grpSpPr>
+        <a:xfrm>
+          <a:off x="0" y="0"/>
+          <a:ext cx="0" cy="0"/>
+          <a:chOff x="0" y="0"/>
+          <a:chExt cx="0" cy="0"/>
+        </a:xfrm>
+      </p:grpSpPr>
+      <p:sp>
+        <p:nvSpPr>
+          <p:cNvPr id="2" name="제목 1"/>
+          <p:cNvSpPr>
+            <a:spLocks noGrp="1"/>
+          </p:cNvSpPr>
+          <p:nvPr>
+            <p:ph type="title"/>
+          </p:nvPr>
+        </p:nvSpPr>
+        <p:spPr/>
+        <p:txBody>
+          <a:bodyPr/>
+          <a:lstStyle/>
+          <a:p>
+            <a:r>
+              <a:rPr lang="ko-KR" altLang="en-US" dirty="0" smtClean="0"/>
+              <a:t>모델 평가</a:t>
+            </a:r>
+            <a:endParaRPr lang="ko-KR" altLang="en-US" dirty="0"/>
+          </a:p>
+        </p:txBody>
+      </p:sp>
+      <p:pic>
+        <p:nvPicPr>
+          <p:cNvPr id="3" name="그림 2"/>
+          <p:cNvPicPr>
+            <a:picLocks noChangeAspect="1"/>
+          </p:cNvPicPr>
+          <p:nvPr/>
+        </p:nvPicPr>
+        <p:blipFill>
+          <a:blip r:embed="rId2">
+            <a:extLst>
+              <a:ext uri="{28A0092B-C50C-407E-A947-70E740481C1C}">
+                <a14:useLocalDpi xmlns:a14="http://schemas.microsoft.com/office/drawing/2010/main" val="0"/>
+              </a:ext>
+            </a:extLst>
+          </a:blip>
+          <a:stretch>
+            <a:fillRect/>
+          </a:stretch>
+        </p:blipFill>
+        <p:spPr>
+          <a:xfrm>
+            <a:off x="1302725" y="1674170"/>
+            <a:ext cx="5439037" cy="4646944"/>
+          </a:xfrm>
+          <a:prstGeom prst="rect">
+            <a:avLst/>
+          </a:prstGeom>
+        </p:spPr>
+      </p:pic>
+      <p:sp>
+        <p:nvSpPr>
+          <p:cNvPr id="4" name="TextBox 3"/>
+          <p:cNvSpPr txBox="1"/>
+          <p:nvPr/>
+        </p:nvSpPr>
+        <p:spPr>
+          <a:xfrm>
+            <a:off x="7144719" y="2014780"/>
+            <a:ext cx="4556501" cy="923330"/>
+          </a:xfrm>
+          <a:prstGeom prst="rect">
+            <a:avLst/>
+          </a:prstGeom>
+          <a:noFill/>
+        </p:spPr>
+        <p:txBody>
+          <a:bodyPr wrap="square" rtlCol="0">
+            <a:spAutoFit/>
+          </a:bodyPr>
+          <a:lstStyle/>
+          <a:p>
+            <a:r>
+              <a:rPr lang="en-US" altLang="ko-KR" dirty="0"/>
+              <a:t>a</a:t>
+            </a:r>
+            <a:r>
+              <a:rPr lang="en-US" altLang="ko-KR" dirty="0" smtClean="0"/>
+              <a:t>ccuracy = </a:t>
+            </a:r>
+          </a:p>
+          <a:p>
+            <a:r>
+              <a:rPr lang="en-US" altLang="ko-KR" dirty="0" smtClean="0"/>
+              <a:t>(</a:t>
+            </a:r>
+            <a:r>
+              <a:rPr lang="en-US" altLang="ko-KR" dirty="0"/>
+              <a:t>238</a:t>
+            </a:r>
+            <a:r>
+              <a:rPr lang="ko-KR" altLang="en-US" dirty="0"/>
+              <a:t> </a:t>
+            </a:r>
+            <a:r>
+              <a:rPr lang="en-US" altLang="ko-KR" dirty="0"/>
+              <a:t>+</a:t>
+            </a:r>
+            <a:r>
+              <a:rPr lang="ko-KR" altLang="en-US" dirty="0"/>
+              <a:t> </a:t>
+            </a:r>
+            <a:r>
+              <a:rPr lang="en-US" altLang="ko-KR" dirty="0"/>
+              <a:t>238) /</a:t>
+            </a:r>
+            <a:r>
+              <a:rPr lang="ko-KR" altLang="en-US" dirty="0"/>
+              <a:t> </a:t>
+            </a:r>
+            <a:r>
+              <a:rPr lang="en-US" altLang="ko-KR" dirty="0"/>
+              <a:t>(238</a:t>
+            </a:r>
+            <a:r>
+              <a:rPr lang="ko-KR" altLang="en-US" dirty="0"/>
+              <a:t> </a:t>
+            </a:r>
+            <a:r>
+              <a:rPr lang="en-US" altLang="ko-KR" dirty="0"/>
+              <a:t>+</a:t>
+            </a:r>
+            <a:r>
+              <a:rPr lang="ko-KR" altLang="en-US" dirty="0"/>
+              <a:t> </a:t>
+            </a:r>
+            <a:r>
+              <a:rPr lang="en-US" altLang="ko-KR" dirty="0"/>
+              <a:t>238</a:t>
+            </a:r>
+            <a:r>
+              <a:rPr lang="ko-KR" altLang="en-US" dirty="0"/>
+              <a:t> </a:t>
+            </a:r>
+            <a:r>
+              <a:rPr lang="en-US" altLang="ko-KR" dirty="0"/>
+              <a:t>+</a:t>
+            </a:r>
+            <a:r>
+              <a:rPr lang="ko-KR" altLang="en-US" dirty="0"/>
+              <a:t> </a:t>
+            </a:r>
+            <a:r>
+              <a:rPr lang="en-US" altLang="ko-KR" dirty="0"/>
+              <a:t>33</a:t>
+            </a:r>
+            <a:r>
+              <a:rPr lang="ko-KR" altLang="en-US" dirty="0"/>
+              <a:t> </a:t>
+            </a:r>
+            <a:r>
+              <a:rPr lang="en-US" altLang="ko-KR" dirty="0"/>
+              <a:t>+</a:t>
+            </a:r>
+            <a:r>
+              <a:rPr lang="ko-KR" altLang="en-US" dirty="0"/>
+              <a:t> </a:t>
+            </a:r>
+            <a:r>
+              <a:rPr lang="en-US" altLang="ko-KR" dirty="0"/>
+              <a:t>17</a:t>
+            </a:r>
+            <a:r>
+              <a:rPr lang="en-US" altLang="ko-KR" dirty="0" smtClean="0"/>
+              <a:t>) = </a:t>
+            </a:r>
+            <a:r>
+              <a:rPr lang="en-US" altLang="ko-KR" dirty="0"/>
+              <a:t>0.9049429657794676</a:t>
+            </a:r>
+          </a:p>
+        </p:txBody>
+      </p:sp>
+    </p:spTree>
+    <p:extLst>
+      <p:ext uri="{BB962C8B-B14F-4D97-AF65-F5344CB8AC3E}">
+        <p14:creationId xmlns:p14="http://schemas.microsoft.com/office/powerpoint/2010/main" val="2226115319"/>
       </p:ext>
     </p:extLst>
   </p:cSld>
@@ -9041,7 +9191,7 @@
           <a:p>
             <a:r>
               <a:rPr lang="en-US" altLang="ko-KR" dirty="0" smtClean="0"/>
-              <a:t>campaign_master.csv</a:t>
+              <a:t>Data</a:t>
             </a:r>
             <a:endParaRPr lang="ko-KR" altLang="en-US" dirty="0"/>
           </a:p>
@@ -9077,6 +9227,36 @@
           </a:prstGeom>
         </p:spPr>
       </p:pic>
+      <p:sp>
+        <p:nvSpPr>
+          <p:cNvPr id="5" name="TextBox 4"/>
+          <p:cNvSpPr txBox="1"/>
+          <p:nvPr/>
+        </p:nvSpPr>
+        <p:spPr>
+          <a:xfrm>
+            <a:off x="933828" y="1311469"/>
+            <a:ext cx="10724827" cy="369332"/>
+          </a:xfrm>
+          <a:prstGeom prst="rect">
+            <a:avLst/>
+          </a:prstGeom>
+          <a:noFill/>
+        </p:spPr>
+        <p:txBody>
+          <a:bodyPr wrap="square" rtlCol="0">
+            <a:spAutoFit/>
+          </a:bodyPr>
+          <a:lstStyle/>
+          <a:p>
+            <a:r>
+              <a:rPr lang="en-US" altLang="ko-KR" dirty="0"/>
+              <a:t>campaign_master.csv</a:t>
+            </a:r>
+            <a:endParaRPr lang="ko-KR" altLang="en-US" dirty="0"/>
+          </a:p>
+        </p:txBody>
+      </p:sp>
     </p:spTree>
     <p:extLst>
       <p:ext uri="{BB962C8B-B14F-4D97-AF65-F5344CB8AC3E}">
@@ -9123,12 +9303,8 @@
           <a:lstStyle/>
           <a:p>
             <a:r>
-              <a:rPr lang="en-US" altLang="ko-KR" dirty="0"/>
-              <a:t>c</a:t>
-            </a:r>
-            <a:r>
               <a:rPr lang="en-US" altLang="ko-KR" dirty="0" smtClean="0"/>
-              <a:t>ustomer_master.csv</a:t>
+              <a:t>Data</a:t>
             </a:r>
             <a:endParaRPr lang="ko-KR" altLang="en-US" dirty="0"/>
           </a:p>
@@ -9411,6 +9587,36 @@
             <a:r>
               <a:rPr lang="ko-KR" altLang="en-US" dirty="0" smtClean="0"/>
               <a:t>탈퇴 일자</a:t>
+            </a:r>
+            <a:endParaRPr lang="ko-KR" altLang="en-US" dirty="0"/>
+          </a:p>
+        </p:txBody>
+      </p:sp>
+      <p:sp>
+        <p:nvSpPr>
+          <p:cNvPr id="13" name="TextBox 12"/>
+          <p:cNvSpPr txBox="1"/>
+          <p:nvPr/>
+        </p:nvSpPr>
+        <p:spPr>
+          <a:xfrm>
+            <a:off x="933828" y="1311469"/>
+            <a:ext cx="10724827" cy="369332"/>
+          </a:xfrm>
+          <a:prstGeom prst="rect">
+            <a:avLst/>
+          </a:prstGeom>
+          <a:noFill/>
+        </p:spPr>
+        <p:txBody>
+          <a:bodyPr wrap="square" rtlCol="0">
+            <a:spAutoFit/>
+          </a:bodyPr>
+          <a:lstStyle/>
+          <a:p>
+            <a:r>
+              <a:rPr lang="en-US" altLang="ko-KR" dirty="0"/>
+              <a:t>customer_master.csv</a:t>
             </a:r>
             <a:endParaRPr lang="ko-KR" altLang="en-US" dirty="0"/>
           </a:p>
@@ -9564,46 +9770,154 @@
           <a:p>
             <a:r>
               <a:rPr lang="ko-KR" altLang="en-US" dirty="0" smtClean="0"/>
-              <a:t>데이터 요약</a:t>
+              <a:t>데이터 결합</a:t>
+            </a:r>
+            <a:r>
+              <a:rPr lang="en-US" altLang="ko-KR" dirty="0" smtClean="0"/>
+              <a:t> </a:t>
             </a:r>
             <a:endParaRPr lang="ko-KR" altLang="en-US" dirty="0"/>
           </a:p>
         </p:txBody>
       </p:sp>
-      <p:sp>
-        <p:nvSpPr>
-          <p:cNvPr id="3" name="TextBox 2"/>
-          <p:cNvSpPr txBox="1"/>
+      <p:pic>
+        <p:nvPicPr>
+          <p:cNvPr id="3" name="그림 2"/>
+          <p:cNvPicPr>
+            <a:picLocks noChangeAspect="1"/>
+          </p:cNvPicPr>
           <p:nvPr/>
-        </p:nvSpPr>
-        <p:spPr>
-          <a:xfrm>
-            <a:off x="546371" y="1733786"/>
-            <a:ext cx="10724827" cy="369332"/>
+        </p:nvPicPr>
+        <p:blipFill>
+          <a:blip r:embed="rId2">
+            <a:extLst>
+              <a:ext uri="{28A0092B-C50C-407E-A947-70E740481C1C}">
+                <a14:useLocalDpi xmlns:a14="http://schemas.microsoft.com/office/drawing/2010/main" val="0"/>
+              </a:ext>
+            </a:extLst>
+          </a:blip>
+          <a:stretch>
+            <a:fillRect/>
+          </a:stretch>
+        </p:blipFill>
+        <p:spPr>
+          <a:xfrm>
+            <a:off x="822787" y="2765780"/>
+            <a:ext cx="10546427" cy="2212361"/>
           </a:xfrm>
           <a:prstGeom prst="rect">
             <a:avLst/>
           </a:prstGeom>
-          <a:noFill/>
-        </p:spPr>
-        <p:txBody>
-          <a:bodyPr wrap="square" rtlCol="0">
-            <a:spAutoFit/>
-          </a:bodyPr>
-          <a:lstStyle/>
-          <a:p>
-            <a:r>
-              <a:rPr lang="ko-KR" altLang="en-US" dirty="0" smtClean="0"/>
-              <a:t>표로 정리</a:t>
-            </a:r>
-            <a:endParaRPr lang="ko-KR" altLang="en-US" dirty="0"/>
+        </p:spPr>
+      </p:pic>
+      <p:sp>
+        <p:nvSpPr>
+          <p:cNvPr id="4" name="액자 3"/>
+          <p:cNvSpPr/>
+          <p:nvPr/>
+        </p:nvSpPr>
+        <p:spPr>
+          <a:xfrm>
+            <a:off x="9435829" y="2655650"/>
+            <a:ext cx="2052537" cy="2451371"/>
+          </a:xfrm>
+          <a:prstGeom prst="frame">
+            <a:avLst>
+              <a:gd name="adj1" fmla="val 6310"/>
+            </a:avLst>
+          </a:prstGeom>
+          <a:solidFill>
+            <a:srgbClr val="FF0000"/>
+          </a:solidFill>
+          <a:ln>
+            <a:noFill/>
+          </a:ln>
+        </p:spPr>
+        <p:style>
+          <a:lnRef idx="2">
+            <a:schemeClr val="accent1">
+              <a:shade val="50000"/>
+            </a:schemeClr>
+          </a:lnRef>
+          <a:fillRef idx="1">
+            <a:schemeClr val="accent1"/>
+          </a:fillRef>
+          <a:effectRef idx="0">
+            <a:schemeClr val="accent1"/>
+          </a:effectRef>
+          <a:fontRef idx="minor">
+            <a:schemeClr val="lt1"/>
+          </a:fontRef>
+        </p:style>
+        <p:txBody>
+          <a:bodyPr rtlCol="0" anchor="ctr"/>
+          <a:lstStyle/>
+          <a:p>
+            <a:pPr algn="ctr"/>
+            <a:endParaRPr lang="ko-KR" altLang="en-US">
+              <a:solidFill>
+                <a:schemeClr val="tx1"/>
+              </a:solidFill>
+            </a:endParaRPr>
+          </a:p>
+        </p:txBody>
+      </p:sp>
+      <p:sp>
+        <p:nvSpPr>
+          <p:cNvPr id="5" name="액자 4"/>
+          <p:cNvSpPr/>
+          <p:nvPr/>
+        </p:nvSpPr>
+        <p:spPr>
+          <a:xfrm>
+            <a:off x="3077980" y="2655650"/>
+            <a:ext cx="667169" cy="2451371"/>
+          </a:xfrm>
+          <a:prstGeom prst="frame">
+            <a:avLst>
+              <a:gd name="adj1" fmla="val 15058"/>
+            </a:avLst>
+          </a:prstGeom>
+          <a:solidFill>
+            <a:srgbClr val="FF0000"/>
+          </a:solidFill>
+          <a:ln>
+            <a:noFill/>
+          </a:ln>
+        </p:spPr>
+        <p:style>
+          <a:lnRef idx="2">
+            <a:schemeClr val="accent1">
+              <a:shade val="50000"/>
+            </a:schemeClr>
+          </a:lnRef>
+          <a:fillRef idx="1">
+            <a:schemeClr val="accent1"/>
+          </a:fillRef>
+          <a:effectRef idx="0">
+            <a:schemeClr val="accent1"/>
+          </a:effectRef>
+          <a:fontRef idx="minor">
+            <a:schemeClr val="lt1"/>
+          </a:fontRef>
+        </p:style>
+        <p:txBody>
+          <a:bodyPr rtlCol="0" anchor="ctr"/>
+          <a:lstStyle/>
+          <a:p>
+            <a:pPr algn="ctr"/>
+            <a:endParaRPr lang="ko-KR" altLang="en-US">
+              <a:solidFill>
+                <a:schemeClr val="tx1"/>
+              </a:solidFill>
+            </a:endParaRPr>
           </a:p>
         </p:txBody>
       </p:sp>
     </p:spTree>
     <p:extLst>
       <p:ext uri="{BB962C8B-B14F-4D97-AF65-F5344CB8AC3E}">
-        <p14:creationId xmlns:p14="http://schemas.microsoft.com/office/powerpoint/2010/main" val="3977653906"/>
+        <p14:creationId xmlns:p14="http://schemas.microsoft.com/office/powerpoint/2010/main" val="1175614737"/>
       </p:ext>
     </p:extLst>
   </p:cSld>
@@ -9649,10 +9963,6 @@
               <a:rPr lang="ko-KR" altLang="en-US" dirty="0" smtClean="0"/>
               <a:t>데이터 결합</a:t>
             </a:r>
-            <a:r>
-              <a:rPr lang="en-US" altLang="ko-KR" dirty="0" smtClean="0"/>
-              <a:t> </a:t>
-            </a:r>
             <a:endParaRPr lang="ko-KR" altLang="en-US" dirty="0"/>
           </a:p>
         </p:txBody>
@@ -9679,8 +9989,8 @@
         </p:blipFill>
         <p:spPr>
           <a:xfrm>
-            <a:off x="822787" y="2765780"/>
-            <a:ext cx="10546427" cy="2212361"/>
+            <a:off x="310865" y="3081828"/>
+            <a:ext cx="11570270" cy="2113567"/>
           </a:xfrm>
           <a:prstGeom prst="rect">
             <a:avLst/>
@@ -9695,8 +10005,8 @@
         </p:nvSpPr>
         <p:spPr>
           <a:xfrm>
-            <a:off x="9435829" y="2655650"/>
-            <a:ext cx="2052537" cy="2451371"/>
+            <a:off x="9610927" y="2955151"/>
+            <a:ext cx="2422188" cy="2366919"/>
           </a:xfrm>
           <a:prstGeom prst="frame">
             <a:avLst>
@@ -9747,12 +10057,12 @@
         </p:nvSpPr>
         <p:spPr>
           <a:xfrm>
-            <a:off x="3077980" y="2655650"/>
-            <a:ext cx="667169" cy="2451371"/>
+            <a:off x="6434022" y="2997377"/>
+            <a:ext cx="1318922" cy="2282468"/>
           </a:xfrm>
           <a:prstGeom prst="frame">
             <a:avLst>
-              <a:gd name="adj1" fmla="val 15058"/>
+              <a:gd name="adj1" fmla="val 7683"/>
             </a:avLst>
           </a:prstGeom>
           <a:solidFill>
@@ -9794,7 +10104,7 @@
     </p:spTree>
     <p:extLst>
       <p:ext uri="{BB962C8B-B14F-4D97-AF65-F5344CB8AC3E}">
-        <p14:creationId xmlns:p14="http://schemas.microsoft.com/office/powerpoint/2010/main" val="1175614737"/>
+        <p14:creationId xmlns:p14="http://schemas.microsoft.com/office/powerpoint/2010/main" val="2656117148"/>
       </p:ext>
     </p:extLst>
   </p:cSld>
